--- a/resources/ml_pipeline.pptx
+++ b/resources/ml_pipeline.pptx
@@ -5,19 +5,26 @@
     <p:sldMasterId id="2147483677" r:id="rId4"/>
   </p:sldMasterIdLst>
   <p:notesMasterIdLst>
-    <p:notesMasterId r:id="rId15"/>
+    <p:notesMasterId r:id="rId22"/>
   </p:notesMasterIdLst>
   <p:sldIdLst>
     <p:sldId id="260" r:id="rId5"/>
-    <p:sldId id="270" r:id="rId6"/>
-    <p:sldId id="323" r:id="rId7"/>
-    <p:sldId id="325" r:id="rId8"/>
-    <p:sldId id="328" r:id="rId9"/>
-    <p:sldId id="329" r:id="rId10"/>
-    <p:sldId id="326" r:id="rId11"/>
-    <p:sldId id="327" r:id="rId12"/>
-    <p:sldId id="330" r:id="rId13"/>
-    <p:sldId id="324" r:id="rId14"/>
+    <p:sldId id="331" r:id="rId6"/>
+    <p:sldId id="334" r:id="rId7"/>
+    <p:sldId id="340" r:id="rId8"/>
+    <p:sldId id="333" r:id="rId9"/>
+    <p:sldId id="335" r:id="rId10"/>
+    <p:sldId id="337" r:id="rId11"/>
+    <p:sldId id="336" r:id="rId12"/>
+    <p:sldId id="338" r:id="rId13"/>
+    <p:sldId id="332" r:id="rId14"/>
+    <p:sldId id="339" r:id="rId15"/>
+    <p:sldId id="325" r:id="rId16"/>
+    <p:sldId id="328" r:id="rId17"/>
+    <p:sldId id="326" r:id="rId18"/>
+    <p:sldId id="327" r:id="rId19"/>
+    <p:sldId id="330" r:id="rId20"/>
+    <p:sldId id="324" r:id="rId21"/>
   </p:sldIdLst>
   <p:sldSz cx="12192000" cy="6858000"/>
   <p:notesSz cx="6858000" cy="9144000"/>
@@ -501,18 +508,167 @@
     </pc:docChg>
   </pc:docChgLst>
   <pc:docChgLst>
-    <pc:chgData name="Andrew Gilman" userId="484dce68-b834-4103-a9e6-be5c78b2d897" providerId="ADAL" clId="{B9549701-0873-CE4D-A41B-391BFA1C1C85}"/>
-    <pc:docChg chg="modSld">
-      <pc:chgData name="Andrew Gilman" userId="484dce68-b834-4103-a9e6-be5c78b2d897" providerId="ADAL" clId="{B9549701-0873-CE4D-A41B-391BFA1C1C85}" dt="2020-11-08T20:15:19.194" v="52" actId="20577"/>
+    <pc:chgData name="Louis Ranjard" userId="S::louis@pri.co.nz::81a860ef-ac01-4e0e-a6df-80d2ba17940a" providerId="AD" clId="Web-{FDE5C131-3C94-458E-8002-9CD33AB4C02D}"/>
+    <pc:docChg chg="addSld modSld">
+      <pc:chgData name="Louis Ranjard" userId="S::louis@pri.co.nz::81a860ef-ac01-4e0e-a6df-80d2ba17940a" providerId="AD" clId="Web-{FDE5C131-3C94-458E-8002-9CD33AB4C02D}" dt="2021-01-26T04:12:07.274" v="207" actId="1076"/>
       <pc:docMkLst>
         <pc:docMk/>
       </pc:docMkLst>
-      <pc:sldChg chg="modNotesTx">
-        <pc:chgData name="Andrew Gilman" userId="484dce68-b834-4103-a9e6-be5c78b2d897" providerId="ADAL" clId="{B9549701-0873-CE4D-A41B-391BFA1C1C85}" dt="2020-11-08T20:15:19.194" v="52" actId="20577"/>
+      <pc:sldChg chg="modSp">
+        <pc:chgData name="Louis Ranjard" userId="S::louis@pri.co.nz::81a860ef-ac01-4e0e-a6df-80d2ba17940a" providerId="AD" clId="Web-{FDE5C131-3C94-458E-8002-9CD33AB4C02D}" dt="2021-01-26T03:56:45.584" v="158" actId="1076"/>
         <pc:sldMkLst>
           <pc:docMk/>
-          <pc:sldMk cId="2924741900" sldId="293"/>
+          <pc:sldMk cId="3544544244" sldId="302"/>
         </pc:sldMkLst>
+        <pc:picChg chg="mod">
+          <ac:chgData name="Louis Ranjard" userId="S::louis@pri.co.nz::81a860ef-ac01-4e0e-a6df-80d2ba17940a" providerId="AD" clId="Web-{FDE5C131-3C94-458E-8002-9CD33AB4C02D}" dt="2021-01-26T03:56:45.584" v="158" actId="1076"/>
+          <ac:picMkLst>
+            <pc:docMk/>
+            <pc:sldMk cId="3544544244" sldId="302"/>
+            <ac:picMk id="5" creationId="{04273801-6EF1-4243-8695-3252F0590016}"/>
+          </ac:picMkLst>
+        </pc:picChg>
+        <pc:picChg chg="mod">
+          <ac:chgData name="Louis Ranjard" userId="S::louis@pri.co.nz::81a860ef-ac01-4e0e-a6df-80d2ba17940a" providerId="AD" clId="Web-{FDE5C131-3C94-458E-8002-9CD33AB4C02D}" dt="2021-01-26T03:56:42.771" v="157" actId="1076"/>
+          <ac:picMkLst>
+            <pc:docMk/>
+            <pc:sldMk cId="3544544244" sldId="302"/>
+            <ac:picMk id="7" creationId="{DEB13C9E-F8F1-4656-9796-7F860C578F55}"/>
+          </ac:picMkLst>
+        </pc:picChg>
+      </pc:sldChg>
+      <pc:sldChg chg="modSp">
+        <pc:chgData name="Louis Ranjard" userId="S::louis@pri.co.nz::81a860ef-ac01-4e0e-a6df-80d2ba17940a" providerId="AD" clId="Web-{FDE5C131-3C94-458E-8002-9CD33AB4C02D}" dt="2021-01-26T03:57:40.554" v="165" actId="1076"/>
+        <pc:sldMkLst>
+          <pc:docMk/>
+          <pc:sldMk cId="4107157796" sldId="318"/>
+        </pc:sldMkLst>
+        <pc:picChg chg="mod">
+          <ac:chgData name="Louis Ranjard" userId="S::louis@pri.co.nz::81a860ef-ac01-4e0e-a6df-80d2ba17940a" providerId="AD" clId="Web-{FDE5C131-3C94-458E-8002-9CD33AB4C02D}" dt="2021-01-26T03:57:13.631" v="162" actId="14100"/>
+          <ac:picMkLst>
+            <pc:docMk/>
+            <pc:sldMk cId="4107157796" sldId="318"/>
+            <ac:picMk id="4" creationId="{381E93DA-0FD9-5B46-8EF2-B76A288B44B6}"/>
+          </ac:picMkLst>
+        </pc:picChg>
+        <pc:picChg chg="mod">
+          <ac:chgData name="Louis Ranjard" userId="S::louis@pri.co.nz::81a860ef-ac01-4e0e-a6df-80d2ba17940a" providerId="AD" clId="Web-{FDE5C131-3C94-458E-8002-9CD33AB4C02D}" dt="2021-01-26T03:57:40.554" v="165" actId="1076"/>
+          <ac:picMkLst>
+            <pc:docMk/>
+            <pc:sldMk cId="4107157796" sldId="318"/>
+            <ac:picMk id="5" creationId="{1C293AB7-06EE-BD47-BA0E-D3233AACDBB0}"/>
+          </ac:picMkLst>
+        </pc:picChg>
+      </pc:sldChg>
+      <pc:sldChg chg="modSp">
+        <pc:chgData name="Louis Ranjard" userId="S::louis@pri.co.nz::81a860ef-ac01-4e0e-a6df-80d2ba17940a" providerId="AD" clId="Web-{FDE5C131-3C94-458E-8002-9CD33AB4C02D}" dt="2021-01-26T03:58:46.945" v="176" actId="20577"/>
+        <pc:sldMkLst>
+          <pc:docMk/>
+          <pc:sldMk cId="254717493" sldId="320"/>
+        </pc:sldMkLst>
+        <pc:spChg chg="mod">
+          <ac:chgData name="Louis Ranjard" userId="S::louis@pri.co.nz::81a860ef-ac01-4e0e-a6df-80d2ba17940a" providerId="AD" clId="Web-{FDE5C131-3C94-458E-8002-9CD33AB4C02D}" dt="2021-01-26T03:58:46.945" v="176" actId="20577"/>
+          <ac:spMkLst>
+            <pc:docMk/>
+            <pc:sldMk cId="254717493" sldId="320"/>
+            <ac:spMk id="2" creationId="{E5685C86-3370-4141-87BE-0AF78122C44D}"/>
+          </ac:spMkLst>
+        </pc:spChg>
+      </pc:sldChg>
+      <pc:sldChg chg="addSp delSp modSp add replId">
+        <pc:chgData name="Louis Ranjard" userId="S::louis@pri.co.nz::81a860ef-ac01-4e0e-a6df-80d2ba17940a" providerId="AD" clId="Web-{FDE5C131-3C94-458E-8002-9CD33AB4C02D}" dt="2021-01-26T04:12:07.274" v="207" actId="1076"/>
+        <pc:sldMkLst>
+          <pc:docMk/>
+          <pc:sldMk cId="974601487" sldId="321"/>
+        </pc:sldMkLst>
+        <pc:spChg chg="mod">
+          <ac:chgData name="Louis Ranjard" userId="S::louis@pri.co.nz::81a860ef-ac01-4e0e-a6df-80d2ba17940a" providerId="AD" clId="Web-{FDE5C131-3C94-458E-8002-9CD33AB4C02D}" dt="2021-01-26T03:51:30.344" v="10" actId="20577"/>
+          <ac:spMkLst>
+            <pc:docMk/>
+            <pc:sldMk cId="974601487" sldId="321"/>
+            <ac:spMk id="2" creationId="{CD0E6AB5-B784-1048-BAF5-3D0A0E9FAEA5}"/>
+          </ac:spMkLst>
+        </pc:spChg>
+        <pc:spChg chg="mod">
+          <ac:chgData name="Louis Ranjard" userId="S::louis@pri.co.nz::81a860ef-ac01-4e0e-a6df-80d2ba17940a" providerId="AD" clId="Web-{FDE5C131-3C94-458E-8002-9CD33AB4C02D}" dt="2021-01-26T04:01:44.120" v="188" actId="20577"/>
+          <ac:spMkLst>
+            <pc:docMk/>
+            <pc:sldMk cId="974601487" sldId="321"/>
+            <ac:spMk id="3" creationId="{CE18DDA1-635F-0E48-A662-EB17B2B828A7}"/>
+          </ac:spMkLst>
+        </pc:spChg>
+        <pc:graphicFrameChg chg="del">
+          <ac:chgData name="Louis Ranjard" userId="S::louis@pri.co.nz::81a860ef-ac01-4e0e-a6df-80d2ba17940a" providerId="AD" clId="Web-{FDE5C131-3C94-458E-8002-9CD33AB4C02D}" dt="2021-01-26T03:51:10.640" v="3"/>
+          <ac:graphicFrameMkLst>
+            <pc:docMk/>
+            <pc:sldMk cId="974601487" sldId="321"/>
+            <ac:graphicFrameMk id="7" creationId="{1C6AB9D7-10DD-EE4F-A75C-EE5E399507C7}"/>
+          </ac:graphicFrameMkLst>
+        </pc:graphicFrameChg>
+        <pc:picChg chg="del">
+          <ac:chgData name="Louis Ranjard" userId="S::louis@pri.co.nz::81a860ef-ac01-4e0e-a6df-80d2ba17940a" providerId="AD" clId="Web-{FDE5C131-3C94-458E-8002-9CD33AB4C02D}" dt="2021-01-26T03:51:06.125" v="1"/>
+          <ac:picMkLst>
+            <pc:docMk/>
+            <pc:sldMk cId="974601487" sldId="321"/>
+            <ac:picMk id="4" creationId="{381E93DA-0FD9-5B46-8EF2-B76A288B44B6}"/>
+          </ac:picMkLst>
+        </pc:picChg>
+        <pc:picChg chg="del">
+          <ac:chgData name="Louis Ranjard" userId="S::louis@pri.co.nz::81a860ef-ac01-4e0e-a6df-80d2ba17940a" providerId="AD" clId="Web-{FDE5C131-3C94-458E-8002-9CD33AB4C02D}" dt="2021-01-26T03:51:06.750" v="2"/>
+          <ac:picMkLst>
+            <pc:docMk/>
+            <pc:sldMk cId="974601487" sldId="321"/>
+            <ac:picMk id="5" creationId="{1C293AB7-06EE-BD47-BA0E-D3233AACDBB0}"/>
+          </ac:picMkLst>
+        </pc:picChg>
+        <pc:picChg chg="add del mod">
+          <ac:chgData name="Louis Ranjard" userId="S::louis@pri.co.nz::81a860ef-ac01-4e0e-a6df-80d2ba17940a" providerId="AD" clId="Web-{FDE5C131-3C94-458E-8002-9CD33AB4C02D}" dt="2021-01-26T04:10:19.256" v="192"/>
+          <ac:picMkLst>
+            <pc:docMk/>
+            <pc:sldMk cId="974601487" sldId="321"/>
+            <ac:picMk id="6" creationId="{58F2CD46-9878-4990-B228-07AAB00F31AB}"/>
+          </ac:picMkLst>
+        </pc:picChg>
+        <pc:picChg chg="add del mod">
+          <ac:chgData name="Louis Ranjard" userId="S::louis@pri.co.nz::81a860ef-ac01-4e0e-a6df-80d2ba17940a" providerId="AD" clId="Web-{FDE5C131-3C94-458E-8002-9CD33AB4C02D}" dt="2021-01-26T04:10:19.944" v="193"/>
+          <ac:picMkLst>
+            <pc:docMk/>
+            <pc:sldMk cId="974601487" sldId="321"/>
+            <ac:picMk id="8" creationId="{F2A81498-2687-4314-99BA-5971E0E7C554}"/>
+          </ac:picMkLst>
+        </pc:picChg>
+        <pc:picChg chg="add mod">
+          <ac:chgData name="Louis Ranjard" userId="S::louis@pri.co.nz::81a860ef-ac01-4e0e-a6df-80d2ba17940a" providerId="AD" clId="Web-{FDE5C131-3C94-458E-8002-9CD33AB4C02D}" dt="2021-01-26T04:11:59.352" v="202" actId="1076"/>
+          <ac:picMkLst>
+            <pc:docMk/>
+            <pc:sldMk cId="974601487" sldId="321"/>
+            <ac:picMk id="9" creationId="{C1D88913-FC55-4581-B227-4A46C275861E}"/>
+          </ac:picMkLst>
+        </pc:picChg>
+        <pc:picChg chg="add mod">
+          <ac:chgData name="Louis Ranjard" userId="S::louis@pri.co.nz::81a860ef-ac01-4e0e-a6df-80d2ba17940a" providerId="AD" clId="Web-{FDE5C131-3C94-458E-8002-9CD33AB4C02D}" dt="2021-01-26T04:12:03.649" v="206" actId="1076"/>
+          <ac:picMkLst>
+            <pc:docMk/>
+            <pc:sldMk cId="974601487" sldId="321"/>
+            <ac:picMk id="10" creationId="{0B551C2D-D377-48CC-B4C8-7EDF58F4BC73}"/>
+          </ac:picMkLst>
+        </pc:picChg>
+        <pc:picChg chg="add mod">
+          <ac:chgData name="Louis Ranjard" userId="S::louis@pri.co.nz::81a860ef-ac01-4e0e-a6df-80d2ba17940a" providerId="AD" clId="Web-{FDE5C131-3C94-458E-8002-9CD33AB4C02D}" dt="2021-01-26T04:12:07.274" v="207" actId="1076"/>
+          <ac:picMkLst>
+            <pc:docMk/>
+            <pc:sldMk cId="974601487" sldId="321"/>
+            <ac:picMk id="11" creationId="{8509FCB9-548F-49B0-867D-471D4424EA1C}"/>
+          </ac:picMkLst>
+        </pc:picChg>
+        <pc:picChg chg="add mod">
+          <ac:chgData name="Louis Ranjard" userId="S::louis@pri.co.nz::81a860ef-ac01-4e0e-a6df-80d2ba17940a" providerId="AD" clId="Web-{FDE5C131-3C94-458E-8002-9CD33AB4C02D}" dt="2021-01-26T04:11:59.383" v="205" actId="1076"/>
+          <ac:picMkLst>
+            <pc:docMk/>
+            <pc:sldMk cId="974601487" sldId="321"/>
+            <ac:picMk id="12" creationId="{254C26BA-2FB0-458D-946E-E92FF70A4B21}"/>
+          </ac:picMkLst>
+        </pc:picChg>
       </pc:sldChg>
     </pc:docChg>
   </pc:docChgLst>
@@ -1446,167 +1602,18 @@
     </pc:docChg>
   </pc:docChgLst>
   <pc:docChgLst>
-    <pc:chgData name="Louis Ranjard" userId="S::louis@pri.co.nz::81a860ef-ac01-4e0e-a6df-80d2ba17940a" providerId="AD" clId="Web-{FDE5C131-3C94-458E-8002-9CD33AB4C02D}"/>
-    <pc:docChg chg="addSld modSld">
-      <pc:chgData name="Louis Ranjard" userId="S::louis@pri.co.nz::81a860ef-ac01-4e0e-a6df-80d2ba17940a" providerId="AD" clId="Web-{FDE5C131-3C94-458E-8002-9CD33AB4C02D}" dt="2021-01-26T04:12:07.274" v="207" actId="1076"/>
+    <pc:chgData name="Andrew Gilman" userId="484dce68-b834-4103-a9e6-be5c78b2d897" providerId="ADAL" clId="{B9549701-0873-CE4D-A41B-391BFA1C1C85}"/>
+    <pc:docChg chg="modSld">
+      <pc:chgData name="Andrew Gilman" userId="484dce68-b834-4103-a9e6-be5c78b2d897" providerId="ADAL" clId="{B9549701-0873-CE4D-A41B-391BFA1C1C85}" dt="2020-11-08T20:15:19.194" v="52" actId="20577"/>
       <pc:docMkLst>
         <pc:docMk/>
       </pc:docMkLst>
-      <pc:sldChg chg="modSp">
-        <pc:chgData name="Louis Ranjard" userId="S::louis@pri.co.nz::81a860ef-ac01-4e0e-a6df-80d2ba17940a" providerId="AD" clId="Web-{FDE5C131-3C94-458E-8002-9CD33AB4C02D}" dt="2021-01-26T03:56:45.584" v="158" actId="1076"/>
+      <pc:sldChg chg="modNotesTx">
+        <pc:chgData name="Andrew Gilman" userId="484dce68-b834-4103-a9e6-be5c78b2d897" providerId="ADAL" clId="{B9549701-0873-CE4D-A41B-391BFA1C1C85}" dt="2020-11-08T20:15:19.194" v="52" actId="20577"/>
         <pc:sldMkLst>
           <pc:docMk/>
-          <pc:sldMk cId="3544544244" sldId="302"/>
+          <pc:sldMk cId="2924741900" sldId="293"/>
         </pc:sldMkLst>
-        <pc:picChg chg="mod">
-          <ac:chgData name="Louis Ranjard" userId="S::louis@pri.co.nz::81a860ef-ac01-4e0e-a6df-80d2ba17940a" providerId="AD" clId="Web-{FDE5C131-3C94-458E-8002-9CD33AB4C02D}" dt="2021-01-26T03:56:45.584" v="158" actId="1076"/>
-          <ac:picMkLst>
-            <pc:docMk/>
-            <pc:sldMk cId="3544544244" sldId="302"/>
-            <ac:picMk id="5" creationId="{04273801-6EF1-4243-8695-3252F0590016}"/>
-          </ac:picMkLst>
-        </pc:picChg>
-        <pc:picChg chg="mod">
-          <ac:chgData name="Louis Ranjard" userId="S::louis@pri.co.nz::81a860ef-ac01-4e0e-a6df-80d2ba17940a" providerId="AD" clId="Web-{FDE5C131-3C94-458E-8002-9CD33AB4C02D}" dt="2021-01-26T03:56:42.771" v="157" actId="1076"/>
-          <ac:picMkLst>
-            <pc:docMk/>
-            <pc:sldMk cId="3544544244" sldId="302"/>
-            <ac:picMk id="7" creationId="{DEB13C9E-F8F1-4656-9796-7F860C578F55}"/>
-          </ac:picMkLst>
-        </pc:picChg>
-      </pc:sldChg>
-      <pc:sldChg chg="modSp">
-        <pc:chgData name="Louis Ranjard" userId="S::louis@pri.co.nz::81a860ef-ac01-4e0e-a6df-80d2ba17940a" providerId="AD" clId="Web-{FDE5C131-3C94-458E-8002-9CD33AB4C02D}" dt="2021-01-26T03:57:40.554" v="165" actId="1076"/>
-        <pc:sldMkLst>
-          <pc:docMk/>
-          <pc:sldMk cId="4107157796" sldId="318"/>
-        </pc:sldMkLst>
-        <pc:picChg chg="mod">
-          <ac:chgData name="Louis Ranjard" userId="S::louis@pri.co.nz::81a860ef-ac01-4e0e-a6df-80d2ba17940a" providerId="AD" clId="Web-{FDE5C131-3C94-458E-8002-9CD33AB4C02D}" dt="2021-01-26T03:57:13.631" v="162" actId="14100"/>
-          <ac:picMkLst>
-            <pc:docMk/>
-            <pc:sldMk cId="4107157796" sldId="318"/>
-            <ac:picMk id="4" creationId="{381E93DA-0FD9-5B46-8EF2-B76A288B44B6}"/>
-          </ac:picMkLst>
-        </pc:picChg>
-        <pc:picChg chg="mod">
-          <ac:chgData name="Louis Ranjard" userId="S::louis@pri.co.nz::81a860ef-ac01-4e0e-a6df-80d2ba17940a" providerId="AD" clId="Web-{FDE5C131-3C94-458E-8002-9CD33AB4C02D}" dt="2021-01-26T03:57:40.554" v="165" actId="1076"/>
-          <ac:picMkLst>
-            <pc:docMk/>
-            <pc:sldMk cId="4107157796" sldId="318"/>
-            <ac:picMk id="5" creationId="{1C293AB7-06EE-BD47-BA0E-D3233AACDBB0}"/>
-          </ac:picMkLst>
-        </pc:picChg>
-      </pc:sldChg>
-      <pc:sldChg chg="modSp">
-        <pc:chgData name="Louis Ranjard" userId="S::louis@pri.co.nz::81a860ef-ac01-4e0e-a6df-80d2ba17940a" providerId="AD" clId="Web-{FDE5C131-3C94-458E-8002-9CD33AB4C02D}" dt="2021-01-26T03:58:46.945" v="176" actId="20577"/>
-        <pc:sldMkLst>
-          <pc:docMk/>
-          <pc:sldMk cId="254717493" sldId="320"/>
-        </pc:sldMkLst>
-        <pc:spChg chg="mod">
-          <ac:chgData name="Louis Ranjard" userId="S::louis@pri.co.nz::81a860ef-ac01-4e0e-a6df-80d2ba17940a" providerId="AD" clId="Web-{FDE5C131-3C94-458E-8002-9CD33AB4C02D}" dt="2021-01-26T03:58:46.945" v="176" actId="20577"/>
-          <ac:spMkLst>
-            <pc:docMk/>
-            <pc:sldMk cId="254717493" sldId="320"/>
-            <ac:spMk id="2" creationId="{E5685C86-3370-4141-87BE-0AF78122C44D}"/>
-          </ac:spMkLst>
-        </pc:spChg>
-      </pc:sldChg>
-      <pc:sldChg chg="addSp delSp modSp add replId">
-        <pc:chgData name="Louis Ranjard" userId="S::louis@pri.co.nz::81a860ef-ac01-4e0e-a6df-80d2ba17940a" providerId="AD" clId="Web-{FDE5C131-3C94-458E-8002-9CD33AB4C02D}" dt="2021-01-26T04:12:07.274" v="207" actId="1076"/>
-        <pc:sldMkLst>
-          <pc:docMk/>
-          <pc:sldMk cId="974601487" sldId="321"/>
-        </pc:sldMkLst>
-        <pc:spChg chg="mod">
-          <ac:chgData name="Louis Ranjard" userId="S::louis@pri.co.nz::81a860ef-ac01-4e0e-a6df-80d2ba17940a" providerId="AD" clId="Web-{FDE5C131-3C94-458E-8002-9CD33AB4C02D}" dt="2021-01-26T03:51:30.344" v="10" actId="20577"/>
-          <ac:spMkLst>
-            <pc:docMk/>
-            <pc:sldMk cId="974601487" sldId="321"/>
-            <ac:spMk id="2" creationId="{CD0E6AB5-B784-1048-BAF5-3D0A0E9FAEA5}"/>
-          </ac:spMkLst>
-        </pc:spChg>
-        <pc:spChg chg="mod">
-          <ac:chgData name="Louis Ranjard" userId="S::louis@pri.co.nz::81a860ef-ac01-4e0e-a6df-80d2ba17940a" providerId="AD" clId="Web-{FDE5C131-3C94-458E-8002-9CD33AB4C02D}" dt="2021-01-26T04:01:44.120" v="188" actId="20577"/>
-          <ac:spMkLst>
-            <pc:docMk/>
-            <pc:sldMk cId="974601487" sldId="321"/>
-            <ac:spMk id="3" creationId="{CE18DDA1-635F-0E48-A662-EB17B2B828A7}"/>
-          </ac:spMkLst>
-        </pc:spChg>
-        <pc:graphicFrameChg chg="del">
-          <ac:chgData name="Louis Ranjard" userId="S::louis@pri.co.nz::81a860ef-ac01-4e0e-a6df-80d2ba17940a" providerId="AD" clId="Web-{FDE5C131-3C94-458E-8002-9CD33AB4C02D}" dt="2021-01-26T03:51:10.640" v="3"/>
-          <ac:graphicFrameMkLst>
-            <pc:docMk/>
-            <pc:sldMk cId="974601487" sldId="321"/>
-            <ac:graphicFrameMk id="7" creationId="{1C6AB9D7-10DD-EE4F-A75C-EE5E399507C7}"/>
-          </ac:graphicFrameMkLst>
-        </pc:graphicFrameChg>
-        <pc:picChg chg="del">
-          <ac:chgData name="Louis Ranjard" userId="S::louis@pri.co.nz::81a860ef-ac01-4e0e-a6df-80d2ba17940a" providerId="AD" clId="Web-{FDE5C131-3C94-458E-8002-9CD33AB4C02D}" dt="2021-01-26T03:51:06.125" v="1"/>
-          <ac:picMkLst>
-            <pc:docMk/>
-            <pc:sldMk cId="974601487" sldId="321"/>
-            <ac:picMk id="4" creationId="{381E93DA-0FD9-5B46-8EF2-B76A288B44B6}"/>
-          </ac:picMkLst>
-        </pc:picChg>
-        <pc:picChg chg="del">
-          <ac:chgData name="Louis Ranjard" userId="S::louis@pri.co.nz::81a860ef-ac01-4e0e-a6df-80d2ba17940a" providerId="AD" clId="Web-{FDE5C131-3C94-458E-8002-9CD33AB4C02D}" dt="2021-01-26T03:51:06.750" v="2"/>
-          <ac:picMkLst>
-            <pc:docMk/>
-            <pc:sldMk cId="974601487" sldId="321"/>
-            <ac:picMk id="5" creationId="{1C293AB7-06EE-BD47-BA0E-D3233AACDBB0}"/>
-          </ac:picMkLst>
-        </pc:picChg>
-        <pc:picChg chg="add del mod">
-          <ac:chgData name="Louis Ranjard" userId="S::louis@pri.co.nz::81a860ef-ac01-4e0e-a6df-80d2ba17940a" providerId="AD" clId="Web-{FDE5C131-3C94-458E-8002-9CD33AB4C02D}" dt="2021-01-26T04:10:19.256" v="192"/>
-          <ac:picMkLst>
-            <pc:docMk/>
-            <pc:sldMk cId="974601487" sldId="321"/>
-            <ac:picMk id="6" creationId="{58F2CD46-9878-4990-B228-07AAB00F31AB}"/>
-          </ac:picMkLst>
-        </pc:picChg>
-        <pc:picChg chg="add del mod">
-          <ac:chgData name="Louis Ranjard" userId="S::louis@pri.co.nz::81a860ef-ac01-4e0e-a6df-80d2ba17940a" providerId="AD" clId="Web-{FDE5C131-3C94-458E-8002-9CD33AB4C02D}" dt="2021-01-26T04:10:19.944" v="193"/>
-          <ac:picMkLst>
-            <pc:docMk/>
-            <pc:sldMk cId="974601487" sldId="321"/>
-            <ac:picMk id="8" creationId="{F2A81498-2687-4314-99BA-5971E0E7C554}"/>
-          </ac:picMkLst>
-        </pc:picChg>
-        <pc:picChg chg="add mod">
-          <ac:chgData name="Louis Ranjard" userId="S::louis@pri.co.nz::81a860ef-ac01-4e0e-a6df-80d2ba17940a" providerId="AD" clId="Web-{FDE5C131-3C94-458E-8002-9CD33AB4C02D}" dt="2021-01-26T04:11:59.352" v="202" actId="1076"/>
-          <ac:picMkLst>
-            <pc:docMk/>
-            <pc:sldMk cId="974601487" sldId="321"/>
-            <ac:picMk id="9" creationId="{C1D88913-FC55-4581-B227-4A46C275861E}"/>
-          </ac:picMkLst>
-        </pc:picChg>
-        <pc:picChg chg="add mod">
-          <ac:chgData name="Louis Ranjard" userId="S::louis@pri.co.nz::81a860ef-ac01-4e0e-a6df-80d2ba17940a" providerId="AD" clId="Web-{FDE5C131-3C94-458E-8002-9CD33AB4C02D}" dt="2021-01-26T04:12:03.649" v="206" actId="1076"/>
-          <ac:picMkLst>
-            <pc:docMk/>
-            <pc:sldMk cId="974601487" sldId="321"/>
-            <ac:picMk id="10" creationId="{0B551C2D-D377-48CC-B4C8-7EDF58F4BC73}"/>
-          </ac:picMkLst>
-        </pc:picChg>
-        <pc:picChg chg="add mod">
-          <ac:chgData name="Louis Ranjard" userId="S::louis@pri.co.nz::81a860ef-ac01-4e0e-a6df-80d2ba17940a" providerId="AD" clId="Web-{FDE5C131-3C94-458E-8002-9CD33AB4C02D}" dt="2021-01-26T04:12:07.274" v="207" actId="1076"/>
-          <ac:picMkLst>
-            <pc:docMk/>
-            <pc:sldMk cId="974601487" sldId="321"/>
-            <ac:picMk id="11" creationId="{8509FCB9-548F-49B0-867D-471D4424EA1C}"/>
-          </ac:picMkLst>
-        </pc:picChg>
-        <pc:picChg chg="add mod">
-          <ac:chgData name="Louis Ranjard" userId="S::louis@pri.co.nz::81a860ef-ac01-4e0e-a6df-80d2ba17940a" providerId="AD" clId="Web-{FDE5C131-3C94-458E-8002-9CD33AB4C02D}" dt="2021-01-26T04:11:59.383" v="205" actId="1076"/>
-          <ac:picMkLst>
-            <pc:docMk/>
-            <pc:sldMk cId="974601487" sldId="321"/>
-            <ac:picMk id="12" creationId="{254C26BA-2FB0-458D-946E-E92FF70A4B21}"/>
-          </ac:picMkLst>
-        </pc:picChg>
       </pc:sldChg>
     </pc:docChg>
   </pc:docChgLst>
@@ -2663,2950 +2670,6 @@
 </pc:chgInfo>
 </file>
 
-<file path=ppt/diagrams/colors1.xml><?xml version="1.0" encoding="utf-8"?>
-<dgm:colorsDef xmlns:dgm="http://schemas.openxmlformats.org/drawingml/2006/diagram" xmlns:a="http://schemas.openxmlformats.org/drawingml/2006/main" uniqueId="urn:microsoft.com/office/officeart/2005/8/colors/colorful2">
-  <dgm:title val=""/>
-  <dgm:desc val=""/>
-  <dgm:catLst>
-    <dgm:cat type="colorful" pri="10200"/>
-  </dgm:catLst>
-  <dgm:styleLbl name="node0">
-    <dgm:fillClrLst meth="repeat">
-      <a:schemeClr val="accent1"/>
-    </dgm:fillClrLst>
-    <dgm:linClrLst meth="repeat">
-      <a:schemeClr val="lt1"/>
-    </dgm:linClrLst>
-    <dgm:effectClrLst/>
-    <dgm:txLinClrLst/>
-    <dgm:txFillClrLst/>
-    <dgm:txEffectClrLst/>
-  </dgm:styleLbl>
-  <dgm:styleLbl name="node1">
-    <dgm:fillClrLst>
-      <a:schemeClr val="accent2"/>
-      <a:schemeClr val="accent3"/>
-    </dgm:fillClrLst>
-    <dgm:linClrLst meth="repeat">
-      <a:schemeClr val="lt1"/>
-    </dgm:linClrLst>
-    <dgm:effectClrLst/>
-    <dgm:txLinClrLst/>
-    <dgm:txFillClrLst/>
-    <dgm:txEffectClrLst/>
-  </dgm:styleLbl>
-  <dgm:styleLbl name="alignNode1">
-    <dgm:fillClrLst>
-      <a:schemeClr val="accent2"/>
-      <a:schemeClr val="accent3"/>
-    </dgm:fillClrLst>
-    <dgm:linClrLst>
-      <a:schemeClr val="accent2"/>
-      <a:schemeClr val="accent3"/>
-    </dgm:linClrLst>
-    <dgm:effectClrLst/>
-    <dgm:txLinClrLst/>
-    <dgm:txFillClrLst/>
-    <dgm:txEffectClrLst/>
-  </dgm:styleLbl>
-  <dgm:styleLbl name="lnNode1">
-    <dgm:fillClrLst>
-      <a:schemeClr val="accent2"/>
-      <a:schemeClr val="accent3"/>
-    </dgm:fillClrLst>
-    <dgm:linClrLst meth="repeat">
-      <a:schemeClr val="lt1"/>
-    </dgm:linClrLst>
-    <dgm:effectClrLst/>
-    <dgm:txLinClrLst/>
-    <dgm:txFillClrLst/>
-    <dgm:txEffectClrLst/>
-  </dgm:styleLbl>
-  <dgm:styleLbl name="vennNode1">
-    <dgm:fillClrLst>
-      <a:schemeClr val="accent2">
-        <a:alpha val="50000"/>
-      </a:schemeClr>
-      <a:schemeClr val="accent3">
-        <a:alpha val="50000"/>
-      </a:schemeClr>
-    </dgm:fillClrLst>
-    <dgm:linClrLst meth="repeat">
-      <a:schemeClr val="lt1"/>
-    </dgm:linClrLst>
-    <dgm:effectClrLst/>
-    <dgm:txLinClrLst/>
-    <dgm:txFillClrLst/>
-    <dgm:txEffectClrLst/>
-  </dgm:styleLbl>
-  <dgm:styleLbl name="node2">
-    <dgm:fillClrLst>
-      <a:schemeClr val="accent3"/>
-    </dgm:fillClrLst>
-    <dgm:linClrLst meth="repeat">
-      <a:schemeClr val="lt1"/>
-    </dgm:linClrLst>
-    <dgm:effectClrLst/>
-    <dgm:txLinClrLst/>
-    <dgm:txFillClrLst/>
-    <dgm:txEffectClrLst/>
-  </dgm:styleLbl>
-  <dgm:styleLbl name="node3">
-    <dgm:fillClrLst>
-      <a:schemeClr val="accent4"/>
-    </dgm:fillClrLst>
-    <dgm:linClrLst meth="repeat">
-      <a:schemeClr val="lt1"/>
-    </dgm:linClrLst>
-    <dgm:effectClrLst/>
-    <dgm:txLinClrLst/>
-    <dgm:txFillClrLst/>
-    <dgm:txEffectClrLst/>
-  </dgm:styleLbl>
-  <dgm:styleLbl name="node4">
-    <dgm:fillClrLst>
-      <a:schemeClr val="accent5"/>
-    </dgm:fillClrLst>
-    <dgm:linClrLst meth="repeat">
-      <a:schemeClr val="lt1"/>
-    </dgm:linClrLst>
-    <dgm:effectClrLst/>
-    <dgm:txLinClrLst/>
-    <dgm:txFillClrLst/>
-    <dgm:txEffectClrLst/>
-  </dgm:styleLbl>
-  <dgm:styleLbl name="fgImgPlace1">
-    <dgm:fillClrLst>
-      <a:schemeClr val="accent2">
-        <a:tint val="50000"/>
-      </a:schemeClr>
-      <a:schemeClr val="accent3">
-        <a:tint val="50000"/>
-      </a:schemeClr>
-    </dgm:fillClrLst>
-    <dgm:linClrLst meth="repeat">
-      <a:schemeClr val="lt1"/>
-    </dgm:linClrLst>
-    <dgm:effectClrLst/>
-    <dgm:txLinClrLst/>
-    <dgm:txFillClrLst meth="repeat">
-      <a:schemeClr val="lt1"/>
-    </dgm:txFillClrLst>
-    <dgm:txEffectClrLst/>
-  </dgm:styleLbl>
-  <dgm:styleLbl name="alignImgPlace1">
-    <dgm:fillClrLst>
-      <a:schemeClr val="accent2">
-        <a:tint val="50000"/>
-      </a:schemeClr>
-      <a:schemeClr val="accent3">
-        <a:tint val="20000"/>
-      </a:schemeClr>
-    </dgm:fillClrLst>
-    <dgm:linClrLst meth="repeat">
-      <a:schemeClr val="lt1"/>
-    </dgm:linClrLst>
-    <dgm:effectClrLst/>
-    <dgm:txLinClrLst/>
-    <dgm:txFillClrLst meth="repeat">
-      <a:schemeClr val="lt1"/>
-    </dgm:txFillClrLst>
-    <dgm:txEffectClrLst/>
-  </dgm:styleLbl>
-  <dgm:styleLbl name="bgImgPlace1">
-    <dgm:fillClrLst>
-      <a:schemeClr val="accent2">
-        <a:tint val="50000"/>
-      </a:schemeClr>
-      <a:schemeClr val="accent3">
-        <a:tint val="20000"/>
-      </a:schemeClr>
-    </dgm:fillClrLst>
-    <dgm:linClrLst meth="repeat">
-      <a:schemeClr val="lt1"/>
-    </dgm:linClrLst>
-    <dgm:effectClrLst/>
-    <dgm:txLinClrLst/>
-    <dgm:txFillClrLst meth="repeat">
-      <a:schemeClr val="lt1"/>
-    </dgm:txFillClrLst>
-    <dgm:txEffectClrLst/>
-  </dgm:styleLbl>
-  <dgm:styleLbl name="sibTrans2D1">
-    <dgm:fillClrLst>
-      <a:schemeClr val="accent2"/>
-      <a:schemeClr val="accent3"/>
-    </dgm:fillClrLst>
-    <dgm:linClrLst meth="repeat">
-      <a:schemeClr val="lt1"/>
-    </dgm:linClrLst>
-    <dgm:effectClrLst/>
-    <dgm:txLinClrLst/>
-    <dgm:txFillClrLst/>
-    <dgm:txEffectClrLst/>
-  </dgm:styleLbl>
-  <dgm:styleLbl name="fgSibTrans2D1">
-    <dgm:fillClrLst>
-      <a:schemeClr val="accent2"/>
-      <a:schemeClr val="accent3"/>
-    </dgm:fillClrLst>
-    <dgm:linClrLst meth="repeat">
-      <a:schemeClr val="lt1"/>
-    </dgm:linClrLst>
-    <dgm:effectClrLst/>
-    <dgm:txLinClrLst/>
-    <dgm:txFillClrLst meth="repeat">
-      <a:schemeClr val="lt1"/>
-    </dgm:txFillClrLst>
-    <dgm:txEffectClrLst/>
-  </dgm:styleLbl>
-  <dgm:styleLbl name="bgSibTrans2D1">
-    <dgm:fillClrLst>
-      <a:schemeClr val="accent2"/>
-      <a:schemeClr val="accent3"/>
-    </dgm:fillClrLst>
-    <dgm:linClrLst meth="repeat">
-      <a:schemeClr val="lt1"/>
-    </dgm:linClrLst>
-    <dgm:effectClrLst/>
-    <dgm:txLinClrLst/>
-    <dgm:txFillClrLst meth="repeat">
-      <a:schemeClr val="lt1"/>
-    </dgm:txFillClrLst>
-    <dgm:txEffectClrLst/>
-  </dgm:styleLbl>
-  <dgm:styleLbl name="sibTrans1D1">
-    <dgm:fillClrLst/>
-    <dgm:linClrLst>
-      <a:schemeClr val="accent2"/>
-      <a:schemeClr val="accent3"/>
-    </dgm:linClrLst>
-    <dgm:effectClrLst/>
-    <dgm:txLinClrLst/>
-    <dgm:txFillClrLst meth="repeat">
-      <a:schemeClr val="tx1"/>
-    </dgm:txFillClrLst>
-    <dgm:txEffectClrLst/>
-  </dgm:styleLbl>
-  <dgm:styleLbl name="callout">
-    <dgm:fillClrLst meth="repeat">
-      <a:schemeClr val="accent2"/>
-    </dgm:fillClrLst>
-    <dgm:linClrLst meth="repeat">
-      <a:schemeClr val="accent2">
-        <a:tint val="50000"/>
-      </a:schemeClr>
-    </dgm:linClrLst>
-    <dgm:effectClrLst/>
-    <dgm:txLinClrLst/>
-    <dgm:txFillClrLst meth="repeat">
-      <a:schemeClr val="tx1"/>
-    </dgm:txFillClrLst>
-    <dgm:txEffectClrLst/>
-  </dgm:styleLbl>
-  <dgm:styleLbl name="asst0">
-    <dgm:fillClrLst meth="repeat">
-      <a:schemeClr val="accent2"/>
-    </dgm:fillClrLst>
-    <dgm:linClrLst meth="repeat">
-      <a:schemeClr val="lt1">
-        <a:shade val="80000"/>
-      </a:schemeClr>
-    </dgm:linClrLst>
-    <dgm:effectClrLst/>
-    <dgm:txLinClrLst/>
-    <dgm:txFillClrLst/>
-    <dgm:txEffectClrLst/>
-  </dgm:styleLbl>
-  <dgm:styleLbl name="asst1">
-    <dgm:fillClrLst meth="repeat">
-      <a:schemeClr val="accent3"/>
-    </dgm:fillClrLst>
-    <dgm:linClrLst meth="repeat">
-      <a:schemeClr val="lt1">
-        <a:shade val="80000"/>
-      </a:schemeClr>
-    </dgm:linClrLst>
-    <dgm:effectClrLst/>
-    <dgm:txLinClrLst/>
-    <dgm:txFillClrLst/>
-    <dgm:txEffectClrLst/>
-  </dgm:styleLbl>
-  <dgm:styleLbl name="asst2">
-    <dgm:fillClrLst>
-      <a:schemeClr val="accent4"/>
-    </dgm:fillClrLst>
-    <dgm:linClrLst meth="repeat">
-      <a:schemeClr val="lt1"/>
-    </dgm:linClrLst>
-    <dgm:effectClrLst/>
-    <dgm:txLinClrLst/>
-    <dgm:txFillClrLst/>
-    <dgm:txEffectClrLst/>
-  </dgm:styleLbl>
-  <dgm:styleLbl name="asst3">
-    <dgm:fillClrLst>
-      <a:schemeClr val="accent5"/>
-    </dgm:fillClrLst>
-    <dgm:linClrLst meth="repeat">
-      <a:schemeClr val="lt1"/>
-    </dgm:linClrLst>
-    <dgm:effectClrLst/>
-    <dgm:txLinClrLst/>
-    <dgm:txFillClrLst/>
-    <dgm:txEffectClrLst/>
-  </dgm:styleLbl>
-  <dgm:styleLbl name="asst4">
-    <dgm:fillClrLst>
-      <a:schemeClr val="accent6"/>
-    </dgm:fillClrLst>
-    <dgm:linClrLst meth="repeat">
-      <a:schemeClr val="lt1"/>
-    </dgm:linClrLst>
-    <dgm:effectClrLst/>
-    <dgm:txLinClrLst/>
-    <dgm:txFillClrLst/>
-    <dgm:txEffectClrLst/>
-  </dgm:styleLbl>
-  <dgm:styleLbl name="parChTrans2D1">
-    <dgm:fillClrLst meth="repeat">
-      <a:schemeClr val="accent2"/>
-    </dgm:fillClrLst>
-    <dgm:linClrLst meth="repeat">
-      <a:schemeClr val="lt1"/>
-    </dgm:linClrLst>
-    <dgm:effectClrLst/>
-    <dgm:txLinClrLst/>
-    <dgm:txFillClrLst meth="repeat">
-      <a:schemeClr val="lt1"/>
-    </dgm:txFillClrLst>
-    <dgm:txEffectClrLst/>
-  </dgm:styleLbl>
-  <dgm:styleLbl name="parChTrans2D2">
-    <dgm:fillClrLst meth="repeat">
-      <a:schemeClr val="accent3"/>
-    </dgm:fillClrLst>
-    <dgm:linClrLst meth="repeat">
-      <a:schemeClr val="lt1"/>
-    </dgm:linClrLst>
-    <dgm:effectClrLst/>
-    <dgm:txLinClrLst/>
-    <dgm:txFillClrLst/>
-    <dgm:txEffectClrLst/>
-  </dgm:styleLbl>
-  <dgm:styleLbl name="parChTrans2D3">
-    <dgm:fillClrLst meth="repeat">
-      <a:schemeClr val="accent4"/>
-    </dgm:fillClrLst>
-    <dgm:linClrLst meth="repeat">
-      <a:schemeClr val="lt1"/>
-    </dgm:linClrLst>
-    <dgm:effectClrLst/>
-    <dgm:txLinClrLst/>
-    <dgm:txFillClrLst/>
-    <dgm:txEffectClrLst/>
-  </dgm:styleLbl>
-  <dgm:styleLbl name="parChTrans2D4">
-    <dgm:fillClrLst meth="repeat">
-      <a:schemeClr val="accent5"/>
-    </dgm:fillClrLst>
-    <dgm:linClrLst meth="repeat">
-      <a:schemeClr val="lt1"/>
-    </dgm:linClrLst>
-    <dgm:effectClrLst/>
-    <dgm:txLinClrLst/>
-    <dgm:txFillClrLst meth="repeat">
-      <a:schemeClr val="lt1"/>
-    </dgm:txFillClrLst>
-    <dgm:txEffectClrLst/>
-  </dgm:styleLbl>
-  <dgm:styleLbl name="parChTrans1D1">
-    <dgm:fillClrLst meth="repeat">
-      <a:schemeClr val="accent2"/>
-    </dgm:fillClrLst>
-    <dgm:linClrLst meth="repeat">
-      <a:schemeClr val="accent2"/>
-    </dgm:linClrLst>
-    <dgm:effectClrLst/>
-    <dgm:txLinClrLst/>
-    <dgm:txFillClrLst meth="repeat">
-      <a:schemeClr val="tx1"/>
-    </dgm:txFillClrLst>
-    <dgm:txEffectClrLst/>
-  </dgm:styleLbl>
-  <dgm:styleLbl name="parChTrans1D2">
-    <dgm:fillClrLst meth="repeat">
-      <a:schemeClr val="accent2">
-        <a:tint val="90000"/>
-      </a:schemeClr>
-    </dgm:fillClrLst>
-    <dgm:linClrLst meth="repeat">
-      <a:schemeClr val="accent3"/>
-    </dgm:linClrLst>
-    <dgm:effectClrLst/>
-    <dgm:txLinClrLst/>
-    <dgm:txFillClrLst meth="repeat">
-      <a:schemeClr val="tx1"/>
-    </dgm:txFillClrLst>
-    <dgm:txEffectClrLst/>
-  </dgm:styleLbl>
-  <dgm:styleLbl name="parChTrans1D3">
-    <dgm:fillClrLst meth="repeat">
-      <a:schemeClr val="accent2">
-        <a:tint val="70000"/>
-      </a:schemeClr>
-    </dgm:fillClrLst>
-    <dgm:linClrLst meth="repeat">
-      <a:schemeClr val="accent4"/>
-    </dgm:linClrLst>
-    <dgm:effectClrLst/>
-    <dgm:txLinClrLst/>
-    <dgm:txFillClrLst meth="repeat">
-      <a:schemeClr val="tx1"/>
-    </dgm:txFillClrLst>
-    <dgm:txEffectClrLst/>
-  </dgm:styleLbl>
-  <dgm:styleLbl name="parChTrans1D4">
-    <dgm:fillClrLst meth="repeat">
-      <a:schemeClr val="accent2">
-        <a:tint val="50000"/>
-      </a:schemeClr>
-    </dgm:fillClrLst>
-    <dgm:linClrLst meth="repeat">
-      <a:schemeClr val="accent5"/>
-    </dgm:linClrLst>
-    <dgm:effectClrLst/>
-    <dgm:txLinClrLst/>
-    <dgm:txFillClrLst meth="repeat">
-      <a:schemeClr val="tx1"/>
-    </dgm:txFillClrLst>
-    <dgm:txEffectClrLst/>
-  </dgm:styleLbl>
-  <dgm:styleLbl name="fgAcc1">
-    <dgm:fillClrLst meth="repeat">
-      <a:schemeClr val="lt1">
-        <a:alpha val="90000"/>
-      </a:schemeClr>
-    </dgm:fillClrLst>
-    <dgm:linClrLst>
-      <a:schemeClr val="accent2"/>
-      <a:schemeClr val="accent3"/>
-    </dgm:linClrLst>
-    <dgm:effectClrLst/>
-    <dgm:txLinClrLst/>
-    <dgm:txFillClrLst meth="repeat">
-      <a:schemeClr val="dk1"/>
-    </dgm:txFillClrLst>
-    <dgm:txEffectClrLst/>
-  </dgm:styleLbl>
-  <dgm:styleLbl name="conFgAcc1">
-    <dgm:fillClrLst meth="repeat">
-      <a:schemeClr val="lt1">
-        <a:alpha val="90000"/>
-      </a:schemeClr>
-    </dgm:fillClrLst>
-    <dgm:linClrLst>
-      <a:schemeClr val="accent2"/>
-      <a:schemeClr val="accent3"/>
-    </dgm:linClrLst>
-    <dgm:effectClrLst/>
-    <dgm:txLinClrLst/>
-    <dgm:txFillClrLst meth="repeat">
-      <a:schemeClr val="dk1"/>
-    </dgm:txFillClrLst>
-    <dgm:txEffectClrLst/>
-  </dgm:styleLbl>
-  <dgm:styleLbl name="alignAcc1">
-    <dgm:fillClrLst meth="repeat">
-      <a:schemeClr val="lt1">
-        <a:alpha val="90000"/>
-      </a:schemeClr>
-    </dgm:fillClrLst>
-    <dgm:linClrLst>
-      <a:schemeClr val="accent2"/>
-      <a:schemeClr val="accent3"/>
-    </dgm:linClrLst>
-    <dgm:effectClrLst/>
-    <dgm:txLinClrLst/>
-    <dgm:txFillClrLst meth="repeat">
-      <a:schemeClr val="dk1"/>
-    </dgm:txFillClrLst>
-    <dgm:txEffectClrLst/>
-  </dgm:styleLbl>
-  <dgm:styleLbl name="trAlignAcc1">
-    <dgm:fillClrLst meth="repeat">
-      <a:schemeClr val="lt1">
-        <a:alpha val="40000"/>
-      </a:schemeClr>
-    </dgm:fillClrLst>
-    <dgm:linClrLst meth="repeat">
-      <a:schemeClr val="accent2"/>
-    </dgm:linClrLst>
-    <dgm:effectClrLst/>
-    <dgm:txLinClrLst/>
-    <dgm:txFillClrLst meth="repeat">
-      <a:schemeClr val="dk1"/>
-    </dgm:txFillClrLst>
-    <dgm:txEffectClrLst/>
-  </dgm:styleLbl>
-  <dgm:styleLbl name="bgAcc1">
-    <dgm:fillClrLst meth="repeat">
-      <a:schemeClr val="lt1">
-        <a:alpha val="90000"/>
-      </a:schemeClr>
-    </dgm:fillClrLst>
-    <dgm:linClrLst>
-      <a:schemeClr val="accent2"/>
-      <a:schemeClr val="accent3"/>
-    </dgm:linClrLst>
-    <dgm:effectClrLst/>
-    <dgm:txLinClrLst/>
-    <dgm:txFillClrLst meth="repeat">
-      <a:schemeClr val="dk1"/>
-    </dgm:txFillClrLst>
-    <dgm:txEffectClrLst/>
-  </dgm:styleLbl>
-  <dgm:styleLbl name="solidFgAcc1">
-    <dgm:fillClrLst meth="repeat">
-      <a:schemeClr val="lt1"/>
-    </dgm:fillClrLst>
-    <dgm:linClrLst>
-      <a:schemeClr val="accent2"/>
-      <a:schemeClr val="accent3"/>
-    </dgm:linClrLst>
-    <dgm:effectClrLst/>
-    <dgm:txLinClrLst/>
-    <dgm:txFillClrLst meth="repeat">
-      <a:schemeClr val="dk1"/>
-    </dgm:txFillClrLst>
-    <dgm:txEffectClrLst/>
-  </dgm:styleLbl>
-  <dgm:styleLbl name="solidAlignAcc1">
-    <dgm:fillClrLst meth="repeat">
-      <a:schemeClr val="lt1"/>
-    </dgm:fillClrLst>
-    <dgm:linClrLst>
-      <a:schemeClr val="accent2"/>
-      <a:schemeClr val="accent3"/>
-    </dgm:linClrLst>
-    <dgm:effectClrLst/>
-    <dgm:txLinClrLst/>
-    <dgm:txFillClrLst meth="repeat">
-      <a:schemeClr val="dk1"/>
-    </dgm:txFillClrLst>
-    <dgm:txEffectClrLst/>
-  </dgm:styleLbl>
-  <dgm:styleLbl name="solidBgAcc1">
-    <dgm:fillClrLst meth="repeat">
-      <a:schemeClr val="lt1"/>
-    </dgm:fillClrLst>
-    <dgm:linClrLst>
-      <a:schemeClr val="accent2"/>
-      <a:schemeClr val="accent3"/>
-    </dgm:linClrLst>
-    <dgm:effectClrLst/>
-    <dgm:txLinClrLst/>
-    <dgm:txFillClrLst meth="repeat">
-      <a:schemeClr val="dk1"/>
-    </dgm:txFillClrLst>
-    <dgm:txEffectClrLst/>
-  </dgm:styleLbl>
-  <dgm:styleLbl name="fgAccFollowNode1">
-    <dgm:fillClrLst>
-      <a:schemeClr val="accent2">
-        <a:tint val="40000"/>
-        <a:alpha val="90000"/>
-      </a:schemeClr>
-      <a:schemeClr val="accent3">
-        <a:tint val="40000"/>
-        <a:alpha val="90000"/>
-      </a:schemeClr>
-    </dgm:fillClrLst>
-    <dgm:linClrLst>
-      <a:schemeClr val="accent2">
-        <a:tint val="40000"/>
-        <a:alpha val="90000"/>
-      </a:schemeClr>
-      <a:schemeClr val="accent3">
-        <a:tint val="40000"/>
-        <a:alpha val="90000"/>
-      </a:schemeClr>
-    </dgm:linClrLst>
-    <dgm:effectClrLst/>
-    <dgm:txLinClrLst/>
-    <dgm:txFillClrLst meth="repeat">
-      <a:schemeClr val="dk1"/>
-    </dgm:txFillClrLst>
-    <dgm:txEffectClrLst/>
-  </dgm:styleLbl>
-  <dgm:styleLbl name="alignAccFollowNode1">
-    <dgm:fillClrLst>
-      <a:schemeClr val="accent2">
-        <a:tint val="40000"/>
-        <a:alpha val="90000"/>
-      </a:schemeClr>
-      <a:schemeClr val="accent3">
-        <a:tint val="40000"/>
-        <a:alpha val="90000"/>
-      </a:schemeClr>
-    </dgm:fillClrLst>
-    <dgm:linClrLst>
-      <a:schemeClr val="accent2">
-        <a:tint val="40000"/>
-        <a:alpha val="90000"/>
-      </a:schemeClr>
-      <a:schemeClr val="accent3">
-        <a:tint val="40000"/>
-        <a:alpha val="90000"/>
-      </a:schemeClr>
-    </dgm:linClrLst>
-    <dgm:effectClrLst/>
-    <dgm:txLinClrLst/>
-    <dgm:txFillClrLst meth="repeat">
-      <a:schemeClr val="dk1"/>
-    </dgm:txFillClrLst>
-    <dgm:txEffectClrLst/>
-  </dgm:styleLbl>
-  <dgm:styleLbl name="bgAccFollowNode1">
-    <dgm:fillClrLst>
-      <a:schemeClr val="accent2">
-        <a:tint val="40000"/>
-        <a:alpha val="90000"/>
-      </a:schemeClr>
-      <a:schemeClr val="accent3">
-        <a:tint val="40000"/>
-        <a:alpha val="90000"/>
-      </a:schemeClr>
-    </dgm:fillClrLst>
-    <dgm:linClrLst>
-      <a:schemeClr val="accent2">
-        <a:tint val="40000"/>
-        <a:alpha val="90000"/>
-      </a:schemeClr>
-      <a:schemeClr val="accent3">
-        <a:tint val="40000"/>
-        <a:alpha val="90000"/>
-      </a:schemeClr>
-    </dgm:linClrLst>
-    <dgm:effectClrLst/>
-    <dgm:txLinClrLst/>
-    <dgm:txFillClrLst meth="repeat">
-      <a:schemeClr val="dk1"/>
-    </dgm:txFillClrLst>
-    <dgm:txEffectClrLst/>
-  </dgm:styleLbl>
-  <dgm:styleLbl name="fgAcc0">
-    <dgm:fillClrLst meth="repeat">
-      <a:schemeClr val="lt1">
-        <a:alpha val="90000"/>
-      </a:schemeClr>
-    </dgm:fillClrLst>
-    <dgm:linClrLst>
-      <a:schemeClr val="accent1"/>
-    </dgm:linClrLst>
-    <dgm:effectClrLst/>
-    <dgm:txLinClrLst/>
-    <dgm:txFillClrLst meth="repeat">
-      <a:schemeClr val="dk1"/>
-    </dgm:txFillClrLst>
-    <dgm:txEffectClrLst/>
-  </dgm:styleLbl>
-  <dgm:styleLbl name="fgAcc2">
-    <dgm:fillClrLst meth="repeat">
-      <a:schemeClr val="lt1">
-        <a:alpha val="90000"/>
-      </a:schemeClr>
-    </dgm:fillClrLst>
-    <dgm:linClrLst>
-      <a:schemeClr val="accent3"/>
-    </dgm:linClrLst>
-    <dgm:effectClrLst/>
-    <dgm:txLinClrLst/>
-    <dgm:txFillClrLst meth="repeat">
-      <a:schemeClr val="dk1"/>
-    </dgm:txFillClrLst>
-    <dgm:txEffectClrLst/>
-  </dgm:styleLbl>
-  <dgm:styleLbl name="fgAcc3">
-    <dgm:fillClrLst meth="repeat">
-      <a:schemeClr val="lt1">
-        <a:alpha val="90000"/>
-      </a:schemeClr>
-    </dgm:fillClrLst>
-    <dgm:linClrLst>
-      <a:schemeClr val="accent4"/>
-    </dgm:linClrLst>
-    <dgm:effectClrLst/>
-    <dgm:txLinClrLst/>
-    <dgm:txFillClrLst meth="repeat">
-      <a:schemeClr val="dk1"/>
-    </dgm:txFillClrLst>
-    <dgm:txEffectClrLst/>
-  </dgm:styleLbl>
-  <dgm:styleLbl name="fgAcc4">
-    <dgm:fillClrLst meth="repeat">
-      <a:schemeClr val="lt1">
-        <a:alpha val="90000"/>
-      </a:schemeClr>
-    </dgm:fillClrLst>
-    <dgm:linClrLst>
-      <a:schemeClr val="accent5"/>
-    </dgm:linClrLst>
-    <dgm:effectClrLst/>
-    <dgm:txLinClrLst/>
-    <dgm:txFillClrLst meth="repeat">
-      <a:schemeClr val="dk1"/>
-    </dgm:txFillClrLst>
-    <dgm:txEffectClrLst/>
-  </dgm:styleLbl>
-  <dgm:styleLbl name="bgShp">
-    <dgm:fillClrLst meth="repeat">
-      <a:schemeClr val="accent2">
-        <a:tint val="40000"/>
-      </a:schemeClr>
-    </dgm:fillClrLst>
-    <dgm:linClrLst meth="repeat">
-      <a:schemeClr val="dk1"/>
-    </dgm:linClrLst>
-    <dgm:effectClrLst/>
-    <dgm:txLinClrLst/>
-    <dgm:txFillClrLst meth="repeat">
-      <a:schemeClr val="dk1"/>
-    </dgm:txFillClrLst>
-    <dgm:txEffectClrLst/>
-  </dgm:styleLbl>
-  <dgm:styleLbl name="dkBgShp">
-    <dgm:fillClrLst meth="repeat">
-      <a:schemeClr val="accent2">
-        <a:shade val="90000"/>
-      </a:schemeClr>
-    </dgm:fillClrLst>
-    <dgm:linClrLst meth="repeat">
-      <a:schemeClr val="dk1"/>
-    </dgm:linClrLst>
-    <dgm:effectClrLst/>
-    <dgm:txLinClrLst/>
-    <dgm:txFillClrLst meth="repeat">
-      <a:schemeClr val="lt1"/>
-    </dgm:txFillClrLst>
-    <dgm:txEffectClrLst/>
-  </dgm:styleLbl>
-  <dgm:styleLbl name="trBgShp">
-    <dgm:fillClrLst meth="repeat">
-      <a:schemeClr val="accent2">
-        <a:tint val="50000"/>
-        <a:alpha val="40000"/>
-      </a:schemeClr>
-    </dgm:fillClrLst>
-    <dgm:linClrLst meth="repeat">
-      <a:schemeClr val="accent2"/>
-    </dgm:linClrLst>
-    <dgm:effectClrLst/>
-    <dgm:txLinClrLst/>
-    <dgm:txFillClrLst meth="repeat">
-      <a:schemeClr val="lt1"/>
-    </dgm:txFillClrLst>
-    <dgm:txEffectClrLst/>
-  </dgm:styleLbl>
-  <dgm:styleLbl name="fgShp">
-    <dgm:fillClrLst meth="repeat">
-      <a:schemeClr val="accent2">
-        <a:tint val="40000"/>
-      </a:schemeClr>
-    </dgm:fillClrLst>
-    <dgm:linClrLst meth="repeat">
-      <a:schemeClr val="lt1"/>
-    </dgm:linClrLst>
-    <dgm:effectClrLst/>
-    <dgm:txLinClrLst/>
-    <dgm:txFillClrLst meth="repeat">
-      <a:schemeClr val="dk1"/>
-    </dgm:txFillClrLst>
-    <dgm:txEffectClrLst/>
-  </dgm:styleLbl>
-  <dgm:styleLbl name="revTx">
-    <dgm:fillClrLst meth="repeat">
-      <a:schemeClr val="lt1">
-        <a:alpha val="0"/>
-      </a:schemeClr>
-    </dgm:fillClrLst>
-    <dgm:linClrLst meth="repeat">
-      <a:schemeClr val="dk1">
-        <a:alpha val="0"/>
-      </a:schemeClr>
-    </dgm:linClrLst>
-    <dgm:effectClrLst/>
-    <dgm:txLinClrLst/>
-    <dgm:txFillClrLst meth="repeat">
-      <a:schemeClr val="tx1"/>
-    </dgm:txFillClrLst>
-    <dgm:txEffectClrLst/>
-  </dgm:styleLbl>
-</dgm:colorsDef>
-</file>
-
-<file path=ppt/diagrams/data1.xml><?xml version="1.0" encoding="utf-8"?>
-<dgm:dataModel xmlns:dgm="http://schemas.openxmlformats.org/drawingml/2006/diagram" xmlns:a="http://schemas.openxmlformats.org/drawingml/2006/main">
-  <dgm:ptLst>
-    <dgm:pt modelId="{D7043340-F494-4088-B705-7EE17985BDA1}" type="doc">
-      <dgm:prSet loTypeId="urn:microsoft.com/office/officeart/2005/8/layout/vList2" loCatId="list" qsTypeId="urn:microsoft.com/office/officeart/2005/8/quickstyle/simple4" qsCatId="simple" csTypeId="urn:microsoft.com/office/officeart/2005/8/colors/colorful2" csCatId="colorful" phldr="1"/>
-      <dgm:spPr/>
-      <dgm:t>
-        <a:bodyPr/>
-        <a:lstStyle/>
-        <a:p>
-          <a:endParaRPr lang="en-US"/>
-        </a:p>
-      </dgm:t>
-    </dgm:pt>
-    <dgm:pt modelId="{F74B75E7-AB4A-48B0-B346-04E48E867036}">
-      <dgm:prSet phldr="0"/>
-      <dgm:spPr/>
-      <dgm:t>
-        <a:bodyPr/>
-        <a:lstStyle/>
-        <a:p>
-          <a:pPr rtl="0"/>
-          <a:r>
-            <a:rPr lang="en-US" dirty="0">
-              <a:latin typeface="Trebuchet MS" panose="020B0603020202020204"/>
-            </a:rPr>
-            <a:t>Data Version Control</a:t>
-          </a:r>
-          <a:endParaRPr lang="en-US" dirty="0"/>
-        </a:p>
-      </dgm:t>
-    </dgm:pt>
-    <dgm:pt modelId="{5BF4119F-65EA-4938-9665-01C585770507}" type="parTrans" cxnId="{041B47E1-4769-47C0-B881-94A2C4AB66E1}">
-      <dgm:prSet/>
-      <dgm:spPr/>
-      <dgm:t>
-        <a:bodyPr/>
-        <a:lstStyle/>
-        <a:p>
-          <a:endParaRPr lang="en-US"/>
-        </a:p>
-      </dgm:t>
-    </dgm:pt>
-    <dgm:pt modelId="{4F7E1D5A-97C3-4518-9828-19DBD03B3DD1}" type="sibTrans" cxnId="{041B47E1-4769-47C0-B881-94A2C4AB66E1}">
-      <dgm:prSet/>
-      <dgm:spPr/>
-      <dgm:t>
-        <a:bodyPr/>
-        <a:lstStyle/>
-        <a:p>
-          <a:endParaRPr lang="en-US"/>
-        </a:p>
-      </dgm:t>
-    </dgm:pt>
-    <dgm:pt modelId="{7202FB5C-326F-457F-8DA1-9AC73301678F}">
-      <dgm:prSet phldr="0"/>
-      <dgm:spPr/>
-      <dgm:t>
-        <a:bodyPr/>
-        <a:lstStyle/>
-        <a:p>
-          <a:pPr rtl="0"/>
-          <a:r>
-            <a:rPr lang="en-US" dirty="0"/>
-            <a:t>Ray</a:t>
-          </a:r>
-        </a:p>
-      </dgm:t>
-    </dgm:pt>
-    <dgm:pt modelId="{FB74F8EF-79DC-4176-8EB0-99ABE2C2F576}" type="parTrans" cxnId="{E59ABAB6-998E-4174-98A7-C788A6611DD7}">
-      <dgm:prSet/>
-      <dgm:spPr/>
-      <dgm:t>
-        <a:bodyPr/>
-        <a:lstStyle/>
-        <a:p>
-          <a:endParaRPr lang="en-US"/>
-        </a:p>
-      </dgm:t>
-    </dgm:pt>
-    <dgm:pt modelId="{2F0C4318-0836-4CB7-9DFC-D4EF455FA337}" type="sibTrans" cxnId="{E59ABAB6-998E-4174-98A7-C788A6611DD7}">
-      <dgm:prSet/>
-      <dgm:spPr/>
-      <dgm:t>
-        <a:bodyPr/>
-        <a:lstStyle/>
-        <a:p>
-          <a:endParaRPr lang="en-US"/>
-        </a:p>
-      </dgm:t>
-    </dgm:pt>
-    <dgm:pt modelId="{3DDD1126-61E8-4955-A9DB-C903211AF0F6}">
-      <dgm:prSet phldr="0"/>
-      <dgm:spPr/>
-      <dgm:t>
-        <a:bodyPr/>
-        <a:lstStyle/>
-        <a:p>
-          <a:r>
-            <a:rPr lang="en-US" dirty="0" err="1">
-              <a:latin typeface="Trebuchet MS" panose="020B0603020202020204"/>
-            </a:rPr>
-            <a:t>Optuna</a:t>
-          </a:r>
-          <a:endParaRPr lang="en-US" dirty="0"/>
-        </a:p>
-      </dgm:t>
-    </dgm:pt>
-    <dgm:pt modelId="{CEC3C10D-2400-4554-A973-C2952871E0E4}" type="parTrans" cxnId="{895DFD88-B550-45F1-9994-58B9FCC2F6F8}">
-      <dgm:prSet/>
-      <dgm:spPr/>
-      <dgm:t>
-        <a:bodyPr/>
-        <a:lstStyle/>
-        <a:p>
-          <a:endParaRPr lang="en-US"/>
-        </a:p>
-      </dgm:t>
-    </dgm:pt>
-    <dgm:pt modelId="{028E196B-7749-4239-BEA6-922EC693EA77}" type="sibTrans" cxnId="{895DFD88-B550-45F1-9994-58B9FCC2F6F8}">
-      <dgm:prSet/>
-      <dgm:spPr/>
-      <dgm:t>
-        <a:bodyPr/>
-        <a:lstStyle/>
-        <a:p>
-          <a:endParaRPr lang="en-US"/>
-        </a:p>
-      </dgm:t>
-    </dgm:pt>
-    <dgm:pt modelId="{9C825C6C-EBA6-45D8-B66A-19B81DF4E3B3}">
-      <dgm:prSet phldr="0"/>
-      <dgm:spPr/>
-      <dgm:t>
-        <a:bodyPr/>
-        <a:lstStyle/>
-        <a:p>
-          <a:pPr rtl="0"/>
-          <a:r>
-            <a:rPr lang="en-US" dirty="0" err="1">
-              <a:latin typeface="Trebuchet MS" panose="020B0603020202020204"/>
-            </a:rPr>
-            <a:t>MLFlow</a:t>
-          </a:r>
-          <a:endParaRPr lang="en-US" dirty="0">
-            <a:latin typeface="Trebuchet MS" panose="020B0603020202020204"/>
-          </a:endParaRPr>
-        </a:p>
-      </dgm:t>
-    </dgm:pt>
-    <dgm:pt modelId="{CD726115-8918-4A68-9A86-D07BA3EC6609}" type="sibTrans" cxnId="{8DA20991-56AC-4796-801E-6FDD1F980592}">
-      <dgm:prSet/>
-      <dgm:spPr/>
-      <dgm:t>
-        <a:bodyPr/>
-        <a:lstStyle/>
-        <a:p>
-          <a:endParaRPr lang="en-NZ"/>
-        </a:p>
-      </dgm:t>
-    </dgm:pt>
-    <dgm:pt modelId="{E2A5DE6E-40E2-4651-AADD-BAF573F6E15B}" type="parTrans" cxnId="{8DA20991-56AC-4796-801E-6FDD1F980592}">
-      <dgm:prSet/>
-      <dgm:spPr/>
-      <dgm:t>
-        <a:bodyPr/>
-        <a:lstStyle/>
-        <a:p>
-          <a:endParaRPr lang="en-NZ"/>
-        </a:p>
-      </dgm:t>
-    </dgm:pt>
-    <dgm:pt modelId="{4263C2B0-6AF6-480C-93E8-B139CEA0C671}">
-      <dgm:prSet phldr="0"/>
-      <dgm:spPr/>
-      <dgm:t>
-        <a:bodyPr/>
-        <a:lstStyle/>
-        <a:p>
-          <a:pPr rtl="0"/>
-          <a:r>
-            <a:rPr lang="en-US" dirty="0" err="1">
-              <a:latin typeface="Trebuchet MS" panose="020B0603020202020204"/>
-            </a:rPr>
-            <a:t>NeSI</a:t>
-          </a:r>
-          <a:endParaRPr lang="en-US" dirty="0">
-            <a:latin typeface="Trebuchet MS" panose="020B0603020202020204"/>
-          </a:endParaRPr>
-        </a:p>
-      </dgm:t>
-    </dgm:pt>
-    <dgm:pt modelId="{B5AB3907-4B04-4418-9C41-26DDA8A78B33}" type="parTrans" cxnId="{1A60DCB9-FE3F-478C-893D-9DB04D5CC1F4}">
-      <dgm:prSet/>
-      <dgm:spPr/>
-      <dgm:t>
-        <a:bodyPr/>
-        <a:lstStyle/>
-        <a:p>
-          <a:endParaRPr lang="en-NZ"/>
-        </a:p>
-      </dgm:t>
-    </dgm:pt>
-    <dgm:pt modelId="{19E144A4-8DEC-4E4B-A3C2-3064CA047798}" type="sibTrans" cxnId="{1A60DCB9-FE3F-478C-893D-9DB04D5CC1F4}">
-      <dgm:prSet/>
-      <dgm:spPr/>
-      <dgm:t>
-        <a:bodyPr/>
-        <a:lstStyle/>
-        <a:p>
-          <a:endParaRPr lang="en-NZ"/>
-        </a:p>
-      </dgm:t>
-    </dgm:pt>
-    <dgm:pt modelId="{01360A56-3BA9-4624-B1DE-5978E86FCB9C}">
-      <dgm:prSet phldr="0"/>
-      <dgm:spPr/>
-      <dgm:t>
-        <a:bodyPr/>
-        <a:lstStyle/>
-        <a:p>
-          <a:pPr rtl="0"/>
-          <a:r>
-            <a:rPr lang="en-US" dirty="0" err="1">
-              <a:latin typeface="Trebuchet MS" panose="020B0603020202020204"/>
-            </a:rPr>
-            <a:t>PyCaret</a:t>
-          </a:r>
-          <a:endParaRPr lang="en-US" dirty="0">
-            <a:latin typeface="Trebuchet MS" panose="020B0603020202020204"/>
-          </a:endParaRPr>
-        </a:p>
-      </dgm:t>
-    </dgm:pt>
-    <dgm:pt modelId="{B5060DD5-BE99-4F19-AE4B-E64F9B32FFF0}" type="parTrans" cxnId="{79E7A0A5-15C6-4659-8B55-3F4A5A951141}">
-      <dgm:prSet/>
-      <dgm:spPr/>
-      <dgm:t>
-        <a:bodyPr/>
-        <a:lstStyle/>
-        <a:p>
-          <a:endParaRPr lang="en-NZ"/>
-        </a:p>
-      </dgm:t>
-    </dgm:pt>
-    <dgm:pt modelId="{8F28072E-5F42-4D04-8337-8D41A8E36CDB}" type="sibTrans" cxnId="{79E7A0A5-15C6-4659-8B55-3F4A5A951141}">
-      <dgm:prSet/>
-      <dgm:spPr/>
-      <dgm:t>
-        <a:bodyPr/>
-        <a:lstStyle/>
-        <a:p>
-          <a:endParaRPr lang="en-NZ"/>
-        </a:p>
-      </dgm:t>
-    </dgm:pt>
-    <dgm:pt modelId="{47FBE672-A10B-2943-8431-214B2E0F4845}" type="pres">
-      <dgm:prSet presAssocID="{D7043340-F494-4088-B705-7EE17985BDA1}" presName="linear" presStyleCnt="0">
-        <dgm:presLayoutVars>
-          <dgm:animLvl val="lvl"/>
-          <dgm:resizeHandles val="exact"/>
-        </dgm:presLayoutVars>
-      </dgm:prSet>
-      <dgm:spPr/>
-    </dgm:pt>
-    <dgm:pt modelId="{EED454F2-B028-7A47-A8DD-3B8E1EDB2CFC}" type="pres">
-      <dgm:prSet presAssocID="{F74B75E7-AB4A-48B0-B346-04E48E867036}" presName="parentText" presStyleLbl="node1" presStyleIdx="0" presStyleCnt="6">
-        <dgm:presLayoutVars>
-          <dgm:chMax val="0"/>
-          <dgm:bulletEnabled val="1"/>
-        </dgm:presLayoutVars>
-      </dgm:prSet>
-      <dgm:spPr/>
-    </dgm:pt>
-    <dgm:pt modelId="{D437CAB0-ED90-2D4C-8020-55185DEC7D52}" type="pres">
-      <dgm:prSet presAssocID="{4F7E1D5A-97C3-4518-9828-19DBD03B3DD1}" presName="spacer" presStyleCnt="0"/>
-      <dgm:spPr/>
-    </dgm:pt>
-    <dgm:pt modelId="{10E63379-AC21-41D6-AB09-7A1BE6D1FCD7}" type="pres">
-      <dgm:prSet presAssocID="{9C825C6C-EBA6-45D8-B66A-19B81DF4E3B3}" presName="parentText" presStyleLbl="node1" presStyleIdx="1" presStyleCnt="6">
-        <dgm:presLayoutVars>
-          <dgm:chMax val="0"/>
-          <dgm:bulletEnabled val="1"/>
-        </dgm:presLayoutVars>
-      </dgm:prSet>
-      <dgm:spPr/>
-    </dgm:pt>
-    <dgm:pt modelId="{2DA39C5A-45C0-476F-90DC-D1CCFAFA0C58}" type="pres">
-      <dgm:prSet presAssocID="{CD726115-8918-4A68-9A86-D07BA3EC6609}" presName="spacer" presStyleCnt="0"/>
-      <dgm:spPr/>
-    </dgm:pt>
-    <dgm:pt modelId="{D336C8D2-1F30-4B8E-ACF1-10500CD823DC}" type="pres">
-      <dgm:prSet presAssocID="{01360A56-3BA9-4624-B1DE-5978E86FCB9C}" presName="parentText" presStyleLbl="node1" presStyleIdx="2" presStyleCnt="6">
-        <dgm:presLayoutVars>
-          <dgm:chMax val="0"/>
-          <dgm:bulletEnabled val="1"/>
-        </dgm:presLayoutVars>
-      </dgm:prSet>
-      <dgm:spPr/>
-    </dgm:pt>
-    <dgm:pt modelId="{E6D451BA-B3AE-412F-9F91-98DC751BB8BA}" type="pres">
-      <dgm:prSet presAssocID="{8F28072E-5F42-4D04-8337-8D41A8E36CDB}" presName="spacer" presStyleCnt="0"/>
-      <dgm:spPr/>
-    </dgm:pt>
-    <dgm:pt modelId="{13D72E21-82A5-49DA-80B5-6BECB458F0DE}" type="pres">
-      <dgm:prSet presAssocID="{4263C2B0-6AF6-480C-93E8-B139CEA0C671}" presName="parentText" presStyleLbl="node1" presStyleIdx="3" presStyleCnt="6">
-        <dgm:presLayoutVars>
-          <dgm:chMax val="0"/>
-          <dgm:bulletEnabled val="1"/>
-        </dgm:presLayoutVars>
-      </dgm:prSet>
-      <dgm:spPr/>
-    </dgm:pt>
-    <dgm:pt modelId="{8A6A91F2-65FE-4A0C-96CF-07250F0C922A}" type="pres">
-      <dgm:prSet presAssocID="{19E144A4-8DEC-4E4B-A3C2-3064CA047798}" presName="spacer" presStyleCnt="0"/>
-      <dgm:spPr/>
-    </dgm:pt>
-    <dgm:pt modelId="{DF35E7C9-AF6F-BF4E-8C1A-06FC3D403E37}" type="pres">
-      <dgm:prSet presAssocID="{7202FB5C-326F-457F-8DA1-9AC73301678F}" presName="parentText" presStyleLbl="node1" presStyleIdx="4" presStyleCnt="6">
-        <dgm:presLayoutVars>
-          <dgm:chMax val="0"/>
-          <dgm:bulletEnabled val="1"/>
-        </dgm:presLayoutVars>
-      </dgm:prSet>
-      <dgm:spPr/>
-    </dgm:pt>
-    <dgm:pt modelId="{EB2505EB-AE09-5748-8B08-27B13FE174B4}" type="pres">
-      <dgm:prSet presAssocID="{2F0C4318-0836-4CB7-9DFC-D4EF455FA337}" presName="spacer" presStyleCnt="0"/>
-      <dgm:spPr/>
-    </dgm:pt>
-    <dgm:pt modelId="{C1FF2DF2-FF1D-6A44-AC1F-8919B51363DB}" type="pres">
-      <dgm:prSet presAssocID="{3DDD1126-61E8-4955-A9DB-C903211AF0F6}" presName="parentText" presStyleLbl="node1" presStyleIdx="5" presStyleCnt="6">
-        <dgm:presLayoutVars>
-          <dgm:chMax val="0"/>
-          <dgm:bulletEnabled val="1"/>
-        </dgm:presLayoutVars>
-      </dgm:prSet>
-      <dgm:spPr/>
-    </dgm:pt>
-  </dgm:ptLst>
-  <dgm:cxnLst>
-    <dgm:cxn modelId="{280F5501-C8D6-4C4D-8290-9D9A62CA14D0}" type="presOf" srcId="{9C825C6C-EBA6-45D8-B66A-19B81DF4E3B3}" destId="{10E63379-AC21-41D6-AB09-7A1BE6D1FCD7}" srcOrd="0" destOrd="0" presId="urn:microsoft.com/office/officeart/2005/8/layout/vList2"/>
-    <dgm:cxn modelId="{875CF13D-FF03-4A13-BADD-CD2218339B01}" type="presOf" srcId="{01360A56-3BA9-4624-B1DE-5978E86FCB9C}" destId="{D336C8D2-1F30-4B8E-ACF1-10500CD823DC}" srcOrd="0" destOrd="0" presId="urn:microsoft.com/office/officeart/2005/8/layout/vList2"/>
-    <dgm:cxn modelId="{FF7EBC55-0226-4ED1-B1FB-B94F1D8CEA19}" type="presOf" srcId="{3DDD1126-61E8-4955-A9DB-C903211AF0F6}" destId="{C1FF2DF2-FF1D-6A44-AC1F-8919B51363DB}" srcOrd="0" destOrd="0" presId="urn:microsoft.com/office/officeart/2005/8/layout/vList2"/>
-    <dgm:cxn modelId="{D50B8E88-BE95-419C-8980-EE0BE5D6208C}" type="presOf" srcId="{7202FB5C-326F-457F-8DA1-9AC73301678F}" destId="{DF35E7C9-AF6F-BF4E-8C1A-06FC3D403E37}" srcOrd="0" destOrd="0" presId="urn:microsoft.com/office/officeart/2005/8/layout/vList2"/>
-    <dgm:cxn modelId="{895DFD88-B550-45F1-9994-58B9FCC2F6F8}" srcId="{D7043340-F494-4088-B705-7EE17985BDA1}" destId="{3DDD1126-61E8-4955-A9DB-C903211AF0F6}" srcOrd="5" destOrd="0" parTransId="{CEC3C10D-2400-4554-A973-C2952871E0E4}" sibTransId="{028E196B-7749-4239-BEA6-922EC693EA77}"/>
-    <dgm:cxn modelId="{8DA20991-56AC-4796-801E-6FDD1F980592}" srcId="{D7043340-F494-4088-B705-7EE17985BDA1}" destId="{9C825C6C-EBA6-45D8-B66A-19B81DF4E3B3}" srcOrd="1" destOrd="0" parTransId="{E2A5DE6E-40E2-4651-AADD-BAF573F6E15B}" sibTransId="{CD726115-8918-4A68-9A86-D07BA3EC6609}"/>
-    <dgm:cxn modelId="{F6563F9A-20B0-43B0-849F-40DB5720CA1A}" type="presOf" srcId="{F74B75E7-AB4A-48B0-B346-04E48E867036}" destId="{EED454F2-B028-7A47-A8DD-3B8E1EDB2CFC}" srcOrd="0" destOrd="0" presId="urn:microsoft.com/office/officeart/2005/8/layout/vList2"/>
-    <dgm:cxn modelId="{79E7A0A5-15C6-4659-8B55-3F4A5A951141}" srcId="{D7043340-F494-4088-B705-7EE17985BDA1}" destId="{01360A56-3BA9-4624-B1DE-5978E86FCB9C}" srcOrd="2" destOrd="0" parTransId="{B5060DD5-BE99-4F19-AE4B-E64F9B32FFF0}" sibTransId="{8F28072E-5F42-4D04-8337-8D41A8E36CDB}"/>
-    <dgm:cxn modelId="{E59ABAB6-998E-4174-98A7-C788A6611DD7}" srcId="{D7043340-F494-4088-B705-7EE17985BDA1}" destId="{7202FB5C-326F-457F-8DA1-9AC73301678F}" srcOrd="4" destOrd="0" parTransId="{FB74F8EF-79DC-4176-8EB0-99ABE2C2F576}" sibTransId="{2F0C4318-0836-4CB7-9DFC-D4EF455FA337}"/>
-    <dgm:cxn modelId="{1A60DCB9-FE3F-478C-893D-9DB04D5CC1F4}" srcId="{D7043340-F494-4088-B705-7EE17985BDA1}" destId="{4263C2B0-6AF6-480C-93E8-B139CEA0C671}" srcOrd="3" destOrd="0" parTransId="{B5AB3907-4B04-4418-9C41-26DDA8A78B33}" sibTransId="{19E144A4-8DEC-4E4B-A3C2-3064CA047798}"/>
-    <dgm:cxn modelId="{00EA0EC8-F6FD-D945-BA79-988A609830AB}" type="presOf" srcId="{D7043340-F494-4088-B705-7EE17985BDA1}" destId="{47FBE672-A10B-2943-8431-214B2E0F4845}" srcOrd="0" destOrd="0" presId="urn:microsoft.com/office/officeart/2005/8/layout/vList2"/>
-    <dgm:cxn modelId="{041B47E1-4769-47C0-B881-94A2C4AB66E1}" srcId="{D7043340-F494-4088-B705-7EE17985BDA1}" destId="{F74B75E7-AB4A-48B0-B346-04E48E867036}" srcOrd="0" destOrd="0" parTransId="{5BF4119F-65EA-4938-9665-01C585770507}" sibTransId="{4F7E1D5A-97C3-4518-9828-19DBD03B3DD1}"/>
-    <dgm:cxn modelId="{C8CCDAFA-E385-4523-B298-5EC8604062B1}" type="presOf" srcId="{4263C2B0-6AF6-480C-93E8-B139CEA0C671}" destId="{13D72E21-82A5-49DA-80B5-6BECB458F0DE}" srcOrd="0" destOrd="0" presId="urn:microsoft.com/office/officeart/2005/8/layout/vList2"/>
-    <dgm:cxn modelId="{1A7D0552-277C-493D-B247-DB9292F9F08D}" type="presParOf" srcId="{47FBE672-A10B-2943-8431-214B2E0F4845}" destId="{EED454F2-B028-7A47-A8DD-3B8E1EDB2CFC}" srcOrd="0" destOrd="0" presId="urn:microsoft.com/office/officeart/2005/8/layout/vList2"/>
-    <dgm:cxn modelId="{BC1976E3-06BA-4147-951C-68E5186A515E}" type="presParOf" srcId="{47FBE672-A10B-2943-8431-214B2E0F4845}" destId="{D437CAB0-ED90-2D4C-8020-55185DEC7D52}" srcOrd="1" destOrd="0" presId="urn:microsoft.com/office/officeart/2005/8/layout/vList2"/>
-    <dgm:cxn modelId="{89D90633-32C0-4760-AF78-D3BE8D6A2FA7}" type="presParOf" srcId="{47FBE672-A10B-2943-8431-214B2E0F4845}" destId="{10E63379-AC21-41D6-AB09-7A1BE6D1FCD7}" srcOrd="2" destOrd="0" presId="urn:microsoft.com/office/officeart/2005/8/layout/vList2"/>
-    <dgm:cxn modelId="{D56B7620-267A-4780-9D24-0B4B8F64A977}" type="presParOf" srcId="{47FBE672-A10B-2943-8431-214B2E0F4845}" destId="{2DA39C5A-45C0-476F-90DC-D1CCFAFA0C58}" srcOrd="3" destOrd="0" presId="urn:microsoft.com/office/officeart/2005/8/layout/vList2"/>
-    <dgm:cxn modelId="{C2863D9E-113B-41F6-87DC-F8ACCC3D9B25}" type="presParOf" srcId="{47FBE672-A10B-2943-8431-214B2E0F4845}" destId="{D336C8D2-1F30-4B8E-ACF1-10500CD823DC}" srcOrd="4" destOrd="0" presId="urn:microsoft.com/office/officeart/2005/8/layout/vList2"/>
-    <dgm:cxn modelId="{D4DF8B2C-F399-4825-990C-C4276DD5842B}" type="presParOf" srcId="{47FBE672-A10B-2943-8431-214B2E0F4845}" destId="{E6D451BA-B3AE-412F-9F91-98DC751BB8BA}" srcOrd="5" destOrd="0" presId="urn:microsoft.com/office/officeart/2005/8/layout/vList2"/>
-    <dgm:cxn modelId="{A700902C-E851-4FF1-86F0-49B5BDC7FD62}" type="presParOf" srcId="{47FBE672-A10B-2943-8431-214B2E0F4845}" destId="{13D72E21-82A5-49DA-80B5-6BECB458F0DE}" srcOrd="6" destOrd="0" presId="urn:microsoft.com/office/officeart/2005/8/layout/vList2"/>
-    <dgm:cxn modelId="{1BF6DCEF-158F-4335-B0FB-DCEC43932864}" type="presParOf" srcId="{47FBE672-A10B-2943-8431-214B2E0F4845}" destId="{8A6A91F2-65FE-4A0C-96CF-07250F0C922A}" srcOrd="7" destOrd="0" presId="urn:microsoft.com/office/officeart/2005/8/layout/vList2"/>
-    <dgm:cxn modelId="{11476C03-21ED-42C8-B38A-51C12CC54DD5}" type="presParOf" srcId="{47FBE672-A10B-2943-8431-214B2E0F4845}" destId="{DF35E7C9-AF6F-BF4E-8C1A-06FC3D403E37}" srcOrd="8" destOrd="0" presId="urn:microsoft.com/office/officeart/2005/8/layout/vList2"/>
-    <dgm:cxn modelId="{81605F15-8A67-4928-B3D0-64A3573F4AC8}" type="presParOf" srcId="{47FBE672-A10B-2943-8431-214B2E0F4845}" destId="{EB2505EB-AE09-5748-8B08-27B13FE174B4}" srcOrd="9" destOrd="0" presId="urn:microsoft.com/office/officeart/2005/8/layout/vList2"/>
-    <dgm:cxn modelId="{7C430ABF-90E7-4500-A820-0C8267BDBE8B}" type="presParOf" srcId="{47FBE672-A10B-2943-8431-214B2E0F4845}" destId="{C1FF2DF2-FF1D-6A44-AC1F-8919B51363DB}" srcOrd="10" destOrd="0" presId="urn:microsoft.com/office/officeart/2005/8/layout/vList2"/>
-  </dgm:cxnLst>
-  <dgm:bg/>
-  <dgm:whole/>
-  <dgm:extLst>
-    <a:ext uri="http://schemas.microsoft.com/office/drawing/2008/diagram">
-      <dsp:dataModelExt xmlns:dsp="http://schemas.microsoft.com/office/drawing/2008/diagram" relId="rId7" minVer="http://schemas.openxmlformats.org/drawingml/2006/diagram"/>
-    </a:ext>
-  </dgm:extLst>
-</dgm:dataModel>
-</file>
-
-<file path=ppt/diagrams/drawing1.xml><?xml version="1.0" encoding="utf-8"?>
-<dsp:drawing xmlns:dgm="http://schemas.openxmlformats.org/drawingml/2006/diagram" xmlns:dsp="http://schemas.microsoft.com/office/drawing/2008/diagram" xmlns:a="http://schemas.openxmlformats.org/drawingml/2006/main">
-  <dsp:spTree>
-    <dsp:nvGrpSpPr>
-      <dsp:cNvPr id="0" name=""/>
-      <dsp:cNvGrpSpPr/>
-    </dsp:nvGrpSpPr>
-    <dsp:grpSpPr/>
-    <dsp:sp modelId="{EED454F2-B028-7A47-A8DD-3B8E1EDB2CFC}">
-      <dsp:nvSpPr>
-        <dsp:cNvPr id="0" name=""/>
-        <dsp:cNvSpPr/>
-      </dsp:nvSpPr>
-      <dsp:spPr>
-        <a:xfrm>
-          <a:off x="0" y="61207"/>
-          <a:ext cx="6656769" cy="725399"/>
-        </a:xfrm>
-        <a:prstGeom prst="roundRect">
-          <a:avLst/>
-        </a:prstGeom>
-        <a:gradFill rotWithShape="0">
-          <a:gsLst>
-            <a:gs pos="0">
-              <a:schemeClr val="accent2">
-                <a:hueOff val="0"/>
-                <a:satOff val="0"/>
-                <a:lumOff val="0"/>
-                <a:alphaOff val="0"/>
-                <a:tint val="96000"/>
-                <a:lumMod val="100000"/>
-              </a:schemeClr>
-            </a:gs>
-            <a:gs pos="78000">
-              <a:schemeClr val="accent2">
-                <a:hueOff val="0"/>
-                <a:satOff val="0"/>
-                <a:lumOff val="0"/>
-                <a:alphaOff val="0"/>
-                <a:shade val="94000"/>
-                <a:lumMod val="94000"/>
-              </a:schemeClr>
-            </a:gs>
-          </a:gsLst>
-          <a:lin ang="5400000" scaled="0"/>
-        </a:gradFill>
-        <a:ln>
-          <a:noFill/>
-        </a:ln>
-        <a:effectLst>
-          <a:outerShdw blurRad="38100" dist="25400" dir="5400000" rotWithShape="0">
-            <a:srgbClr val="000000">
-              <a:alpha val="35000"/>
-            </a:srgbClr>
-          </a:outerShdw>
-        </a:effectLst>
-      </dsp:spPr>
-      <dsp:style>
-        <a:lnRef idx="0">
-          <a:scrgbClr r="0" g="0" b="0"/>
-        </a:lnRef>
-        <a:fillRef idx="3">
-          <a:scrgbClr r="0" g="0" b="0"/>
-        </a:fillRef>
-        <a:effectRef idx="2">
-          <a:scrgbClr r="0" g="0" b="0"/>
-        </a:effectRef>
-        <a:fontRef idx="minor">
-          <a:schemeClr val="lt1"/>
-        </a:fontRef>
-      </dsp:style>
-      <dsp:txBody>
-        <a:bodyPr spcFirstLastPara="0" vert="horz" wrap="square" lIns="118110" tIns="118110" rIns="118110" bIns="118110" numCol="1" spcCol="1270" anchor="ctr" anchorCtr="0">
-          <a:noAutofit/>
-        </a:bodyPr>
-        <a:lstStyle/>
-        <a:p>
-          <a:pPr marL="0" lvl="0" indent="0" algn="l" defTabSz="1377950" rtl="0">
-            <a:lnSpc>
-              <a:spcPct val="90000"/>
-            </a:lnSpc>
-            <a:spcBef>
-              <a:spcPct val="0"/>
-            </a:spcBef>
-            <a:spcAft>
-              <a:spcPct val="35000"/>
-            </a:spcAft>
-            <a:buNone/>
-          </a:pPr>
-          <a:r>
-            <a:rPr lang="en-US" sz="3100" kern="1200" dirty="0">
-              <a:latin typeface="Trebuchet MS" panose="020B0603020202020204"/>
-            </a:rPr>
-            <a:t>Data Version Control</a:t>
-          </a:r>
-          <a:endParaRPr lang="en-US" sz="3100" kern="1200" dirty="0"/>
-        </a:p>
-      </dsp:txBody>
-      <dsp:txXfrm>
-        <a:off x="35411" y="96618"/>
-        <a:ext cx="6585947" cy="654577"/>
-      </dsp:txXfrm>
-    </dsp:sp>
-    <dsp:sp modelId="{10E63379-AC21-41D6-AB09-7A1BE6D1FCD7}">
-      <dsp:nvSpPr>
-        <dsp:cNvPr id="0" name=""/>
-        <dsp:cNvSpPr/>
-      </dsp:nvSpPr>
-      <dsp:spPr>
-        <a:xfrm>
-          <a:off x="0" y="875887"/>
-          <a:ext cx="6656769" cy="725399"/>
-        </a:xfrm>
-        <a:prstGeom prst="roundRect">
-          <a:avLst/>
-        </a:prstGeom>
-        <a:gradFill rotWithShape="0">
-          <a:gsLst>
-            <a:gs pos="0">
-              <a:schemeClr val="accent2">
-                <a:hueOff val="-592857"/>
-                <a:satOff val="2840"/>
-                <a:lumOff val="2627"/>
-                <a:alphaOff val="0"/>
-                <a:tint val="96000"/>
-                <a:lumMod val="100000"/>
-              </a:schemeClr>
-            </a:gs>
-            <a:gs pos="78000">
-              <a:schemeClr val="accent2">
-                <a:hueOff val="-592857"/>
-                <a:satOff val="2840"/>
-                <a:lumOff val="2627"/>
-                <a:alphaOff val="0"/>
-                <a:shade val="94000"/>
-                <a:lumMod val="94000"/>
-              </a:schemeClr>
-            </a:gs>
-          </a:gsLst>
-          <a:lin ang="5400000" scaled="0"/>
-        </a:gradFill>
-        <a:ln>
-          <a:noFill/>
-        </a:ln>
-        <a:effectLst>
-          <a:outerShdw blurRad="38100" dist="25400" dir="5400000" rotWithShape="0">
-            <a:srgbClr val="000000">
-              <a:alpha val="35000"/>
-            </a:srgbClr>
-          </a:outerShdw>
-        </a:effectLst>
-      </dsp:spPr>
-      <dsp:style>
-        <a:lnRef idx="0">
-          <a:scrgbClr r="0" g="0" b="0"/>
-        </a:lnRef>
-        <a:fillRef idx="3">
-          <a:scrgbClr r="0" g="0" b="0"/>
-        </a:fillRef>
-        <a:effectRef idx="2">
-          <a:scrgbClr r="0" g="0" b="0"/>
-        </a:effectRef>
-        <a:fontRef idx="minor">
-          <a:schemeClr val="lt1"/>
-        </a:fontRef>
-      </dsp:style>
-      <dsp:txBody>
-        <a:bodyPr spcFirstLastPara="0" vert="horz" wrap="square" lIns="118110" tIns="118110" rIns="118110" bIns="118110" numCol="1" spcCol="1270" anchor="ctr" anchorCtr="0">
-          <a:noAutofit/>
-        </a:bodyPr>
-        <a:lstStyle/>
-        <a:p>
-          <a:pPr marL="0" lvl="0" indent="0" algn="l" defTabSz="1377950" rtl="0">
-            <a:lnSpc>
-              <a:spcPct val="90000"/>
-            </a:lnSpc>
-            <a:spcBef>
-              <a:spcPct val="0"/>
-            </a:spcBef>
-            <a:spcAft>
-              <a:spcPct val="35000"/>
-            </a:spcAft>
-            <a:buNone/>
-          </a:pPr>
-          <a:r>
-            <a:rPr lang="en-US" sz="3100" kern="1200" dirty="0" err="1">
-              <a:latin typeface="Trebuchet MS" panose="020B0603020202020204"/>
-            </a:rPr>
-            <a:t>MLFlow</a:t>
-          </a:r>
-          <a:endParaRPr lang="en-US" sz="3100" kern="1200" dirty="0">
-            <a:latin typeface="Trebuchet MS" panose="020B0603020202020204"/>
-          </a:endParaRPr>
-        </a:p>
-      </dsp:txBody>
-      <dsp:txXfrm>
-        <a:off x="35411" y="911298"/>
-        <a:ext cx="6585947" cy="654577"/>
-      </dsp:txXfrm>
-    </dsp:sp>
-    <dsp:sp modelId="{D336C8D2-1F30-4B8E-ACF1-10500CD823DC}">
-      <dsp:nvSpPr>
-        <dsp:cNvPr id="0" name=""/>
-        <dsp:cNvSpPr/>
-      </dsp:nvSpPr>
-      <dsp:spPr>
-        <a:xfrm>
-          <a:off x="0" y="1690567"/>
-          <a:ext cx="6656769" cy="725399"/>
-        </a:xfrm>
-        <a:prstGeom prst="roundRect">
-          <a:avLst/>
-        </a:prstGeom>
-        <a:gradFill rotWithShape="0">
-          <a:gsLst>
-            <a:gs pos="0">
-              <a:schemeClr val="accent2">
-                <a:hueOff val="-1185714"/>
-                <a:satOff val="5680"/>
-                <a:lumOff val="5255"/>
-                <a:alphaOff val="0"/>
-                <a:tint val="96000"/>
-                <a:lumMod val="100000"/>
-              </a:schemeClr>
-            </a:gs>
-            <a:gs pos="78000">
-              <a:schemeClr val="accent2">
-                <a:hueOff val="-1185714"/>
-                <a:satOff val="5680"/>
-                <a:lumOff val="5255"/>
-                <a:alphaOff val="0"/>
-                <a:shade val="94000"/>
-                <a:lumMod val="94000"/>
-              </a:schemeClr>
-            </a:gs>
-          </a:gsLst>
-          <a:lin ang="5400000" scaled="0"/>
-        </a:gradFill>
-        <a:ln>
-          <a:noFill/>
-        </a:ln>
-        <a:effectLst>
-          <a:outerShdw blurRad="38100" dist="25400" dir="5400000" rotWithShape="0">
-            <a:srgbClr val="000000">
-              <a:alpha val="35000"/>
-            </a:srgbClr>
-          </a:outerShdw>
-        </a:effectLst>
-      </dsp:spPr>
-      <dsp:style>
-        <a:lnRef idx="0">
-          <a:scrgbClr r="0" g="0" b="0"/>
-        </a:lnRef>
-        <a:fillRef idx="3">
-          <a:scrgbClr r="0" g="0" b="0"/>
-        </a:fillRef>
-        <a:effectRef idx="2">
-          <a:scrgbClr r="0" g="0" b="0"/>
-        </a:effectRef>
-        <a:fontRef idx="minor">
-          <a:schemeClr val="lt1"/>
-        </a:fontRef>
-      </dsp:style>
-      <dsp:txBody>
-        <a:bodyPr spcFirstLastPara="0" vert="horz" wrap="square" lIns="118110" tIns="118110" rIns="118110" bIns="118110" numCol="1" spcCol="1270" anchor="ctr" anchorCtr="0">
-          <a:noAutofit/>
-        </a:bodyPr>
-        <a:lstStyle/>
-        <a:p>
-          <a:pPr marL="0" lvl="0" indent="0" algn="l" defTabSz="1377950" rtl="0">
-            <a:lnSpc>
-              <a:spcPct val="90000"/>
-            </a:lnSpc>
-            <a:spcBef>
-              <a:spcPct val="0"/>
-            </a:spcBef>
-            <a:spcAft>
-              <a:spcPct val="35000"/>
-            </a:spcAft>
-            <a:buNone/>
-          </a:pPr>
-          <a:r>
-            <a:rPr lang="en-US" sz="3100" kern="1200" dirty="0" err="1">
-              <a:latin typeface="Trebuchet MS" panose="020B0603020202020204"/>
-            </a:rPr>
-            <a:t>PyCaret</a:t>
-          </a:r>
-          <a:endParaRPr lang="en-US" sz="3100" kern="1200" dirty="0">
-            <a:latin typeface="Trebuchet MS" panose="020B0603020202020204"/>
-          </a:endParaRPr>
-        </a:p>
-      </dsp:txBody>
-      <dsp:txXfrm>
-        <a:off x="35411" y="1725978"/>
-        <a:ext cx="6585947" cy="654577"/>
-      </dsp:txXfrm>
-    </dsp:sp>
-    <dsp:sp modelId="{13D72E21-82A5-49DA-80B5-6BECB458F0DE}">
-      <dsp:nvSpPr>
-        <dsp:cNvPr id="0" name=""/>
-        <dsp:cNvSpPr/>
-      </dsp:nvSpPr>
-      <dsp:spPr>
-        <a:xfrm>
-          <a:off x="0" y="2505247"/>
-          <a:ext cx="6656769" cy="725399"/>
-        </a:xfrm>
-        <a:prstGeom prst="roundRect">
-          <a:avLst/>
-        </a:prstGeom>
-        <a:gradFill rotWithShape="0">
-          <a:gsLst>
-            <a:gs pos="0">
-              <a:schemeClr val="accent2">
-                <a:hueOff val="-1778572"/>
-                <a:satOff val="8520"/>
-                <a:lumOff val="7882"/>
-                <a:alphaOff val="0"/>
-                <a:tint val="96000"/>
-                <a:lumMod val="100000"/>
-              </a:schemeClr>
-            </a:gs>
-            <a:gs pos="78000">
-              <a:schemeClr val="accent2">
-                <a:hueOff val="-1778572"/>
-                <a:satOff val="8520"/>
-                <a:lumOff val="7882"/>
-                <a:alphaOff val="0"/>
-                <a:shade val="94000"/>
-                <a:lumMod val="94000"/>
-              </a:schemeClr>
-            </a:gs>
-          </a:gsLst>
-          <a:lin ang="5400000" scaled="0"/>
-        </a:gradFill>
-        <a:ln>
-          <a:noFill/>
-        </a:ln>
-        <a:effectLst>
-          <a:outerShdw blurRad="38100" dist="25400" dir="5400000" rotWithShape="0">
-            <a:srgbClr val="000000">
-              <a:alpha val="35000"/>
-            </a:srgbClr>
-          </a:outerShdw>
-        </a:effectLst>
-      </dsp:spPr>
-      <dsp:style>
-        <a:lnRef idx="0">
-          <a:scrgbClr r="0" g="0" b="0"/>
-        </a:lnRef>
-        <a:fillRef idx="3">
-          <a:scrgbClr r="0" g="0" b="0"/>
-        </a:fillRef>
-        <a:effectRef idx="2">
-          <a:scrgbClr r="0" g="0" b="0"/>
-        </a:effectRef>
-        <a:fontRef idx="minor">
-          <a:schemeClr val="lt1"/>
-        </a:fontRef>
-      </dsp:style>
-      <dsp:txBody>
-        <a:bodyPr spcFirstLastPara="0" vert="horz" wrap="square" lIns="118110" tIns="118110" rIns="118110" bIns="118110" numCol="1" spcCol="1270" anchor="ctr" anchorCtr="0">
-          <a:noAutofit/>
-        </a:bodyPr>
-        <a:lstStyle/>
-        <a:p>
-          <a:pPr marL="0" lvl="0" indent="0" algn="l" defTabSz="1377950" rtl="0">
-            <a:lnSpc>
-              <a:spcPct val="90000"/>
-            </a:lnSpc>
-            <a:spcBef>
-              <a:spcPct val="0"/>
-            </a:spcBef>
-            <a:spcAft>
-              <a:spcPct val="35000"/>
-            </a:spcAft>
-            <a:buNone/>
-          </a:pPr>
-          <a:r>
-            <a:rPr lang="en-US" sz="3100" kern="1200" dirty="0" err="1">
-              <a:latin typeface="Trebuchet MS" panose="020B0603020202020204"/>
-            </a:rPr>
-            <a:t>NeSI</a:t>
-          </a:r>
-          <a:endParaRPr lang="en-US" sz="3100" kern="1200" dirty="0">
-            <a:latin typeface="Trebuchet MS" panose="020B0603020202020204"/>
-          </a:endParaRPr>
-        </a:p>
-      </dsp:txBody>
-      <dsp:txXfrm>
-        <a:off x="35411" y="2540658"/>
-        <a:ext cx="6585947" cy="654577"/>
-      </dsp:txXfrm>
-    </dsp:sp>
-    <dsp:sp modelId="{DF35E7C9-AF6F-BF4E-8C1A-06FC3D403E37}">
-      <dsp:nvSpPr>
-        <dsp:cNvPr id="0" name=""/>
-        <dsp:cNvSpPr/>
-      </dsp:nvSpPr>
-      <dsp:spPr>
-        <a:xfrm>
-          <a:off x="0" y="3319927"/>
-          <a:ext cx="6656769" cy="725399"/>
-        </a:xfrm>
-        <a:prstGeom prst="roundRect">
-          <a:avLst/>
-        </a:prstGeom>
-        <a:gradFill rotWithShape="0">
-          <a:gsLst>
-            <a:gs pos="0">
-              <a:schemeClr val="accent2">
-                <a:hueOff val="-2371429"/>
-                <a:satOff val="11360"/>
-                <a:lumOff val="10510"/>
-                <a:alphaOff val="0"/>
-                <a:tint val="96000"/>
-                <a:lumMod val="100000"/>
-              </a:schemeClr>
-            </a:gs>
-            <a:gs pos="78000">
-              <a:schemeClr val="accent2">
-                <a:hueOff val="-2371429"/>
-                <a:satOff val="11360"/>
-                <a:lumOff val="10510"/>
-                <a:alphaOff val="0"/>
-                <a:shade val="94000"/>
-                <a:lumMod val="94000"/>
-              </a:schemeClr>
-            </a:gs>
-          </a:gsLst>
-          <a:lin ang="5400000" scaled="0"/>
-        </a:gradFill>
-        <a:ln>
-          <a:noFill/>
-        </a:ln>
-        <a:effectLst>
-          <a:outerShdw blurRad="38100" dist="25400" dir="5400000" rotWithShape="0">
-            <a:srgbClr val="000000">
-              <a:alpha val="35000"/>
-            </a:srgbClr>
-          </a:outerShdw>
-        </a:effectLst>
-      </dsp:spPr>
-      <dsp:style>
-        <a:lnRef idx="0">
-          <a:scrgbClr r="0" g="0" b="0"/>
-        </a:lnRef>
-        <a:fillRef idx="3">
-          <a:scrgbClr r="0" g="0" b="0"/>
-        </a:fillRef>
-        <a:effectRef idx="2">
-          <a:scrgbClr r="0" g="0" b="0"/>
-        </a:effectRef>
-        <a:fontRef idx="minor">
-          <a:schemeClr val="lt1"/>
-        </a:fontRef>
-      </dsp:style>
-      <dsp:txBody>
-        <a:bodyPr spcFirstLastPara="0" vert="horz" wrap="square" lIns="118110" tIns="118110" rIns="118110" bIns="118110" numCol="1" spcCol="1270" anchor="ctr" anchorCtr="0">
-          <a:noAutofit/>
-        </a:bodyPr>
-        <a:lstStyle/>
-        <a:p>
-          <a:pPr marL="0" lvl="0" indent="0" algn="l" defTabSz="1377950" rtl="0">
-            <a:lnSpc>
-              <a:spcPct val="90000"/>
-            </a:lnSpc>
-            <a:spcBef>
-              <a:spcPct val="0"/>
-            </a:spcBef>
-            <a:spcAft>
-              <a:spcPct val="35000"/>
-            </a:spcAft>
-            <a:buNone/>
-          </a:pPr>
-          <a:r>
-            <a:rPr lang="en-US" sz="3100" kern="1200" dirty="0"/>
-            <a:t>Ray</a:t>
-          </a:r>
-        </a:p>
-      </dsp:txBody>
-      <dsp:txXfrm>
-        <a:off x="35411" y="3355338"/>
-        <a:ext cx="6585947" cy="654577"/>
-      </dsp:txXfrm>
-    </dsp:sp>
-    <dsp:sp modelId="{C1FF2DF2-FF1D-6A44-AC1F-8919B51363DB}">
-      <dsp:nvSpPr>
-        <dsp:cNvPr id="0" name=""/>
-        <dsp:cNvSpPr/>
-      </dsp:nvSpPr>
-      <dsp:spPr>
-        <a:xfrm>
-          <a:off x="0" y="4134607"/>
-          <a:ext cx="6656769" cy="725399"/>
-        </a:xfrm>
-        <a:prstGeom prst="roundRect">
-          <a:avLst/>
-        </a:prstGeom>
-        <a:gradFill rotWithShape="0">
-          <a:gsLst>
-            <a:gs pos="0">
-              <a:schemeClr val="accent2">
-                <a:hueOff val="-2964286"/>
-                <a:satOff val="14200"/>
-                <a:lumOff val="13137"/>
-                <a:alphaOff val="0"/>
-                <a:tint val="96000"/>
-                <a:lumMod val="100000"/>
-              </a:schemeClr>
-            </a:gs>
-            <a:gs pos="78000">
-              <a:schemeClr val="accent2">
-                <a:hueOff val="-2964286"/>
-                <a:satOff val="14200"/>
-                <a:lumOff val="13137"/>
-                <a:alphaOff val="0"/>
-                <a:shade val="94000"/>
-                <a:lumMod val="94000"/>
-              </a:schemeClr>
-            </a:gs>
-          </a:gsLst>
-          <a:lin ang="5400000" scaled="0"/>
-        </a:gradFill>
-        <a:ln>
-          <a:noFill/>
-        </a:ln>
-        <a:effectLst>
-          <a:outerShdw blurRad="38100" dist="25400" dir="5400000" rotWithShape="0">
-            <a:srgbClr val="000000">
-              <a:alpha val="35000"/>
-            </a:srgbClr>
-          </a:outerShdw>
-        </a:effectLst>
-      </dsp:spPr>
-      <dsp:style>
-        <a:lnRef idx="0">
-          <a:scrgbClr r="0" g="0" b="0"/>
-        </a:lnRef>
-        <a:fillRef idx="3">
-          <a:scrgbClr r="0" g="0" b="0"/>
-        </a:fillRef>
-        <a:effectRef idx="2">
-          <a:scrgbClr r="0" g="0" b="0"/>
-        </a:effectRef>
-        <a:fontRef idx="minor">
-          <a:schemeClr val="lt1"/>
-        </a:fontRef>
-      </dsp:style>
-      <dsp:txBody>
-        <a:bodyPr spcFirstLastPara="0" vert="horz" wrap="square" lIns="118110" tIns="118110" rIns="118110" bIns="118110" numCol="1" spcCol="1270" anchor="ctr" anchorCtr="0">
-          <a:noAutofit/>
-        </a:bodyPr>
-        <a:lstStyle/>
-        <a:p>
-          <a:pPr marL="0" lvl="0" indent="0" algn="l" defTabSz="1377950">
-            <a:lnSpc>
-              <a:spcPct val="90000"/>
-            </a:lnSpc>
-            <a:spcBef>
-              <a:spcPct val="0"/>
-            </a:spcBef>
-            <a:spcAft>
-              <a:spcPct val="35000"/>
-            </a:spcAft>
-            <a:buNone/>
-          </a:pPr>
-          <a:r>
-            <a:rPr lang="en-US" sz="3100" kern="1200" dirty="0" err="1">
-              <a:latin typeface="Trebuchet MS" panose="020B0603020202020204"/>
-            </a:rPr>
-            <a:t>Optuna</a:t>
-          </a:r>
-          <a:endParaRPr lang="en-US" sz="3100" kern="1200" dirty="0"/>
-        </a:p>
-      </dsp:txBody>
-      <dsp:txXfrm>
-        <a:off x="35411" y="4170018"/>
-        <a:ext cx="6585947" cy="654577"/>
-      </dsp:txXfrm>
-    </dsp:sp>
-  </dsp:spTree>
-</dsp:drawing>
-</file>
-
-<file path=ppt/diagrams/layout1.xml><?xml version="1.0" encoding="utf-8"?>
-<dgm:layoutDef xmlns:dgm="http://schemas.openxmlformats.org/drawingml/2006/diagram" xmlns:a="http://schemas.openxmlformats.org/drawingml/2006/main" uniqueId="urn:microsoft.com/office/officeart/2005/8/layout/vList2">
-  <dgm:title val=""/>
-  <dgm:desc val=""/>
-  <dgm:catLst>
-    <dgm:cat type="list" pri="3000"/>
-    <dgm:cat type="convert" pri="1000"/>
-  </dgm:catLst>
-  <dgm:sampData>
-    <dgm:dataModel>
-      <dgm:ptLst>
-        <dgm:pt modelId="0" type="doc"/>
-        <dgm:pt modelId="1">
-          <dgm:prSet phldr="1"/>
-        </dgm:pt>
-        <dgm:pt modelId="11">
-          <dgm:prSet phldr="1"/>
-        </dgm:pt>
-        <dgm:pt modelId="2">
-          <dgm:prSet phldr="1"/>
-        </dgm:pt>
-        <dgm:pt modelId="21">
-          <dgm:prSet phldr="1"/>
-        </dgm:pt>
-      </dgm:ptLst>
-      <dgm:cxnLst>
-        <dgm:cxn modelId="4" srcId="0" destId="1" srcOrd="0" destOrd="0"/>
-        <dgm:cxn modelId="5" srcId="0" destId="2" srcOrd="1" destOrd="0"/>
-        <dgm:cxn modelId="12" srcId="1" destId="11" srcOrd="0" destOrd="0"/>
-        <dgm:cxn modelId="23" srcId="2" destId="21" srcOrd="0" destOrd="0"/>
-      </dgm:cxnLst>
-      <dgm:bg/>
-      <dgm:whole/>
-    </dgm:dataModel>
-  </dgm:sampData>
-  <dgm:styleData>
-    <dgm:dataModel>
-      <dgm:ptLst>
-        <dgm:pt modelId="0" type="doc"/>
-        <dgm:pt modelId="1"/>
-        <dgm:pt modelId="2"/>
-      </dgm:ptLst>
-      <dgm:cxnLst>
-        <dgm:cxn modelId="3" srcId="0" destId="1" srcOrd="0" destOrd="0"/>
-        <dgm:cxn modelId="4" srcId="0" destId="2" srcOrd="1" destOrd="0"/>
-      </dgm:cxnLst>
-      <dgm:bg/>
-      <dgm:whole/>
-    </dgm:dataModel>
-  </dgm:styleData>
-  <dgm:clrData>
-    <dgm:dataModel>
-      <dgm:ptLst>
-        <dgm:pt modelId="0" type="doc"/>
-        <dgm:pt modelId="1"/>
-        <dgm:pt modelId="2"/>
-        <dgm:pt modelId="3"/>
-        <dgm:pt modelId="4"/>
-      </dgm:ptLst>
-      <dgm:cxnLst>
-        <dgm:cxn modelId="5" srcId="0" destId="1" srcOrd="0" destOrd="0"/>
-        <dgm:cxn modelId="6" srcId="0" destId="2" srcOrd="1" destOrd="0"/>
-        <dgm:cxn modelId="7" srcId="0" destId="3" srcOrd="2" destOrd="0"/>
-        <dgm:cxn modelId="8" srcId="0" destId="4" srcOrd="3" destOrd="0"/>
-      </dgm:cxnLst>
-      <dgm:bg/>
-      <dgm:whole/>
-    </dgm:dataModel>
-  </dgm:clrData>
-  <dgm:layoutNode name="linear">
-    <dgm:varLst>
-      <dgm:animLvl val="lvl"/>
-      <dgm:resizeHandles val="exact"/>
-    </dgm:varLst>
-    <dgm:alg type="lin">
-      <dgm:param type="linDir" val="fromT"/>
-      <dgm:param type="vertAlign" val="mid"/>
-    </dgm:alg>
-    <dgm:shape xmlns:r="http://schemas.openxmlformats.org/officeDocument/2006/relationships" r:blip="">
-      <dgm:adjLst/>
-    </dgm:shape>
-    <dgm:presOf/>
-    <dgm:constrLst>
-      <dgm:constr type="w" for="ch" forName="parentText" refType="w"/>
-      <dgm:constr type="h" for="ch" forName="parentText" refType="primFontSz" refFor="ch" refForName="parentText" fact="0.52"/>
-      <dgm:constr type="w" for="ch" forName="childText" refType="w"/>
-      <dgm:constr type="h" for="ch" forName="childText" refType="primFontSz" refFor="ch" refForName="parentText" fact="0.46"/>
-      <dgm:constr type="h" for="ch" forName="parentText" op="equ"/>
-      <dgm:constr type="primFontSz" for="ch" forName="parentText" op="equ" val="65"/>
-      <dgm:constr type="primFontSz" for="ch" forName="childText" refType="primFontSz" refFor="ch" refForName="parentText" op="equ"/>
-      <dgm:constr type="h" for="ch" forName="spacer" refType="primFontSz" refFor="ch" refForName="parentText" fact="0.08"/>
-    </dgm:constrLst>
-    <dgm:ruleLst>
-      <dgm:rule type="primFontSz" for="ch" forName="parentText" val="5" fact="NaN" max="NaN"/>
-    </dgm:ruleLst>
-    <dgm:forEach name="Name0" axis="ch" ptType="node">
-      <dgm:layoutNode name="parentText" styleLbl="node1">
-        <dgm:varLst>
-          <dgm:chMax val="0"/>
-          <dgm:bulletEnabled val="1"/>
-        </dgm:varLst>
-        <dgm:alg type="tx">
-          <dgm:param type="parTxLTRAlign" val="l"/>
-          <dgm:param type="parTxRTLAlign" val="r"/>
-        </dgm:alg>
-        <dgm:shape xmlns:r="http://schemas.openxmlformats.org/officeDocument/2006/relationships" type="roundRect" r:blip="">
-          <dgm:adjLst/>
-        </dgm:shape>
-        <dgm:presOf axis="self"/>
-        <dgm:constrLst>
-          <dgm:constr type="tMarg" refType="primFontSz" fact="0.3"/>
-          <dgm:constr type="bMarg" refType="primFontSz" fact="0.3"/>
-          <dgm:constr type="lMarg" refType="primFontSz" fact="0.3"/>
-          <dgm:constr type="rMarg" refType="primFontSz" fact="0.3"/>
-        </dgm:constrLst>
-        <dgm:ruleLst>
-          <dgm:rule type="h" val="INF" fact="NaN" max="NaN"/>
-        </dgm:ruleLst>
-      </dgm:layoutNode>
-      <dgm:choose name="Name1">
-        <dgm:if name="Name2" axis="ch" ptType="node" func="cnt" op="gte" val="1">
-          <dgm:layoutNode name="childText" styleLbl="revTx">
-            <dgm:varLst>
-              <dgm:bulletEnabled val="1"/>
-            </dgm:varLst>
-            <dgm:alg type="tx">
-              <dgm:param type="stBulletLvl" val="1"/>
-              <dgm:param type="lnSpAfChP" val="20"/>
-            </dgm:alg>
-            <dgm:shape xmlns:r="http://schemas.openxmlformats.org/officeDocument/2006/relationships" type="rect" r:blip="">
-              <dgm:adjLst/>
-            </dgm:shape>
-            <dgm:presOf axis="des" ptType="node"/>
-            <dgm:constrLst>
-              <dgm:constr type="tMarg" refType="primFontSz" fact="0.1"/>
-              <dgm:constr type="bMarg" refType="primFontSz" fact="0.1"/>
-              <dgm:constr type="lMarg" refType="w" fact="0.09"/>
-            </dgm:constrLst>
-            <dgm:ruleLst>
-              <dgm:rule type="h" val="INF" fact="NaN" max="NaN"/>
-            </dgm:ruleLst>
-          </dgm:layoutNode>
-        </dgm:if>
-        <dgm:else name="Name3">
-          <dgm:choose name="Name4">
-            <dgm:if name="Name5" axis="par ch" ptType="doc node" func="cnt" op="gte" val="2">
-              <dgm:forEach name="Name6" axis="followSib" ptType="sibTrans" cnt="1">
-                <dgm:layoutNode name="spacer">
-                  <dgm:alg type="sp"/>
-                  <dgm:shape xmlns:r="http://schemas.openxmlformats.org/officeDocument/2006/relationships" r:blip="">
-                    <dgm:adjLst/>
-                  </dgm:shape>
-                  <dgm:presOf/>
-                  <dgm:constrLst/>
-                  <dgm:ruleLst/>
-                </dgm:layoutNode>
-              </dgm:forEach>
-            </dgm:if>
-            <dgm:else name="Name7"/>
-          </dgm:choose>
-        </dgm:else>
-      </dgm:choose>
-    </dgm:forEach>
-  </dgm:layoutNode>
-</dgm:layoutDef>
-</file>
-
-<file path=ppt/diagrams/quickStyle1.xml><?xml version="1.0" encoding="utf-8"?>
-<dgm:styleDef xmlns:dgm="http://schemas.openxmlformats.org/drawingml/2006/diagram" xmlns:a="http://schemas.openxmlformats.org/drawingml/2006/main" uniqueId="urn:microsoft.com/office/officeart/2005/8/quickstyle/simple4">
-  <dgm:title val=""/>
-  <dgm:desc val=""/>
-  <dgm:catLst>
-    <dgm:cat type="simple" pri="10400"/>
-  </dgm:catLst>
-  <dgm:scene3d>
-    <a:camera prst="orthographicFront"/>
-    <a:lightRig rig="threePt" dir="t"/>
-  </dgm:scene3d>
-  <dgm:styleLbl name="node0">
-    <dgm:scene3d>
-      <a:camera prst="orthographicFront"/>
-      <a:lightRig rig="threePt" dir="t"/>
-    </dgm:scene3d>
-    <dgm:sp3d/>
-    <dgm:txPr/>
-    <dgm:style>
-      <a:lnRef idx="0">
-        <a:scrgbClr r="0" g="0" b="0"/>
-      </a:lnRef>
-      <a:fillRef idx="3">
-        <a:scrgbClr r="0" g="0" b="0"/>
-      </a:fillRef>
-      <a:effectRef idx="2">
-        <a:scrgbClr r="0" g="0" b="0"/>
-      </a:effectRef>
-      <a:fontRef idx="minor">
-        <a:schemeClr val="lt1"/>
-      </a:fontRef>
-    </dgm:style>
-  </dgm:styleLbl>
-  <dgm:styleLbl name="lnNode1">
-    <dgm:scene3d>
-      <a:camera prst="orthographicFront"/>
-      <a:lightRig rig="threePt" dir="t"/>
-    </dgm:scene3d>
-    <dgm:sp3d/>
-    <dgm:txPr/>
-    <dgm:style>
-      <a:lnRef idx="1">
-        <a:scrgbClr r="0" g="0" b="0"/>
-      </a:lnRef>
-      <a:fillRef idx="3">
-        <a:scrgbClr r="0" g="0" b="0"/>
-      </a:fillRef>
-      <a:effectRef idx="2">
-        <a:scrgbClr r="0" g="0" b="0"/>
-      </a:effectRef>
-      <a:fontRef idx="minor">
-        <a:schemeClr val="lt1"/>
-      </a:fontRef>
-    </dgm:style>
-  </dgm:styleLbl>
-  <dgm:styleLbl name="vennNode1">
-    <dgm:scene3d>
-      <a:camera prst="orthographicFront"/>
-      <a:lightRig rig="threePt" dir="t"/>
-    </dgm:scene3d>
-    <dgm:sp3d/>
-    <dgm:txPr/>
-    <dgm:style>
-      <a:lnRef idx="0">
-        <a:scrgbClr r="0" g="0" b="0"/>
-      </a:lnRef>
-      <a:fillRef idx="3">
-        <a:scrgbClr r="0" g="0" b="0"/>
-      </a:fillRef>
-      <a:effectRef idx="0">
-        <a:scrgbClr r="0" g="0" b="0"/>
-      </a:effectRef>
-      <a:fontRef idx="minor">
-        <a:schemeClr val="tx1"/>
-      </a:fontRef>
-    </dgm:style>
-  </dgm:styleLbl>
-  <dgm:styleLbl name="alignNode1">
-    <dgm:scene3d>
-      <a:camera prst="orthographicFront"/>
-      <a:lightRig rig="threePt" dir="t"/>
-    </dgm:scene3d>
-    <dgm:sp3d/>
-    <dgm:txPr/>
-    <dgm:style>
-      <a:lnRef idx="1">
-        <a:scrgbClr r="0" g="0" b="0"/>
-      </a:lnRef>
-      <a:fillRef idx="3">
-        <a:scrgbClr r="0" g="0" b="0"/>
-      </a:fillRef>
-      <a:effectRef idx="2">
-        <a:scrgbClr r="0" g="0" b="0"/>
-      </a:effectRef>
-      <a:fontRef idx="minor">
-        <a:schemeClr val="lt1"/>
-      </a:fontRef>
-    </dgm:style>
-  </dgm:styleLbl>
-  <dgm:styleLbl name="node1">
-    <dgm:scene3d>
-      <a:camera prst="orthographicFront"/>
-      <a:lightRig rig="threePt" dir="t"/>
-    </dgm:scene3d>
-    <dgm:sp3d/>
-    <dgm:txPr/>
-    <dgm:style>
-      <a:lnRef idx="0">
-        <a:scrgbClr r="0" g="0" b="0"/>
-      </a:lnRef>
-      <a:fillRef idx="3">
-        <a:scrgbClr r="0" g="0" b="0"/>
-      </a:fillRef>
-      <a:effectRef idx="2">
-        <a:scrgbClr r="0" g="0" b="0"/>
-      </a:effectRef>
-      <a:fontRef idx="minor">
-        <a:schemeClr val="lt1"/>
-      </a:fontRef>
-    </dgm:style>
-  </dgm:styleLbl>
-  <dgm:styleLbl name="node2">
-    <dgm:scene3d>
-      <a:camera prst="orthographicFront"/>
-      <a:lightRig rig="threePt" dir="t"/>
-    </dgm:scene3d>
-    <dgm:sp3d/>
-    <dgm:txPr/>
-    <dgm:style>
-      <a:lnRef idx="0">
-        <a:scrgbClr r="0" g="0" b="0"/>
-      </a:lnRef>
-      <a:fillRef idx="3">
-        <a:scrgbClr r="0" g="0" b="0"/>
-      </a:fillRef>
-      <a:effectRef idx="2">
-        <a:scrgbClr r="0" g="0" b="0"/>
-      </a:effectRef>
-      <a:fontRef idx="minor">
-        <a:schemeClr val="lt1"/>
-      </a:fontRef>
-    </dgm:style>
-  </dgm:styleLbl>
-  <dgm:styleLbl name="node3">
-    <dgm:scene3d>
-      <a:camera prst="orthographicFront"/>
-      <a:lightRig rig="threePt" dir="t"/>
-    </dgm:scene3d>
-    <dgm:sp3d/>
-    <dgm:txPr/>
-    <dgm:style>
-      <a:lnRef idx="0">
-        <a:scrgbClr r="0" g="0" b="0"/>
-      </a:lnRef>
-      <a:fillRef idx="3">
-        <a:scrgbClr r="0" g="0" b="0"/>
-      </a:fillRef>
-      <a:effectRef idx="2">
-        <a:scrgbClr r="0" g="0" b="0"/>
-      </a:effectRef>
-      <a:fontRef idx="minor">
-        <a:schemeClr val="lt1"/>
-      </a:fontRef>
-    </dgm:style>
-  </dgm:styleLbl>
-  <dgm:styleLbl name="node4">
-    <dgm:scene3d>
-      <a:camera prst="orthographicFront"/>
-      <a:lightRig rig="threePt" dir="t"/>
-    </dgm:scene3d>
-    <dgm:sp3d/>
-    <dgm:txPr/>
-    <dgm:style>
-      <a:lnRef idx="0">
-        <a:scrgbClr r="0" g="0" b="0"/>
-      </a:lnRef>
-      <a:fillRef idx="3">
-        <a:scrgbClr r="0" g="0" b="0"/>
-      </a:fillRef>
-      <a:effectRef idx="2">
-        <a:scrgbClr r="0" g="0" b="0"/>
-      </a:effectRef>
-      <a:fontRef idx="minor">
-        <a:schemeClr val="lt1"/>
-      </a:fontRef>
-    </dgm:style>
-  </dgm:styleLbl>
-  <dgm:styleLbl name="fgImgPlace1">
-    <dgm:scene3d>
-      <a:camera prst="orthographicFront"/>
-      <a:lightRig rig="threePt" dir="t"/>
-    </dgm:scene3d>
-    <dgm:sp3d/>
-    <dgm:txPr/>
-    <dgm:style>
-      <a:lnRef idx="0">
-        <a:scrgbClr r="0" g="0" b="0"/>
-      </a:lnRef>
-      <a:fillRef idx="1">
-        <a:scrgbClr r="0" g="0" b="0"/>
-      </a:fillRef>
-      <a:effectRef idx="2">
-        <a:scrgbClr r="0" g="0" b="0"/>
-      </a:effectRef>
-      <a:fontRef idx="minor"/>
-    </dgm:style>
-  </dgm:styleLbl>
-  <dgm:styleLbl name="alignImgPlace1">
-    <dgm:scene3d>
-      <a:camera prst="orthographicFront"/>
-      <a:lightRig rig="threePt" dir="t"/>
-    </dgm:scene3d>
-    <dgm:sp3d/>
-    <dgm:txPr/>
-    <dgm:style>
-      <a:lnRef idx="0">
-        <a:scrgbClr r="0" g="0" b="0"/>
-      </a:lnRef>
-      <a:fillRef idx="1">
-        <a:scrgbClr r="0" g="0" b="0"/>
-      </a:fillRef>
-      <a:effectRef idx="2">
-        <a:scrgbClr r="0" g="0" b="0"/>
-      </a:effectRef>
-      <a:fontRef idx="minor"/>
-    </dgm:style>
-  </dgm:styleLbl>
-  <dgm:styleLbl name="bgImgPlace1">
-    <dgm:scene3d>
-      <a:camera prst="orthographicFront"/>
-      <a:lightRig rig="threePt" dir="t"/>
-    </dgm:scene3d>
-    <dgm:sp3d/>
-    <dgm:txPr/>
-    <dgm:style>
-      <a:lnRef idx="0">
-        <a:scrgbClr r="0" g="0" b="0"/>
-      </a:lnRef>
-      <a:fillRef idx="1">
-        <a:scrgbClr r="0" g="0" b="0"/>
-      </a:fillRef>
-      <a:effectRef idx="2">
-        <a:scrgbClr r="0" g="0" b="0"/>
-      </a:effectRef>
-      <a:fontRef idx="minor"/>
-    </dgm:style>
-  </dgm:styleLbl>
-  <dgm:styleLbl name="sibTrans2D1">
-    <dgm:scene3d>
-      <a:camera prst="orthographicFront"/>
-      <a:lightRig rig="threePt" dir="t"/>
-    </dgm:scene3d>
-    <dgm:sp3d/>
-    <dgm:txPr/>
-    <dgm:style>
-      <a:lnRef idx="0">
-        <a:scrgbClr r="0" g="0" b="0"/>
-      </a:lnRef>
-      <a:fillRef idx="3">
-        <a:scrgbClr r="0" g="0" b="0"/>
-      </a:fillRef>
-      <a:effectRef idx="2">
-        <a:scrgbClr r="0" g="0" b="0"/>
-      </a:effectRef>
-      <a:fontRef idx="minor">
-        <a:schemeClr val="lt1"/>
-      </a:fontRef>
-    </dgm:style>
-  </dgm:styleLbl>
-  <dgm:styleLbl name="fgSibTrans2D1">
-    <dgm:scene3d>
-      <a:camera prst="orthographicFront"/>
-      <a:lightRig rig="threePt" dir="t"/>
-    </dgm:scene3d>
-    <dgm:sp3d/>
-    <dgm:txPr/>
-    <dgm:style>
-      <a:lnRef idx="0">
-        <a:scrgbClr r="0" g="0" b="0"/>
-      </a:lnRef>
-      <a:fillRef idx="3">
-        <a:scrgbClr r="0" g="0" b="0"/>
-      </a:fillRef>
-      <a:effectRef idx="2">
-        <a:scrgbClr r="0" g="0" b="0"/>
-      </a:effectRef>
-      <a:fontRef idx="minor">
-        <a:schemeClr val="lt1"/>
-      </a:fontRef>
-    </dgm:style>
-  </dgm:styleLbl>
-  <dgm:styleLbl name="bgSibTrans2D1">
-    <dgm:scene3d>
-      <a:camera prst="orthographicFront"/>
-      <a:lightRig rig="threePt" dir="t"/>
-    </dgm:scene3d>
-    <dgm:sp3d/>
-    <dgm:txPr/>
-    <dgm:style>
-      <a:lnRef idx="0">
-        <a:scrgbClr r="0" g="0" b="0"/>
-      </a:lnRef>
-      <a:fillRef idx="3">
-        <a:scrgbClr r="0" g="0" b="0"/>
-      </a:fillRef>
-      <a:effectRef idx="2">
-        <a:scrgbClr r="0" g="0" b="0"/>
-      </a:effectRef>
-      <a:fontRef idx="minor">
-        <a:schemeClr val="lt1"/>
-      </a:fontRef>
-    </dgm:style>
-  </dgm:styleLbl>
-  <dgm:styleLbl name="sibTrans1D1">
-    <dgm:scene3d>
-      <a:camera prst="orthographicFront"/>
-      <a:lightRig rig="threePt" dir="t"/>
-    </dgm:scene3d>
-    <dgm:sp3d/>
-    <dgm:txPr/>
-    <dgm:style>
-      <a:lnRef idx="1">
-        <a:scrgbClr r="0" g="0" b="0"/>
-      </a:lnRef>
-      <a:fillRef idx="0">
-        <a:scrgbClr r="0" g="0" b="0"/>
-      </a:fillRef>
-      <a:effectRef idx="0">
-        <a:scrgbClr r="0" g="0" b="0"/>
-      </a:effectRef>
-      <a:fontRef idx="minor"/>
-    </dgm:style>
-  </dgm:styleLbl>
-  <dgm:styleLbl name="callout">
-    <dgm:scene3d>
-      <a:camera prst="orthographicFront"/>
-      <a:lightRig rig="threePt" dir="t"/>
-    </dgm:scene3d>
-    <dgm:sp3d/>
-    <dgm:txPr/>
-    <dgm:style>
-      <a:lnRef idx="2">
-        <a:scrgbClr r="0" g="0" b="0"/>
-      </a:lnRef>
-      <a:fillRef idx="1">
-        <a:scrgbClr r="0" g="0" b="0"/>
-      </a:fillRef>
-      <a:effectRef idx="1">
-        <a:scrgbClr r="0" g="0" b="0"/>
-      </a:effectRef>
-      <a:fontRef idx="minor"/>
-    </dgm:style>
-  </dgm:styleLbl>
-  <dgm:styleLbl name="asst0">
-    <dgm:scene3d>
-      <a:camera prst="orthographicFront"/>
-      <a:lightRig rig="threePt" dir="t"/>
-    </dgm:scene3d>
-    <dgm:sp3d/>
-    <dgm:txPr/>
-    <dgm:style>
-      <a:lnRef idx="0">
-        <a:scrgbClr r="0" g="0" b="0"/>
-      </a:lnRef>
-      <a:fillRef idx="3">
-        <a:scrgbClr r="0" g="0" b="0"/>
-      </a:fillRef>
-      <a:effectRef idx="2">
-        <a:scrgbClr r="0" g="0" b="0"/>
-      </a:effectRef>
-      <a:fontRef idx="minor">
-        <a:schemeClr val="lt1"/>
-      </a:fontRef>
-    </dgm:style>
-  </dgm:styleLbl>
-  <dgm:styleLbl name="asst1">
-    <dgm:scene3d>
-      <a:camera prst="orthographicFront"/>
-      <a:lightRig rig="threePt" dir="t"/>
-    </dgm:scene3d>
-    <dgm:sp3d/>
-    <dgm:txPr/>
-    <dgm:style>
-      <a:lnRef idx="0">
-        <a:scrgbClr r="0" g="0" b="0"/>
-      </a:lnRef>
-      <a:fillRef idx="3">
-        <a:scrgbClr r="0" g="0" b="0"/>
-      </a:fillRef>
-      <a:effectRef idx="2">
-        <a:scrgbClr r="0" g="0" b="0"/>
-      </a:effectRef>
-      <a:fontRef idx="minor">
-        <a:schemeClr val="lt1"/>
-      </a:fontRef>
-    </dgm:style>
-  </dgm:styleLbl>
-  <dgm:styleLbl name="asst2">
-    <dgm:scene3d>
-      <a:camera prst="orthographicFront"/>
-      <a:lightRig rig="threePt" dir="t"/>
-    </dgm:scene3d>
-    <dgm:sp3d/>
-    <dgm:txPr/>
-    <dgm:style>
-      <a:lnRef idx="0">
-        <a:scrgbClr r="0" g="0" b="0"/>
-      </a:lnRef>
-      <a:fillRef idx="3">
-        <a:scrgbClr r="0" g="0" b="0"/>
-      </a:fillRef>
-      <a:effectRef idx="2">
-        <a:scrgbClr r="0" g="0" b="0"/>
-      </a:effectRef>
-      <a:fontRef idx="minor">
-        <a:schemeClr val="lt1"/>
-      </a:fontRef>
-    </dgm:style>
-  </dgm:styleLbl>
-  <dgm:styleLbl name="asst3">
-    <dgm:scene3d>
-      <a:camera prst="orthographicFront"/>
-      <a:lightRig rig="threePt" dir="t"/>
-    </dgm:scene3d>
-    <dgm:sp3d/>
-    <dgm:txPr/>
-    <dgm:style>
-      <a:lnRef idx="0">
-        <a:scrgbClr r="0" g="0" b="0"/>
-      </a:lnRef>
-      <a:fillRef idx="3">
-        <a:scrgbClr r="0" g="0" b="0"/>
-      </a:fillRef>
-      <a:effectRef idx="2">
-        <a:scrgbClr r="0" g="0" b="0"/>
-      </a:effectRef>
-      <a:fontRef idx="minor">
-        <a:schemeClr val="lt1"/>
-      </a:fontRef>
-    </dgm:style>
-  </dgm:styleLbl>
-  <dgm:styleLbl name="asst4">
-    <dgm:scene3d>
-      <a:camera prst="orthographicFront"/>
-      <a:lightRig rig="threePt" dir="t"/>
-    </dgm:scene3d>
-    <dgm:sp3d/>
-    <dgm:txPr/>
-    <dgm:style>
-      <a:lnRef idx="0">
-        <a:scrgbClr r="0" g="0" b="0"/>
-      </a:lnRef>
-      <a:fillRef idx="3">
-        <a:scrgbClr r="0" g="0" b="0"/>
-      </a:fillRef>
-      <a:effectRef idx="2">
-        <a:scrgbClr r="0" g="0" b="0"/>
-      </a:effectRef>
-      <a:fontRef idx="minor">
-        <a:schemeClr val="lt1"/>
-      </a:fontRef>
-    </dgm:style>
-  </dgm:styleLbl>
-  <dgm:styleLbl name="parChTrans2D1">
-    <dgm:scene3d>
-      <a:camera prst="orthographicFront"/>
-      <a:lightRig rig="threePt" dir="t"/>
-    </dgm:scene3d>
-    <dgm:sp3d/>
-    <dgm:txPr/>
-    <dgm:style>
-      <a:lnRef idx="0">
-        <a:scrgbClr r="0" g="0" b="0"/>
-      </a:lnRef>
-      <a:fillRef idx="3">
-        <a:scrgbClr r="0" g="0" b="0"/>
-      </a:fillRef>
-      <a:effectRef idx="2">
-        <a:scrgbClr r="0" g="0" b="0"/>
-      </a:effectRef>
-      <a:fontRef idx="minor">
-        <a:schemeClr val="lt1"/>
-      </a:fontRef>
-    </dgm:style>
-  </dgm:styleLbl>
-  <dgm:styleLbl name="parChTrans2D2">
-    <dgm:scene3d>
-      <a:camera prst="orthographicFront"/>
-      <a:lightRig rig="threePt" dir="t"/>
-    </dgm:scene3d>
-    <dgm:sp3d/>
-    <dgm:txPr/>
-    <dgm:style>
-      <a:lnRef idx="0">
-        <a:scrgbClr r="0" g="0" b="0"/>
-      </a:lnRef>
-      <a:fillRef idx="3">
-        <a:scrgbClr r="0" g="0" b="0"/>
-      </a:fillRef>
-      <a:effectRef idx="2">
-        <a:scrgbClr r="0" g="0" b="0"/>
-      </a:effectRef>
-      <a:fontRef idx="minor">
-        <a:schemeClr val="lt1"/>
-      </a:fontRef>
-    </dgm:style>
-  </dgm:styleLbl>
-  <dgm:styleLbl name="parChTrans2D3">
-    <dgm:scene3d>
-      <a:camera prst="orthographicFront"/>
-      <a:lightRig rig="threePt" dir="t"/>
-    </dgm:scene3d>
-    <dgm:sp3d/>
-    <dgm:txPr/>
-    <dgm:style>
-      <a:lnRef idx="1">
-        <a:scrgbClr r="0" g="0" b="0"/>
-      </a:lnRef>
-      <a:fillRef idx="3">
-        <a:scrgbClr r="0" g="0" b="0"/>
-      </a:fillRef>
-      <a:effectRef idx="2">
-        <a:scrgbClr r="0" g="0" b="0"/>
-      </a:effectRef>
-      <a:fontRef idx="minor">
-        <a:schemeClr val="lt1"/>
-      </a:fontRef>
-    </dgm:style>
-  </dgm:styleLbl>
-  <dgm:styleLbl name="parChTrans2D4">
-    <dgm:scene3d>
-      <a:camera prst="orthographicFront"/>
-      <a:lightRig rig="threePt" dir="t"/>
-    </dgm:scene3d>
-    <dgm:sp3d/>
-    <dgm:txPr/>
-    <dgm:style>
-      <a:lnRef idx="1">
-        <a:scrgbClr r="0" g="0" b="0"/>
-      </a:lnRef>
-      <a:fillRef idx="3">
-        <a:scrgbClr r="0" g="0" b="0"/>
-      </a:fillRef>
-      <a:effectRef idx="2">
-        <a:scrgbClr r="0" g="0" b="0"/>
-      </a:effectRef>
-      <a:fontRef idx="minor">
-        <a:schemeClr val="lt1"/>
-      </a:fontRef>
-    </dgm:style>
-  </dgm:styleLbl>
-  <dgm:styleLbl name="parChTrans1D1">
-    <dgm:scene3d>
-      <a:camera prst="orthographicFront"/>
-      <a:lightRig rig="threePt" dir="t"/>
-    </dgm:scene3d>
-    <dgm:sp3d/>
-    <dgm:txPr/>
-    <dgm:style>
-      <a:lnRef idx="1">
-        <a:scrgbClr r="0" g="0" b="0"/>
-      </a:lnRef>
-      <a:fillRef idx="0">
-        <a:scrgbClr r="0" g="0" b="0"/>
-      </a:fillRef>
-      <a:effectRef idx="0">
-        <a:scrgbClr r="0" g="0" b="0"/>
-      </a:effectRef>
-      <a:fontRef idx="minor"/>
-    </dgm:style>
-  </dgm:styleLbl>
-  <dgm:styleLbl name="parChTrans1D2">
-    <dgm:scene3d>
-      <a:camera prst="orthographicFront"/>
-      <a:lightRig rig="threePt" dir="t"/>
-    </dgm:scene3d>
-    <dgm:sp3d/>
-    <dgm:txPr/>
-    <dgm:style>
-      <a:lnRef idx="1">
-        <a:scrgbClr r="0" g="0" b="0"/>
-      </a:lnRef>
-      <a:fillRef idx="0">
-        <a:scrgbClr r="0" g="0" b="0"/>
-      </a:fillRef>
-      <a:effectRef idx="0">
-        <a:scrgbClr r="0" g="0" b="0"/>
-      </a:effectRef>
-      <a:fontRef idx="minor"/>
-    </dgm:style>
-  </dgm:styleLbl>
-  <dgm:styleLbl name="parChTrans1D3">
-    <dgm:scene3d>
-      <a:camera prst="orthographicFront"/>
-      <a:lightRig rig="threePt" dir="t"/>
-    </dgm:scene3d>
-    <dgm:sp3d/>
-    <dgm:txPr/>
-    <dgm:style>
-      <a:lnRef idx="1">
-        <a:scrgbClr r="0" g="0" b="0"/>
-      </a:lnRef>
-      <a:fillRef idx="0">
-        <a:scrgbClr r="0" g="0" b="0"/>
-      </a:fillRef>
-      <a:effectRef idx="0">
-        <a:scrgbClr r="0" g="0" b="0"/>
-      </a:effectRef>
-      <a:fontRef idx="minor"/>
-    </dgm:style>
-  </dgm:styleLbl>
-  <dgm:styleLbl name="parChTrans1D4">
-    <dgm:scene3d>
-      <a:camera prst="orthographicFront"/>
-      <a:lightRig rig="threePt" dir="t"/>
-    </dgm:scene3d>
-    <dgm:sp3d/>
-    <dgm:txPr/>
-    <dgm:style>
-      <a:lnRef idx="1">
-        <a:scrgbClr r="0" g="0" b="0"/>
-      </a:lnRef>
-      <a:fillRef idx="0">
-        <a:scrgbClr r="0" g="0" b="0"/>
-      </a:fillRef>
-      <a:effectRef idx="0">
-        <a:scrgbClr r="0" g="0" b="0"/>
-      </a:effectRef>
-      <a:fontRef idx="minor"/>
-    </dgm:style>
-  </dgm:styleLbl>
-  <dgm:styleLbl name="fgAcc1">
-    <dgm:scene3d>
-      <a:camera prst="orthographicFront"/>
-      <a:lightRig rig="threePt" dir="t"/>
-    </dgm:scene3d>
-    <dgm:sp3d/>
-    <dgm:txPr/>
-    <dgm:style>
-      <a:lnRef idx="1">
-        <a:scrgbClr r="0" g="0" b="0"/>
-      </a:lnRef>
-      <a:fillRef idx="1">
-        <a:scrgbClr r="0" g="0" b="0"/>
-      </a:fillRef>
-      <a:effectRef idx="0">
-        <a:scrgbClr r="0" g="0" b="0"/>
-      </a:effectRef>
-      <a:fontRef idx="minor"/>
-    </dgm:style>
-  </dgm:styleLbl>
-  <dgm:styleLbl name="conFgAcc1">
-    <dgm:scene3d>
-      <a:camera prst="orthographicFront"/>
-      <a:lightRig rig="threePt" dir="t"/>
-    </dgm:scene3d>
-    <dgm:sp3d/>
-    <dgm:txPr/>
-    <dgm:style>
-      <a:lnRef idx="1">
-        <a:scrgbClr r="0" g="0" b="0"/>
-      </a:lnRef>
-      <a:fillRef idx="1">
-        <a:scrgbClr r="0" g="0" b="0"/>
-      </a:fillRef>
-      <a:effectRef idx="0">
-        <a:scrgbClr r="0" g="0" b="0"/>
-      </a:effectRef>
-      <a:fontRef idx="minor"/>
-    </dgm:style>
-  </dgm:styleLbl>
-  <dgm:styleLbl name="alignAcc1">
-    <dgm:scene3d>
-      <a:camera prst="orthographicFront"/>
-      <a:lightRig rig="threePt" dir="t"/>
-    </dgm:scene3d>
-    <dgm:sp3d/>
-    <dgm:txPr/>
-    <dgm:style>
-      <a:lnRef idx="1">
-        <a:scrgbClr r="0" g="0" b="0"/>
-      </a:lnRef>
-      <a:fillRef idx="1">
-        <a:scrgbClr r="0" g="0" b="0"/>
-      </a:fillRef>
-      <a:effectRef idx="0">
-        <a:scrgbClr r="0" g="0" b="0"/>
-      </a:effectRef>
-      <a:fontRef idx="minor"/>
-    </dgm:style>
-  </dgm:styleLbl>
-  <dgm:styleLbl name="trAlignAcc1">
-    <dgm:scene3d>
-      <a:camera prst="orthographicFront"/>
-      <a:lightRig rig="threePt" dir="t"/>
-    </dgm:scene3d>
-    <dgm:sp3d/>
-    <dgm:txPr/>
-    <dgm:style>
-      <a:lnRef idx="1">
-        <a:scrgbClr r="0" g="0" b="0"/>
-      </a:lnRef>
-      <a:fillRef idx="1">
-        <a:scrgbClr r="0" g="0" b="0"/>
-      </a:fillRef>
-      <a:effectRef idx="0">
-        <a:scrgbClr r="0" g="0" b="0"/>
-      </a:effectRef>
-      <a:fontRef idx="minor"/>
-    </dgm:style>
-  </dgm:styleLbl>
-  <dgm:styleLbl name="bgAcc1">
-    <dgm:scene3d>
-      <a:camera prst="orthographicFront"/>
-      <a:lightRig rig="threePt" dir="t"/>
-    </dgm:scene3d>
-    <dgm:sp3d/>
-    <dgm:txPr/>
-    <dgm:style>
-      <a:lnRef idx="1">
-        <a:scrgbClr r="0" g="0" b="0"/>
-      </a:lnRef>
-      <a:fillRef idx="1">
-        <a:scrgbClr r="0" g="0" b="0"/>
-      </a:fillRef>
-      <a:effectRef idx="0">
-        <a:scrgbClr r="0" g="0" b="0"/>
-      </a:effectRef>
-      <a:fontRef idx="minor"/>
-    </dgm:style>
-  </dgm:styleLbl>
-  <dgm:styleLbl name="solidFgAcc1">
-    <dgm:scene3d>
-      <a:camera prst="orthographicFront"/>
-      <a:lightRig rig="threePt" dir="t"/>
-    </dgm:scene3d>
-    <dgm:sp3d/>
-    <dgm:txPr/>
-    <dgm:style>
-      <a:lnRef idx="1">
-        <a:scrgbClr r="0" g="0" b="0"/>
-      </a:lnRef>
-      <a:fillRef idx="1">
-        <a:scrgbClr r="0" g="0" b="0"/>
-      </a:fillRef>
-      <a:effectRef idx="0">
-        <a:scrgbClr r="0" g="0" b="0"/>
-      </a:effectRef>
-      <a:fontRef idx="minor"/>
-    </dgm:style>
-  </dgm:styleLbl>
-  <dgm:styleLbl name="solidAlignAcc1">
-    <dgm:scene3d>
-      <a:camera prst="orthographicFront"/>
-      <a:lightRig rig="threePt" dir="t"/>
-    </dgm:scene3d>
-    <dgm:sp3d/>
-    <dgm:txPr/>
-    <dgm:style>
-      <a:lnRef idx="1">
-        <a:scrgbClr r="0" g="0" b="0"/>
-      </a:lnRef>
-      <a:fillRef idx="1">
-        <a:scrgbClr r="0" g="0" b="0"/>
-      </a:fillRef>
-      <a:effectRef idx="0">
-        <a:scrgbClr r="0" g="0" b="0"/>
-      </a:effectRef>
-      <a:fontRef idx="minor"/>
-    </dgm:style>
-  </dgm:styleLbl>
-  <dgm:styleLbl name="solidBgAcc1">
-    <dgm:scene3d>
-      <a:camera prst="orthographicFront"/>
-      <a:lightRig rig="threePt" dir="t"/>
-    </dgm:scene3d>
-    <dgm:sp3d/>
-    <dgm:txPr/>
-    <dgm:style>
-      <a:lnRef idx="1">
-        <a:scrgbClr r="0" g="0" b="0"/>
-      </a:lnRef>
-      <a:fillRef idx="1">
-        <a:scrgbClr r="0" g="0" b="0"/>
-      </a:fillRef>
-      <a:effectRef idx="0">
-        <a:scrgbClr r="0" g="0" b="0"/>
-      </a:effectRef>
-      <a:fontRef idx="minor"/>
-    </dgm:style>
-  </dgm:styleLbl>
-  <dgm:styleLbl name="fgAccFollowNode1">
-    <dgm:scene3d>
-      <a:camera prst="orthographicFront"/>
-      <a:lightRig rig="threePt" dir="t"/>
-    </dgm:scene3d>
-    <dgm:sp3d/>
-    <dgm:txPr/>
-    <dgm:style>
-      <a:lnRef idx="1">
-        <a:scrgbClr r="0" g="0" b="0"/>
-      </a:lnRef>
-      <a:fillRef idx="1">
-        <a:scrgbClr r="0" g="0" b="0"/>
-      </a:fillRef>
-      <a:effectRef idx="0">
-        <a:scrgbClr r="0" g="0" b="0"/>
-      </a:effectRef>
-      <a:fontRef idx="minor"/>
-    </dgm:style>
-  </dgm:styleLbl>
-  <dgm:styleLbl name="alignAccFollowNode1">
-    <dgm:scene3d>
-      <a:camera prst="orthographicFront"/>
-      <a:lightRig rig="threePt" dir="t"/>
-    </dgm:scene3d>
-    <dgm:sp3d/>
-    <dgm:txPr/>
-    <dgm:style>
-      <a:lnRef idx="1">
-        <a:scrgbClr r="0" g="0" b="0"/>
-      </a:lnRef>
-      <a:fillRef idx="1">
-        <a:scrgbClr r="0" g="0" b="0"/>
-      </a:fillRef>
-      <a:effectRef idx="0">
-        <a:scrgbClr r="0" g="0" b="0"/>
-      </a:effectRef>
-      <a:fontRef idx="minor"/>
-    </dgm:style>
-  </dgm:styleLbl>
-  <dgm:styleLbl name="bgAccFollowNode1">
-    <dgm:scene3d>
-      <a:camera prst="orthographicFront"/>
-      <a:lightRig rig="threePt" dir="t"/>
-    </dgm:scene3d>
-    <dgm:sp3d/>
-    <dgm:txPr/>
-    <dgm:style>
-      <a:lnRef idx="1">
-        <a:scrgbClr r="0" g="0" b="0"/>
-      </a:lnRef>
-      <a:fillRef idx="1">
-        <a:scrgbClr r="0" g="0" b="0"/>
-      </a:fillRef>
-      <a:effectRef idx="0">
-        <a:scrgbClr r="0" g="0" b="0"/>
-      </a:effectRef>
-      <a:fontRef idx="minor"/>
-    </dgm:style>
-  </dgm:styleLbl>
-  <dgm:styleLbl name="fgAcc0">
-    <dgm:scene3d>
-      <a:camera prst="orthographicFront"/>
-      <a:lightRig rig="threePt" dir="t"/>
-    </dgm:scene3d>
-    <dgm:sp3d/>
-    <dgm:txPr/>
-    <dgm:style>
-      <a:lnRef idx="1">
-        <a:scrgbClr r="0" g="0" b="0"/>
-      </a:lnRef>
-      <a:fillRef idx="1">
-        <a:scrgbClr r="0" g="0" b="0"/>
-      </a:fillRef>
-      <a:effectRef idx="0">
-        <a:scrgbClr r="0" g="0" b="0"/>
-      </a:effectRef>
-      <a:fontRef idx="minor"/>
-    </dgm:style>
-  </dgm:styleLbl>
-  <dgm:styleLbl name="fgAcc2">
-    <dgm:scene3d>
-      <a:camera prst="orthographicFront"/>
-      <a:lightRig rig="threePt" dir="t"/>
-    </dgm:scene3d>
-    <dgm:sp3d/>
-    <dgm:txPr/>
-    <dgm:style>
-      <a:lnRef idx="1">
-        <a:scrgbClr r="0" g="0" b="0"/>
-      </a:lnRef>
-      <a:fillRef idx="1">
-        <a:scrgbClr r="0" g="0" b="0"/>
-      </a:fillRef>
-      <a:effectRef idx="0">
-        <a:scrgbClr r="0" g="0" b="0"/>
-      </a:effectRef>
-      <a:fontRef idx="minor"/>
-    </dgm:style>
-  </dgm:styleLbl>
-  <dgm:styleLbl name="fgAcc3">
-    <dgm:scene3d>
-      <a:camera prst="orthographicFront"/>
-      <a:lightRig rig="threePt" dir="t"/>
-    </dgm:scene3d>
-    <dgm:sp3d/>
-    <dgm:txPr/>
-    <dgm:style>
-      <a:lnRef idx="1">
-        <a:scrgbClr r="0" g="0" b="0"/>
-      </a:lnRef>
-      <a:fillRef idx="1">
-        <a:scrgbClr r="0" g="0" b="0"/>
-      </a:fillRef>
-      <a:effectRef idx="0">
-        <a:scrgbClr r="0" g="0" b="0"/>
-      </a:effectRef>
-      <a:fontRef idx="minor"/>
-    </dgm:style>
-  </dgm:styleLbl>
-  <dgm:styleLbl name="fgAcc4">
-    <dgm:scene3d>
-      <a:camera prst="orthographicFront"/>
-      <a:lightRig rig="threePt" dir="t"/>
-    </dgm:scene3d>
-    <dgm:sp3d/>
-    <dgm:txPr/>
-    <dgm:style>
-      <a:lnRef idx="1">
-        <a:scrgbClr r="0" g="0" b="0"/>
-      </a:lnRef>
-      <a:fillRef idx="1">
-        <a:scrgbClr r="0" g="0" b="0"/>
-      </a:fillRef>
-      <a:effectRef idx="0">
-        <a:scrgbClr r="0" g="0" b="0"/>
-      </a:effectRef>
-      <a:fontRef idx="minor"/>
-    </dgm:style>
-  </dgm:styleLbl>
-  <dgm:styleLbl name="bgShp">
-    <dgm:scene3d>
-      <a:camera prst="orthographicFront"/>
-      <a:lightRig rig="threePt" dir="t"/>
-    </dgm:scene3d>
-    <dgm:sp3d/>
-    <dgm:txPr/>
-    <dgm:style>
-      <a:lnRef idx="0">
-        <a:scrgbClr r="0" g="0" b="0"/>
-      </a:lnRef>
-      <a:fillRef idx="1">
-        <a:scrgbClr r="0" g="0" b="0"/>
-      </a:fillRef>
-      <a:effectRef idx="2">
-        <a:scrgbClr r="0" g="0" b="0"/>
-      </a:effectRef>
-      <a:fontRef idx="minor"/>
-    </dgm:style>
-  </dgm:styleLbl>
-  <dgm:styleLbl name="dkBgShp">
-    <dgm:scene3d>
-      <a:camera prst="orthographicFront"/>
-      <a:lightRig rig="threePt" dir="t"/>
-    </dgm:scene3d>
-    <dgm:sp3d/>
-    <dgm:txPr/>
-    <dgm:style>
-      <a:lnRef idx="0">
-        <a:scrgbClr r="0" g="0" b="0"/>
-      </a:lnRef>
-      <a:fillRef idx="1">
-        <a:scrgbClr r="0" g="0" b="0"/>
-      </a:fillRef>
-      <a:effectRef idx="2">
-        <a:scrgbClr r="0" g="0" b="0"/>
-      </a:effectRef>
-      <a:fontRef idx="minor"/>
-    </dgm:style>
-  </dgm:styleLbl>
-  <dgm:styleLbl name="trBgShp">
-    <dgm:scene3d>
-      <a:camera prst="orthographicFront"/>
-      <a:lightRig rig="threePt" dir="t"/>
-    </dgm:scene3d>
-    <dgm:sp3d/>
-    <dgm:txPr/>
-    <dgm:style>
-      <a:lnRef idx="0">
-        <a:scrgbClr r="0" g="0" b="0"/>
-      </a:lnRef>
-      <a:fillRef idx="1">
-        <a:scrgbClr r="0" g="0" b="0"/>
-      </a:fillRef>
-      <a:effectRef idx="0">
-        <a:scrgbClr r="0" g="0" b="0"/>
-      </a:effectRef>
-      <a:fontRef idx="minor"/>
-    </dgm:style>
-  </dgm:styleLbl>
-  <dgm:styleLbl name="fgShp">
-    <dgm:scene3d>
-      <a:camera prst="orthographicFront"/>
-      <a:lightRig rig="threePt" dir="t"/>
-    </dgm:scene3d>
-    <dgm:sp3d/>
-    <dgm:txPr/>
-    <dgm:style>
-      <a:lnRef idx="0">
-        <a:scrgbClr r="0" g="0" b="0"/>
-      </a:lnRef>
-      <a:fillRef idx="3">
-        <a:scrgbClr r="0" g="0" b="0"/>
-      </a:fillRef>
-      <a:effectRef idx="2">
-        <a:scrgbClr r="0" g="0" b="0"/>
-      </a:effectRef>
-      <a:fontRef idx="minor"/>
-    </dgm:style>
-  </dgm:styleLbl>
-  <dgm:styleLbl name="revTx">
-    <dgm:scene3d>
-      <a:camera prst="orthographicFront"/>
-      <a:lightRig rig="threePt" dir="t"/>
-    </dgm:scene3d>
-    <dgm:sp3d/>
-    <dgm:txPr/>
-    <dgm:style>
-      <a:lnRef idx="0">
-        <a:scrgbClr r="0" g="0" b="0"/>
-      </a:lnRef>
-      <a:fillRef idx="0">
-        <a:scrgbClr r="0" g="0" b="0"/>
-      </a:fillRef>
-      <a:effectRef idx="0">
-        <a:scrgbClr r="0" g="0" b="0"/>
-      </a:effectRef>
-      <a:fontRef idx="minor"/>
-    </dgm:style>
-  </dgm:styleLbl>
-</dgm:styleDef>
-</file>
-
 <file path=ppt/notesMasters/notesMaster1.xml><?xml version="1.0" encoding="utf-8"?>
 <p:notesMaster xmlns:a="http://schemas.openxmlformats.org/drawingml/2006/main" xmlns:r="http://schemas.openxmlformats.org/officeDocument/2006/relationships" xmlns:p="http://schemas.openxmlformats.org/presentationml/2006/main">
   <p:cSld>
@@ -5689,7 +2752,7 @@
           <a:p>
             <a:fld id="{950D52E1-60FE-431A-81D5-D0282663C7DE}" type="datetimeFigureOut">
               <a:rPr lang="en-NZ" smtClean="0"/>
-              <a:t>19/01/2022</a:t>
+              <a:t>3/02/2022</a:t>
             </a:fld>
             <a:endParaRPr lang="en-NZ"/>
           </a:p>
@@ -6001,115 +3064,7 @@
           <a:bodyPr/>
           <a:lstStyle/>
           <a:p>
-            <a:r>
-              <a:rPr lang="en-GB" err="1"/>
-              <a:t>Colors</a:t>
-            </a:r>
-            <a:r>
-              <a:rPr lang="en-GB"/>
-              <a:t> used to make figures:</a:t>
-            </a:r>
-          </a:p>
-          <a:p>
-            <a:r>
-              <a:rPr lang="en-US" sz="1200" kern="1200">
-                <a:solidFill>
-                  <a:schemeClr val="tx1"/>
-                </a:solidFill>
-                <a:effectLst/>
-                <a:latin typeface="+mn-lt"/>
-                <a:ea typeface="+mn-ea"/>
-                <a:cs typeface="+mn-cs"/>
-              </a:rPr>
-              <a:t>Background:</a:t>
-            </a:r>
-          </a:p>
-          <a:p>
-            <a:r>
-              <a:rPr lang="en-US" sz="1200" kern="1200">
-                <a:solidFill>
-                  <a:schemeClr val="tx1"/>
-                </a:solidFill>
-                <a:effectLst/>
-                <a:latin typeface="+mn-lt"/>
-                <a:ea typeface="+mn-ea"/>
-                <a:cs typeface="+mn-cs"/>
-              </a:rPr>
-              <a:t>2C3C43</a:t>
-            </a:r>
-          </a:p>
-          <a:p>
-            <a:r>
-              <a:rPr lang="en-US" sz="1200" kern="1200">
-                <a:solidFill>
-                  <a:schemeClr val="tx1"/>
-                </a:solidFill>
-                <a:effectLst/>
-                <a:latin typeface="+mn-lt"/>
-                <a:ea typeface="+mn-ea"/>
-                <a:cs typeface="+mn-cs"/>
-              </a:rPr>
-              <a:t>44, 60, 67</a:t>
-            </a:r>
-          </a:p>
-          <a:p>
-            <a:r>
-              <a:rPr lang="en-US" sz="1200" kern="1200">
-                <a:solidFill>
-                  <a:schemeClr val="tx1"/>
-                </a:solidFill>
-                <a:effectLst/>
-                <a:latin typeface="+mn-lt"/>
-                <a:ea typeface="+mn-ea"/>
-                <a:cs typeface="+mn-cs"/>
-              </a:rPr>
-              <a:t> </a:t>
-            </a:r>
-          </a:p>
-          <a:p>
-            <a:r>
-              <a:rPr lang="en-US" sz="1200" kern="1200">
-                <a:solidFill>
-                  <a:schemeClr val="tx1"/>
-                </a:solidFill>
-                <a:effectLst/>
-                <a:latin typeface="+mn-lt"/>
-                <a:ea typeface="+mn-ea"/>
-                <a:cs typeface="+mn-cs"/>
-              </a:rPr>
-              <a:t>Axis text:</a:t>
-            </a:r>
-          </a:p>
-          <a:p>
-            <a:r>
-              <a:rPr lang="en-US" sz="1200" kern="1200">
-                <a:solidFill>
-                  <a:schemeClr val="tx1"/>
-                </a:solidFill>
-                <a:effectLst/>
-                <a:latin typeface="+mn-lt"/>
-                <a:ea typeface="+mn-ea"/>
-                <a:cs typeface="+mn-cs"/>
-              </a:rPr>
-              <a:t>82AE2A. </a:t>
-            </a:r>
-          </a:p>
-          <a:p>
-            <a:r>
-              <a:rPr lang="en-US" sz="1200" kern="1200">
-                <a:solidFill>
-                  <a:schemeClr val="tx1"/>
-                </a:solidFill>
-                <a:effectLst/>
-                <a:latin typeface="+mn-lt"/>
-                <a:ea typeface="+mn-ea"/>
-                <a:cs typeface="+mn-cs"/>
-              </a:rPr>
-              <a:t>130, 174, 42</a:t>
-            </a:r>
-          </a:p>
-          <a:p>
-            <a:endParaRPr lang="en-GB"/>
+            <a:endParaRPr lang="en-GB" dirty="0"/>
           </a:p>
         </p:txBody>
       </p:sp>
@@ -6193,6 +3148,713 @@
           <a:bodyPr/>
           <a:lstStyle/>
           <a:p>
+            <a:pPr marL="0" marR="0" indent="0" algn="l" defTabSz="914400" rtl="0" eaLnBrk="1" fontAlgn="auto" latinLnBrk="0" hangingPunct="1">
+              <a:lnSpc>
+                <a:spcPct val="100000"/>
+              </a:lnSpc>
+              <a:spcBef>
+                <a:spcPts val="0"/>
+              </a:spcBef>
+              <a:spcAft>
+                <a:spcPts val="0"/>
+              </a:spcAft>
+              <a:buClrTx/>
+              <a:buSzTx/>
+              <a:buFontTx/>
+              <a:buNone/>
+              <a:tabLst/>
+              <a:defRPr/>
+            </a:pPr>
+            <a:endParaRPr lang="en-GB" sz="1400" dirty="0"/>
+          </a:p>
+        </p:txBody>
+      </p:sp>
+      <p:sp>
+        <p:nvSpPr>
+          <p:cNvPr id="4" name="Slide Number Placeholder 3"/>
+          <p:cNvSpPr>
+            <a:spLocks noGrp="1"/>
+          </p:cNvSpPr>
+          <p:nvPr>
+            <p:ph type="sldNum" sz="quarter" idx="5"/>
+          </p:nvPr>
+        </p:nvSpPr>
+        <p:spPr/>
+        <p:txBody>
+          <a:bodyPr/>
+          <a:lstStyle/>
+          <a:p>
+            <a:fld id="{A4A832E9-B7EB-442D-A30B-A0840E0F5E3D}" type="slidenum">
+              <a:rPr lang="en-NZ" smtClean="0"/>
+              <a:t>10</a:t>
+            </a:fld>
+            <a:endParaRPr lang="en-NZ"/>
+          </a:p>
+        </p:txBody>
+      </p:sp>
+    </p:spTree>
+    <p:extLst>
+      <p:ext uri="{BB962C8B-B14F-4D97-AF65-F5344CB8AC3E}">
+        <p14:creationId xmlns:p14="http://schemas.microsoft.com/office/powerpoint/2010/main" val="1706746986"/>
+      </p:ext>
+    </p:extLst>
+  </p:cSld>
+  <p:clrMapOvr>
+    <a:masterClrMapping/>
+  </p:clrMapOvr>
+</p:notes>
+</file>
+
+<file path=ppt/notesSlides/notesSlide11.xml><?xml version="1.0" encoding="utf-8"?>
+<p:notes xmlns:a="http://schemas.openxmlformats.org/drawingml/2006/main" xmlns:r="http://schemas.openxmlformats.org/officeDocument/2006/relationships" xmlns:p="http://schemas.openxmlformats.org/presentationml/2006/main">
+  <p:cSld>
+    <p:spTree>
+      <p:nvGrpSpPr>
+        <p:cNvPr id="1" name=""/>
+        <p:cNvGrpSpPr/>
+        <p:nvPr/>
+      </p:nvGrpSpPr>
+      <p:grpSpPr>
+        <a:xfrm>
+          <a:off x="0" y="0"/>
+          <a:ext cx="0" cy="0"/>
+          <a:chOff x="0" y="0"/>
+          <a:chExt cx="0" cy="0"/>
+        </a:xfrm>
+      </p:grpSpPr>
+      <p:sp>
+        <p:nvSpPr>
+          <p:cNvPr id="2" name="Slide Image Placeholder 1"/>
+          <p:cNvSpPr>
+            <a:spLocks noGrp="1" noRot="1" noChangeAspect="1"/>
+          </p:cNvSpPr>
+          <p:nvPr>
+            <p:ph type="sldImg"/>
+          </p:nvPr>
+        </p:nvSpPr>
+        <p:spPr/>
+      </p:sp>
+      <p:sp>
+        <p:nvSpPr>
+          <p:cNvPr id="3" name="Notes Placeholder 2"/>
+          <p:cNvSpPr>
+            <a:spLocks noGrp="1"/>
+          </p:cNvSpPr>
+          <p:nvPr>
+            <p:ph type="body" idx="1"/>
+          </p:nvPr>
+        </p:nvSpPr>
+        <p:spPr/>
+        <p:txBody>
+          <a:bodyPr/>
+          <a:lstStyle/>
+          <a:p>
+            <a:pPr marL="0" marR="0" indent="0" algn="l" defTabSz="914400" rtl="0" eaLnBrk="1" fontAlgn="auto" latinLnBrk="0" hangingPunct="1">
+              <a:lnSpc>
+                <a:spcPct val="100000"/>
+              </a:lnSpc>
+              <a:spcBef>
+                <a:spcPts val="0"/>
+              </a:spcBef>
+              <a:spcAft>
+                <a:spcPts val="0"/>
+              </a:spcAft>
+              <a:buClrTx/>
+              <a:buSzTx/>
+              <a:buFontTx/>
+              <a:buNone/>
+              <a:tabLst/>
+              <a:defRPr/>
+            </a:pPr>
+            <a:endParaRPr lang="en-GB" sz="1400" dirty="0"/>
+          </a:p>
+        </p:txBody>
+      </p:sp>
+      <p:sp>
+        <p:nvSpPr>
+          <p:cNvPr id="4" name="Slide Number Placeholder 3"/>
+          <p:cNvSpPr>
+            <a:spLocks noGrp="1"/>
+          </p:cNvSpPr>
+          <p:nvPr>
+            <p:ph type="sldNum" sz="quarter" idx="5"/>
+          </p:nvPr>
+        </p:nvSpPr>
+        <p:spPr/>
+        <p:txBody>
+          <a:bodyPr/>
+          <a:lstStyle/>
+          <a:p>
+            <a:fld id="{A4A832E9-B7EB-442D-A30B-A0840E0F5E3D}" type="slidenum">
+              <a:rPr lang="en-NZ" smtClean="0"/>
+              <a:t>11</a:t>
+            </a:fld>
+            <a:endParaRPr lang="en-NZ"/>
+          </a:p>
+        </p:txBody>
+      </p:sp>
+    </p:spTree>
+    <p:extLst>
+      <p:ext uri="{BB962C8B-B14F-4D97-AF65-F5344CB8AC3E}">
+        <p14:creationId xmlns:p14="http://schemas.microsoft.com/office/powerpoint/2010/main" val="2568822960"/>
+      </p:ext>
+    </p:extLst>
+  </p:cSld>
+  <p:clrMapOvr>
+    <a:masterClrMapping/>
+  </p:clrMapOvr>
+</p:notes>
+</file>
+
+<file path=ppt/notesSlides/notesSlide12.xml><?xml version="1.0" encoding="utf-8"?>
+<p:notes xmlns:a="http://schemas.openxmlformats.org/drawingml/2006/main" xmlns:r="http://schemas.openxmlformats.org/officeDocument/2006/relationships" xmlns:p="http://schemas.openxmlformats.org/presentationml/2006/main">
+  <p:cSld>
+    <p:spTree>
+      <p:nvGrpSpPr>
+        <p:cNvPr id="1" name=""/>
+        <p:cNvGrpSpPr/>
+        <p:nvPr/>
+      </p:nvGrpSpPr>
+      <p:grpSpPr>
+        <a:xfrm>
+          <a:off x="0" y="0"/>
+          <a:ext cx="0" cy="0"/>
+          <a:chOff x="0" y="0"/>
+          <a:chExt cx="0" cy="0"/>
+        </a:xfrm>
+      </p:grpSpPr>
+      <p:sp>
+        <p:nvSpPr>
+          <p:cNvPr id="2" name="Slide Image Placeholder 1"/>
+          <p:cNvSpPr>
+            <a:spLocks noGrp="1" noRot="1" noChangeAspect="1"/>
+          </p:cNvSpPr>
+          <p:nvPr>
+            <p:ph type="sldImg"/>
+          </p:nvPr>
+        </p:nvSpPr>
+        <p:spPr/>
+      </p:sp>
+      <p:sp>
+        <p:nvSpPr>
+          <p:cNvPr id="3" name="Notes Placeholder 2"/>
+          <p:cNvSpPr>
+            <a:spLocks noGrp="1"/>
+          </p:cNvSpPr>
+          <p:nvPr>
+            <p:ph type="body" idx="1"/>
+          </p:nvPr>
+        </p:nvSpPr>
+        <p:spPr/>
+        <p:txBody>
+          <a:bodyPr/>
+          <a:lstStyle/>
+          <a:p>
+            <a:pPr marL="0" marR="0" indent="0" algn="l" defTabSz="914400" rtl="0" eaLnBrk="1" fontAlgn="auto" latinLnBrk="0" hangingPunct="1">
+              <a:lnSpc>
+                <a:spcPct val="100000"/>
+              </a:lnSpc>
+              <a:spcBef>
+                <a:spcPts val="0"/>
+              </a:spcBef>
+              <a:spcAft>
+                <a:spcPts val="0"/>
+              </a:spcAft>
+              <a:buClrTx/>
+              <a:buSzTx/>
+              <a:buFontTx/>
+              <a:buNone/>
+              <a:tabLst/>
+              <a:defRPr/>
+            </a:pPr>
+            <a:endParaRPr lang="en-GB" sz="1400" dirty="0"/>
+          </a:p>
+        </p:txBody>
+      </p:sp>
+      <p:sp>
+        <p:nvSpPr>
+          <p:cNvPr id="4" name="Slide Number Placeholder 3"/>
+          <p:cNvSpPr>
+            <a:spLocks noGrp="1"/>
+          </p:cNvSpPr>
+          <p:nvPr>
+            <p:ph type="sldNum" sz="quarter" idx="5"/>
+          </p:nvPr>
+        </p:nvSpPr>
+        <p:spPr/>
+        <p:txBody>
+          <a:bodyPr/>
+          <a:lstStyle/>
+          <a:p>
+            <a:fld id="{A4A832E9-B7EB-442D-A30B-A0840E0F5E3D}" type="slidenum">
+              <a:rPr lang="en-NZ" smtClean="0"/>
+              <a:t>12</a:t>
+            </a:fld>
+            <a:endParaRPr lang="en-NZ"/>
+          </a:p>
+        </p:txBody>
+      </p:sp>
+    </p:spTree>
+    <p:extLst>
+      <p:ext uri="{BB962C8B-B14F-4D97-AF65-F5344CB8AC3E}">
+        <p14:creationId xmlns:p14="http://schemas.microsoft.com/office/powerpoint/2010/main" val="306893194"/>
+      </p:ext>
+    </p:extLst>
+  </p:cSld>
+  <p:clrMapOvr>
+    <a:masterClrMapping/>
+  </p:clrMapOvr>
+</p:notes>
+</file>
+
+<file path=ppt/notesSlides/notesSlide13.xml><?xml version="1.0" encoding="utf-8"?>
+<p:notes xmlns:a="http://schemas.openxmlformats.org/drawingml/2006/main" xmlns:r="http://schemas.openxmlformats.org/officeDocument/2006/relationships" xmlns:p="http://schemas.openxmlformats.org/presentationml/2006/main">
+  <p:cSld>
+    <p:spTree>
+      <p:nvGrpSpPr>
+        <p:cNvPr id="1" name=""/>
+        <p:cNvGrpSpPr/>
+        <p:nvPr/>
+      </p:nvGrpSpPr>
+      <p:grpSpPr>
+        <a:xfrm>
+          <a:off x="0" y="0"/>
+          <a:ext cx="0" cy="0"/>
+          <a:chOff x="0" y="0"/>
+          <a:chExt cx="0" cy="0"/>
+        </a:xfrm>
+      </p:grpSpPr>
+      <p:sp>
+        <p:nvSpPr>
+          <p:cNvPr id="2" name="Slide Image Placeholder 1"/>
+          <p:cNvSpPr>
+            <a:spLocks noGrp="1" noRot="1" noChangeAspect="1"/>
+          </p:cNvSpPr>
+          <p:nvPr>
+            <p:ph type="sldImg"/>
+          </p:nvPr>
+        </p:nvSpPr>
+        <p:spPr/>
+      </p:sp>
+      <p:sp>
+        <p:nvSpPr>
+          <p:cNvPr id="3" name="Notes Placeholder 2"/>
+          <p:cNvSpPr>
+            <a:spLocks noGrp="1"/>
+          </p:cNvSpPr>
+          <p:nvPr>
+            <p:ph type="body" idx="1"/>
+          </p:nvPr>
+        </p:nvSpPr>
+        <p:spPr/>
+        <p:txBody>
+          <a:bodyPr/>
+          <a:lstStyle/>
+          <a:p>
+            <a:pPr marL="0" marR="0" indent="0" algn="l" defTabSz="914400" rtl="0" eaLnBrk="1" fontAlgn="auto" latinLnBrk="0" hangingPunct="1">
+              <a:lnSpc>
+                <a:spcPct val="100000"/>
+              </a:lnSpc>
+              <a:spcBef>
+                <a:spcPts val="0"/>
+              </a:spcBef>
+              <a:spcAft>
+                <a:spcPts val="0"/>
+              </a:spcAft>
+              <a:buClrTx/>
+              <a:buSzTx/>
+              <a:buFontTx/>
+              <a:buNone/>
+              <a:tabLst/>
+              <a:defRPr/>
+            </a:pPr>
+            <a:endParaRPr lang="en-GB" sz="1400" dirty="0"/>
+          </a:p>
+        </p:txBody>
+      </p:sp>
+      <p:sp>
+        <p:nvSpPr>
+          <p:cNvPr id="4" name="Slide Number Placeholder 3"/>
+          <p:cNvSpPr>
+            <a:spLocks noGrp="1"/>
+          </p:cNvSpPr>
+          <p:nvPr>
+            <p:ph type="sldNum" sz="quarter" idx="5"/>
+          </p:nvPr>
+        </p:nvSpPr>
+        <p:spPr/>
+        <p:txBody>
+          <a:bodyPr/>
+          <a:lstStyle/>
+          <a:p>
+            <a:fld id="{A4A832E9-B7EB-442D-A30B-A0840E0F5E3D}" type="slidenum">
+              <a:rPr lang="en-NZ" smtClean="0"/>
+              <a:t>13</a:t>
+            </a:fld>
+            <a:endParaRPr lang="en-NZ"/>
+          </a:p>
+        </p:txBody>
+      </p:sp>
+    </p:spTree>
+    <p:extLst>
+      <p:ext uri="{BB962C8B-B14F-4D97-AF65-F5344CB8AC3E}">
+        <p14:creationId xmlns:p14="http://schemas.microsoft.com/office/powerpoint/2010/main" val="2405115691"/>
+      </p:ext>
+    </p:extLst>
+  </p:cSld>
+  <p:clrMapOvr>
+    <a:masterClrMapping/>
+  </p:clrMapOvr>
+</p:notes>
+</file>
+
+<file path=ppt/notesSlides/notesSlide14.xml><?xml version="1.0" encoding="utf-8"?>
+<p:notes xmlns:a="http://schemas.openxmlformats.org/drawingml/2006/main" xmlns:r="http://schemas.openxmlformats.org/officeDocument/2006/relationships" xmlns:p="http://schemas.openxmlformats.org/presentationml/2006/main">
+  <p:cSld>
+    <p:spTree>
+      <p:nvGrpSpPr>
+        <p:cNvPr id="1" name=""/>
+        <p:cNvGrpSpPr/>
+        <p:nvPr/>
+      </p:nvGrpSpPr>
+      <p:grpSpPr>
+        <a:xfrm>
+          <a:off x="0" y="0"/>
+          <a:ext cx="0" cy="0"/>
+          <a:chOff x="0" y="0"/>
+          <a:chExt cx="0" cy="0"/>
+        </a:xfrm>
+      </p:grpSpPr>
+      <p:sp>
+        <p:nvSpPr>
+          <p:cNvPr id="2" name="Slide Image Placeholder 1"/>
+          <p:cNvSpPr>
+            <a:spLocks noGrp="1" noRot="1" noChangeAspect="1"/>
+          </p:cNvSpPr>
+          <p:nvPr>
+            <p:ph type="sldImg"/>
+          </p:nvPr>
+        </p:nvSpPr>
+        <p:spPr/>
+      </p:sp>
+      <p:sp>
+        <p:nvSpPr>
+          <p:cNvPr id="3" name="Notes Placeholder 2"/>
+          <p:cNvSpPr>
+            <a:spLocks noGrp="1"/>
+          </p:cNvSpPr>
+          <p:nvPr>
+            <p:ph type="body" idx="1"/>
+          </p:nvPr>
+        </p:nvSpPr>
+        <p:spPr/>
+        <p:txBody>
+          <a:bodyPr/>
+          <a:lstStyle/>
+          <a:p>
+            <a:pPr marL="0" marR="0" indent="0" algn="l" defTabSz="914400" rtl="0" eaLnBrk="1" fontAlgn="auto" latinLnBrk="0" hangingPunct="1">
+              <a:lnSpc>
+                <a:spcPct val="100000"/>
+              </a:lnSpc>
+              <a:spcBef>
+                <a:spcPts val="0"/>
+              </a:spcBef>
+              <a:spcAft>
+                <a:spcPts val="0"/>
+              </a:spcAft>
+              <a:buClrTx/>
+              <a:buSzTx/>
+              <a:buFontTx/>
+              <a:buNone/>
+              <a:tabLst/>
+              <a:defRPr/>
+            </a:pPr>
+            <a:endParaRPr lang="en-GB" sz="1400" dirty="0"/>
+          </a:p>
+        </p:txBody>
+      </p:sp>
+      <p:sp>
+        <p:nvSpPr>
+          <p:cNvPr id="4" name="Slide Number Placeholder 3"/>
+          <p:cNvSpPr>
+            <a:spLocks noGrp="1"/>
+          </p:cNvSpPr>
+          <p:nvPr>
+            <p:ph type="sldNum" sz="quarter" idx="5"/>
+          </p:nvPr>
+        </p:nvSpPr>
+        <p:spPr/>
+        <p:txBody>
+          <a:bodyPr/>
+          <a:lstStyle/>
+          <a:p>
+            <a:fld id="{A4A832E9-B7EB-442D-A30B-A0840E0F5E3D}" type="slidenum">
+              <a:rPr lang="en-NZ" smtClean="0"/>
+              <a:t>14</a:t>
+            </a:fld>
+            <a:endParaRPr lang="en-NZ"/>
+          </a:p>
+        </p:txBody>
+      </p:sp>
+    </p:spTree>
+    <p:extLst>
+      <p:ext uri="{BB962C8B-B14F-4D97-AF65-F5344CB8AC3E}">
+        <p14:creationId xmlns:p14="http://schemas.microsoft.com/office/powerpoint/2010/main" val="983694607"/>
+      </p:ext>
+    </p:extLst>
+  </p:cSld>
+  <p:clrMapOvr>
+    <a:masterClrMapping/>
+  </p:clrMapOvr>
+</p:notes>
+</file>
+
+<file path=ppt/notesSlides/notesSlide15.xml><?xml version="1.0" encoding="utf-8"?>
+<p:notes xmlns:a="http://schemas.openxmlformats.org/drawingml/2006/main" xmlns:r="http://schemas.openxmlformats.org/officeDocument/2006/relationships" xmlns:p="http://schemas.openxmlformats.org/presentationml/2006/main">
+  <p:cSld>
+    <p:spTree>
+      <p:nvGrpSpPr>
+        <p:cNvPr id="1" name=""/>
+        <p:cNvGrpSpPr/>
+        <p:nvPr/>
+      </p:nvGrpSpPr>
+      <p:grpSpPr>
+        <a:xfrm>
+          <a:off x="0" y="0"/>
+          <a:ext cx="0" cy="0"/>
+          <a:chOff x="0" y="0"/>
+          <a:chExt cx="0" cy="0"/>
+        </a:xfrm>
+      </p:grpSpPr>
+      <p:sp>
+        <p:nvSpPr>
+          <p:cNvPr id="2" name="Slide Image Placeholder 1"/>
+          <p:cNvSpPr>
+            <a:spLocks noGrp="1" noRot="1" noChangeAspect="1"/>
+          </p:cNvSpPr>
+          <p:nvPr>
+            <p:ph type="sldImg"/>
+          </p:nvPr>
+        </p:nvSpPr>
+        <p:spPr/>
+      </p:sp>
+      <p:sp>
+        <p:nvSpPr>
+          <p:cNvPr id="3" name="Notes Placeholder 2"/>
+          <p:cNvSpPr>
+            <a:spLocks noGrp="1"/>
+          </p:cNvSpPr>
+          <p:nvPr>
+            <p:ph type="body" idx="1"/>
+          </p:nvPr>
+        </p:nvSpPr>
+        <p:spPr/>
+        <p:txBody>
+          <a:bodyPr/>
+          <a:lstStyle/>
+          <a:p>
+            <a:pPr marL="0" marR="0" indent="0" algn="l" defTabSz="914400" rtl="0" eaLnBrk="1" fontAlgn="auto" latinLnBrk="0" hangingPunct="1">
+              <a:lnSpc>
+                <a:spcPct val="100000"/>
+              </a:lnSpc>
+              <a:spcBef>
+                <a:spcPts val="0"/>
+              </a:spcBef>
+              <a:spcAft>
+                <a:spcPts val="0"/>
+              </a:spcAft>
+              <a:buClrTx/>
+              <a:buSzTx/>
+              <a:buFontTx/>
+              <a:buNone/>
+              <a:tabLst/>
+              <a:defRPr/>
+            </a:pPr>
+            <a:endParaRPr lang="en-GB" sz="1400" dirty="0"/>
+          </a:p>
+        </p:txBody>
+      </p:sp>
+      <p:sp>
+        <p:nvSpPr>
+          <p:cNvPr id="4" name="Slide Number Placeholder 3"/>
+          <p:cNvSpPr>
+            <a:spLocks noGrp="1"/>
+          </p:cNvSpPr>
+          <p:nvPr>
+            <p:ph type="sldNum" sz="quarter" idx="5"/>
+          </p:nvPr>
+        </p:nvSpPr>
+        <p:spPr/>
+        <p:txBody>
+          <a:bodyPr/>
+          <a:lstStyle/>
+          <a:p>
+            <a:fld id="{A4A832E9-B7EB-442D-A30B-A0840E0F5E3D}" type="slidenum">
+              <a:rPr lang="en-NZ" smtClean="0"/>
+              <a:t>15</a:t>
+            </a:fld>
+            <a:endParaRPr lang="en-NZ"/>
+          </a:p>
+        </p:txBody>
+      </p:sp>
+    </p:spTree>
+    <p:extLst>
+      <p:ext uri="{BB962C8B-B14F-4D97-AF65-F5344CB8AC3E}">
+        <p14:creationId xmlns:p14="http://schemas.microsoft.com/office/powerpoint/2010/main" val="1977499227"/>
+      </p:ext>
+    </p:extLst>
+  </p:cSld>
+  <p:clrMapOvr>
+    <a:masterClrMapping/>
+  </p:clrMapOvr>
+</p:notes>
+</file>
+
+<file path=ppt/notesSlides/notesSlide16.xml><?xml version="1.0" encoding="utf-8"?>
+<p:notes xmlns:a="http://schemas.openxmlformats.org/drawingml/2006/main" xmlns:r="http://schemas.openxmlformats.org/officeDocument/2006/relationships" xmlns:p="http://schemas.openxmlformats.org/presentationml/2006/main">
+  <p:cSld>
+    <p:spTree>
+      <p:nvGrpSpPr>
+        <p:cNvPr id="1" name=""/>
+        <p:cNvGrpSpPr/>
+        <p:nvPr/>
+      </p:nvGrpSpPr>
+      <p:grpSpPr>
+        <a:xfrm>
+          <a:off x="0" y="0"/>
+          <a:ext cx="0" cy="0"/>
+          <a:chOff x="0" y="0"/>
+          <a:chExt cx="0" cy="0"/>
+        </a:xfrm>
+      </p:grpSpPr>
+      <p:sp>
+        <p:nvSpPr>
+          <p:cNvPr id="2" name="Slide Image Placeholder 1"/>
+          <p:cNvSpPr>
+            <a:spLocks noGrp="1" noRot="1" noChangeAspect="1"/>
+          </p:cNvSpPr>
+          <p:nvPr>
+            <p:ph type="sldImg"/>
+          </p:nvPr>
+        </p:nvSpPr>
+        <p:spPr/>
+      </p:sp>
+      <p:sp>
+        <p:nvSpPr>
+          <p:cNvPr id="3" name="Notes Placeholder 2"/>
+          <p:cNvSpPr>
+            <a:spLocks noGrp="1"/>
+          </p:cNvSpPr>
+          <p:nvPr>
+            <p:ph type="body" idx="1"/>
+          </p:nvPr>
+        </p:nvSpPr>
+        <p:spPr/>
+        <p:txBody>
+          <a:bodyPr/>
+          <a:lstStyle/>
+          <a:p>
+            <a:pPr marL="0" marR="0" indent="0" algn="l" defTabSz="914400" rtl="0" eaLnBrk="1" fontAlgn="auto" latinLnBrk="0" hangingPunct="1">
+              <a:lnSpc>
+                <a:spcPct val="100000"/>
+              </a:lnSpc>
+              <a:spcBef>
+                <a:spcPts val="0"/>
+              </a:spcBef>
+              <a:spcAft>
+                <a:spcPts val="0"/>
+              </a:spcAft>
+              <a:buClrTx/>
+              <a:buSzTx/>
+              <a:buFontTx/>
+              <a:buNone/>
+              <a:tabLst/>
+              <a:defRPr/>
+            </a:pPr>
+            <a:endParaRPr lang="en-GB" sz="1400" dirty="0"/>
+          </a:p>
+        </p:txBody>
+      </p:sp>
+      <p:sp>
+        <p:nvSpPr>
+          <p:cNvPr id="4" name="Slide Number Placeholder 3"/>
+          <p:cNvSpPr>
+            <a:spLocks noGrp="1"/>
+          </p:cNvSpPr>
+          <p:nvPr>
+            <p:ph type="sldNum" sz="quarter" idx="5"/>
+          </p:nvPr>
+        </p:nvSpPr>
+        <p:spPr/>
+        <p:txBody>
+          <a:bodyPr/>
+          <a:lstStyle/>
+          <a:p>
+            <a:fld id="{A4A832E9-B7EB-442D-A30B-A0840E0F5E3D}" type="slidenum">
+              <a:rPr lang="en-NZ" smtClean="0"/>
+              <a:t>16</a:t>
+            </a:fld>
+            <a:endParaRPr lang="en-NZ"/>
+          </a:p>
+        </p:txBody>
+      </p:sp>
+    </p:spTree>
+    <p:extLst>
+      <p:ext uri="{BB962C8B-B14F-4D97-AF65-F5344CB8AC3E}">
+        <p14:creationId xmlns:p14="http://schemas.microsoft.com/office/powerpoint/2010/main" val="2434609226"/>
+      </p:ext>
+    </p:extLst>
+  </p:cSld>
+  <p:clrMapOvr>
+    <a:masterClrMapping/>
+  </p:clrMapOvr>
+</p:notes>
+</file>
+
+<file path=ppt/notesSlides/notesSlide17.xml><?xml version="1.0" encoding="utf-8"?>
+<p:notes xmlns:a="http://schemas.openxmlformats.org/drawingml/2006/main" xmlns:r="http://schemas.openxmlformats.org/officeDocument/2006/relationships" xmlns:p="http://schemas.openxmlformats.org/presentationml/2006/main">
+  <p:cSld>
+    <p:spTree>
+      <p:nvGrpSpPr>
+        <p:cNvPr id="1" name=""/>
+        <p:cNvGrpSpPr/>
+        <p:nvPr/>
+      </p:nvGrpSpPr>
+      <p:grpSpPr>
+        <a:xfrm>
+          <a:off x="0" y="0"/>
+          <a:ext cx="0" cy="0"/>
+          <a:chOff x="0" y="0"/>
+          <a:chExt cx="0" cy="0"/>
+        </a:xfrm>
+      </p:grpSpPr>
+      <p:sp>
+        <p:nvSpPr>
+          <p:cNvPr id="2" name="Slide Image Placeholder 1"/>
+          <p:cNvSpPr>
+            <a:spLocks noGrp="1" noRot="1" noChangeAspect="1"/>
+          </p:cNvSpPr>
+          <p:nvPr>
+            <p:ph type="sldImg"/>
+          </p:nvPr>
+        </p:nvSpPr>
+        <p:spPr/>
+      </p:sp>
+      <p:sp>
+        <p:nvSpPr>
+          <p:cNvPr id="3" name="Notes Placeholder 2"/>
+          <p:cNvSpPr>
+            <a:spLocks noGrp="1"/>
+          </p:cNvSpPr>
+          <p:nvPr>
+            <p:ph type="body" idx="1"/>
+          </p:nvPr>
+        </p:nvSpPr>
+        <p:spPr/>
+        <p:txBody>
+          <a:bodyPr/>
+          <a:lstStyle/>
+          <a:p>
             <a:pPr marL="0" marR="0" lvl="0" indent="0" algn="l" defTabSz="914400" rtl="0" eaLnBrk="1" fontAlgn="auto" latinLnBrk="0" hangingPunct="1">
               <a:lnSpc>
                 <a:spcPct val="100000"/>
@@ -6231,7 +3893,7 @@
           <a:p>
             <a:fld id="{A4A832E9-B7EB-442D-A30B-A0840E0F5E3D}" type="slidenum">
               <a:rPr lang="en-NZ" smtClean="0"/>
-              <a:t>10</a:t>
+              <a:t>17</a:t>
             </a:fld>
             <a:endParaRPr lang="en-NZ"/>
           </a:p>
@@ -6294,7 +3956,24 @@
           <a:bodyPr/>
           <a:lstStyle/>
           <a:p>
-            <a:endParaRPr lang="en-GB"/>
+            <a:pPr marL="0" marR="0" indent="0" algn="l" defTabSz="914400" rtl="0" eaLnBrk="1" fontAlgn="auto" latinLnBrk="0" hangingPunct="1">
+              <a:lnSpc>
+                <a:spcPct val="100000"/>
+              </a:lnSpc>
+              <a:spcBef>
+                <a:spcPts val="0"/>
+              </a:spcBef>
+              <a:spcAft>
+                <a:spcPts val="0"/>
+              </a:spcAft>
+              <a:buClrTx/>
+              <a:buSzTx/>
+              <a:buFontTx/>
+              <a:buNone/>
+              <a:tabLst/>
+              <a:defRPr/>
+            </a:pPr>
+            <a:endParaRPr lang="en-GB" sz="1400" dirty="0"/>
           </a:p>
         </p:txBody>
       </p:sp>
@@ -6324,7 +4003,7 @@
     </p:spTree>
     <p:extLst>
       <p:ext uri="{BB962C8B-B14F-4D97-AF65-F5344CB8AC3E}">
-        <p14:creationId xmlns:p14="http://schemas.microsoft.com/office/powerpoint/2010/main" val="261306147"/>
+        <p14:creationId xmlns:p14="http://schemas.microsoft.com/office/powerpoint/2010/main" val="3745480598"/>
       </p:ext>
     </p:extLst>
   </p:cSld>
@@ -6425,7 +4104,7 @@
     </p:spTree>
     <p:extLst>
       <p:ext uri="{BB962C8B-B14F-4D97-AF65-F5344CB8AC3E}">
-        <p14:creationId xmlns:p14="http://schemas.microsoft.com/office/powerpoint/2010/main" val="1854136943"/>
+        <p14:creationId xmlns:p14="http://schemas.microsoft.com/office/powerpoint/2010/main" val="507154277"/>
       </p:ext>
     </p:extLst>
   </p:cSld>
@@ -6526,7 +4205,7 @@
     </p:spTree>
     <p:extLst>
       <p:ext uri="{BB962C8B-B14F-4D97-AF65-F5344CB8AC3E}">
-        <p14:creationId xmlns:p14="http://schemas.microsoft.com/office/powerpoint/2010/main" val="306893194"/>
+        <p14:creationId xmlns:p14="http://schemas.microsoft.com/office/powerpoint/2010/main" val="2430444098"/>
       </p:ext>
     </p:extLst>
   </p:cSld>
@@ -6627,7 +4306,7 @@
     </p:spTree>
     <p:extLst>
       <p:ext uri="{BB962C8B-B14F-4D97-AF65-F5344CB8AC3E}">
-        <p14:creationId xmlns:p14="http://schemas.microsoft.com/office/powerpoint/2010/main" val="2405115691"/>
+        <p14:creationId xmlns:p14="http://schemas.microsoft.com/office/powerpoint/2010/main" val="3383227520"/>
       </p:ext>
     </p:extLst>
   </p:cSld>
@@ -6728,7 +4407,7 @@
     </p:spTree>
     <p:extLst>
       <p:ext uri="{BB962C8B-B14F-4D97-AF65-F5344CB8AC3E}">
-        <p14:creationId xmlns:p14="http://schemas.microsoft.com/office/powerpoint/2010/main" val="1660752561"/>
+        <p14:creationId xmlns:p14="http://schemas.microsoft.com/office/powerpoint/2010/main" val="288256604"/>
       </p:ext>
     </p:extLst>
   </p:cSld>
@@ -6829,7 +4508,7 @@
     </p:spTree>
     <p:extLst>
       <p:ext uri="{BB962C8B-B14F-4D97-AF65-F5344CB8AC3E}">
-        <p14:creationId xmlns:p14="http://schemas.microsoft.com/office/powerpoint/2010/main" val="983694607"/>
+        <p14:creationId xmlns:p14="http://schemas.microsoft.com/office/powerpoint/2010/main" val="1489879371"/>
       </p:ext>
     </p:extLst>
   </p:cSld>
@@ -6930,7 +4609,7 @@
     </p:spTree>
     <p:extLst>
       <p:ext uri="{BB962C8B-B14F-4D97-AF65-F5344CB8AC3E}">
-        <p14:creationId xmlns:p14="http://schemas.microsoft.com/office/powerpoint/2010/main" val="1977499227"/>
+        <p14:creationId xmlns:p14="http://schemas.microsoft.com/office/powerpoint/2010/main" val="3474682934"/>
       </p:ext>
     </p:extLst>
   </p:cSld>
@@ -7031,7 +4710,7 @@
     </p:spTree>
     <p:extLst>
       <p:ext uri="{BB962C8B-B14F-4D97-AF65-F5344CB8AC3E}">
-        <p14:creationId xmlns:p14="http://schemas.microsoft.com/office/powerpoint/2010/main" val="2434609226"/>
+        <p14:creationId xmlns:p14="http://schemas.microsoft.com/office/powerpoint/2010/main" val="2702402970"/>
       </p:ext>
     </p:extLst>
   </p:cSld>
@@ -7769,9 +5448,9 @@
           <a:bodyPr/>
           <a:lstStyle/>
           <a:p>
-            <a:fld id="{8DE31ABC-E687-405A-937A-EED3BFF64994}" type="datetime1">
+            <a:fld id="{266DA8A6-BB76-4C27-917E-6F1B503B328D}" type="datetime1">
               <a:rPr lang="en-NZ" smtClean="0"/>
-              <a:t>19/01/2022</a:t>
+              <a:t>3/02/2022</a:t>
             </a:fld>
             <a:endParaRPr lang="en-NZ"/>
           </a:p>
@@ -8082,9 +5761,9 @@
           <a:bodyPr/>
           <a:lstStyle/>
           <a:p>
-            <a:fld id="{5900F55F-391B-489A-800C-8CAFD0FC1A13}" type="datetime1">
+            <a:fld id="{F4979E79-AFCD-4834-B71F-2E16F4183DEE}" type="datetime1">
               <a:rPr lang="en-NZ" smtClean="0"/>
-              <a:t>19/01/2022</a:t>
+              <a:t>3/02/2022</a:t>
             </a:fld>
             <a:endParaRPr lang="en-NZ"/>
           </a:p>
@@ -8422,9 +6101,9 @@
           <a:bodyPr/>
           <a:lstStyle/>
           <a:p>
-            <a:fld id="{8C7B973C-D18B-489D-BF07-6E352F9514C0}" type="datetime1">
+            <a:fld id="{00D74D9F-7C11-42CD-84D4-0D73B6790F39}" type="datetime1">
               <a:rPr lang="en-NZ" smtClean="0"/>
-              <a:t>19/01/2022</a:t>
+              <a:t>3/02/2022</a:t>
             </a:fld>
             <a:endParaRPr lang="en-NZ"/>
           </a:p>
@@ -8775,9 +6454,9 @@
           <a:bodyPr/>
           <a:lstStyle/>
           <a:p>
-            <a:fld id="{CF4F8345-B1AB-478B-BBA4-A93F9B541D4C}" type="datetime1">
+            <a:fld id="{8821DD07-C292-4B68-88E8-BD580458E297}" type="datetime1">
               <a:rPr lang="en-NZ" smtClean="0"/>
-              <a:t>19/01/2022</a:t>
+              <a:t>3/02/2022</a:t>
             </a:fld>
             <a:endParaRPr lang="en-NZ"/>
           </a:p>
@@ -9115,9 +6794,9 @@
           <a:bodyPr/>
           <a:lstStyle/>
           <a:p>
-            <a:fld id="{703A19F8-3582-45C5-B391-3366F680997F}" type="datetime1">
+            <a:fld id="{0F973782-8C19-49EB-BC72-B6A6E8942A11}" type="datetime1">
               <a:rPr lang="en-NZ" smtClean="0"/>
-              <a:t>19/01/2022</a:t>
+              <a:t>3/02/2022</a:t>
             </a:fld>
             <a:endParaRPr lang="en-NZ"/>
           </a:p>
@@ -9528,9 +7207,9 @@
           <a:bodyPr/>
           <a:lstStyle/>
           <a:p>
-            <a:fld id="{760C6560-A6DB-483C-BE96-39C4088D56C3}" type="datetime1">
+            <a:fld id="{D341A3B9-B937-48A1-94D2-679435F139C3}" type="datetime1">
               <a:rPr lang="en-NZ" smtClean="0"/>
-              <a:t>19/01/2022</a:t>
+              <a:t>3/02/2022</a:t>
             </a:fld>
             <a:endParaRPr lang="en-NZ"/>
           </a:p>
@@ -9723,9 +7402,9 @@
           <a:bodyPr/>
           <a:lstStyle/>
           <a:p>
-            <a:fld id="{B0BE4383-7F06-4D8A-B4EF-E502C19C410F}" type="datetime1">
+            <a:fld id="{78D3714D-8D68-4951-A62C-EDC9D81E1147}" type="datetime1">
               <a:rPr lang="en-NZ" smtClean="0"/>
-              <a:t>19/01/2022</a:t>
+              <a:t>3/02/2022</a:t>
             </a:fld>
             <a:endParaRPr lang="en-NZ"/>
           </a:p>
@@ -9928,9 +7607,9 @@
           <a:bodyPr/>
           <a:lstStyle/>
           <a:p>
-            <a:fld id="{CA0993AB-23FD-4200-93C4-5F613A8F0DE4}" type="datetime1">
+            <a:fld id="{1902FCA5-7100-4CDA-8C59-970531C3F4D3}" type="datetime1">
               <a:rPr lang="en-NZ" smtClean="0"/>
-              <a:t>19/01/2022</a:t>
+              <a:t>3/02/2022</a:t>
             </a:fld>
             <a:endParaRPr lang="en-NZ"/>
           </a:p>
@@ -10152,9 +7831,9 @@
           <a:bodyPr/>
           <a:lstStyle/>
           <a:p>
-            <a:fld id="{95E0BD18-1E72-425C-A70F-E903B43ACEAF}" type="datetime1">
+            <a:fld id="{F59E33A7-1187-46EF-BBCF-06A903672BDB}" type="datetime1">
               <a:rPr lang="en-NZ" smtClean="0"/>
-              <a:t>19/01/2022</a:t>
+              <a:t>3/02/2022</a:t>
             </a:fld>
             <a:endParaRPr lang="en-NZ"/>
           </a:p>
@@ -10425,9 +8104,9 @@
           <a:bodyPr/>
           <a:lstStyle/>
           <a:p>
-            <a:fld id="{E16184DE-AF75-4D46-A75E-68D4BFFE1D19}" type="datetime1">
+            <a:fld id="{1ECE6B29-4994-4323-8545-4C6968EB481C}" type="datetime1">
               <a:rPr lang="en-NZ" smtClean="0"/>
-              <a:t>19/01/2022</a:t>
+              <a:t>3/02/2022</a:t>
             </a:fld>
             <a:endParaRPr lang="en-NZ"/>
           </a:p>
@@ -10681,9 +8360,9 @@
           <a:bodyPr/>
           <a:lstStyle/>
           <a:p>
-            <a:fld id="{B2A69B75-5866-426A-925F-213DDE9D85FD}" type="datetime1">
+            <a:fld id="{C5A2D6C6-D35A-455B-BF02-884AFC04BEF6}" type="datetime1">
               <a:rPr lang="en-NZ" smtClean="0"/>
-              <a:t>19/01/2022</a:t>
+              <a:t>3/02/2022</a:t>
             </a:fld>
             <a:endParaRPr lang="en-NZ"/>
           </a:p>
@@ -11079,9 +8758,9 @@
           <a:bodyPr/>
           <a:lstStyle/>
           <a:p>
-            <a:fld id="{AE0BECA1-6AC9-49BA-B7CB-A964533A3D80}" type="datetime1">
+            <a:fld id="{E600475E-B069-4E2D-A0CF-2B2F3190489C}" type="datetime1">
               <a:rPr lang="en-NZ" smtClean="0"/>
-              <a:t>19/01/2022</a:t>
+              <a:t>3/02/2022</a:t>
             </a:fld>
             <a:endParaRPr lang="en-NZ"/>
           </a:p>
@@ -11228,9 +8907,9 @@
           <a:bodyPr/>
           <a:lstStyle/>
           <a:p>
-            <a:fld id="{B3CAE819-CB6A-409E-9DE5-5C2B6FD1D067}" type="datetime1">
+            <a:fld id="{2DB11A2B-9C22-4138-A71B-AED99E71149A}" type="datetime1">
               <a:rPr lang="en-NZ" smtClean="0"/>
-              <a:t>19/01/2022</a:t>
+              <a:t>3/02/2022</a:t>
             </a:fld>
             <a:endParaRPr lang="en-NZ"/>
           </a:p>
@@ -11350,9 +9029,9 @@
           <a:bodyPr/>
           <a:lstStyle/>
           <a:p>
-            <a:fld id="{E21D875F-1AD1-45CC-A8D8-22D1FCE38B99}" type="datetime1">
+            <a:fld id="{FCD1939B-B6C3-4C36-9819-7B3DBBE668FE}" type="datetime1">
               <a:rPr lang="en-NZ" smtClean="0"/>
-              <a:t>19/01/2022</a:t>
+              <a:t>3/02/2022</a:t>
             </a:fld>
             <a:endParaRPr lang="en-NZ"/>
           </a:p>
@@ -11630,9 +9309,9 @@
           <a:bodyPr/>
           <a:lstStyle/>
           <a:p>
-            <a:fld id="{62FBAA71-0985-4D41-9A64-8285B79F09C4}" type="datetime1">
+            <a:fld id="{9B40D3CE-64CA-4166-A3B8-AE7FC421FCF8}" type="datetime1">
               <a:rPr lang="en-NZ" smtClean="0"/>
-              <a:t>19/01/2022</a:t>
+              <a:t>3/02/2022</a:t>
             </a:fld>
             <a:endParaRPr lang="en-NZ"/>
           </a:p>
@@ -11918,9 +9597,9 @@
           <a:bodyPr/>
           <a:lstStyle/>
           <a:p>
-            <a:fld id="{8A05F149-581E-4102-8282-9DA0E14562C2}" type="datetime1">
+            <a:fld id="{4EF7DFE2-0F3C-44CA-BB48-92BB7A2B44CB}" type="datetime1">
               <a:rPr lang="en-NZ" smtClean="0"/>
-              <a:t>19/01/2022</a:t>
+              <a:t>3/02/2022</a:t>
             </a:fld>
             <a:endParaRPr lang="en-NZ"/>
           </a:p>
@@ -12683,53 +10362,6 @@
           </a:prstGeom>
         </p:spPr>
       </p:pic>
-      <p:sp>
-        <p:nvSpPr>
-          <p:cNvPr id="5" name="TextBox 4">
-            <a:extLst>
-              <a:ext uri="{FF2B5EF4-FFF2-40B4-BE49-F238E27FC236}">
-                <a16:creationId xmlns:a16="http://schemas.microsoft.com/office/drawing/2014/main" id="{08152A4D-7632-4858-BCDF-F312C11B85FB}"/>
-              </a:ext>
-            </a:extLst>
-          </p:cNvPr>
-          <p:cNvSpPr txBox="1"/>
-          <p:nvPr userDrawn="1">
-            <p:extLst>
-              <p:ext uri="{1162E1C5-73C7-4A58-AE30-91384D911F3F}">
-                <p184:classification xmlns:p184="http://schemas.microsoft.com/office/powerpoint/2018/4/main" val="ftr"/>
-              </p:ext>
-            </p:extLst>
-          </p:nvPr>
-        </p:nvSpPr>
-        <p:spPr>
-          <a:xfrm>
-            <a:off x="0" y="6690360"/>
-            <a:ext cx="931863" cy="167640"/>
-          </a:xfrm>
-          <a:prstGeom prst="rect">
-            <a:avLst/>
-          </a:prstGeom>
-        </p:spPr>
-        <p:txBody>
-          <a:bodyPr horzOverflow="overflow" lIns="0" tIns="0" rIns="0" bIns="0">
-            <a:spAutoFit/>
-          </a:bodyPr>
-          <a:lstStyle/>
-          <a:p>
-            <a:pPr algn="l"/>
-            <a:r>
-              <a:rPr lang="en-NZ" sz="1100">
-                <a:solidFill>
-                  <a:srgbClr val="000000"/>
-                </a:solidFill>
-                <a:latin typeface="Calibri" panose="020F0502020204030204" pitchFamily="34" charset="0"/>
-                <a:cs typeface="Calibri" panose="020F0502020204030204" pitchFamily="34" charset="0"/>
-              </a:rPr>
-              <a:t>IN CONFIDENCE</a:t>
-            </a:r>
-          </a:p>
-        </p:txBody>
-      </p:sp>
     </p:spTree>
     <p:extLst>
       <p:ext uri="{BB962C8B-B14F-4D97-AF65-F5344CB8AC3E}">
@@ -12756,7 +10388,7 @@
     <p:sldLayoutId id="2147483692" r:id="rId15"/>
     <p:sldLayoutId id="2147483693" r:id="rId16"/>
   </p:sldLayoutIdLst>
-  <p:hf hdr="0" ftr="0" dt="0"/>
+  <p:hf sldNum="0" hdr="0" ftr="0" dt="0"/>
   <p:txStyles>
     <p:titleStyle>
       <a:lvl1pPr algn="l" defTabSz="457200" rtl="0" eaLnBrk="1" latinLnBrk="0" hangingPunct="1">
@@ -13196,7 +10828,7 @@
           <a:p>
             <a:r>
               <a:rPr lang="en-NZ" dirty="0"/>
-              <a:t>Fruit Sizing Machine Learning Pipeline</a:t>
+              <a:t>A Machine Learning Framework for Fruit Sizing</a:t>
             </a:r>
           </a:p>
         </p:txBody>
@@ -13219,7 +10851,7 @@
         </p:nvSpPr>
         <p:spPr>
           <a:xfrm>
-            <a:off x="0" y="5016032"/>
+            <a:off x="-228812" y="4846350"/>
             <a:ext cx="9502815" cy="1646303"/>
           </a:xfrm>
         </p:spPr>
@@ -13237,12 +10869,14 @@
           <a:p>
             <a:r>
               <a:rPr lang="en-NZ" dirty="0"/>
-              <a:t>Andrew Gilman </a:t>
-            </a:r>
-            <a:br>
+              <a:t>Andrew Gilman</a:t>
+            </a:r>
+          </a:p>
+          <a:p>
+            <a:r>
               <a:rPr lang="en-NZ" dirty="0"/>
-            </a:br>
-            <a:endParaRPr lang="en-NZ" dirty="0"/>
+              <a:t>Henry Kirkwood</a:t>
+            </a:r>
           </a:p>
         </p:txBody>
       </p:sp>
@@ -13281,7 +10915,7 @@
           <p:cNvPr id="2" name="Title 1">
             <a:extLst>
               <a:ext uri="{FF2B5EF4-FFF2-40B4-BE49-F238E27FC236}">
-                <a16:creationId xmlns:a16="http://schemas.microsoft.com/office/drawing/2014/main" id="{F8A233E0-8C01-1B4A-970B-8254D102EE18}"/>
+                <a16:creationId xmlns:a16="http://schemas.microsoft.com/office/drawing/2014/main" id="{E5685C86-3370-4141-87BE-0AF78122C44D}"/>
               </a:ext>
             </a:extLst>
           </p:cNvPr>
@@ -13294,85 +10928,273 @@
         </p:nvSpPr>
         <p:spPr/>
         <p:txBody>
-          <a:bodyPr/>
+          <a:bodyPr>
+            <a:normAutofit/>
+          </a:bodyPr>
           <a:lstStyle/>
           <a:p>
             <a:r>
-              <a:rPr lang="en-GB" dirty="0"/>
-              <a:t>Acknowledgments</a:t>
-            </a:r>
-          </a:p>
-        </p:txBody>
-      </p:sp>
-      <p:pic>
-        <p:nvPicPr>
-          <p:cNvPr id="6" name="Content Placeholder 5" descr="A picture containing text, clipart&#10;&#10;Description automatically generated">
+              <a:rPr lang="en-US" dirty="0"/>
+              <a:t>Machine Learning Tools</a:t>
+            </a:r>
+          </a:p>
+        </p:txBody>
+      </p:sp>
+      <p:graphicFrame>
+        <p:nvGraphicFramePr>
+          <p:cNvPr id="3" name="Table 3">
             <a:extLst>
               <a:ext uri="{FF2B5EF4-FFF2-40B4-BE49-F238E27FC236}">
-                <a16:creationId xmlns:a16="http://schemas.microsoft.com/office/drawing/2014/main" id="{9D73433D-1431-4DBC-A432-5F5121EDCCA0}"/>
+                <a16:creationId xmlns:a16="http://schemas.microsoft.com/office/drawing/2014/main" id="{CF8DA562-C396-47CE-BB5B-550849DBF2C1}"/>
               </a:ext>
             </a:extLst>
           </p:cNvPr>
-          <p:cNvPicPr>
-            <a:picLocks noGrp="1" noChangeAspect="1"/>
-          </p:cNvPicPr>
-          <p:nvPr>
-            <p:ph idx="1"/>
-          </p:nvPr>
-        </p:nvPicPr>
-        <p:blipFill>
-          <a:blip r:embed="rId3">
-            <a:extLst>
-              <a:ext uri="{28A0092B-C50C-407E-A947-70E740481C1C}">
-                <a14:useLocalDpi xmlns:a14="http://schemas.microsoft.com/office/drawing/2010/main" val="0"/>
-              </a:ext>
-            </a:extLst>
-          </a:blip>
-          <a:stretch>
-            <a:fillRect/>
-          </a:stretch>
-        </p:blipFill>
-        <p:spPr>
-          <a:xfrm>
-            <a:off x="1526265" y="2798443"/>
-            <a:ext cx="2567038" cy="1261115"/>
-          </a:xfrm>
-        </p:spPr>
-      </p:pic>
-      <p:pic>
-        <p:nvPicPr>
-          <p:cNvPr id="3" name="Picture 3" descr="Logo, company name&#10;&#10;Description automatically generated">
-            <a:extLst>
-              <a:ext uri="{FF2B5EF4-FFF2-40B4-BE49-F238E27FC236}">
-                <a16:creationId xmlns:a16="http://schemas.microsoft.com/office/drawing/2014/main" id="{B48E141B-0779-4609-8E61-B14B984D5834}"/>
-              </a:ext>
-            </a:extLst>
-          </p:cNvPr>
-          <p:cNvPicPr>
-            <a:picLocks noChangeAspect="1"/>
-          </p:cNvPicPr>
-          <p:nvPr/>
-        </p:nvPicPr>
-        <p:blipFill>
-          <a:blip r:embed="rId4"/>
-          <a:stretch>
-            <a:fillRect/>
-          </a:stretch>
-        </p:blipFill>
-        <p:spPr>
-          <a:xfrm>
-            <a:off x="4679422" y="2833985"/>
-            <a:ext cx="4439381" cy="1190030"/>
-          </a:xfrm>
-          <a:prstGeom prst="rect">
-            <a:avLst/>
-          </a:prstGeom>
-        </p:spPr>
-      </p:pic>
+          <p:cNvGraphicFramePr>
+            <a:graphicFrameLocks noGrp="1"/>
+          </p:cNvGraphicFramePr>
+          <p:nvPr>
+            <p:extLst>
+              <p:ext uri="{D42A27DB-BD31-4B8C-83A1-F6EECF244321}">
+                <p14:modId xmlns:p14="http://schemas.microsoft.com/office/powerpoint/2010/main" val="2424846689"/>
+              </p:ext>
+            </p:extLst>
+          </p:nvPr>
+        </p:nvGraphicFramePr>
+        <p:xfrm>
+          <a:off x="790456" y="2181860"/>
+          <a:ext cx="8579788" cy="2494280"/>
+        </p:xfrm>
+        <a:graphic>
+          <a:graphicData uri="http://schemas.openxmlformats.org/drawingml/2006/table">
+            <a:tbl>
+              <a:tblPr firstRow="1" bandRow="1">
+                <a:tableStyleId>{5C22544A-7EE6-4342-B048-85BDC9FD1C3A}</a:tableStyleId>
+              </a:tblPr>
+              <a:tblGrid>
+                <a:gridCol w="4064000">
+                  <a:extLst>
+                    <a:ext uri="{9D8B030D-6E8A-4147-A177-3AD203B41FA5}">
+                      <a16:colId xmlns:a16="http://schemas.microsoft.com/office/drawing/2014/main" val="2491576779"/>
+                    </a:ext>
+                  </a:extLst>
+                </a:gridCol>
+                <a:gridCol w="4515788">
+                  <a:extLst>
+                    <a:ext uri="{9D8B030D-6E8A-4147-A177-3AD203B41FA5}">
+                      <a16:colId xmlns:a16="http://schemas.microsoft.com/office/drawing/2014/main" val="3699450693"/>
+                    </a:ext>
+                  </a:extLst>
+                </a:gridCol>
+              </a:tblGrid>
+              <a:tr h="370840">
+                <a:tc>
+                  <a:txBody>
+                    <a:bodyPr/>
+                    <a:lstStyle/>
+                    <a:p>
+                      <a:r>
+                        <a:rPr lang="en-NZ" dirty="0"/>
+                        <a:t>Name</a:t>
+                      </a:r>
+                    </a:p>
+                  </a:txBody>
+                  <a:tcPr/>
+                </a:tc>
+                <a:tc>
+                  <a:txBody>
+                    <a:bodyPr/>
+                    <a:lstStyle/>
+                    <a:p>
+                      <a:r>
+                        <a:rPr lang="en-NZ" dirty="0"/>
+                        <a:t>Usage</a:t>
+                      </a:r>
+                    </a:p>
+                  </a:txBody>
+                  <a:tcPr/>
+                </a:tc>
+                <a:extLst>
+                  <a:ext uri="{0D108BD9-81ED-4DB2-BD59-A6C34878D82A}">
+                    <a16:rowId xmlns:a16="http://schemas.microsoft.com/office/drawing/2014/main" val="346784544"/>
+                  </a:ext>
+                </a:extLst>
+              </a:tr>
+              <a:tr h="370840">
+                <a:tc>
+                  <a:txBody>
+                    <a:bodyPr/>
+                    <a:lstStyle/>
+                    <a:p>
+                      <a:r>
+                        <a:rPr lang="en-NZ" dirty="0"/>
+                        <a:t>DVC</a:t>
+                      </a:r>
+                    </a:p>
+                  </a:txBody>
+                  <a:tcPr/>
+                </a:tc>
+                <a:tc>
+                  <a:txBody>
+                    <a:bodyPr/>
+                    <a:lstStyle/>
+                    <a:p>
+                      <a:r>
+                        <a:rPr lang="en-NZ" dirty="0"/>
+                        <a:t>Data versioning</a:t>
+                      </a:r>
+                    </a:p>
+                  </a:txBody>
+                  <a:tcPr/>
+                </a:tc>
+                <a:extLst>
+                  <a:ext uri="{0D108BD9-81ED-4DB2-BD59-A6C34878D82A}">
+                    <a16:rowId xmlns:a16="http://schemas.microsoft.com/office/drawing/2014/main" val="1718397976"/>
+                  </a:ext>
+                </a:extLst>
+              </a:tr>
+              <a:tr h="370840">
+                <a:tc>
+                  <a:txBody>
+                    <a:bodyPr/>
+                    <a:lstStyle/>
+                    <a:p>
+                      <a:r>
+                        <a:rPr lang="en-NZ" dirty="0" err="1"/>
+                        <a:t>MLFlow</a:t>
+                      </a:r>
+                      <a:endParaRPr lang="en-NZ" dirty="0"/>
+                    </a:p>
+                  </a:txBody>
+                  <a:tcPr/>
+                </a:tc>
+                <a:tc>
+                  <a:txBody>
+                    <a:bodyPr/>
+                    <a:lstStyle/>
+                    <a:p>
+                      <a:r>
+                        <a:rPr lang="en-NZ" dirty="0"/>
+                        <a:t>Model versioning, experiment tracking, metrics logging, and data visualisations</a:t>
+                      </a:r>
+                    </a:p>
+                  </a:txBody>
+                  <a:tcPr/>
+                </a:tc>
+                <a:extLst>
+                  <a:ext uri="{0D108BD9-81ED-4DB2-BD59-A6C34878D82A}">
+                    <a16:rowId xmlns:a16="http://schemas.microsoft.com/office/drawing/2014/main" val="108880322"/>
+                  </a:ext>
+                </a:extLst>
+              </a:tr>
+              <a:tr h="370840">
+                <a:tc>
+                  <a:txBody>
+                    <a:bodyPr/>
+                    <a:lstStyle/>
+                    <a:p>
+                      <a:r>
+                        <a:rPr lang="en-NZ" dirty="0" err="1"/>
+                        <a:t>PyCaret</a:t>
+                      </a:r>
+                      <a:endParaRPr lang="en-NZ" dirty="0"/>
+                    </a:p>
+                  </a:txBody>
+                  <a:tcPr/>
+                </a:tc>
+                <a:tc>
+                  <a:txBody>
+                    <a:bodyPr/>
+                    <a:lstStyle/>
+                    <a:p>
+                      <a:r>
+                        <a:rPr lang="en-NZ" dirty="0"/>
+                        <a:t>Low-code pipeline construction</a:t>
+                      </a:r>
+                    </a:p>
+                  </a:txBody>
+                  <a:tcPr/>
+                </a:tc>
+                <a:extLst>
+                  <a:ext uri="{0D108BD9-81ED-4DB2-BD59-A6C34878D82A}">
+                    <a16:rowId xmlns:a16="http://schemas.microsoft.com/office/drawing/2014/main" val="94856824"/>
+                  </a:ext>
+                </a:extLst>
+              </a:tr>
+              <a:tr h="370840">
+                <a:tc>
+                  <a:txBody>
+                    <a:bodyPr/>
+                    <a:lstStyle/>
+                    <a:p>
+                      <a:r>
+                        <a:rPr lang="en-NZ" dirty="0"/>
+                        <a:t>Ray</a:t>
+                      </a:r>
+                    </a:p>
+                  </a:txBody>
+                  <a:tcPr/>
+                </a:tc>
+                <a:tc>
+                  <a:txBody>
+                    <a:bodyPr/>
+                    <a:lstStyle/>
+                    <a:p>
+                      <a:r>
+                        <a:rPr lang="en-NZ" dirty="0"/>
+                        <a:t>Parallel and distributed computing</a:t>
+                      </a:r>
+                    </a:p>
+                  </a:txBody>
+                  <a:tcPr/>
+                </a:tc>
+                <a:extLst>
+                  <a:ext uri="{0D108BD9-81ED-4DB2-BD59-A6C34878D82A}">
+                    <a16:rowId xmlns:a16="http://schemas.microsoft.com/office/drawing/2014/main" val="2732836508"/>
+                  </a:ext>
+                </a:extLst>
+              </a:tr>
+              <a:tr h="370840">
+                <a:tc>
+                  <a:txBody>
+                    <a:bodyPr/>
+                    <a:lstStyle/>
+                    <a:p>
+                      <a:r>
+                        <a:rPr lang="en-NZ" dirty="0" err="1"/>
+                        <a:t>Optuna</a:t>
+                      </a:r>
+                      <a:endParaRPr lang="en-NZ" dirty="0"/>
+                    </a:p>
+                  </a:txBody>
+                  <a:tcPr/>
+                </a:tc>
+                <a:tc>
+                  <a:txBody>
+                    <a:bodyPr/>
+                    <a:lstStyle/>
+                    <a:p>
+                      <a:r>
+                        <a:rPr lang="en-NZ" dirty="0"/>
+                        <a:t>Model optimisation</a:t>
+                      </a:r>
+                    </a:p>
+                  </a:txBody>
+                  <a:tcPr/>
+                </a:tc>
+                <a:extLst>
+                  <a:ext uri="{0D108BD9-81ED-4DB2-BD59-A6C34878D82A}">
+                    <a16:rowId xmlns:a16="http://schemas.microsoft.com/office/drawing/2014/main" val="872870269"/>
+                  </a:ext>
+                </a:extLst>
+              </a:tr>
+            </a:tbl>
+          </a:graphicData>
+        </a:graphic>
+      </p:graphicFrame>
     </p:spTree>
     <p:extLst>
       <p:ext uri="{BB962C8B-B14F-4D97-AF65-F5344CB8AC3E}">
-        <p14:creationId xmlns:p14="http://schemas.microsoft.com/office/powerpoint/2010/main" val="722274802"/>
+        <p14:creationId xmlns:p14="http://schemas.microsoft.com/office/powerpoint/2010/main" val="3677654768"/>
       </p:ext>
     </p:extLst>
   </p:cSld>
@@ -13382,906 +11204,7 @@
 </p:sld>
 </file>
 
-<file path=ppt/slides/slide2.xml><?xml version="1.0" encoding="utf-8"?>
-<p:sld xmlns:a="http://schemas.openxmlformats.org/drawingml/2006/main" xmlns:r="http://schemas.openxmlformats.org/officeDocument/2006/relationships" xmlns:p="http://schemas.openxmlformats.org/presentationml/2006/main">
-  <p:cSld>
-    <p:bg>
-      <p:bgPr>
-        <a:solidFill>
-          <a:schemeClr val="bg2"/>
-        </a:solidFill>
-        <a:effectLst/>
-      </p:bgPr>
-    </p:bg>
-    <p:spTree>
-      <p:nvGrpSpPr>
-        <p:cNvPr id="1" name=""/>
-        <p:cNvGrpSpPr/>
-        <p:nvPr/>
-      </p:nvGrpSpPr>
-      <p:grpSpPr>
-        <a:xfrm>
-          <a:off x="0" y="0"/>
-          <a:ext cx="0" cy="0"/>
-          <a:chOff x="0" y="0"/>
-          <a:chExt cx="0" cy="0"/>
-        </a:xfrm>
-      </p:grpSpPr>
-      <p:sp useBgFill="1">
-        <p:nvSpPr>
-          <p:cNvPr id="10" name="Rectangle 9">
-            <a:extLst>
-              <a:ext uri="{FF2B5EF4-FFF2-40B4-BE49-F238E27FC236}">
-                <a16:creationId xmlns:a16="http://schemas.microsoft.com/office/drawing/2014/main" id="{1DA27254-207B-4B52-973B-03A6D7C253A8}"/>
-              </a:ext>
-              <a:ext uri="{C183D7F6-B498-43B3-948B-1728B52AA6E4}">
-                <adec:decorative xmlns:adec="http://schemas.microsoft.com/office/drawing/2017/decorative" val="1"/>
-              </a:ext>
-            </a:extLst>
-          </p:cNvPr>
-          <p:cNvSpPr>
-            <a:spLocks noGrp="1" noRot="1" noChangeAspect="1" noMove="1" noResize="1" noEditPoints="1" noAdjustHandles="1" noChangeArrowheads="1" noChangeShapeType="1" noTextEdit="1"/>
-          </p:cNvSpPr>
-          <p:nvPr>
-            <p:extLst>
-              <p:ext uri="{386F3935-93C4-4BCD-93E2-E3B085C9AB24}">
-                <p16:designElem xmlns:p16="http://schemas.microsoft.com/office/powerpoint/2015/main" val="1"/>
-              </p:ext>
-            </p:extLst>
-          </p:nvPr>
-        </p:nvSpPr>
-        <p:spPr>
-          <a:xfrm>
-            <a:off x="0" y="0"/>
-            <a:ext cx="12192000" cy="6858000"/>
-          </a:xfrm>
-          <a:prstGeom prst="rect">
-            <a:avLst/>
-          </a:prstGeom>
-          <a:ln>
-            <a:noFill/>
-          </a:ln>
-        </p:spPr>
-        <p:style>
-          <a:lnRef idx="2">
-            <a:schemeClr val="accent1">
-              <a:shade val="50000"/>
-            </a:schemeClr>
-          </a:lnRef>
-          <a:fillRef idx="1">
-            <a:schemeClr val="accent1"/>
-          </a:fillRef>
-          <a:effectRef idx="0">
-            <a:schemeClr val="accent1"/>
-          </a:effectRef>
-          <a:fontRef idx="minor">
-            <a:schemeClr val="lt1"/>
-          </a:fontRef>
-        </p:style>
-        <p:txBody>
-          <a:bodyPr rtlCol="0" anchor="ctr"/>
-          <a:lstStyle/>
-          <a:p>
-            <a:pPr algn="ctr"/>
-            <a:endParaRPr lang="en-US"/>
-          </a:p>
-        </p:txBody>
-      </p:sp>
-      <p:sp>
-        <p:nvSpPr>
-          <p:cNvPr id="2" name="Title 1">
-            <a:extLst>
-              <a:ext uri="{FF2B5EF4-FFF2-40B4-BE49-F238E27FC236}">
-                <a16:creationId xmlns:a16="http://schemas.microsoft.com/office/drawing/2014/main" id="{14DA387B-70E7-3E48-9426-D981E99C4032}"/>
-              </a:ext>
-            </a:extLst>
-          </p:cNvPr>
-          <p:cNvSpPr>
-            <a:spLocks noGrp="1"/>
-          </p:cNvSpPr>
-          <p:nvPr>
-            <p:ph type="title"/>
-          </p:nvPr>
-        </p:nvSpPr>
-        <p:spPr>
-          <a:xfrm>
-            <a:off x="652481" y="1382486"/>
-            <a:ext cx="3547581" cy="4093028"/>
-          </a:xfrm>
-        </p:spPr>
-        <p:txBody>
-          <a:bodyPr anchor="ctr">
-            <a:normAutofit/>
-          </a:bodyPr>
-          <a:lstStyle/>
-          <a:p>
-            <a:r>
-              <a:rPr lang="en-US" sz="4400" dirty="0"/>
-              <a:t>Introduction</a:t>
-            </a:r>
-          </a:p>
-        </p:txBody>
-      </p:sp>
-      <p:grpSp>
-        <p:nvGrpSpPr>
-          <p:cNvPr id="12" name="Group 11">
-            <a:extLst>
-              <a:ext uri="{FF2B5EF4-FFF2-40B4-BE49-F238E27FC236}">
-                <a16:creationId xmlns:a16="http://schemas.microsoft.com/office/drawing/2014/main" id="{AE3358E8-FEB4-4E5C-903A-92C75E6BDD18}"/>
-              </a:ext>
-              <a:ext uri="{C183D7F6-B498-43B3-948B-1728B52AA6E4}">
-                <adec:decorative xmlns:adec="http://schemas.microsoft.com/office/drawing/2017/decorative" val="1"/>
-              </a:ext>
-            </a:extLst>
-          </p:cNvPr>
-          <p:cNvGrpSpPr>
-            <a:grpSpLocks noGrp="1" noUngrp="1" noRot="1" noChangeAspect="1" noMove="1" noResize="1"/>
-          </p:cNvGrpSpPr>
-          <p:nvPr>
-            <p:extLst>
-              <p:ext uri="{386F3935-93C4-4BCD-93E2-E3B085C9AB24}">
-                <p16:designElem xmlns:p16="http://schemas.microsoft.com/office/powerpoint/2015/main" val="1"/>
-              </p:ext>
-            </p:extLst>
-          </p:nvPr>
-        </p:nvGrpSpPr>
-        <p:grpSpPr>
-          <a:xfrm>
-            <a:off x="1329267" y="-8467"/>
-            <a:ext cx="4766733" cy="6866467"/>
-            <a:chOff x="7425267" y="-8467"/>
-            <a:chExt cx="4766733" cy="6866467"/>
-          </a:xfrm>
-        </p:grpSpPr>
-        <p:cxnSp>
-          <p:nvCxnSpPr>
-            <p:cNvPr id="13" name="Straight Connector 12">
-              <a:extLst>
-                <a:ext uri="{FF2B5EF4-FFF2-40B4-BE49-F238E27FC236}">
-                  <a16:creationId xmlns:a16="http://schemas.microsoft.com/office/drawing/2014/main" id="{65FE9BA5-5847-4FF3-960A-4E3AC28E3756}"/>
-                </a:ext>
-                <a:ext uri="{C183D7F6-B498-43B3-948B-1728B52AA6E4}">
-                  <adec:decorative xmlns:adec="http://schemas.microsoft.com/office/drawing/2017/decorative" val="1"/>
-                </a:ext>
-              </a:extLst>
-            </p:cNvPr>
-            <p:cNvCxnSpPr/>
-            <p:nvPr>
-              <p:extLst>
-                <p:ext uri="{386F3935-93C4-4BCD-93E2-E3B085C9AB24}">
-                  <p16:designElem xmlns:p16="http://schemas.microsoft.com/office/powerpoint/2015/main" val="1"/>
-                </p:ext>
-              </p:extLst>
-            </p:nvPr>
-          </p:nvCxnSpPr>
-          <p:spPr>
-            <a:xfrm>
-              <a:off x="9371012" y="0"/>
-              <a:ext cx="1219200" cy="6858000"/>
-            </a:xfrm>
-            <a:prstGeom prst="line">
-              <a:avLst/>
-            </a:prstGeom>
-            <a:ln w="9525">
-              <a:solidFill>
-                <a:srgbClr val="BFBFBF">
-                  <a:alpha val="75000"/>
-                </a:srgbClr>
-              </a:solidFill>
-            </a:ln>
-          </p:spPr>
-          <p:style>
-            <a:lnRef idx="2">
-              <a:schemeClr val="accent1"/>
-            </a:lnRef>
-            <a:fillRef idx="0">
-              <a:schemeClr val="accent1"/>
-            </a:fillRef>
-            <a:effectRef idx="1">
-              <a:schemeClr val="accent1"/>
-            </a:effectRef>
-            <a:fontRef idx="minor">
-              <a:schemeClr val="tx1"/>
-            </a:fontRef>
-          </p:style>
-        </p:cxnSp>
-        <p:cxnSp>
-          <p:nvCxnSpPr>
-            <p:cNvPr id="14" name="Straight Connector 13">
-              <a:extLst>
-                <a:ext uri="{FF2B5EF4-FFF2-40B4-BE49-F238E27FC236}">
-                  <a16:creationId xmlns:a16="http://schemas.microsoft.com/office/drawing/2014/main" id="{76D98C19-CACB-4DEB-9AA7-5E1D776DBCE9}"/>
-                </a:ext>
-                <a:ext uri="{C183D7F6-B498-43B3-948B-1728B52AA6E4}">
-                  <adec:decorative xmlns:adec="http://schemas.microsoft.com/office/drawing/2017/decorative" val="1"/>
-                </a:ext>
-              </a:extLst>
-            </p:cNvPr>
-            <p:cNvCxnSpPr/>
-            <p:nvPr>
-              <p:extLst>
-                <p:ext uri="{386F3935-93C4-4BCD-93E2-E3B085C9AB24}">
-                  <p16:designElem xmlns:p16="http://schemas.microsoft.com/office/powerpoint/2015/main" val="1"/>
-                </p:ext>
-              </p:extLst>
-            </p:nvPr>
-          </p:nvCxnSpPr>
-          <p:spPr>
-            <a:xfrm flipH="1">
-              <a:off x="7425267" y="3681413"/>
-              <a:ext cx="4763558" cy="3176587"/>
-            </a:xfrm>
-            <a:prstGeom prst="line">
-              <a:avLst/>
-            </a:prstGeom>
-            <a:ln w="9525">
-              <a:solidFill>
-                <a:srgbClr val="BFBFBF">
-                  <a:alpha val="80000"/>
-                </a:srgbClr>
-              </a:solidFill>
-            </a:ln>
-          </p:spPr>
-          <p:style>
-            <a:lnRef idx="2">
-              <a:schemeClr val="accent1"/>
-            </a:lnRef>
-            <a:fillRef idx="0">
-              <a:schemeClr val="accent1"/>
-            </a:fillRef>
-            <a:effectRef idx="1">
-              <a:schemeClr val="accent1"/>
-            </a:effectRef>
-            <a:fontRef idx="minor">
-              <a:schemeClr val="tx1"/>
-            </a:fontRef>
-          </p:style>
-        </p:cxnSp>
-        <p:sp>
-          <p:nvSpPr>
-            <p:cNvPr id="15" name="Rectangle 23">
-              <a:extLst>
-                <a:ext uri="{FF2B5EF4-FFF2-40B4-BE49-F238E27FC236}">
-                  <a16:creationId xmlns:a16="http://schemas.microsoft.com/office/drawing/2014/main" id="{8EA0C28F-AA7D-46C7-8D8A-CE97E7EB0712}"/>
-                </a:ext>
-                <a:ext uri="{C183D7F6-B498-43B3-948B-1728B52AA6E4}">
-                  <adec:decorative xmlns:adec="http://schemas.microsoft.com/office/drawing/2017/decorative" val="1"/>
-                </a:ext>
-              </a:extLst>
-            </p:cNvPr>
-            <p:cNvSpPr/>
-            <p:nvPr>
-              <p:extLst>
-                <p:ext uri="{386F3935-93C4-4BCD-93E2-E3B085C9AB24}">
-                  <p16:designElem xmlns:p16="http://schemas.microsoft.com/office/powerpoint/2015/main" val="1"/>
-                </p:ext>
-              </p:extLst>
-            </p:nvPr>
-          </p:nvSpPr>
-          <p:spPr>
-            <a:xfrm>
-              <a:off x="9181476" y="-8467"/>
-              <a:ext cx="3007349" cy="6866467"/>
-            </a:xfrm>
-            <a:custGeom>
-              <a:avLst/>
-              <a:gdLst/>
-              <a:ahLst/>
-              <a:cxnLst/>
-              <a:rect l="l" t="t" r="r" b="b"/>
-              <a:pathLst>
-                <a:path w="3007349" h="6866467">
-                  <a:moveTo>
-                    <a:pt x="2045532" y="0"/>
-                  </a:moveTo>
-                  <a:lnTo>
-                    <a:pt x="3007349" y="0"/>
-                  </a:lnTo>
-                  <a:lnTo>
-                    <a:pt x="3007349" y="6866467"/>
-                  </a:lnTo>
-                  <a:lnTo>
-                    <a:pt x="0" y="6866467"/>
-                  </a:lnTo>
-                  <a:lnTo>
-                    <a:pt x="2045532" y="0"/>
-                  </a:lnTo>
-                  <a:close/>
-                </a:path>
-              </a:pathLst>
-            </a:custGeom>
-            <a:solidFill>
-              <a:schemeClr val="accent1">
-                <a:alpha val="30000"/>
-              </a:schemeClr>
-            </a:solidFill>
-            <a:ln>
-              <a:noFill/>
-            </a:ln>
-            <a:effectLst/>
-          </p:spPr>
-          <p:style>
-            <a:lnRef idx="1">
-              <a:schemeClr val="accent1"/>
-            </a:lnRef>
-            <a:fillRef idx="3">
-              <a:schemeClr val="accent1"/>
-            </a:fillRef>
-            <a:effectRef idx="2">
-              <a:schemeClr val="accent1"/>
-            </a:effectRef>
-            <a:fontRef idx="minor">
-              <a:schemeClr val="lt1"/>
-            </a:fontRef>
-          </p:style>
-        </p:sp>
-        <p:sp>
-          <p:nvSpPr>
-            <p:cNvPr id="16" name="Rectangle 25">
-              <a:extLst>
-                <a:ext uri="{FF2B5EF4-FFF2-40B4-BE49-F238E27FC236}">
-                  <a16:creationId xmlns:a16="http://schemas.microsoft.com/office/drawing/2014/main" id="{50B7A449-3821-4275-97E9-6B1FF91DE1EA}"/>
-                </a:ext>
-                <a:ext uri="{C183D7F6-B498-43B3-948B-1728B52AA6E4}">
-                  <adec:decorative xmlns:adec="http://schemas.microsoft.com/office/drawing/2017/decorative" val="1"/>
-                </a:ext>
-              </a:extLst>
-            </p:cNvPr>
-            <p:cNvSpPr/>
-            <p:nvPr>
-              <p:extLst>
-                <p:ext uri="{386F3935-93C4-4BCD-93E2-E3B085C9AB24}">
-                  <p16:designElem xmlns:p16="http://schemas.microsoft.com/office/powerpoint/2015/main" val="1"/>
-                </p:ext>
-              </p:extLst>
-            </p:nvPr>
-          </p:nvSpPr>
-          <p:spPr>
-            <a:xfrm>
-              <a:off x="9603442" y="-8467"/>
-              <a:ext cx="2588558" cy="6866467"/>
-            </a:xfrm>
-            <a:custGeom>
-              <a:avLst/>
-              <a:gdLst/>
-              <a:ahLst/>
-              <a:cxnLst/>
-              <a:rect l="l" t="t" r="r" b="b"/>
-              <a:pathLst>
-                <a:path w="2573311" h="6866467">
-                  <a:moveTo>
-                    <a:pt x="0" y="0"/>
-                  </a:moveTo>
-                  <a:lnTo>
-                    <a:pt x="2573311" y="0"/>
-                  </a:lnTo>
-                  <a:lnTo>
-                    <a:pt x="2573311" y="6866467"/>
-                  </a:lnTo>
-                  <a:lnTo>
-                    <a:pt x="1202336" y="6866467"/>
-                  </a:lnTo>
-                  <a:lnTo>
-                    <a:pt x="0" y="0"/>
-                  </a:lnTo>
-                  <a:close/>
-                </a:path>
-              </a:pathLst>
-            </a:custGeom>
-            <a:solidFill>
-              <a:schemeClr val="accent1">
-                <a:alpha val="20000"/>
-              </a:schemeClr>
-            </a:solidFill>
-            <a:ln>
-              <a:noFill/>
-            </a:ln>
-            <a:effectLst/>
-          </p:spPr>
-          <p:style>
-            <a:lnRef idx="1">
-              <a:schemeClr val="accent1"/>
-            </a:lnRef>
-            <a:fillRef idx="3">
-              <a:schemeClr val="accent1"/>
-            </a:fillRef>
-            <a:effectRef idx="2">
-              <a:schemeClr val="accent1"/>
-            </a:effectRef>
-            <a:fontRef idx="minor">
-              <a:schemeClr val="lt1"/>
-            </a:fontRef>
-          </p:style>
-        </p:sp>
-        <p:sp>
-          <p:nvSpPr>
-            <p:cNvPr id="17" name="Isosceles Triangle 16">
-              <a:extLst>
-                <a:ext uri="{FF2B5EF4-FFF2-40B4-BE49-F238E27FC236}">
-                  <a16:creationId xmlns:a16="http://schemas.microsoft.com/office/drawing/2014/main" id="{D15285ED-C1E9-4539-9551-2D9D3B897DBB}"/>
-                </a:ext>
-                <a:ext uri="{C183D7F6-B498-43B3-948B-1728B52AA6E4}">
-                  <adec:decorative xmlns:adec="http://schemas.microsoft.com/office/drawing/2017/decorative" val="1"/>
-                </a:ext>
-              </a:extLst>
-            </p:cNvPr>
-            <p:cNvSpPr/>
-            <p:nvPr>
-              <p:extLst>
-                <p:ext uri="{386F3935-93C4-4BCD-93E2-E3B085C9AB24}">
-                  <p16:designElem xmlns:p16="http://schemas.microsoft.com/office/powerpoint/2015/main" val="1"/>
-                </p:ext>
-              </p:extLst>
-            </p:nvPr>
-          </p:nvSpPr>
-          <p:spPr>
-            <a:xfrm>
-              <a:off x="8932333" y="3048000"/>
-              <a:ext cx="3259667" cy="3810000"/>
-            </a:xfrm>
-            <a:prstGeom prst="triangle">
-              <a:avLst>
-                <a:gd name="adj" fmla="val 100000"/>
-              </a:avLst>
-            </a:prstGeom>
-            <a:solidFill>
-              <a:schemeClr val="accent2">
-                <a:alpha val="72000"/>
-              </a:schemeClr>
-            </a:solidFill>
-            <a:ln>
-              <a:noFill/>
-            </a:ln>
-            <a:effectLst/>
-          </p:spPr>
-          <p:style>
-            <a:lnRef idx="1">
-              <a:schemeClr val="accent1"/>
-            </a:lnRef>
-            <a:fillRef idx="3">
-              <a:schemeClr val="accent1"/>
-            </a:fillRef>
-            <a:effectRef idx="2">
-              <a:schemeClr val="accent1"/>
-            </a:effectRef>
-            <a:fontRef idx="minor">
-              <a:schemeClr val="lt1"/>
-            </a:fontRef>
-          </p:style>
-        </p:sp>
-        <p:sp>
-          <p:nvSpPr>
-            <p:cNvPr id="18" name="Rectangle 27">
-              <a:extLst>
-                <a:ext uri="{FF2B5EF4-FFF2-40B4-BE49-F238E27FC236}">
-                  <a16:creationId xmlns:a16="http://schemas.microsoft.com/office/drawing/2014/main" id="{A57A772B-029C-402F-8961-04AD1B611248}"/>
-                </a:ext>
-                <a:ext uri="{C183D7F6-B498-43B3-948B-1728B52AA6E4}">
-                  <adec:decorative xmlns:adec="http://schemas.microsoft.com/office/drawing/2017/decorative" val="1"/>
-                </a:ext>
-              </a:extLst>
-            </p:cNvPr>
-            <p:cNvSpPr/>
-            <p:nvPr>
-              <p:extLst>
-                <p:ext uri="{386F3935-93C4-4BCD-93E2-E3B085C9AB24}">
-                  <p16:designElem xmlns:p16="http://schemas.microsoft.com/office/powerpoint/2015/main" val="1"/>
-                </p:ext>
-              </p:extLst>
-            </p:nvPr>
-          </p:nvSpPr>
-          <p:spPr>
-            <a:xfrm>
-              <a:off x="9334500" y="-8467"/>
-              <a:ext cx="2854326" cy="6866467"/>
-            </a:xfrm>
-            <a:custGeom>
-              <a:avLst/>
-              <a:gdLst/>
-              <a:ahLst/>
-              <a:cxnLst/>
-              <a:rect l="l" t="t" r="r" b="b"/>
-              <a:pathLst>
-                <a:path w="2858013" h="6866467">
-                  <a:moveTo>
-                    <a:pt x="0" y="0"/>
-                  </a:moveTo>
-                  <a:lnTo>
-                    <a:pt x="2858013" y="0"/>
-                  </a:lnTo>
-                  <a:lnTo>
-                    <a:pt x="2858013" y="6866467"/>
-                  </a:lnTo>
-                  <a:lnTo>
-                    <a:pt x="2473942" y="6866467"/>
-                  </a:lnTo>
-                  <a:lnTo>
-                    <a:pt x="0" y="0"/>
-                  </a:lnTo>
-                  <a:close/>
-                </a:path>
-              </a:pathLst>
-            </a:custGeom>
-            <a:solidFill>
-              <a:schemeClr val="accent2">
-                <a:lumMod val="75000"/>
-                <a:alpha val="70000"/>
-              </a:schemeClr>
-            </a:solidFill>
-            <a:ln>
-              <a:noFill/>
-            </a:ln>
-            <a:effectLst/>
-          </p:spPr>
-          <p:style>
-            <a:lnRef idx="1">
-              <a:schemeClr val="accent1"/>
-            </a:lnRef>
-            <a:fillRef idx="3">
-              <a:schemeClr val="accent1"/>
-            </a:fillRef>
-            <a:effectRef idx="2">
-              <a:schemeClr val="accent1"/>
-            </a:effectRef>
-            <a:fontRef idx="minor">
-              <a:schemeClr val="lt1"/>
-            </a:fontRef>
-          </p:style>
-        </p:sp>
-        <p:sp>
-          <p:nvSpPr>
-            <p:cNvPr id="19" name="Rectangle 28">
-              <a:extLst>
-                <a:ext uri="{FF2B5EF4-FFF2-40B4-BE49-F238E27FC236}">
-                  <a16:creationId xmlns:a16="http://schemas.microsoft.com/office/drawing/2014/main" id="{43A98072-A351-47FB-8807-1EEDBF77E34C}"/>
-                </a:ext>
-                <a:ext uri="{C183D7F6-B498-43B3-948B-1728B52AA6E4}">
-                  <adec:decorative xmlns:adec="http://schemas.microsoft.com/office/drawing/2017/decorative" val="1"/>
-                </a:ext>
-              </a:extLst>
-            </p:cNvPr>
-            <p:cNvSpPr/>
-            <p:nvPr>
-              <p:extLst>
-                <p:ext uri="{386F3935-93C4-4BCD-93E2-E3B085C9AB24}">
-                  <p16:designElem xmlns:p16="http://schemas.microsoft.com/office/powerpoint/2015/main" val="1"/>
-                </p:ext>
-              </p:extLst>
-            </p:nvPr>
-          </p:nvSpPr>
-          <p:spPr>
-            <a:xfrm>
-              <a:off x="10898730" y="-8467"/>
-              <a:ext cx="1290094" cy="6866467"/>
-            </a:xfrm>
-            <a:custGeom>
-              <a:avLst/>
-              <a:gdLst/>
-              <a:ahLst/>
-              <a:cxnLst/>
-              <a:rect l="l" t="t" r="r" b="b"/>
-              <a:pathLst>
-                <a:path w="1290094" h="6858000">
-                  <a:moveTo>
-                    <a:pt x="1019735" y="0"/>
-                  </a:moveTo>
-                  <a:lnTo>
-                    <a:pt x="1290094" y="0"/>
-                  </a:lnTo>
-                  <a:lnTo>
-                    <a:pt x="1290094" y="6858000"/>
-                  </a:lnTo>
-                  <a:lnTo>
-                    <a:pt x="0" y="6858000"/>
-                  </a:lnTo>
-                  <a:lnTo>
-                    <a:pt x="1019735" y="0"/>
-                  </a:lnTo>
-                  <a:close/>
-                </a:path>
-              </a:pathLst>
-            </a:custGeom>
-            <a:solidFill>
-              <a:schemeClr val="accent1">
-                <a:lumMod val="60000"/>
-                <a:lumOff val="40000"/>
-                <a:alpha val="70000"/>
-              </a:schemeClr>
-            </a:solidFill>
-            <a:ln>
-              <a:noFill/>
-            </a:ln>
-            <a:effectLst/>
-          </p:spPr>
-          <p:style>
-            <a:lnRef idx="1">
-              <a:schemeClr val="accent1"/>
-            </a:lnRef>
-            <a:fillRef idx="3">
-              <a:schemeClr val="accent1"/>
-            </a:fillRef>
-            <a:effectRef idx="2">
-              <a:schemeClr val="accent1"/>
-            </a:effectRef>
-            <a:fontRef idx="minor">
-              <a:schemeClr val="lt1"/>
-            </a:fontRef>
-          </p:style>
-        </p:sp>
-        <p:sp>
-          <p:nvSpPr>
-            <p:cNvPr id="20" name="Rectangle 29">
-              <a:extLst>
-                <a:ext uri="{FF2B5EF4-FFF2-40B4-BE49-F238E27FC236}">
-                  <a16:creationId xmlns:a16="http://schemas.microsoft.com/office/drawing/2014/main" id="{3BC2C561-1ADE-495B-A04A-92DE414F5D56}"/>
-                </a:ext>
-                <a:ext uri="{C183D7F6-B498-43B3-948B-1728B52AA6E4}">
-                  <adec:decorative xmlns:adec="http://schemas.microsoft.com/office/drawing/2017/decorative" val="1"/>
-                </a:ext>
-              </a:extLst>
-            </p:cNvPr>
-            <p:cNvSpPr/>
-            <p:nvPr>
-              <p:extLst>
-                <p:ext uri="{386F3935-93C4-4BCD-93E2-E3B085C9AB24}">
-                  <p16:designElem xmlns:p16="http://schemas.microsoft.com/office/powerpoint/2015/main" val="1"/>
-                </p:ext>
-              </p:extLst>
-            </p:nvPr>
-          </p:nvSpPr>
-          <p:spPr>
-            <a:xfrm>
-              <a:off x="10938999" y="-8467"/>
-              <a:ext cx="1249825" cy="6866467"/>
-            </a:xfrm>
-            <a:custGeom>
-              <a:avLst/>
-              <a:gdLst/>
-              <a:ahLst/>
-              <a:cxnLst/>
-              <a:rect l="l" t="t" r="r" b="b"/>
-              <a:pathLst>
-                <a:path w="1249825" h="6858000">
-                  <a:moveTo>
-                    <a:pt x="0" y="0"/>
-                  </a:moveTo>
-                  <a:lnTo>
-                    <a:pt x="1249825" y="0"/>
-                  </a:lnTo>
-                  <a:lnTo>
-                    <a:pt x="1249825" y="6858000"/>
-                  </a:lnTo>
-                  <a:lnTo>
-                    <a:pt x="1109382" y="6858000"/>
-                  </a:lnTo>
-                  <a:lnTo>
-                    <a:pt x="0" y="0"/>
-                  </a:lnTo>
-                  <a:close/>
-                </a:path>
-              </a:pathLst>
-            </a:custGeom>
-            <a:solidFill>
-              <a:schemeClr val="accent1">
-                <a:alpha val="65000"/>
-              </a:schemeClr>
-            </a:solidFill>
-            <a:ln>
-              <a:noFill/>
-            </a:ln>
-            <a:effectLst/>
-          </p:spPr>
-          <p:style>
-            <a:lnRef idx="1">
-              <a:schemeClr val="accent1"/>
-            </a:lnRef>
-            <a:fillRef idx="3">
-              <a:schemeClr val="accent1"/>
-            </a:fillRef>
-            <a:effectRef idx="2">
-              <a:schemeClr val="accent1"/>
-            </a:effectRef>
-            <a:fontRef idx="minor">
-              <a:schemeClr val="lt1"/>
-            </a:fontRef>
-          </p:style>
-        </p:sp>
-        <p:sp>
-          <p:nvSpPr>
-            <p:cNvPr id="21" name="Isosceles Triangle 20">
-              <a:extLst>
-                <a:ext uri="{FF2B5EF4-FFF2-40B4-BE49-F238E27FC236}">
-                  <a16:creationId xmlns:a16="http://schemas.microsoft.com/office/drawing/2014/main" id="{FE633B79-4994-47EC-9479-56BA3E3A5808}"/>
-                </a:ext>
-                <a:ext uri="{C183D7F6-B498-43B3-948B-1728B52AA6E4}">
-                  <adec:decorative xmlns:adec="http://schemas.microsoft.com/office/drawing/2017/decorative" val="1"/>
-                </a:ext>
-              </a:extLst>
-            </p:cNvPr>
-            <p:cNvSpPr/>
-            <p:nvPr>
-              <p:extLst>
-                <p:ext uri="{386F3935-93C4-4BCD-93E2-E3B085C9AB24}">
-                  <p16:designElem xmlns:p16="http://schemas.microsoft.com/office/powerpoint/2015/main" val="1"/>
-                </p:ext>
-              </p:extLst>
-            </p:nvPr>
-          </p:nvSpPr>
-          <p:spPr>
-            <a:xfrm>
-              <a:off x="10371666" y="3589867"/>
-              <a:ext cx="1817159" cy="3268133"/>
-            </a:xfrm>
-            <a:prstGeom prst="triangle">
-              <a:avLst>
-                <a:gd name="adj" fmla="val 100000"/>
-              </a:avLst>
-            </a:prstGeom>
-            <a:solidFill>
-              <a:schemeClr val="accent1">
-                <a:alpha val="80000"/>
-              </a:schemeClr>
-            </a:solidFill>
-            <a:ln>
-              <a:noFill/>
-            </a:ln>
-            <a:effectLst/>
-          </p:spPr>
-          <p:style>
-            <a:lnRef idx="1">
-              <a:schemeClr val="accent1"/>
-            </a:lnRef>
-            <a:fillRef idx="3">
-              <a:schemeClr val="accent1"/>
-            </a:fillRef>
-            <a:effectRef idx="2">
-              <a:schemeClr val="accent1"/>
-            </a:effectRef>
-            <a:fontRef idx="minor">
-              <a:schemeClr val="lt1"/>
-            </a:fontRef>
-          </p:style>
-        </p:sp>
-      </p:grpSp>
-      <p:sp>
-        <p:nvSpPr>
-          <p:cNvPr id="23" name="Rectangle 22">
-            <a:extLst>
-              <a:ext uri="{FF2B5EF4-FFF2-40B4-BE49-F238E27FC236}">
-                <a16:creationId xmlns:a16="http://schemas.microsoft.com/office/drawing/2014/main" id="{D6188152-70CA-4742-AA0D-863A7FDB4793}"/>
-              </a:ext>
-              <a:ext uri="{C183D7F6-B498-43B3-948B-1728B52AA6E4}">
-                <adec:decorative xmlns:adec="http://schemas.microsoft.com/office/drawing/2017/decorative" val="1"/>
-              </a:ext>
-            </a:extLst>
-          </p:cNvPr>
-          <p:cNvSpPr>
-            <a:spLocks noGrp="1" noRot="1" noChangeAspect="1" noMove="1" noResize="1" noEditPoints="1" noAdjustHandles="1" noChangeArrowheads="1" noChangeShapeType="1" noTextEdit="1"/>
-          </p:cNvSpPr>
-          <p:nvPr>
-            <p:extLst>
-              <p:ext uri="{386F3935-93C4-4BCD-93E2-E3B085C9AB24}">
-                <p16:designElem xmlns:p16="http://schemas.microsoft.com/office/powerpoint/2015/main" val="1"/>
-              </p:ext>
-            </p:extLst>
-          </p:nvPr>
-        </p:nvSpPr>
-        <p:spPr>
-          <a:xfrm>
-            <a:off x="5977719" y="0"/>
-            <a:ext cx="6214281" cy="6858000"/>
-          </a:xfrm>
-          <a:prstGeom prst="rect">
-            <a:avLst/>
-          </a:prstGeom>
-          <a:ln>
-            <a:noFill/>
-          </a:ln>
-        </p:spPr>
-        <p:style>
-          <a:lnRef idx="2">
-            <a:schemeClr val="accent1">
-              <a:shade val="50000"/>
-            </a:schemeClr>
-          </a:lnRef>
-          <a:fillRef idx="1">
-            <a:schemeClr val="accent1"/>
-          </a:fillRef>
-          <a:effectRef idx="0">
-            <a:schemeClr val="accent1"/>
-          </a:effectRef>
-          <a:fontRef idx="minor">
-            <a:schemeClr val="lt1"/>
-          </a:fontRef>
-        </p:style>
-        <p:txBody>
-          <a:bodyPr rtlCol="0" anchor="ctr"/>
-          <a:lstStyle/>
-          <a:p>
-            <a:pPr algn="ctr"/>
-            <a:endParaRPr lang="en-US"/>
-          </a:p>
-        </p:txBody>
-      </p:sp>
-      <p:graphicFrame>
-        <p:nvGraphicFramePr>
-          <p:cNvPr id="5" name="Content Placeholder 2">
-            <a:extLst>
-              <a:ext uri="{FF2B5EF4-FFF2-40B4-BE49-F238E27FC236}">
-                <a16:creationId xmlns:a16="http://schemas.microsoft.com/office/drawing/2014/main" id="{24C85447-9D01-424C-AD53-810DB910805A}"/>
-              </a:ext>
-            </a:extLst>
-          </p:cNvPr>
-          <p:cNvGraphicFramePr>
-            <a:graphicFrameLocks noGrp="1"/>
-          </p:cNvGraphicFramePr>
-          <p:nvPr>
-            <p:ph idx="1"/>
-            <p:extLst>
-              <p:ext uri="{D42A27DB-BD31-4B8C-83A1-F6EECF244321}">
-                <p14:modId xmlns:p14="http://schemas.microsoft.com/office/powerpoint/2010/main" val="3000212172"/>
-              </p:ext>
-            </p:extLst>
-          </p:nvPr>
-        </p:nvGraphicFramePr>
-        <p:xfrm>
-          <a:off x="4876847" y="944563"/>
-          <a:ext cx="6656769" cy="4921215"/>
-        </p:xfrm>
-        <a:graphic>
-          <a:graphicData uri="http://schemas.openxmlformats.org/drawingml/2006/diagram">
-            <dgm:relIds xmlns:dgm="http://schemas.openxmlformats.org/drawingml/2006/diagram" xmlns:r="http://schemas.openxmlformats.org/officeDocument/2006/relationships" r:dm="rId3" r:lo="rId4" r:qs="rId5" r:cs="rId6"/>
-          </a:graphicData>
-        </a:graphic>
-      </p:graphicFrame>
-      <p:sp>
-        <p:nvSpPr>
-          <p:cNvPr id="280" name="Slide Number Placeholder 279">
-            <a:extLst>
-              <a:ext uri="{FF2B5EF4-FFF2-40B4-BE49-F238E27FC236}">
-                <a16:creationId xmlns:a16="http://schemas.microsoft.com/office/drawing/2014/main" id="{02F7BB21-AC74-444C-AE28-639079388516}"/>
-              </a:ext>
-            </a:extLst>
-          </p:cNvPr>
-          <p:cNvSpPr>
-            <a:spLocks noGrp="1"/>
-          </p:cNvSpPr>
-          <p:nvPr>
-            <p:ph type="sldNum" sz="quarter" idx="12"/>
-          </p:nvPr>
-        </p:nvSpPr>
-        <p:spPr>
-          <a:xfrm>
-            <a:off x="11508661" y="6445216"/>
-            <a:ext cx="683339" cy="365125"/>
-          </a:xfrm>
-        </p:spPr>
-        <p:txBody>
-          <a:bodyPr/>
-          <a:lstStyle/>
-          <a:p>
-            <a:fld id="{6108FA20-A512-4AEF-91DB-754955CE904B}" type="slidenum">
-              <a:rPr lang="en-NZ" smtClean="0"/>
-              <a:t>2</a:t>
-            </a:fld>
-            <a:endParaRPr lang="en-US"/>
-          </a:p>
-        </p:txBody>
-      </p:sp>
-    </p:spTree>
-    <p:extLst>
-      <p:ext uri="{BB962C8B-B14F-4D97-AF65-F5344CB8AC3E}">
-        <p14:creationId xmlns:p14="http://schemas.microsoft.com/office/powerpoint/2010/main" val="568017522"/>
-      </p:ext>
-    </p:extLst>
-  </p:cSld>
-  <p:clrMapOvr>
-    <a:masterClrMapping/>
-  </p:clrMapOvr>
-</p:sld>
-</file>
-
-<file path=ppt/slides/slide3.xml><?xml version="1.0" encoding="utf-8"?>
+<file path=ppt/slides/slide11.xml><?xml version="1.0" encoding="utf-8"?>
 <p:sld xmlns:a="http://schemas.openxmlformats.org/drawingml/2006/main" xmlns:r="http://schemas.openxmlformats.org/officeDocument/2006/relationships" xmlns:p="http://schemas.openxmlformats.org/presentationml/2006/main">
   <p:cSld>
     <p:spTree>
@@ -14314,7 +11237,12 @@
             <p:ph type="title"/>
           </p:nvPr>
         </p:nvSpPr>
-        <p:spPr/>
+        <p:spPr>
+          <a:xfrm>
+            <a:off x="677333" y="271848"/>
+            <a:ext cx="7024365" cy="667265"/>
+          </a:xfrm>
+        </p:spPr>
         <p:txBody>
           <a:bodyPr>
             <a:normAutofit/>
@@ -14323,7 +11251,7 @@
           <a:p>
             <a:r>
               <a:rPr lang="en-US" dirty="0"/>
-              <a:t>Data Version Control</a:t>
+              <a:t>Kiwifruit Dataset</a:t>
             </a:r>
           </a:p>
         </p:txBody>
@@ -14346,8 +11274,8 @@
         </p:nvSpPr>
         <p:spPr>
           <a:xfrm>
-            <a:off x="677334" y="1173892"/>
-            <a:ext cx="8690504" cy="5078627"/>
+            <a:off x="814023" y="1149350"/>
+            <a:ext cx="3112241" cy="5078627"/>
           </a:xfrm>
         </p:spPr>
         <p:txBody>
@@ -14356,7 +11284,44 @@
           </a:bodyPr>
           <a:lstStyle/>
           <a:p>
-            <a:endParaRPr lang="en-US" dirty="0"/>
+            <a:r>
+              <a:rPr lang="en-US" dirty="0"/>
+              <a:t>Two varieties</a:t>
+            </a:r>
+          </a:p>
+          <a:p>
+            <a:pPr lvl="1"/>
+            <a:r>
+              <a:rPr lang="en-US" dirty="0"/>
+              <a:t>Golden </a:t>
+            </a:r>
+          </a:p>
+          <a:p>
+            <a:pPr lvl="1"/>
+            <a:r>
+              <a:rPr lang="en-US" dirty="0"/>
+              <a:t>Hayward</a:t>
+            </a:r>
+          </a:p>
+          <a:p>
+            <a:r>
+              <a:rPr lang="en-US" dirty="0"/>
+              <a:t>Two KPINS</a:t>
+            </a:r>
+          </a:p>
+          <a:p>
+            <a:pPr lvl="1"/>
+            <a:r>
+              <a:rPr lang="en-US" dirty="0"/>
+              <a:t>4217</a:t>
+            </a:r>
+          </a:p>
+          <a:p>
+            <a:pPr lvl="1"/>
+            <a:r>
+              <a:rPr lang="en-US" dirty="0"/>
+              <a:t>7154</a:t>
+            </a:r>
           </a:p>
         </p:txBody>
       </p:sp>
@@ -14438,44 +11403,46 @@
           </a:p>
         </p:txBody>
       </p:sp>
-      <p:sp>
-        <p:nvSpPr>
-          <p:cNvPr id="3" name="Slide Number Placeholder 2">
+      <p:pic>
+        <p:nvPicPr>
+          <p:cNvPr id="4" name="Picture 3" descr="A picture containing tree, outdoor object, plant&#10;&#10;Description automatically generated">
             <a:extLst>
               <a:ext uri="{FF2B5EF4-FFF2-40B4-BE49-F238E27FC236}">
-                <a16:creationId xmlns:a16="http://schemas.microsoft.com/office/drawing/2014/main" id="{A464E2A1-385C-45BC-8CA7-5AED6F11709E}"/>
+                <a16:creationId xmlns:a16="http://schemas.microsoft.com/office/drawing/2014/main" id="{7C83B5C6-B4A6-4BB9-8805-17DC54DA4055}"/>
               </a:ext>
             </a:extLst>
           </p:cNvPr>
-          <p:cNvSpPr>
-            <a:spLocks noGrp="1"/>
-          </p:cNvSpPr>
-          <p:nvPr>
-            <p:ph type="sldNum" sz="quarter" idx="12"/>
-          </p:nvPr>
-        </p:nvSpPr>
+          <p:cNvPicPr>
+            <a:picLocks noChangeAspect="1"/>
+          </p:cNvPicPr>
+          <p:nvPr/>
+        </p:nvPicPr>
+        <p:blipFill>
+          <a:blip r:embed="rId3">
+            <a:extLst>
+              <a:ext uri="{28A0092B-C50C-407E-A947-70E740481C1C}">
+                <a14:useLocalDpi xmlns:a14="http://schemas.microsoft.com/office/drawing/2010/main" val="0"/>
+              </a:ext>
+            </a:extLst>
+          </a:blip>
+          <a:stretch>
+            <a:fillRect/>
+          </a:stretch>
+        </p:blipFill>
         <p:spPr>
           <a:xfrm>
-            <a:off x="11508661" y="6492875"/>
-            <a:ext cx="683339" cy="365125"/>
+            <a:off x="814023" y="3991688"/>
+            <a:ext cx="9361612" cy="2731988"/>
           </a:xfrm>
+          <a:prstGeom prst="rect">
+            <a:avLst/>
+          </a:prstGeom>
         </p:spPr>
-        <p:txBody>
-          <a:bodyPr/>
-          <a:lstStyle/>
-          <a:p>
-            <a:fld id="{6108FA20-A512-4AEF-91DB-754955CE904B}" type="slidenum">
-              <a:rPr lang="en-NZ" smtClean="0"/>
-              <a:t>3</a:t>
-            </a:fld>
-            <a:endParaRPr lang="en-US"/>
-          </a:p>
-        </p:txBody>
-      </p:sp>
+      </p:pic>
     </p:spTree>
     <p:extLst>
       <p:ext uri="{BB962C8B-B14F-4D97-AF65-F5344CB8AC3E}">
-        <p14:creationId xmlns:p14="http://schemas.microsoft.com/office/powerpoint/2010/main" val="2642787703"/>
+        <p14:creationId xmlns:p14="http://schemas.microsoft.com/office/powerpoint/2010/main" val="3628276512"/>
       </p:ext>
     </p:extLst>
   </p:cSld>
@@ -14485,7 +11452,7 @@
 </p:sld>
 </file>
 
-<file path=ppt/slides/slide4.xml><?xml version="1.0" encoding="utf-8"?>
+<file path=ppt/slides/slide12.xml><?xml version="1.0" encoding="utf-8"?>
 <p:sld xmlns:a="http://schemas.openxmlformats.org/drawingml/2006/main" xmlns:r="http://schemas.openxmlformats.org/officeDocument/2006/relationships" xmlns:p="http://schemas.openxmlformats.org/presentationml/2006/main">
   <p:cSld>
     <p:spTree>
@@ -14526,8 +11493,98 @@
           <a:lstStyle/>
           <a:p>
             <a:r>
+              <a:rPr lang="en-US" dirty="0"/>
+              <a:t>DVC – Data processing</a:t>
+            </a:r>
+          </a:p>
+        </p:txBody>
+      </p:sp>
+      <p:pic>
+        <p:nvPicPr>
+          <p:cNvPr id="4" name="Picture 3">
+            <a:extLst>
+              <a:ext uri="{FF2B5EF4-FFF2-40B4-BE49-F238E27FC236}">
+                <a16:creationId xmlns:a16="http://schemas.microsoft.com/office/drawing/2014/main" id="{E40B6822-0F2C-4BED-AD95-EE2D228C6E06}"/>
+              </a:ext>
+            </a:extLst>
+          </p:cNvPr>
+          <p:cNvPicPr>
+            <a:picLocks noChangeAspect="1"/>
+          </p:cNvPicPr>
+          <p:nvPr/>
+        </p:nvPicPr>
+        <p:blipFill>
+          <a:blip r:embed="rId3"/>
+          <a:stretch>
+            <a:fillRect/>
+          </a:stretch>
+        </p:blipFill>
+        <p:spPr>
+          <a:xfrm>
+            <a:off x="5147480" y="2161147"/>
+            <a:ext cx="6739720" cy="2889958"/>
+          </a:xfrm>
+          <a:prstGeom prst="rect">
+            <a:avLst/>
+          </a:prstGeom>
+        </p:spPr>
+      </p:pic>
+    </p:spTree>
+    <p:extLst>
+      <p:ext uri="{BB962C8B-B14F-4D97-AF65-F5344CB8AC3E}">
+        <p14:creationId xmlns:p14="http://schemas.microsoft.com/office/powerpoint/2010/main" val="1468789176"/>
+      </p:ext>
+    </p:extLst>
+  </p:cSld>
+  <p:clrMapOvr>
+    <a:masterClrMapping/>
+  </p:clrMapOvr>
+</p:sld>
+</file>
+
+<file path=ppt/slides/slide13.xml><?xml version="1.0" encoding="utf-8"?>
+<p:sld xmlns:a="http://schemas.openxmlformats.org/drawingml/2006/main" xmlns:r="http://schemas.openxmlformats.org/officeDocument/2006/relationships" xmlns:p="http://schemas.openxmlformats.org/presentationml/2006/main">
+  <p:cSld>
+    <p:spTree>
+      <p:nvGrpSpPr>
+        <p:cNvPr id="1" name=""/>
+        <p:cNvGrpSpPr/>
+        <p:nvPr/>
+      </p:nvGrpSpPr>
+      <p:grpSpPr>
+        <a:xfrm>
+          <a:off x="0" y="0"/>
+          <a:ext cx="0" cy="0"/>
+          <a:chOff x="0" y="0"/>
+          <a:chExt cx="0" cy="0"/>
+        </a:xfrm>
+      </p:grpSpPr>
+      <p:sp>
+        <p:nvSpPr>
+          <p:cNvPr id="2" name="Title 1">
+            <a:extLst>
+              <a:ext uri="{FF2B5EF4-FFF2-40B4-BE49-F238E27FC236}">
+                <a16:creationId xmlns:a16="http://schemas.microsoft.com/office/drawing/2014/main" id="{E5685C86-3370-4141-87BE-0AF78122C44D}"/>
+              </a:ext>
+            </a:extLst>
+          </p:cNvPr>
+          <p:cNvSpPr>
+            <a:spLocks noGrp="1"/>
+          </p:cNvSpPr>
+          <p:nvPr>
+            <p:ph type="title"/>
+          </p:nvPr>
+        </p:nvSpPr>
+        <p:spPr/>
+        <p:txBody>
+          <a:bodyPr>
+            <a:normAutofit/>
+          </a:bodyPr>
+          <a:lstStyle/>
+          <a:p>
+            <a:r>
               <a:rPr lang="en-US" dirty="0" err="1"/>
-              <a:t>MLFlow</a:t>
+              <a:t>PyCaret</a:t>
             </a:r>
             <a:endParaRPr lang="en-US" dirty="0"/>
           </a:p>
@@ -14643,44 +11700,10 @@
           </a:p>
         </p:txBody>
       </p:sp>
-      <p:sp>
-        <p:nvSpPr>
-          <p:cNvPr id="3" name="Slide Number Placeholder 2">
-            <a:extLst>
-              <a:ext uri="{FF2B5EF4-FFF2-40B4-BE49-F238E27FC236}">
-                <a16:creationId xmlns:a16="http://schemas.microsoft.com/office/drawing/2014/main" id="{A464E2A1-385C-45BC-8CA7-5AED6F11709E}"/>
-              </a:ext>
-            </a:extLst>
-          </p:cNvPr>
-          <p:cNvSpPr>
-            <a:spLocks noGrp="1"/>
-          </p:cNvSpPr>
-          <p:nvPr>
-            <p:ph type="sldNum" sz="quarter" idx="12"/>
-          </p:nvPr>
-        </p:nvSpPr>
-        <p:spPr>
-          <a:xfrm>
-            <a:off x="11508661" y="6492875"/>
-            <a:ext cx="683339" cy="365125"/>
-          </a:xfrm>
-        </p:spPr>
-        <p:txBody>
-          <a:bodyPr/>
-          <a:lstStyle/>
-          <a:p>
-            <a:fld id="{6108FA20-A512-4AEF-91DB-754955CE904B}" type="slidenum">
-              <a:rPr lang="en-NZ" smtClean="0"/>
-              <a:t>4</a:t>
-            </a:fld>
-            <a:endParaRPr lang="en-US"/>
-          </a:p>
-        </p:txBody>
-      </p:sp>
     </p:spTree>
     <p:extLst>
       <p:ext uri="{BB962C8B-B14F-4D97-AF65-F5344CB8AC3E}">
-        <p14:creationId xmlns:p14="http://schemas.microsoft.com/office/powerpoint/2010/main" val="1468789176"/>
+        <p14:creationId xmlns:p14="http://schemas.microsoft.com/office/powerpoint/2010/main" val="3934261435"/>
       </p:ext>
     </p:extLst>
   </p:cSld>
@@ -14690,7 +11713,7 @@
 </p:sld>
 </file>
 
-<file path=ppt/slides/slide5.xml><?xml version="1.0" encoding="utf-8"?>
+<file path=ppt/slides/slide14.xml><?xml version="1.0" encoding="utf-8"?>
 <p:sld xmlns:a="http://schemas.openxmlformats.org/drawingml/2006/main" xmlns:r="http://schemas.openxmlformats.org/officeDocument/2006/relationships" xmlns:p="http://schemas.openxmlformats.org/presentationml/2006/main">
   <p:cSld>
     <p:spTree>
@@ -14731,10 +11754,9 @@
           <a:lstStyle/>
           <a:p>
             <a:r>
-              <a:rPr lang="en-US" dirty="0" err="1"/>
-              <a:t>PyCaret</a:t>
-            </a:r>
-            <a:endParaRPr lang="en-US" dirty="0"/>
+              <a:rPr lang="en-US" dirty="0"/>
+              <a:t>Ray</a:t>
+            </a:r>
           </a:p>
         </p:txBody>
       </p:sp>
@@ -14848,44 +11870,10 @@
           </a:p>
         </p:txBody>
       </p:sp>
-      <p:sp>
-        <p:nvSpPr>
-          <p:cNvPr id="3" name="Slide Number Placeholder 2">
-            <a:extLst>
-              <a:ext uri="{FF2B5EF4-FFF2-40B4-BE49-F238E27FC236}">
-                <a16:creationId xmlns:a16="http://schemas.microsoft.com/office/drawing/2014/main" id="{A464E2A1-385C-45BC-8CA7-5AED6F11709E}"/>
-              </a:ext>
-            </a:extLst>
-          </p:cNvPr>
-          <p:cNvSpPr>
-            <a:spLocks noGrp="1"/>
-          </p:cNvSpPr>
-          <p:nvPr>
-            <p:ph type="sldNum" sz="quarter" idx="12"/>
-          </p:nvPr>
-        </p:nvSpPr>
-        <p:spPr>
-          <a:xfrm>
-            <a:off x="11508661" y="6492875"/>
-            <a:ext cx="683339" cy="365125"/>
-          </a:xfrm>
-        </p:spPr>
-        <p:txBody>
-          <a:bodyPr/>
-          <a:lstStyle/>
-          <a:p>
-            <a:fld id="{6108FA20-A512-4AEF-91DB-754955CE904B}" type="slidenum">
-              <a:rPr lang="en-NZ" smtClean="0"/>
-              <a:t>5</a:t>
-            </a:fld>
-            <a:endParaRPr lang="en-US"/>
-          </a:p>
-        </p:txBody>
-      </p:sp>
     </p:spTree>
     <p:extLst>
       <p:ext uri="{BB962C8B-B14F-4D97-AF65-F5344CB8AC3E}">
-        <p14:creationId xmlns:p14="http://schemas.microsoft.com/office/powerpoint/2010/main" val="3934261435"/>
+        <p14:creationId xmlns:p14="http://schemas.microsoft.com/office/powerpoint/2010/main" val="3217933832"/>
       </p:ext>
     </p:extLst>
   </p:cSld>
@@ -14895,7 +11883,7 @@
 </p:sld>
 </file>
 
-<file path=ppt/slides/slide6.xml><?xml version="1.0" encoding="utf-8"?>
+<file path=ppt/slides/slide15.xml><?xml version="1.0" encoding="utf-8"?>
 <p:sld xmlns:a="http://schemas.openxmlformats.org/drawingml/2006/main" xmlns:r="http://schemas.openxmlformats.org/officeDocument/2006/relationships" xmlns:p="http://schemas.openxmlformats.org/presentationml/2006/main">
   <p:cSld>
     <p:spTree>
@@ -14937,7 +11925,7 @@
           <a:p>
             <a:r>
               <a:rPr lang="en-US" dirty="0" err="1"/>
-              <a:t>NeSI</a:t>
+              <a:t>Optuna</a:t>
             </a:r>
             <a:endParaRPr lang="en-US" dirty="0"/>
           </a:p>
@@ -15053,44 +12041,10 @@
           </a:p>
         </p:txBody>
       </p:sp>
-      <p:sp>
-        <p:nvSpPr>
-          <p:cNvPr id="3" name="Slide Number Placeholder 2">
-            <a:extLst>
-              <a:ext uri="{FF2B5EF4-FFF2-40B4-BE49-F238E27FC236}">
-                <a16:creationId xmlns:a16="http://schemas.microsoft.com/office/drawing/2014/main" id="{A464E2A1-385C-45BC-8CA7-5AED6F11709E}"/>
-              </a:ext>
-            </a:extLst>
-          </p:cNvPr>
-          <p:cNvSpPr>
-            <a:spLocks noGrp="1"/>
-          </p:cNvSpPr>
-          <p:nvPr>
-            <p:ph type="sldNum" sz="quarter" idx="12"/>
-          </p:nvPr>
-        </p:nvSpPr>
-        <p:spPr>
-          <a:xfrm>
-            <a:off x="11508661" y="6492875"/>
-            <a:ext cx="683339" cy="365125"/>
-          </a:xfrm>
-        </p:spPr>
-        <p:txBody>
-          <a:bodyPr/>
-          <a:lstStyle/>
-          <a:p>
-            <a:fld id="{6108FA20-A512-4AEF-91DB-754955CE904B}" type="slidenum">
-              <a:rPr lang="en-NZ" smtClean="0"/>
-              <a:t>6</a:t>
-            </a:fld>
-            <a:endParaRPr lang="en-US"/>
-          </a:p>
-        </p:txBody>
-      </p:sp>
     </p:spTree>
     <p:extLst>
       <p:ext uri="{BB962C8B-B14F-4D97-AF65-F5344CB8AC3E}">
-        <p14:creationId xmlns:p14="http://schemas.microsoft.com/office/powerpoint/2010/main" val="3325814773"/>
+        <p14:creationId xmlns:p14="http://schemas.microsoft.com/office/powerpoint/2010/main" val="2523106098"/>
       </p:ext>
     </p:extLst>
   </p:cSld>
@@ -15100,7 +12054,7 @@
 </p:sld>
 </file>
 
-<file path=ppt/slides/slide7.xml><?xml version="1.0" encoding="utf-8"?>
+<file path=ppt/slides/slide16.xml><?xml version="1.0" encoding="utf-8"?>
 <p:sld xmlns:a="http://schemas.openxmlformats.org/drawingml/2006/main" xmlns:r="http://schemas.openxmlformats.org/officeDocument/2006/relationships" xmlns:p="http://schemas.openxmlformats.org/presentationml/2006/main">
   <p:cSld>
     <p:spTree>
@@ -15142,7 +12096,7 @@
           <a:p>
             <a:r>
               <a:rPr lang="en-US" dirty="0"/>
-              <a:t>Ray</a:t>
+              <a:t>Future exploration</a:t>
             </a:r>
           </a:p>
         </p:txBody>
@@ -15257,44 +12211,10 @@
           </a:p>
         </p:txBody>
       </p:sp>
-      <p:sp>
-        <p:nvSpPr>
-          <p:cNvPr id="3" name="Slide Number Placeholder 2">
-            <a:extLst>
-              <a:ext uri="{FF2B5EF4-FFF2-40B4-BE49-F238E27FC236}">
-                <a16:creationId xmlns:a16="http://schemas.microsoft.com/office/drawing/2014/main" id="{A464E2A1-385C-45BC-8CA7-5AED6F11709E}"/>
-              </a:ext>
-            </a:extLst>
-          </p:cNvPr>
-          <p:cNvSpPr>
-            <a:spLocks noGrp="1"/>
-          </p:cNvSpPr>
-          <p:nvPr>
-            <p:ph type="sldNum" sz="quarter" idx="12"/>
-          </p:nvPr>
-        </p:nvSpPr>
-        <p:spPr>
-          <a:xfrm>
-            <a:off x="11508661" y="6492875"/>
-            <a:ext cx="683339" cy="365125"/>
-          </a:xfrm>
-        </p:spPr>
-        <p:txBody>
-          <a:bodyPr/>
-          <a:lstStyle/>
-          <a:p>
-            <a:fld id="{6108FA20-A512-4AEF-91DB-754955CE904B}" type="slidenum">
-              <a:rPr lang="en-NZ" smtClean="0"/>
-              <a:t>7</a:t>
-            </a:fld>
-            <a:endParaRPr lang="en-US"/>
-          </a:p>
-        </p:txBody>
-      </p:sp>
     </p:spTree>
     <p:extLst>
       <p:ext uri="{BB962C8B-B14F-4D97-AF65-F5344CB8AC3E}">
-        <p14:creationId xmlns:p14="http://schemas.microsoft.com/office/powerpoint/2010/main" val="3217933832"/>
+        <p14:creationId xmlns:p14="http://schemas.microsoft.com/office/powerpoint/2010/main" val="3524247124"/>
       </p:ext>
     </p:extLst>
   </p:cSld>
@@ -15304,7 +12224,7 @@
 </p:sld>
 </file>
 
-<file path=ppt/slides/slide8.xml><?xml version="1.0" encoding="utf-8"?>
+<file path=ppt/slides/slide17.xml><?xml version="1.0" encoding="utf-8"?>
 <p:sld xmlns:a="http://schemas.openxmlformats.org/drawingml/2006/main" xmlns:r="http://schemas.openxmlformats.org/officeDocument/2006/relationships" xmlns:p="http://schemas.openxmlformats.org/presentationml/2006/main">
   <p:cSld>
     <p:spTree>
@@ -15326,6 +12246,129 @@
           <p:cNvPr id="2" name="Title 1">
             <a:extLst>
               <a:ext uri="{FF2B5EF4-FFF2-40B4-BE49-F238E27FC236}">
+                <a16:creationId xmlns:a16="http://schemas.microsoft.com/office/drawing/2014/main" id="{F8A233E0-8C01-1B4A-970B-8254D102EE18}"/>
+              </a:ext>
+            </a:extLst>
+          </p:cNvPr>
+          <p:cNvSpPr>
+            <a:spLocks noGrp="1"/>
+          </p:cNvSpPr>
+          <p:nvPr>
+            <p:ph type="title"/>
+          </p:nvPr>
+        </p:nvSpPr>
+        <p:spPr/>
+        <p:txBody>
+          <a:bodyPr/>
+          <a:lstStyle/>
+          <a:p>
+            <a:r>
+              <a:rPr lang="en-GB" dirty="0"/>
+              <a:t>Acknowledgments</a:t>
+            </a:r>
+          </a:p>
+        </p:txBody>
+      </p:sp>
+      <p:pic>
+        <p:nvPicPr>
+          <p:cNvPr id="6" name="Content Placeholder 5" descr="A picture containing text, clipart&#10;&#10;Description automatically generated">
+            <a:extLst>
+              <a:ext uri="{FF2B5EF4-FFF2-40B4-BE49-F238E27FC236}">
+                <a16:creationId xmlns:a16="http://schemas.microsoft.com/office/drawing/2014/main" id="{9D73433D-1431-4DBC-A432-5F5121EDCCA0}"/>
+              </a:ext>
+            </a:extLst>
+          </p:cNvPr>
+          <p:cNvPicPr>
+            <a:picLocks noGrp="1" noChangeAspect="1"/>
+          </p:cNvPicPr>
+          <p:nvPr>
+            <p:ph idx="1"/>
+          </p:nvPr>
+        </p:nvPicPr>
+        <p:blipFill>
+          <a:blip r:embed="rId3">
+            <a:extLst>
+              <a:ext uri="{28A0092B-C50C-407E-A947-70E740481C1C}">
+                <a14:useLocalDpi xmlns:a14="http://schemas.microsoft.com/office/drawing/2010/main" val="0"/>
+              </a:ext>
+            </a:extLst>
+          </a:blip>
+          <a:stretch>
+            <a:fillRect/>
+          </a:stretch>
+        </p:blipFill>
+        <p:spPr>
+          <a:xfrm>
+            <a:off x="6256256" y="2798442"/>
+            <a:ext cx="2567038" cy="1261115"/>
+          </a:xfrm>
+        </p:spPr>
+      </p:pic>
+      <p:pic>
+        <p:nvPicPr>
+          <p:cNvPr id="3" name="Picture 3" descr="Logo, company name&#10;&#10;Description automatically generated">
+            <a:extLst>
+              <a:ext uri="{FF2B5EF4-FFF2-40B4-BE49-F238E27FC236}">
+                <a16:creationId xmlns:a16="http://schemas.microsoft.com/office/drawing/2014/main" id="{B48E141B-0779-4609-8E61-B14B984D5834}"/>
+              </a:ext>
+            </a:extLst>
+          </p:cNvPr>
+          <p:cNvPicPr>
+            <a:picLocks noChangeAspect="1"/>
+          </p:cNvPicPr>
+          <p:nvPr/>
+        </p:nvPicPr>
+        <p:blipFill>
+          <a:blip r:embed="rId4"/>
+          <a:stretch>
+            <a:fillRect/>
+          </a:stretch>
+        </p:blipFill>
+        <p:spPr>
+          <a:xfrm>
+            <a:off x="971787" y="2798442"/>
+            <a:ext cx="4439381" cy="1190030"/>
+          </a:xfrm>
+          <a:prstGeom prst="rect">
+            <a:avLst/>
+          </a:prstGeom>
+        </p:spPr>
+      </p:pic>
+    </p:spTree>
+    <p:extLst>
+      <p:ext uri="{BB962C8B-B14F-4D97-AF65-F5344CB8AC3E}">
+        <p14:creationId xmlns:p14="http://schemas.microsoft.com/office/powerpoint/2010/main" val="722274802"/>
+      </p:ext>
+    </p:extLst>
+  </p:cSld>
+  <p:clrMapOvr>
+    <a:masterClrMapping/>
+  </p:clrMapOvr>
+</p:sld>
+</file>
+
+<file path=ppt/slides/slide2.xml><?xml version="1.0" encoding="utf-8"?>
+<p:sld xmlns:a="http://schemas.openxmlformats.org/drawingml/2006/main" xmlns:r="http://schemas.openxmlformats.org/officeDocument/2006/relationships" xmlns:p="http://schemas.openxmlformats.org/presentationml/2006/main">
+  <p:cSld>
+    <p:spTree>
+      <p:nvGrpSpPr>
+        <p:cNvPr id="1" name=""/>
+        <p:cNvGrpSpPr/>
+        <p:nvPr/>
+      </p:nvGrpSpPr>
+      <p:grpSpPr>
+        <a:xfrm>
+          <a:off x="0" y="0"/>
+          <a:ext cx="0" cy="0"/>
+          <a:chOff x="0" y="0"/>
+          <a:chExt cx="0" cy="0"/>
+        </a:xfrm>
+      </p:grpSpPr>
+      <p:sp>
+        <p:nvSpPr>
+          <p:cNvPr id="2" name="Title 1">
+            <a:extLst>
+              <a:ext uri="{FF2B5EF4-FFF2-40B4-BE49-F238E27FC236}">
                 <a16:creationId xmlns:a16="http://schemas.microsoft.com/office/drawing/2014/main" id="{E5685C86-3370-4141-87BE-0AF78122C44D}"/>
               </a:ext>
             </a:extLst>
@@ -15345,10 +12388,9 @@
           <a:lstStyle/>
           <a:p>
             <a:r>
-              <a:rPr lang="en-US" dirty="0" err="1"/>
-              <a:t>Optuna</a:t>
-            </a:r>
-            <a:endParaRPr lang="en-US" dirty="0"/>
+              <a:rPr lang="en-US" dirty="0"/>
+              <a:t>Introduction</a:t>
+            </a:r>
           </a:p>
         </p:txBody>
       </p:sp>
@@ -15379,6 +12421,79 @@
             <a:normAutofit/>
           </a:bodyPr>
           <a:lstStyle/>
+          <a:p>
+            <a:r>
+              <a:rPr lang="en-US" dirty="0"/>
+              <a:t>Fruit sizing using Approximate Bayesian Computation</a:t>
+            </a:r>
+          </a:p>
+          <a:p>
+            <a:pPr lvl="1"/>
+            <a:r>
+              <a:rPr lang="en-US" dirty="0"/>
+              <a:t>Challenges and considerations</a:t>
+            </a:r>
+          </a:p>
+          <a:p>
+            <a:r>
+              <a:rPr lang="en-US" dirty="0"/>
+              <a:t>Machine learning tools </a:t>
+            </a:r>
+          </a:p>
+          <a:p>
+            <a:pPr lvl="1"/>
+            <a:r>
+              <a:rPr lang="en-US" dirty="0"/>
+              <a:t>DVC</a:t>
+            </a:r>
+          </a:p>
+          <a:p>
+            <a:pPr lvl="1"/>
+            <a:r>
+              <a:rPr lang="en-US" dirty="0" err="1"/>
+              <a:t>MLFlow</a:t>
+            </a:r>
+            <a:endParaRPr lang="en-US" dirty="0"/>
+          </a:p>
+          <a:p>
+            <a:pPr lvl="1"/>
+            <a:r>
+              <a:rPr lang="en-US" dirty="0" err="1"/>
+              <a:t>PyCaret</a:t>
+            </a:r>
+            <a:endParaRPr lang="en-US" dirty="0"/>
+          </a:p>
+          <a:p>
+            <a:pPr lvl="1"/>
+            <a:r>
+              <a:rPr lang="en-US" dirty="0"/>
+              <a:t>Ray</a:t>
+            </a:r>
+          </a:p>
+          <a:p>
+            <a:pPr lvl="1"/>
+            <a:r>
+              <a:rPr lang="en-US" dirty="0" err="1"/>
+              <a:t>Optuna</a:t>
+            </a:r>
+            <a:endParaRPr lang="en-US" dirty="0"/>
+          </a:p>
+          <a:p>
+            <a:r>
+              <a:rPr lang="en-US" dirty="0"/>
+              <a:t>A flexible and generalizable machine learning framework</a:t>
+            </a:r>
+          </a:p>
+          <a:p>
+            <a:pPr lvl="1"/>
+            <a:r>
+              <a:rPr lang="en-US" dirty="0"/>
+              <a:t>Gold and Hayward kiwifruit datasets</a:t>
+            </a:r>
+          </a:p>
+          <a:p>
+            <a:endParaRPr lang="en-US" dirty="0"/>
+          </a:p>
           <a:p>
             <a:endParaRPr lang="en-US" dirty="0"/>
           </a:p>
@@ -15462,44 +12577,10 @@
           </a:p>
         </p:txBody>
       </p:sp>
-      <p:sp>
-        <p:nvSpPr>
-          <p:cNvPr id="3" name="Slide Number Placeholder 2">
-            <a:extLst>
-              <a:ext uri="{FF2B5EF4-FFF2-40B4-BE49-F238E27FC236}">
-                <a16:creationId xmlns:a16="http://schemas.microsoft.com/office/drawing/2014/main" id="{A464E2A1-385C-45BC-8CA7-5AED6F11709E}"/>
-              </a:ext>
-            </a:extLst>
-          </p:cNvPr>
-          <p:cNvSpPr>
-            <a:spLocks noGrp="1"/>
-          </p:cNvSpPr>
-          <p:nvPr>
-            <p:ph type="sldNum" sz="quarter" idx="12"/>
-          </p:nvPr>
-        </p:nvSpPr>
-        <p:spPr>
-          <a:xfrm>
-            <a:off x="11508661" y="6492875"/>
-            <a:ext cx="683339" cy="365125"/>
-          </a:xfrm>
-        </p:spPr>
-        <p:txBody>
-          <a:bodyPr/>
-          <a:lstStyle/>
-          <a:p>
-            <a:fld id="{6108FA20-A512-4AEF-91DB-754955CE904B}" type="slidenum">
-              <a:rPr lang="en-NZ" smtClean="0"/>
-              <a:t>8</a:t>
-            </a:fld>
-            <a:endParaRPr lang="en-US"/>
-          </a:p>
-        </p:txBody>
-      </p:sp>
     </p:spTree>
     <p:extLst>
       <p:ext uri="{BB962C8B-B14F-4D97-AF65-F5344CB8AC3E}">
-        <p14:creationId xmlns:p14="http://schemas.microsoft.com/office/powerpoint/2010/main" val="2523106098"/>
+        <p14:creationId xmlns:p14="http://schemas.microsoft.com/office/powerpoint/2010/main" val="637773430"/>
       </p:ext>
     </p:extLst>
   </p:cSld>
@@ -15509,7 +12590,7 @@
 </p:sld>
 </file>
 
-<file path=ppt/slides/slide9.xml><?xml version="1.0" encoding="utf-8"?>
+<file path=ppt/slides/slide3.xml><?xml version="1.0" encoding="utf-8"?>
 <p:sld xmlns:a="http://schemas.openxmlformats.org/drawingml/2006/main" xmlns:r="http://schemas.openxmlformats.org/officeDocument/2006/relationships" xmlns:p="http://schemas.openxmlformats.org/presentationml/2006/main">
   <p:cSld>
     <p:spTree>
@@ -15551,7 +12632,7 @@
           <a:p>
             <a:r>
               <a:rPr lang="en-US" dirty="0"/>
-              <a:t>Future work</a:t>
+              <a:t>Bayesian Kiwifruit Sizing</a:t>
             </a:r>
           </a:p>
         </p:txBody>
@@ -15584,7 +12665,16 @@
           </a:bodyPr>
           <a:lstStyle/>
           <a:p>
-            <a:endParaRPr lang="en-US" dirty="0"/>
+            <a:r>
+              <a:rPr lang="en-US" dirty="0"/>
+              <a:t>Infer the size and weight distribution within an orchard</a:t>
+            </a:r>
+          </a:p>
+          <a:p>
+            <a:r>
+              <a:rPr lang="en-US" dirty="0"/>
+              <a:t>Varying consumer demand within domestic and overseas markets</a:t>
+            </a:r>
           </a:p>
         </p:txBody>
       </p:sp>
@@ -15666,44 +12756,1849 @@
           </a:p>
         </p:txBody>
       </p:sp>
-      <p:sp>
-        <p:nvSpPr>
-          <p:cNvPr id="3" name="Slide Number Placeholder 2">
+      <p:pic>
+        <p:nvPicPr>
+          <p:cNvPr id="5" name="Picture 11" descr="A picture containing diagram&#10;&#10;Description automatically generated">
             <a:extLst>
               <a:ext uri="{FF2B5EF4-FFF2-40B4-BE49-F238E27FC236}">
-                <a16:creationId xmlns:a16="http://schemas.microsoft.com/office/drawing/2014/main" id="{A464E2A1-385C-45BC-8CA7-5AED6F11709E}"/>
+                <a16:creationId xmlns:a16="http://schemas.microsoft.com/office/drawing/2014/main" id="{7AF0D8DD-0D3E-4862-A1BA-08169770CB69}"/>
               </a:ext>
             </a:extLst>
           </p:cNvPr>
-          <p:cNvSpPr>
-            <a:spLocks noGrp="1"/>
-          </p:cNvSpPr>
-          <p:nvPr>
-            <p:ph type="sldNum" sz="quarter" idx="12"/>
-          </p:nvPr>
-        </p:nvSpPr>
+          <p:cNvPicPr>
+            <a:picLocks noChangeAspect="1"/>
+          </p:cNvPicPr>
+          <p:nvPr/>
+        </p:nvPicPr>
+        <p:blipFill>
+          <a:blip r:embed="rId3"/>
+          <a:stretch>
+            <a:fillRect/>
+          </a:stretch>
+        </p:blipFill>
         <p:spPr>
           <a:xfrm>
-            <a:off x="11508661" y="6492875"/>
-            <a:ext cx="683339" cy="365125"/>
+            <a:off x="677335" y="2760863"/>
+            <a:ext cx="8690503" cy="3219722"/>
           </a:xfrm>
+          <a:prstGeom prst="rect">
+            <a:avLst/>
+          </a:prstGeom>
         </p:spPr>
-        <p:txBody>
-          <a:bodyPr/>
-          <a:lstStyle/>
-          <a:p>
-            <a:fld id="{6108FA20-A512-4AEF-91DB-754955CE904B}" type="slidenum">
-              <a:rPr lang="en-NZ" smtClean="0"/>
-              <a:t>9</a:t>
-            </a:fld>
-            <a:endParaRPr lang="en-US"/>
-          </a:p>
-        </p:txBody>
-      </p:sp>
+      </p:pic>
     </p:spTree>
     <p:extLst>
       <p:ext uri="{BB962C8B-B14F-4D97-AF65-F5344CB8AC3E}">
-        <p14:creationId xmlns:p14="http://schemas.microsoft.com/office/powerpoint/2010/main" val="3524247124"/>
+        <p14:creationId xmlns:p14="http://schemas.microsoft.com/office/powerpoint/2010/main" val="2326405141"/>
+      </p:ext>
+    </p:extLst>
+  </p:cSld>
+  <p:clrMapOvr>
+    <a:masterClrMapping/>
+  </p:clrMapOvr>
+</p:sld>
+</file>
+
+<file path=ppt/slides/slide4.xml><?xml version="1.0" encoding="utf-8"?>
+<p:sld xmlns:a="http://schemas.openxmlformats.org/drawingml/2006/main" xmlns:r="http://schemas.openxmlformats.org/officeDocument/2006/relationships" xmlns:p="http://schemas.openxmlformats.org/presentationml/2006/main">
+  <p:cSld>
+    <p:spTree>
+      <p:nvGrpSpPr>
+        <p:cNvPr id="1" name=""/>
+        <p:cNvGrpSpPr/>
+        <p:nvPr/>
+      </p:nvGrpSpPr>
+      <p:grpSpPr>
+        <a:xfrm>
+          <a:off x="0" y="0"/>
+          <a:ext cx="0" cy="0"/>
+          <a:chOff x="0" y="0"/>
+          <a:chExt cx="0" cy="0"/>
+        </a:xfrm>
+      </p:grpSpPr>
+      <p:sp>
+        <p:nvSpPr>
+          <p:cNvPr id="2" name="Title 1">
+            <a:extLst>
+              <a:ext uri="{FF2B5EF4-FFF2-40B4-BE49-F238E27FC236}">
+                <a16:creationId xmlns:a16="http://schemas.microsoft.com/office/drawing/2014/main" id="{E5685C86-3370-4141-87BE-0AF78122C44D}"/>
+              </a:ext>
+            </a:extLst>
+          </p:cNvPr>
+          <p:cNvSpPr>
+            <a:spLocks noGrp="1"/>
+          </p:cNvSpPr>
+          <p:nvPr>
+            <p:ph type="title"/>
+          </p:nvPr>
+        </p:nvSpPr>
+        <p:spPr/>
+        <p:txBody>
+          <a:bodyPr>
+            <a:normAutofit/>
+          </a:bodyPr>
+          <a:lstStyle/>
+          <a:p>
+            <a:r>
+              <a:rPr lang="en-US" dirty="0"/>
+              <a:t>Why Bayesian Models?</a:t>
+            </a:r>
+          </a:p>
+        </p:txBody>
+      </p:sp>
+      <p:sp>
+        <p:nvSpPr>
+          <p:cNvPr id="47" name="Content Placeholder 2">
+            <a:extLst>
+              <a:ext uri="{FF2B5EF4-FFF2-40B4-BE49-F238E27FC236}">
+                <a16:creationId xmlns:a16="http://schemas.microsoft.com/office/drawing/2014/main" id="{3DA02F28-2941-334D-9C83-8E64C99A7AB4}"/>
+              </a:ext>
+            </a:extLst>
+          </p:cNvPr>
+          <p:cNvSpPr>
+            <a:spLocks noGrp="1"/>
+          </p:cNvSpPr>
+          <p:nvPr>
+            <p:ph idx="1"/>
+          </p:nvPr>
+        </p:nvSpPr>
+        <p:spPr>
+          <a:xfrm>
+            <a:off x="677334" y="1173892"/>
+            <a:ext cx="8690504" cy="5078627"/>
+          </a:xfrm>
+        </p:spPr>
+        <p:txBody>
+          <a:bodyPr vert="horz" lIns="91440" tIns="45720" rIns="91440" bIns="45720" rtlCol="0" anchor="t">
+            <a:normAutofit/>
+          </a:bodyPr>
+          <a:lstStyle/>
+          <a:p>
+            <a:r>
+              <a:rPr lang="en-US" dirty="0"/>
+              <a:t>Incorporate prior knowledge</a:t>
+            </a:r>
+          </a:p>
+          <a:p>
+            <a:r>
+              <a:rPr lang="en-US" dirty="0"/>
+              <a:t>Quantify uncertainty</a:t>
+            </a:r>
+          </a:p>
+          <a:p>
+            <a:r>
+              <a:rPr lang="en-US" dirty="0"/>
+              <a:t>Generate simulated observations</a:t>
+            </a:r>
+          </a:p>
+          <a:p>
+            <a:endParaRPr lang="en-US" dirty="0"/>
+          </a:p>
+        </p:txBody>
+      </p:sp>
+      <p:sp>
+        <p:nvSpPr>
+          <p:cNvPr id="67" name="Freeform 66">
+            <a:extLst>
+              <a:ext uri="{FF2B5EF4-FFF2-40B4-BE49-F238E27FC236}">
+                <a16:creationId xmlns:a16="http://schemas.microsoft.com/office/drawing/2014/main" id="{DDF71223-32FE-1342-80AF-7BEA5460BE67}"/>
+              </a:ext>
+            </a:extLst>
+          </p:cNvPr>
+          <p:cNvSpPr/>
+          <p:nvPr/>
+        </p:nvSpPr>
+        <p:spPr>
+          <a:xfrm>
+            <a:off x="1295400" y="1149350"/>
+            <a:ext cx="9601200" cy="4559300"/>
+          </a:xfrm>
+          <a:custGeom>
+            <a:avLst/>
+            <a:gdLst>
+              <a:gd name="connsiteX0" fmla="*/ 0 w 9601200"/>
+              <a:gd name="connsiteY0" fmla="*/ 0 h 4559300"/>
+              <a:gd name="connsiteX1" fmla="*/ 9601200 w 9601200"/>
+              <a:gd name="connsiteY1" fmla="*/ 0 h 4559300"/>
+              <a:gd name="connsiteX2" fmla="*/ 9601200 w 9601200"/>
+              <a:gd name="connsiteY2" fmla="*/ 4559300 h 4559300"/>
+              <a:gd name="connsiteX3" fmla="*/ 0 w 9601200"/>
+              <a:gd name="connsiteY3" fmla="*/ 4559300 h 4559300"/>
+            </a:gdLst>
+            <a:ahLst/>
+            <a:cxnLst>
+              <a:cxn ang="0">
+                <a:pos x="connsiteX0" y="connsiteY0"/>
+              </a:cxn>
+              <a:cxn ang="0">
+                <a:pos x="connsiteX1" y="connsiteY1"/>
+              </a:cxn>
+              <a:cxn ang="0">
+                <a:pos x="connsiteX2" y="connsiteY2"/>
+              </a:cxn>
+              <a:cxn ang="0">
+                <a:pos x="connsiteX3" y="connsiteY3"/>
+              </a:cxn>
+            </a:cxnLst>
+            <a:rect l="l" t="t" r="r" b="b"/>
+            <a:pathLst>
+              <a:path w="9601200" h="4559300">
+                <a:moveTo>
+                  <a:pt x="0" y="0"/>
+                </a:moveTo>
+                <a:lnTo>
+                  <a:pt x="9601200" y="0"/>
+                </a:lnTo>
+                <a:lnTo>
+                  <a:pt x="9601200" y="4559300"/>
+                </a:lnTo>
+                <a:lnTo>
+                  <a:pt x="0" y="4559300"/>
+                </a:lnTo>
+                <a:close/>
+              </a:path>
+            </a:pathLst>
+          </a:custGeom>
+          <a:noFill/>
+          <a:ln w="9516" cap="flat">
+            <a:noFill/>
+            <a:prstDash val="solid"/>
+            <a:miter/>
+          </a:ln>
+        </p:spPr>
+        <p:txBody>
+          <a:bodyPr rtlCol="0" anchor="ctr"/>
+          <a:lstStyle/>
+          <a:p>
+            <a:endParaRPr lang="en-US"/>
+          </a:p>
+        </p:txBody>
+      </p:sp>
+      <p:pic>
+        <p:nvPicPr>
+          <p:cNvPr id="4" name="Picture 3" descr="Chart&#10;&#10;Description automatically generated">
+            <a:extLst>
+              <a:ext uri="{FF2B5EF4-FFF2-40B4-BE49-F238E27FC236}">
+                <a16:creationId xmlns:a16="http://schemas.microsoft.com/office/drawing/2014/main" id="{D2D0E043-78F6-49B9-899C-05C7EF0335BC}"/>
+              </a:ext>
+            </a:extLst>
+          </p:cNvPr>
+          <p:cNvPicPr>
+            <a:picLocks noChangeAspect="1"/>
+          </p:cNvPicPr>
+          <p:nvPr/>
+        </p:nvPicPr>
+        <p:blipFill>
+          <a:blip r:embed="rId3">
+            <a:extLst>
+              <a:ext uri="{28A0092B-C50C-407E-A947-70E740481C1C}">
+                <a14:useLocalDpi xmlns:a14="http://schemas.microsoft.com/office/drawing/2010/main" val="0"/>
+              </a:ext>
+            </a:extLst>
+          </a:blip>
+          <a:stretch>
+            <a:fillRect/>
+          </a:stretch>
+        </p:blipFill>
+        <p:spPr>
+          <a:xfrm>
+            <a:off x="518985" y="3259045"/>
+            <a:ext cx="4930346" cy="3042727"/>
+          </a:xfrm>
+          <a:prstGeom prst="rect">
+            <a:avLst/>
+          </a:prstGeom>
+        </p:spPr>
+      </p:pic>
+      <p:pic>
+        <p:nvPicPr>
+          <p:cNvPr id="7" name="Picture 6" descr="Chart&#10;&#10;Description automatically generated">
+            <a:extLst>
+              <a:ext uri="{FF2B5EF4-FFF2-40B4-BE49-F238E27FC236}">
+                <a16:creationId xmlns:a16="http://schemas.microsoft.com/office/drawing/2014/main" id="{398BBD5F-A872-4177-A7F1-4E890D6A8D26}"/>
+              </a:ext>
+            </a:extLst>
+          </p:cNvPr>
+          <p:cNvPicPr>
+            <a:picLocks noChangeAspect="1"/>
+          </p:cNvPicPr>
+          <p:nvPr/>
+        </p:nvPicPr>
+        <p:blipFill>
+          <a:blip r:embed="rId4">
+            <a:extLst>
+              <a:ext uri="{28A0092B-C50C-407E-A947-70E740481C1C}">
+                <a14:useLocalDpi xmlns:a14="http://schemas.microsoft.com/office/drawing/2010/main" val="0"/>
+              </a:ext>
+            </a:extLst>
+          </a:blip>
+          <a:stretch>
+            <a:fillRect/>
+          </a:stretch>
+        </p:blipFill>
+        <p:spPr>
+          <a:xfrm>
+            <a:off x="5607680" y="3259046"/>
+            <a:ext cx="4930346" cy="3042728"/>
+          </a:xfrm>
+          <a:prstGeom prst="rect">
+            <a:avLst/>
+          </a:prstGeom>
+        </p:spPr>
+      </p:pic>
+    </p:spTree>
+    <p:extLst>
+      <p:ext uri="{BB962C8B-B14F-4D97-AF65-F5344CB8AC3E}">
+        <p14:creationId xmlns:p14="http://schemas.microsoft.com/office/powerpoint/2010/main" val="1811965875"/>
+      </p:ext>
+    </p:extLst>
+  </p:cSld>
+  <p:clrMapOvr>
+    <a:masterClrMapping/>
+  </p:clrMapOvr>
+</p:sld>
+</file>
+
+<file path=ppt/slides/slide5.xml><?xml version="1.0" encoding="utf-8"?>
+<p:sld xmlns:a="http://schemas.openxmlformats.org/drawingml/2006/main" xmlns:r="http://schemas.openxmlformats.org/officeDocument/2006/relationships" xmlns:p="http://schemas.openxmlformats.org/presentationml/2006/main">
+  <p:cSld>
+    <p:spTree>
+      <p:nvGrpSpPr>
+        <p:cNvPr id="1" name=""/>
+        <p:cNvGrpSpPr/>
+        <p:nvPr/>
+      </p:nvGrpSpPr>
+      <p:grpSpPr>
+        <a:xfrm>
+          <a:off x="0" y="0"/>
+          <a:ext cx="0" cy="0"/>
+          <a:chOff x="0" y="0"/>
+          <a:chExt cx="0" cy="0"/>
+        </a:xfrm>
+      </p:grpSpPr>
+      <p:sp>
+        <p:nvSpPr>
+          <p:cNvPr id="2" name="Title 1">
+            <a:extLst>
+              <a:ext uri="{FF2B5EF4-FFF2-40B4-BE49-F238E27FC236}">
+                <a16:creationId xmlns:a16="http://schemas.microsoft.com/office/drawing/2014/main" id="{E5685C86-3370-4141-87BE-0AF78122C44D}"/>
+              </a:ext>
+            </a:extLst>
+          </p:cNvPr>
+          <p:cNvSpPr>
+            <a:spLocks noGrp="1"/>
+          </p:cNvSpPr>
+          <p:nvPr>
+            <p:ph type="title"/>
+          </p:nvPr>
+        </p:nvSpPr>
+        <p:spPr>
+          <a:xfrm>
+            <a:off x="677334" y="271848"/>
+            <a:ext cx="7486278" cy="667265"/>
+          </a:xfrm>
+        </p:spPr>
+        <p:txBody>
+          <a:bodyPr>
+            <a:normAutofit fontScale="90000"/>
+          </a:bodyPr>
+          <a:lstStyle/>
+          <a:p>
+            <a:r>
+              <a:rPr lang="en-US" dirty="0"/>
+              <a:t>Approximate Bayesian Computation</a:t>
+            </a:r>
+          </a:p>
+        </p:txBody>
+      </p:sp>
+      <p:sp>
+        <p:nvSpPr>
+          <p:cNvPr id="47" name="Content Placeholder 2">
+            <a:extLst>
+              <a:ext uri="{FF2B5EF4-FFF2-40B4-BE49-F238E27FC236}">
+                <a16:creationId xmlns:a16="http://schemas.microsoft.com/office/drawing/2014/main" id="{3DA02F28-2941-334D-9C83-8E64C99A7AB4}"/>
+              </a:ext>
+            </a:extLst>
+          </p:cNvPr>
+          <p:cNvSpPr>
+            <a:spLocks noGrp="1"/>
+          </p:cNvSpPr>
+          <p:nvPr>
+            <p:ph idx="1"/>
+          </p:nvPr>
+        </p:nvSpPr>
+        <p:spPr>
+          <a:xfrm>
+            <a:off x="3332385" y="1069209"/>
+            <a:ext cx="8690504" cy="5078627"/>
+          </a:xfrm>
+        </p:spPr>
+        <p:txBody>
+          <a:bodyPr vert="horz" lIns="91440" tIns="45720" rIns="91440" bIns="45720" rtlCol="0" anchor="t">
+            <a:normAutofit/>
+          </a:bodyPr>
+          <a:lstStyle/>
+          <a:p>
+            <a:r>
+              <a:rPr lang="en-US" dirty="0"/>
+              <a:t>Parameter estimation using the likelihood</a:t>
+            </a:r>
+          </a:p>
+          <a:p>
+            <a:pPr lvl="1"/>
+            <a:r>
+              <a:rPr lang="en-US" dirty="0"/>
+              <a:t>A simulation-based approach</a:t>
+            </a:r>
+          </a:p>
+          <a:p>
+            <a:pPr lvl="1"/>
+            <a:r>
+              <a:rPr lang="en-US" dirty="0"/>
+              <a:t>Synthetic kiwifruits evaluated against real data</a:t>
+            </a:r>
+          </a:p>
+        </p:txBody>
+      </p:sp>
+      <p:sp>
+        <p:nvSpPr>
+          <p:cNvPr id="67" name="Freeform 66">
+            <a:extLst>
+              <a:ext uri="{FF2B5EF4-FFF2-40B4-BE49-F238E27FC236}">
+                <a16:creationId xmlns:a16="http://schemas.microsoft.com/office/drawing/2014/main" id="{DDF71223-32FE-1342-80AF-7BEA5460BE67}"/>
+              </a:ext>
+            </a:extLst>
+          </p:cNvPr>
+          <p:cNvSpPr/>
+          <p:nvPr/>
+        </p:nvSpPr>
+        <p:spPr>
+          <a:xfrm>
+            <a:off x="1295400" y="1149350"/>
+            <a:ext cx="9601200" cy="4559300"/>
+          </a:xfrm>
+          <a:custGeom>
+            <a:avLst/>
+            <a:gdLst>
+              <a:gd name="connsiteX0" fmla="*/ 0 w 9601200"/>
+              <a:gd name="connsiteY0" fmla="*/ 0 h 4559300"/>
+              <a:gd name="connsiteX1" fmla="*/ 9601200 w 9601200"/>
+              <a:gd name="connsiteY1" fmla="*/ 0 h 4559300"/>
+              <a:gd name="connsiteX2" fmla="*/ 9601200 w 9601200"/>
+              <a:gd name="connsiteY2" fmla="*/ 4559300 h 4559300"/>
+              <a:gd name="connsiteX3" fmla="*/ 0 w 9601200"/>
+              <a:gd name="connsiteY3" fmla="*/ 4559300 h 4559300"/>
+            </a:gdLst>
+            <a:ahLst/>
+            <a:cxnLst>
+              <a:cxn ang="0">
+                <a:pos x="connsiteX0" y="connsiteY0"/>
+              </a:cxn>
+              <a:cxn ang="0">
+                <a:pos x="connsiteX1" y="connsiteY1"/>
+              </a:cxn>
+              <a:cxn ang="0">
+                <a:pos x="connsiteX2" y="connsiteY2"/>
+              </a:cxn>
+              <a:cxn ang="0">
+                <a:pos x="connsiteX3" y="connsiteY3"/>
+              </a:cxn>
+            </a:cxnLst>
+            <a:rect l="l" t="t" r="r" b="b"/>
+            <a:pathLst>
+              <a:path w="9601200" h="4559300">
+                <a:moveTo>
+                  <a:pt x="0" y="0"/>
+                </a:moveTo>
+                <a:lnTo>
+                  <a:pt x="9601200" y="0"/>
+                </a:lnTo>
+                <a:lnTo>
+                  <a:pt x="9601200" y="4559300"/>
+                </a:lnTo>
+                <a:lnTo>
+                  <a:pt x="0" y="4559300"/>
+                </a:lnTo>
+                <a:close/>
+              </a:path>
+            </a:pathLst>
+          </a:custGeom>
+          <a:noFill/>
+          <a:ln w="9516" cap="flat">
+            <a:noFill/>
+            <a:prstDash val="solid"/>
+            <a:miter/>
+          </a:ln>
+        </p:spPr>
+        <p:txBody>
+          <a:bodyPr rtlCol="0" anchor="ctr"/>
+          <a:lstStyle/>
+          <a:p>
+            <a:endParaRPr lang="en-US"/>
+          </a:p>
+        </p:txBody>
+      </p:sp>
+      <p:pic>
+        <p:nvPicPr>
+          <p:cNvPr id="5" name="Picture 4">
+            <a:extLst>
+              <a:ext uri="{FF2B5EF4-FFF2-40B4-BE49-F238E27FC236}">
+                <a16:creationId xmlns:a16="http://schemas.microsoft.com/office/drawing/2014/main" id="{0A97A208-80FA-424C-A9CC-E9B9E72F8684}"/>
+              </a:ext>
+            </a:extLst>
+          </p:cNvPr>
+          <p:cNvPicPr>
+            <a:picLocks noChangeAspect="1"/>
+          </p:cNvPicPr>
+          <p:nvPr/>
+        </p:nvPicPr>
+        <p:blipFill>
+          <a:blip r:embed="rId3"/>
+          <a:stretch>
+            <a:fillRect/>
+          </a:stretch>
+        </p:blipFill>
+        <p:spPr>
+          <a:xfrm>
+            <a:off x="799549" y="1069208"/>
+            <a:ext cx="2424418" cy="5118883"/>
+          </a:xfrm>
+          <a:prstGeom prst="rect">
+            <a:avLst/>
+          </a:prstGeom>
+        </p:spPr>
+      </p:pic>
+      <p:sp>
+        <p:nvSpPr>
+          <p:cNvPr id="7" name="TextBox 6">
+            <a:extLst>
+              <a:ext uri="{FF2B5EF4-FFF2-40B4-BE49-F238E27FC236}">
+                <a16:creationId xmlns:a16="http://schemas.microsoft.com/office/drawing/2014/main" id="{4B866C44-22A7-4210-9580-AD846E646DB6}"/>
+              </a:ext>
+            </a:extLst>
+          </p:cNvPr>
+          <p:cNvSpPr txBox="1"/>
+          <p:nvPr/>
+        </p:nvSpPr>
+        <p:spPr>
+          <a:xfrm>
+            <a:off x="677334" y="6198572"/>
+            <a:ext cx="8813953" cy="923330"/>
+          </a:xfrm>
+          <a:prstGeom prst="rect">
+            <a:avLst/>
+          </a:prstGeom>
+          <a:noFill/>
+        </p:spPr>
+        <p:txBody>
+          <a:bodyPr wrap="square" rtlCol="0">
+            <a:spAutoFit/>
+          </a:bodyPr>
+          <a:lstStyle/>
+          <a:p>
+            <a:r>
+              <a:rPr lang="en-NZ" sz="1200" dirty="0" err="1"/>
+              <a:t>Ranjard</a:t>
+            </a:r>
+            <a:r>
+              <a:rPr lang="en-NZ" sz="1200" dirty="0"/>
+              <a:t>, L., Bristow, J., Hossain, Z., </a:t>
+            </a:r>
+            <a:r>
+              <a:rPr lang="en-NZ" sz="1200" dirty="0" err="1"/>
+              <a:t>Orsi</a:t>
+            </a:r>
+            <a:r>
+              <a:rPr lang="en-NZ" sz="1200" dirty="0"/>
+              <a:t>, A., Kirkwood, H. J., &amp; Gilman, A. (2021, December). Likelihood-free Bayesian inference framework for sizing kiwifruit from orchard imaging surveys. In </a:t>
+            </a:r>
+            <a:r>
+              <a:rPr lang="en-NZ" sz="1200" i="1" dirty="0"/>
+              <a:t>2021 36th International Conference on Image and Vision Computing New Zealand (IVCNZ)</a:t>
+            </a:r>
+            <a:r>
+              <a:rPr lang="en-NZ" sz="1200" dirty="0"/>
+              <a:t> (pp. 1-6). IEEE.</a:t>
+            </a:r>
+          </a:p>
+          <a:p>
+            <a:endParaRPr lang="en-NZ" dirty="0"/>
+          </a:p>
+        </p:txBody>
+      </p:sp>
+    </p:spTree>
+    <p:extLst>
+      <p:ext uri="{BB962C8B-B14F-4D97-AF65-F5344CB8AC3E}">
+        <p14:creationId xmlns:p14="http://schemas.microsoft.com/office/powerpoint/2010/main" val="4104812297"/>
+      </p:ext>
+    </p:extLst>
+  </p:cSld>
+  <p:clrMapOvr>
+    <a:masterClrMapping/>
+  </p:clrMapOvr>
+</p:sld>
+</file>
+
+<file path=ppt/slides/slide6.xml><?xml version="1.0" encoding="utf-8"?>
+<p:sld xmlns:a="http://schemas.openxmlformats.org/drawingml/2006/main" xmlns:r="http://schemas.openxmlformats.org/officeDocument/2006/relationships" xmlns:p="http://schemas.openxmlformats.org/presentationml/2006/main">
+  <p:cSld>
+    <p:spTree>
+      <p:nvGrpSpPr>
+        <p:cNvPr id="1" name=""/>
+        <p:cNvGrpSpPr/>
+        <p:nvPr/>
+      </p:nvGrpSpPr>
+      <p:grpSpPr>
+        <a:xfrm>
+          <a:off x="0" y="0"/>
+          <a:ext cx="0" cy="0"/>
+          <a:chOff x="0" y="0"/>
+          <a:chExt cx="0" cy="0"/>
+        </a:xfrm>
+      </p:grpSpPr>
+      <p:sp>
+        <p:nvSpPr>
+          <p:cNvPr id="2" name="Title 1">
+            <a:extLst>
+              <a:ext uri="{FF2B5EF4-FFF2-40B4-BE49-F238E27FC236}">
+                <a16:creationId xmlns:a16="http://schemas.microsoft.com/office/drawing/2014/main" id="{E5685C86-3370-4141-87BE-0AF78122C44D}"/>
+              </a:ext>
+            </a:extLst>
+          </p:cNvPr>
+          <p:cNvSpPr>
+            <a:spLocks noGrp="1"/>
+          </p:cNvSpPr>
+          <p:nvPr>
+            <p:ph type="title"/>
+          </p:nvPr>
+        </p:nvSpPr>
+        <p:spPr>
+          <a:xfrm>
+            <a:off x="677334" y="271848"/>
+            <a:ext cx="7062072" cy="667265"/>
+          </a:xfrm>
+        </p:spPr>
+        <p:txBody>
+          <a:bodyPr>
+            <a:normAutofit/>
+          </a:bodyPr>
+          <a:lstStyle/>
+          <a:p>
+            <a:r>
+              <a:rPr lang="en-US" dirty="0"/>
+              <a:t>Considerations</a:t>
+            </a:r>
+          </a:p>
+        </p:txBody>
+      </p:sp>
+      <p:sp>
+        <p:nvSpPr>
+          <p:cNvPr id="47" name="Content Placeholder 2">
+            <a:extLst>
+              <a:ext uri="{FF2B5EF4-FFF2-40B4-BE49-F238E27FC236}">
+                <a16:creationId xmlns:a16="http://schemas.microsoft.com/office/drawing/2014/main" id="{3DA02F28-2941-334D-9C83-8E64C99A7AB4}"/>
+              </a:ext>
+            </a:extLst>
+          </p:cNvPr>
+          <p:cNvSpPr>
+            <a:spLocks noGrp="1"/>
+          </p:cNvSpPr>
+          <p:nvPr>
+            <p:ph idx="1"/>
+          </p:nvPr>
+        </p:nvSpPr>
+        <p:spPr>
+          <a:xfrm>
+            <a:off x="677334" y="1173892"/>
+            <a:ext cx="8690504" cy="5078627"/>
+          </a:xfrm>
+        </p:spPr>
+        <p:txBody>
+          <a:bodyPr vert="horz" lIns="91440" tIns="45720" rIns="91440" bIns="45720" rtlCol="0" anchor="t">
+            <a:normAutofit/>
+          </a:bodyPr>
+          <a:lstStyle/>
+          <a:p>
+            <a:r>
+              <a:rPr lang="en-US" dirty="0">
+                <a:solidFill>
+                  <a:schemeClr val="tx1"/>
+                </a:solidFill>
+              </a:rPr>
+              <a:t>Data and model versioning</a:t>
+            </a:r>
+          </a:p>
+          <a:p>
+            <a:pPr marL="0" indent="0">
+              <a:buNone/>
+            </a:pPr>
+            <a:endParaRPr lang="en-US" dirty="0">
+              <a:solidFill>
+                <a:schemeClr val="tx1"/>
+              </a:solidFill>
+            </a:endParaRPr>
+          </a:p>
+          <a:p>
+            <a:endParaRPr lang="en-US" dirty="0">
+              <a:solidFill>
+                <a:schemeClr val="accent1"/>
+              </a:solidFill>
+            </a:endParaRPr>
+          </a:p>
+        </p:txBody>
+      </p:sp>
+      <p:sp>
+        <p:nvSpPr>
+          <p:cNvPr id="67" name="Freeform 66">
+            <a:extLst>
+              <a:ext uri="{FF2B5EF4-FFF2-40B4-BE49-F238E27FC236}">
+                <a16:creationId xmlns:a16="http://schemas.microsoft.com/office/drawing/2014/main" id="{DDF71223-32FE-1342-80AF-7BEA5460BE67}"/>
+              </a:ext>
+            </a:extLst>
+          </p:cNvPr>
+          <p:cNvSpPr/>
+          <p:nvPr/>
+        </p:nvSpPr>
+        <p:spPr>
+          <a:xfrm>
+            <a:off x="1295400" y="1149350"/>
+            <a:ext cx="9601200" cy="4559300"/>
+          </a:xfrm>
+          <a:custGeom>
+            <a:avLst/>
+            <a:gdLst>
+              <a:gd name="connsiteX0" fmla="*/ 0 w 9601200"/>
+              <a:gd name="connsiteY0" fmla="*/ 0 h 4559300"/>
+              <a:gd name="connsiteX1" fmla="*/ 9601200 w 9601200"/>
+              <a:gd name="connsiteY1" fmla="*/ 0 h 4559300"/>
+              <a:gd name="connsiteX2" fmla="*/ 9601200 w 9601200"/>
+              <a:gd name="connsiteY2" fmla="*/ 4559300 h 4559300"/>
+              <a:gd name="connsiteX3" fmla="*/ 0 w 9601200"/>
+              <a:gd name="connsiteY3" fmla="*/ 4559300 h 4559300"/>
+            </a:gdLst>
+            <a:ahLst/>
+            <a:cxnLst>
+              <a:cxn ang="0">
+                <a:pos x="connsiteX0" y="connsiteY0"/>
+              </a:cxn>
+              <a:cxn ang="0">
+                <a:pos x="connsiteX1" y="connsiteY1"/>
+              </a:cxn>
+              <a:cxn ang="0">
+                <a:pos x="connsiteX2" y="connsiteY2"/>
+              </a:cxn>
+              <a:cxn ang="0">
+                <a:pos x="connsiteX3" y="connsiteY3"/>
+              </a:cxn>
+            </a:cxnLst>
+            <a:rect l="l" t="t" r="r" b="b"/>
+            <a:pathLst>
+              <a:path w="9601200" h="4559300">
+                <a:moveTo>
+                  <a:pt x="0" y="0"/>
+                </a:moveTo>
+                <a:lnTo>
+                  <a:pt x="9601200" y="0"/>
+                </a:lnTo>
+                <a:lnTo>
+                  <a:pt x="9601200" y="4559300"/>
+                </a:lnTo>
+                <a:lnTo>
+                  <a:pt x="0" y="4559300"/>
+                </a:lnTo>
+                <a:close/>
+              </a:path>
+            </a:pathLst>
+          </a:custGeom>
+          <a:noFill/>
+          <a:ln w="9516" cap="flat">
+            <a:noFill/>
+            <a:prstDash val="solid"/>
+            <a:miter/>
+          </a:ln>
+        </p:spPr>
+        <p:txBody>
+          <a:bodyPr rtlCol="0" anchor="ctr"/>
+          <a:lstStyle/>
+          <a:p>
+            <a:endParaRPr lang="en-US"/>
+          </a:p>
+        </p:txBody>
+      </p:sp>
+      <p:pic>
+        <p:nvPicPr>
+          <p:cNvPr id="6" name="Picture 5">
+            <a:extLst>
+              <a:ext uri="{FF2B5EF4-FFF2-40B4-BE49-F238E27FC236}">
+                <a16:creationId xmlns:a16="http://schemas.microsoft.com/office/drawing/2014/main" id="{438F2933-4A18-47BB-AA9D-009865BA71F2}"/>
+              </a:ext>
+            </a:extLst>
+          </p:cNvPr>
+          <p:cNvPicPr>
+            <a:picLocks noChangeAspect="1"/>
+          </p:cNvPicPr>
+          <p:nvPr/>
+        </p:nvPicPr>
+        <p:blipFill>
+          <a:blip r:embed="rId3"/>
+          <a:stretch>
+            <a:fillRect/>
+          </a:stretch>
+        </p:blipFill>
+        <p:spPr>
+          <a:xfrm rot="16200000">
+            <a:off x="1486809" y="2581032"/>
+            <a:ext cx="3997863" cy="2545870"/>
+          </a:xfrm>
+          <a:prstGeom prst="rect">
+            <a:avLst/>
+          </a:prstGeom>
+        </p:spPr>
+      </p:pic>
+      <p:sp>
+        <p:nvSpPr>
+          <p:cNvPr id="9" name="TextBox 8">
+            <a:extLst>
+              <a:ext uri="{FF2B5EF4-FFF2-40B4-BE49-F238E27FC236}">
+                <a16:creationId xmlns:a16="http://schemas.microsoft.com/office/drawing/2014/main" id="{0A0AA6F9-D0A7-4A51-82F0-4B68D60DA3E2}"/>
+              </a:ext>
+            </a:extLst>
+          </p:cNvPr>
+          <p:cNvSpPr txBox="1"/>
+          <p:nvPr/>
+        </p:nvSpPr>
+        <p:spPr>
+          <a:xfrm>
+            <a:off x="677334" y="6189752"/>
+            <a:ext cx="8813953" cy="738664"/>
+          </a:xfrm>
+          <a:prstGeom prst="rect">
+            <a:avLst/>
+          </a:prstGeom>
+          <a:noFill/>
+        </p:spPr>
+        <p:txBody>
+          <a:bodyPr wrap="square" rtlCol="0">
+            <a:spAutoFit/>
+          </a:bodyPr>
+          <a:lstStyle/>
+          <a:p>
+            <a:r>
+              <a:rPr lang="en-US" sz="1200" dirty="0" err="1"/>
+              <a:t>Harmandeep</a:t>
+            </a:r>
+            <a:r>
+              <a:rPr lang="en-US" sz="1200" dirty="0"/>
+              <a:t>, J. (2010). </a:t>
+            </a:r>
+            <a:r>
+              <a:rPr lang="en-US" sz="1200" i="1" dirty="0"/>
+              <a:t>Factors affecting the replacement of wooden harvesting bins with plastic equivalents for the New Zealand kiwifruit industry</a:t>
+            </a:r>
+            <a:r>
+              <a:rPr lang="en-US" sz="1200" dirty="0"/>
+              <a:t> (Doctoral dissertation, University of Waikato).</a:t>
+            </a:r>
+          </a:p>
+          <a:p>
+            <a:endParaRPr lang="en-NZ" dirty="0"/>
+          </a:p>
+        </p:txBody>
+      </p:sp>
+      <p:pic>
+        <p:nvPicPr>
+          <p:cNvPr id="14" name="Picture 13">
+            <a:extLst>
+              <a:ext uri="{FF2B5EF4-FFF2-40B4-BE49-F238E27FC236}">
+                <a16:creationId xmlns:a16="http://schemas.microsoft.com/office/drawing/2014/main" id="{9F1B9933-A6E1-40AD-9900-841D5FDA28AC}"/>
+              </a:ext>
+            </a:extLst>
+          </p:cNvPr>
+          <p:cNvPicPr>
+            <a:picLocks noChangeAspect="1"/>
+          </p:cNvPicPr>
+          <p:nvPr/>
+        </p:nvPicPr>
+        <p:blipFill>
+          <a:blip r:embed="rId4"/>
+          <a:stretch>
+            <a:fillRect/>
+          </a:stretch>
+        </p:blipFill>
+        <p:spPr>
+          <a:xfrm>
+            <a:off x="5118372" y="1855035"/>
+            <a:ext cx="2858407" cy="3997864"/>
+          </a:xfrm>
+          <a:prstGeom prst="rect">
+            <a:avLst/>
+          </a:prstGeom>
+        </p:spPr>
+      </p:pic>
+    </p:spTree>
+    <p:extLst>
+      <p:ext uri="{BB962C8B-B14F-4D97-AF65-F5344CB8AC3E}">
+        <p14:creationId xmlns:p14="http://schemas.microsoft.com/office/powerpoint/2010/main" val="1186241194"/>
+      </p:ext>
+    </p:extLst>
+  </p:cSld>
+  <p:clrMapOvr>
+    <a:masterClrMapping/>
+  </p:clrMapOvr>
+</p:sld>
+</file>
+
+<file path=ppt/slides/slide7.xml><?xml version="1.0" encoding="utf-8"?>
+<p:sld xmlns:a="http://schemas.openxmlformats.org/drawingml/2006/main" xmlns:r="http://schemas.openxmlformats.org/officeDocument/2006/relationships" xmlns:p="http://schemas.openxmlformats.org/presentationml/2006/main">
+  <p:cSld>
+    <p:spTree>
+      <p:nvGrpSpPr>
+        <p:cNvPr id="1" name=""/>
+        <p:cNvGrpSpPr/>
+        <p:nvPr/>
+      </p:nvGrpSpPr>
+      <p:grpSpPr>
+        <a:xfrm>
+          <a:off x="0" y="0"/>
+          <a:ext cx="0" cy="0"/>
+          <a:chOff x="0" y="0"/>
+          <a:chExt cx="0" cy="0"/>
+        </a:xfrm>
+      </p:grpSpPr>
+      <p:sp>
+        <p:nvSpPr>
+          <p:cNvPr id="2" name="Title 1">
+            <a:extLst>
+              <a:ext uri="{FF2B5EF4-FFF2-40B4-BE49-F238E27FC236}">
+                <a16:creationId xmlns:a16="http://schemas.microsoft.com/office/drawing/2014/main" id="{E5685C86-3370-4141-87BE-0AF78122C44D}"/>
+              </a:ext>
+            </a:extLst>
+          </p:cNvPr>
+          <p:cNvSpPr>
+            <a:spLocks noGrp="1"/>
+          </p:cNvSpPr>
+          <p:nvPr>
+            <p:ph type="title"/>
+          </p:nvPr>
+        </p:nvSpPr>
+        <p:spPr>
+          <a:xfrm>
+            <a:off x="677334" y="271848"/>
+            <a:ext cx="7062072" cy="667265"/>
+          </a:xfrm>
+        </p:spPr>
+        <p:txBody>
+          <a:bodyPr>
+            <a:normAutofit/>
+          </a:bodyPr>
+          <a:lstStyle/>
+          <a:p>
+            <a:r>
+              <a:rPr lang="en-US" dirty="0"/>
+              <a:t>Considerations</a:t>
+            </a:r>
+          </a:p>
+        </p:txBody>
+      </p:sp>
+      <p:sp>
+        <p:nvSpPr>
+          <p:cNvPr id="47" name="Content Placeholder 2">
+            <a:extLst>
+              <a:ext uri="{FF2B5EF4-FFF2-40B4-BE49-F238E27FC236}">
+                <a16:creationId xmlns:a16="http://schemas.microsoft.com/office/drawing/2014/main" id="{3DA02F28-2941-334D-9C83-8E64C99A7AB4}"/>
+              </a:ext>
+            </a:extLst>
+          </p:cNvPr>
+          <p:cNvSpPr>
+            <a:spLocks noGrp="1"/>
+          </p:cNvSpPr>
+          <p:nvPr>
+            <p:ph idx="1"/>
+          </p:nvPr>
+        </p:nvSpPr>
+        <p:spPr>
+          <a:xfrm>
+            <a:off x="677334" y="1173892"/>
+            <a:ext cx="8690504" cy="5078627"/>
+          </a:xfrm>
+        </p:spPr>
+        <p:txBody>
+          <a:bodyPr vert="horz" lIns="91440" tIns="45720" rIns="91440" bIns="45720" rtlCol="0" anchor="t">
+            <a:normAutofit/>
+          </a:bodyPr>
+          <a:lstStyle/>
+          <a:p>
+            <a:r>
+              <a:rPr lang="en-US" dirty="0">
+                <a:solidFill>
+                  <a:schemeClr val="tx1"/>
+                </a:solidFill>
+              </a:rPr>
+              <a:t>Experiment tracking, metrics logging, and </a:t>
+            </a:r>
+            <a:r>
+              <a:rPr lang="en-US" dirty="0" err="1">
+                <a:solidFill>
+                  <a:schemeClr val="tx1"/>
+                </a:solidFill>
+              </a:rPr>
+              <a:t>visualisations</a:t>
+            </a:r>
+            <a:endParaRPr lang="en-US" dirty="0">
+              <a:solidFill>
+                <a:schemeClr val="tx1"/>
+              </a:solidFill>
+            </a:endParaRPr>
+          </a:p>
+          <a:p>
+            <a:pPr marL="0" indent="0">
+              <a:buNone/>
+            </a:pPr>
+            <a:endParaRPr lang="en-US" dirty="0">
+              <a:solidFill>
+                <a:schemeClr val="tx1"/>
+              </a:solidFill>
+            </a:endParaRPr>
+          </a:p>
+          <a:p>
+            <a:endParaRPr lang="en-US" dirty="0">
+              <a:solidFill>
+                <a:schemeClr val="accent1"/>
+              </a:solidFill>
+            </a:endParaRPr>
+          </a:p>
+        </p:txBody>
+      </p:sp>
+      <p:sp>
+        <p:nvSpPr>
+          <p:cNvPr id="67" name="Freeform 66">
+            <a:extLst>
+              <a:ext uri="{FF2B5EF4-FFF2-40B4-BE49-F238E27FC236}">
+                <a16:creationId xmlns:a16="http://schemas.microsoft.com/office/drawing/2014/main" id="{DDF71223-32FE-1342-80AF-7BEA5460BE67}"/>
+              </a:ext>
+            </a:extLst>
+          </p:cNvPr>
+          <p:cNvSpPr/>
+          <p:nvPr/>
+        </p:nvSpPr>
+        <p:spPr>
+          <a:xfrm>
+            <a:off x="1295400" y="1149350"/>
+            <a:ext cx="9601200" cy="4559300"/>
+          </a:xfrm>
+          <a:custGeom>
+            <a:avLst/>
+            <a:gdLst>
+              <a:gd name="connsiteX0" fmla="*/ 0 w 9601200"/>
+              <a:gd name="connsiteY0" fmla="*/ 0 h 4559300"/>
+              <a:gd name="connsiteX1" fmla="*/ 9601200 w 9601200"/>
+              <a:gd name="connsiteY1" fmla="*/ 0 h 4559300"/>
+              <a:gd name="connsiteX2" fmla="*/ 9601200 w 9601200"/>
+              <a:gd name="connsiteY2" fmla="*/ 4559300 h 4559300"/>
+              <a:gd name="connsiteX3" fmla="*/ 0 w 9601200"/>
+              <a:gd name="connsiteY3" fmla="*/ 4559300 h 4559300"/>
+            </a:gdLst>
+            <a:ahLst/>
+            <a:cxnLst>
+              <a:cxn ang="0">
+                <a:pos x="connsiteX0" y="connsiteY0"/>
+              </a:cxn>
+              <a:cxn ang="0">
+                <a:pos x="connsiteX1" y="connsiteY1"/>
+              </a:cxn>
+              <a:cxn ang="0">
+                <a:pos x="connsiteX2" y="connsiteY2"/>
+              </a:cxn>
+              <a:cxn ang="0">
+                <a:pos x="connsiteX3" y="connsiteY3"/>
+              </a:cxn>
+            </a:cxnLst>
+            <a:rect l="l" t="t" r="r" b="b"/>
+            <a:pathLst>
+              <a:path w="9601200" h="4559300">
+                <a:moveTo>
+                  <a:pt x="0" y="0"/>
+                </a:moveTo>
+                <a:lnTo>
+                  <a:pt x="9601200" y="0"/>
+                </a:lnTo>
+                <a:lnTo>
+                  <a:pt x="9601200" y="4559300"/>
+                </a:lnTo>
+                <a:lnTo>
+                  <a:pt x="0" y="4559300"/>
+                </a:lnTo>
+                <a:close/>
+              </a:path>
+            </a:pathLst>
+          </a:custGeom>
+          <a:noFill/>
+          <a:ln w="9516" cap="flat">
+            <a:noFill/>
+            <a:prstDash val="solid"/>
+            <a:miter/>
+          </a:ln>
+        </p:spPr>
+        <p:txBody>
+          <a:bodyPr rtlCol="0" anchor="ctr"/>
+          <a:lstStyle/>
+          <a:p>
+            <a:endParaRPr lang="en-US"/>
+          </a:p>
+        </p:txBody>
+      </p:sp>
+      <p:pic>
+        <p:nvPicPr>
+          <p:cNvPr id="6" name="Picture 5">
+            <a:extLst>
+              <a:ext uri="{FF2B5EF4-FFF2-40B4-BE49-F238E27FC236}">
+                <a16:creationId xmlns:a16="http://schemas.microsoft.com/office/drawing/2014/main" id="{438F2933-4A18-47BB-AA9D-009865BA71F2}"/>
+              </a:ext>
+            </a:extLst>
+          </p:cNvPr>
+          <p:cNvPicPr>
+            <a:picLocks noChangeAspect="1"/>
+          </p:cNvPicPr>
+          <p:nvPr/>
+        </p:nvPicPr>
+        <p:blipFill>
+          <a:blip r:embed="rId3"/>
+          <a:stretch>
+            <a:fillRect/>
+          </a:stretch>
+        </p:blipFill>
+        <p:spPr>
+          <a:xfrm rot="16200000">
+            <a:off x="1486809" y="2571605"/>
+            <a:ext cx="3997863" cy="2545870"/>
+          </a:xfrm>
+          <a:prstGeom prst="rect">
+            <a:avLst/>
+          </a:prstGeom>
+        </p:spPr>
+      </p:pic>
+      <p:sp>
+        <p:nvSpPr>
+          <p:cNvPr id="9" name="TextBox 8">
+            <a:extLst>
+              <a:ext uri="{FF2B5EF4-FFF2-40B4-BE49-F238E27FC236}">
+                <a16:creationId xmlns:a16="http://schemas.microsoft.com/office/drawing/2014/main" id="{0A0AA6F9-D0A7-4A51-82F0-4B68D60DA3E2}"/>
+              </a:ext>
+            </a:extLst>
+          </p:cNvPr>
+          <p:cNvSpPr txBox="1"/>
+          <p:nvPr/>
+        </p:nvSpPr>
+        <p:spPr>
+          <a:xfrm>
+            <a:off x="677334" y="6189752"/>
+            <a:ext cx="8813953" cy="738664"/>
+          </a:xfrm>
+          <a:prstGeom prst="rect">
+            <a:avLst/>
+          </a:prstGeom>
+          <a:noFill/>
+        </p:spPr>
+        <p:txBody>
+          <a:bodyPr wrap="square" rtlCol="0">
+            <a:spAutoFit/>
+          </a:bodyPr>
+          <a:lstStyle/>
+          <a:p>
+            <a:r>
+              <a:rPr lang="en-US" sz="1200" dirty="0" err="1"/>
+              <a:t>Harmandeep</a:t>
+            </a:r>
+            <a:r>
+              <a:rPr lang="en-US" sz="1200" dirty="0"/>
+              <a:t>, J. (2010). </a:t>
+            </a:r>
+            <a:r>
+              <a:rPr lang="en-US" sz="1200" i="1" dirty="0"/>
+              <a:t>Factors affecting the replacement of wooden harvesting bins with plastic equivalents for the New Zealand kiwifruit industry</a:t>
+            </a:r>
+            <a:r>
+              <a:rPr lang="en-US" sz="1200" dirty="0"/>
+              <a:t> (Doctoral dissertation, University of Waikato).</a:t>
+            </a:r>
+          </a:p>
+          <a:p>
+            <a:endParaRPr lang="en-NZ" dirty="0"/>
+          </a:p>
+        </p:txBody>
+      </p:sp>
+      <p:pic>
+        <p:nvPicPr>
+          <p:cNvPr id="14" name="Picture 13">
+            <a:extLst>
+              <a:ext uri="{FF2B5EF4-FFF2-40B4-BE49-F238E27FC236}">
+                <a16:creationId xmlns:a16="http://schemas.microsoft.com/office/drawing/2014/main" id="{9F1B9933-A6E1-40AD-9900-841D5FDA28AC}"/>
+              </a:ext>
+            </a:extLst>
+          </p:cNvPr>
+          <p:cNvPicPr>
+            <a:picLocks noChangeAspect="1"/>
+          </p:cNvPicPr>
+          <p:nvPr/>
+        </p:nvPicPr>
+        <p:blipFill>
+          <a:blip r:embed="rId4"/>
+          <a:stretch>
+            <a:fillRect/>
+          </a:stretch>
+        </p:blipFill>
+        <p:spPr>
+          <a:xfrm>
+            <a:off x="5118372" y="1845608"/>
+            <a:ext cx="2858407" cy="3997864"/>
+          </a:xfrm>
+          <a:prstGeom prst="rect">
+            <a:avLst/>
+          </a:prstGeom>
+        </p:spPr>
+      </p:pic>
+    </p:spTree>
+    <p:extLst>
+      <p:ext uri="{BB962C8B-B14F-4D97-AF65-F5344CB8AC3E}">
+        <p14:creationId xmlns:p14="http://schemas.microsoft.com/office/powerpoint/2010/main" val="449322329"/>
+      </p:ext>
+    </p:extLst>
+  </p:cSld>
+  <p:clrMapOvr>
+    <a:masterClrMapping/>
+  </p:clrMapOvr>
+</p:sld>
+</file>
+
+<file path=ppt/slides/slide8.xml><?xml version="1.0" encoding="utf-8"?>
+<p:sld xmlns:a="http://schemas.openxmlformats.org/drawingml/2006/main" xmlns:r="http://schemas.openxmlformats.org/officeDocument/2006/relationships" xmlns:p="http://schemas.openxmlformats.org/presentationml/2006/main">
+  <p:cSld>
+    <p:spTree>
+      <p:nvGrpSpPr>
+        <p:cNvPr id="1" name=""/>
+        <p:cNvGrpSpPr/>
+        <p:nvPr/>
+      </p:nvGrpSpPr>
+      <p:grpSpPr>
+        <a:xfrm>
+          <a:off x="0" y="0"/>
+          <a:ext cx="0" cy="0"/>
+          <a:chOff x="0" y="0"/>
+          <a:chExt cx="0" cy="0"/>
+        </a:xfrm>
+      </p:grpSpPr>
+      <p:sp>
+        <p:nvSpPr>
+          <p:cNvPr id="2" name="Title 1">
+            <a:extLst>
+              <a:ext uri="{FF2B5EF4-FFF2-40B4-BE49-F238E27FC236}">
+                <a16:creationId xmlns:a16="http://schemas.microsoft.com/office/drawing/2014/main" id="{E5685C86-3370-4141-87BE-0AF78122C44D}"/>
+              </a:ext>
+            </a:extLst>
+          </p:cNvPr>
+          <p:cNvSpPr>
+            <a:spLocks noGrp="1"/>
+          </p:cNvSpPr>
+          <p:nvPr>
+            <p:ph type="title"/>
+          </p:nvPr>
+        </p:nvSpPr>
+        <p:spPr>
+          <a:xfrm>
+            <a:off x="677334" y="271848"/>
+            <a:ext cx="7062072" cy="667265"/>
+          </a:xfrm>
+        </p:spPr>
+        <p:txBody>
+          <a:bodyPr>
+            <a:normAutofit/>
+          </a:bodyPr>
+          <a:lstStyle/>
+          <a:p>
+            <a:r>
+              <a:rPr lang="en-US" dirty="0"/>
+              <a:t>Considerations</a:t>
+            </a:r>
+          </a:p>
+        </p:txBody>
+      </p:sp>
+      <p:sp>
+        <p:nvSpPr>
+          <p:cNvPr id="47" name="Content Placeholder 2">
+            <a:extLst>
+              <a:ext uri="{FF2B5EF4-FFF2-40B4-BE49-F238E27FC236}">
+                <a16:creationId xmlns:a16="http://schemas.microsoft.com/office/drawing/2014/main" id="{3DA02F28-2941-334D-9C83-8E64C99A7AB4}"/>
+              </a:ext>
+            </a:extLst>
+          </p:cNvPr>
+          <p:cNvSpPr>
+            <a:spLocks noGrp="1"/>
+          </p:cNvSpPr>
+          <p:nvPr>
+            <p:ph idx="1"/>
+          </p:nvPr>
+        </p:nvSpPr>
+        <p:spPr>
+          <a:xfrm>
+            <a:off x="4208370" y="1149350"/>
+            <a:ext cx="5628301" cy="5078627"/>
+          </a:xfrm>
+        </p:spPr>
+        <p:txBody>
+          <a:bodyPr vert="horz" lIns="91440" tIns="45720" rIns="91440" bIns="45720" rtlCol="0" anchor="t">
+            <a:normAutofit/>
+          </a:bodyPr>
+          <a:lstStyle/>
+          <a:p>
+            <a:r>
+              <a:rPr lang="en-US" dirty="0">
+                <a:solidFill>
+                  <a:schemeClr val="tx1"/>
+                </a:solidFill>
+              </a:rPr>
+              <a:t>Comparisons with non-Bayesian models</a:t>
+            </a:r>
+          </a:p>
+          <a:p>
+            <a:pPr lvl="1"/>
+            <a:r>
+              <a:rPr lang="en-US" dirty="0">
+                <a:solidFill>
+                  <a:schemeClr val="tx1"/>
+                </a:solidFill>
+              </a:rPr>
+              <a:t>Train and evaluate many types of models</a:t>
+            </a:r>
+          </a:p>
+          <a:p>
+            <a:pPr lvl="1"/>
+            <a:r>
+              <a:rPr lang="en-US" dirty="0">
+                <a:solidFill>
+                  <a:schemeClr val="tx1"/>
+                </a:solidFill>
+              </a:rPr>
+              <a:t>Model </a:t>
+            </a:r>
+            <a:r>
+              <a:rPr lang="en-US" dirty="0" err="1">
+                <a:solidFill>
+                  <a:schemeClr val="tx1"/>
+                </a:solidFill>
+              </a:rPr>
+              <a:t>optimisation</a:t>
+            </a:r>
+            <a:endParaRPr lang="en-US" dirty="0">
+              <a:solidFill>
+                <a:schemeClr val="tx1"/>
+              </a:solidFill>
+            </a:endParaRPr>
+          </a:p>
+          <a:p>
+            <a:endParaRPr lang="en-US" dirty="0">
+              <a:solidFill>
+                <a:schemeClr val="accent1"/>
+              </a:solidFill>
+            </a:endParaRPr>
+          </a:p>
+        </p:txBody>
+      </p:sp>
+      <p:sp>
+        <p:nvSpPr>
+          <p:cNvPr id="67" name="Freeform 66">
+            <a:extLst>
+              <a:ext uri="{FF2B5EF4-FFF2-40B4-BE49-F238E27FC236}">
+                <a16:creationId xmlns:a16="http://schemas.microsoft.com/office/drawing/2014/main" id="{DDF71223-32FE-1342-80AF-7BEA5460BE67}"/>
+              </a:ext>
+            </a:extLst>
+          </p:cNvPr>
+          <p:cNvSpPr/>
+          <p:nvPr/>
+        </p:nvSpPr>
+        <p:spPr>
+          <a:xfrm>
+            <a:off x="1295400" y="1149350"/>
+            <a:ext cx="9601200" cy="4559300"/>
+          </a:xfrm>
+          <a:custGeom>
+            <a:avLst/>
+            <a:gdLst>
+              <a:gd name="connsiteX0" fmla="*/ 0 w 9601200"/>
+              <a:gd name="connsiteY0" fmla="*/ 0 h 4559300"/>
+              <a:gd name="connsiteX1" fmla="*/ 9601200 w 9601200"/>
+              <a:gd name="connsiteY1" fmla="*/ 0 h 4559300"/>
+              <a:gd name="connsiteX2" fmla="*/ 9601200 w 9601200"/>
+              <a:gd name="connsiteY2" fmla="*/ 4559300 h 4559300"/>
+              <a:gd name="connsiteX3" fmla="*/ 0 w 9601200"/>
+              <a:gd name="connsiteY3" fmla="*/ 4559300 h 4559300"/>
+            </a:gdLst>
+            <a:ahLst/>
+            <a:cxnLst>
+              <a:cxn ang="0">
+                <a:pos x="connsiteX0" y="connsiteY0"/>
+              </a:cxn>
+              <a:cxn ang="0">
+                <a:pos x="connsiteX1" y="connsiteY1"/>
+              </a:cxn>
+              <a:cxn ang="0">
+                <a:pos x="connsiteX2" y="connsiteY2"/>
+              </a:cxn>
+              <a:cxn ang="0">
+                <a:pos x="connsiteX3" y="connsiteY3"/>
+              </a:cxn>
+            </a:cxnLst>
+            <a:rect l="l" t="t" r="r" b="b"/>
+            <a:pathLst>
+              <a:path w="9601200" h="4559300">
+                <a:moveTo>
+                  <a:pt x="0" y="0"/>
+                </a:moveTo>
+                <a:lnTo>
+                  <a:pt x="9601200" y="0"/>
+                </a:lnTo>
+                <a:lnTo>
+                  <a:pt x="9601200" y="4559300"/>
+                </a:lnTo>
+                <a:lnTo>
+                  <a:pt x="0" y="4559300"/>
+                </a:lnTo>
+                <a:close/>
+              </a:path>
+            </a:pathLst>
+          </a:custGeom>
+          <a:noFill/>
+          <a:ln w="9516" cap="flat">
+            <a:noFill/>
+            <a:prstDash val="solid"/>
+            <a:miter/>
+          </a:ln>
+        </p:spPr>
+        <p:txBody>
+          <a:bodyPr rtlCol="0" anchor="ctr"/>
+          <a:lstStyle/>
+          <a:p>
+            <a:endParaRPr lang="en-US"/>
+          </a:p>
+        </p:txBody>
+      </p:sp>
+      <p:pic>
+        <p:nvPicPr>
+          <p:cNvPr id="4" name="Picture 3">
+            <a:extLst>
+              <a:ext uri="{FF2B5EF4-FFF2-40B4-BE49-F238E27FC236}">
+                <a16:creationId xmlns:a16="http://schemas.microsoft.com/office/drawing/2014/main" id="{7CA555DE-67AF-4DFD-A011-87AA771E8914}"/>
+              </a:ext>
+            </a:extLst>
+          </p:cNvPr>
+          <p:cNvPicPr>
+            <a:picLocks noChangeAspect="1"/>
+          </p:cNvPicPr>
+          <p:nvPr/>
+        </p:nvPicPr>
+        <p:blipFill>
+          <a:blip r:embed="rId3"/>
+          <a:stretch>
+            <a:fillRect/>
+          </a:stretch>
+        </p:blipFill>
+        <p:spPr>
+          <a:xfrm>
+            <a:off x="784227" y="1126174"/>
+            <a:ext cx="3083122" cy="5459978"/>
+          </a:xfrm>
+          <a:prstGeom prst="rect">
+            <a:avLst/>
+          </a:prstGeom>
+        </p:spPr>
+      </p:pic>
+      <p:sp>
+        <p:nvSpPr>
+          <p:cNvPr id="10" name="TextBox 9">
+            <a:extLst>
+              <a:ext uri="{FF2B5EF4-FFF2-40B4-BE49-F238E27FC236}">
+                <a16:creationId xmlns:a16="http://schemas.microsoft.com/office/drawing/2014/main" id="{11135186-B8F4-4A14-831F-86E2CBA5D244}"/>
+              </a:ext>
+            </a:extLst>
+          </p:cNvPr>
+          <p:cNvSpPr txBox="1"/>
+          <p:nvPr/>
+        </p:nvSpPr>
+        <p:spPr>
+          <a:xfrm>
+            <a:off x="4125622" y="5731826"/>
+            <a:ext cx="4925661" cy="1292662"/>
+          </a:xfrm>
+          <a:prstGeom prst="rect">
+            <a:avLst/>
+          </a:prstGeom>
+          <a:noFill/>
+        </p:spPr>
+        <p:txBody>
+          <a:bodyPr wrap="square" rtlCol="0">
+            <a:spAutoFit/>
+          </a:bodyPr>
+          <a:lstStyle/>
+          <a:p>
+            <a:r>
+              <a:rPr lang="en-NZ" sz="1200" dirty="0" err="1"/>
+              <a:t>Ranjard</a:t>
+            </a:r>
+            <a:r>
+              <a:rPr lang="en-NZ" sz="1200" dirty="0"/>
+              <a:t>, L., Bristow, J., Hossain, Z., </a:t>
+            </a:r>
+            <a:r>
+              <a:rPr lang="en-NZ" sz="1200" dirty="0" err="1"/>
+              <a:t>Orsi</a:t>
+            </a:r>
+            <a:r>
+              <a:rPr lang="en-NZ" sz="1200" dirty="0"/>
+              <a:t>, A., Kirkwood, H. J., &amp; Gilman, A. (2021, December). Likelihood-free Bayesian inference framework for sizing kiwifruit from orchard imaging surveys. In </a:t>
+            </a:r>
+            <a:r>
+              <a:rPr lang="en-NZ" sz="1200" i="1" dirty="0"/>
+              <a:t>2021 36th International Conference on Image and Vision Computing New Zealand (IVCNZ)</a:t>
+            </a:r>
+            <a:r>
+              <a:rPr lang="en-NZ" sz="1200" dirty="0"/>
+              <a:t> (pp. 1-6). IEEE.</a:t>
+            </a:r>
+          </a:p>
+          <a:p>
+            <a:endParaRPr lang="en-NZ" dirty="0"/>
+          </a:p>
+        </p:txBody>
+      </p:sp>
+    </p:spTree>
+    <p:extLst>
+      <p:ext uri="{BB962C8B-B14F-4D97-AF65-F5344CB8AC3E}">
+        <p14:creationId xmlns:p14="http://schemas.microsoft.com/office/powerpoint/2010/main" val="3814748454"/>
+      </p:ext>
+    </p:extLst>
+  </p:cSld>
+  <p:clrMapOvr>
+    <a:masterClrMapping/>
+  </p:clrMapOvr>
+</p:sld>
+</file>
+
+<file path=ppt/slides/slide9.xml><?xml version="1.0" encoding="utf-8"?>
+<p:sld xmlns:a="http://schemas.openxmlformats.org/drawingml/2006/main" xmlns:r="http://schemas.openxmlformats.org/officeDocument/2006/relationships" xmlns:p="http://schemas.openxmlformats.org/presentationml/2006/main">
+  <p:cSld>
+    <p:spTree>
+      <p:nvGrpSpPr>
+        <p:cNvPr id="1" name=""/>
+        <p:cNvGrpSpPr/>
+        <p:nvPr/>
+      </p:nvGrpSpPr>
+      <p:grpSpPr>
+        <a:xfrm>
+          <a:off x="0" y="0"/>
+          <a:ext cx="0" cy="0"/>
+          <a:chOff x="0" y="0"/>
+          <a:chExt cx="0" cy="0"/>
+        </a:xfrm>
+      </p:grpSpPr>
+      <p:sp>
+        <p:nvSpPr>
+          <p:cNvPr id="2" name="Title 1">
+            <a:extLst>
+              <a:ext uri="{FF2B5EF4-FFF2-40B4-BE49-F238E27FC236}">
+                <a16:creationId xmlns:a16="http://schemas.microsoft.com/office/drawing/2014/main" id="{E5685C86-3370-4141-87BE-0AF78122C44D}"/>
+              </a:ext>
+            </a:extLst>
+          </p:cNvPr>
+          <p:cNvSpPr>
+            <a:spLocks noGrp="1"/>
+          </p:cNvSpPr>
+          <p:nvPr>
+            <p:ph type="title"/>
+          </p:nvPr>
+        </p:nvSpPr>
+        <p:spPr>
+          <a:xfrm>
+            <a:off x="677334" y="271848"/>
+            <a:ext cx="7062072" cy="667265"/>
+          </a:xfrm>
+        </p:spPr>
+        <p:txBody>
+          <a:bodyPr>
+            <a:normAutofit/>
+          </a:bodyPr>
+          <a:lstStyle/>
+          <a:p>
+            <a:r>
+              <a:rPr lang="en-US" dirty="0"/>
+              <a:t>Considerations</a:t>
+            </a:r>
+          </a:p>
+        </p:txBody>
+      </p:sp>
+      <p:sp>
+        <p:nvSpPr>
+          <p:cNvPr id="47" name="Content Placeholder 2">
+            <a:extLst>
+              <a:ext uri="{FF2B5EF4-FFF2-40B4-BE49-F238E27FC236}">
+                <a16:creationId xmlns:a16="http://schemas.microsoft.com/office/drawing/2014/main" id="{3DA02F28-2941-334D-9C83-8E64C99A7AB4}"/>
+              </a:ext>
+            </a:extLst>
+          </p:cNvPr>
+          <p:cNvSpPr>
+            <a:spLocks noGrp="1"/>
+          </p:cNvSpPr>
+          <p:nvPr>
+            <p:ph idx="1"/>
+          </p:nvPr>
+        </p:nvSpPr>
+        <p:spPr>
+          <a:xfrm>
+            <a:off x="677334" y="1173892"/>
+            <a:ext cx="8690504" cy="5078627"/>
+          </a:xfrm>
+        </p:spPr>
+        <p:txBody>
+          <a:bodyPr vert="horz" lIns="91440" tIns="45720" rIns="91440" bIns="45720" rtlCol="0" anchor="t">
+            <a:normAutofit/>
+          </a:bodyPr>
+          <a:lstStyle/>
+          <a:p>
+            <a:r>
+              <a:rPr lang="en-US" dirty="0">
+                <a:solidFill>
+                  <a:schemeClr val="tx1"/>
+                </a:solidFill>
+              </a:rPr>
+              <a:t>Integration with High Performance Computing environments</a:t>
+            </a:r>
+          </a:p>
+          <a:p>
+            <a:pPr lvl="1"/>
+            <a:r>
+              <a:rPr lang="fr-FR" dirty="0">
+                <a:solidFill>
+                  <a:schemeClr val="tx1"/>
+                </a:solidFill>
+              </a:rPr>
+              <a:t>New </a:t>
+            </a:r>
+            <a:r>
+              <a:rPr lang="fr-FR" dirty="0" err="1">
+                <a:solidFill>
+                  <a:schemeClr val="tx1"/>
+                </a:solidFill>
+              </a:rPr>
+              <a:t>Zealand</a:t>
+            </a:r>
+            <a:r>
+              <a:rPr lang="fr-FR" dirty="0">
+                <a:solidFill>
+                  <a:schemeClr val="tx1"/>
+                </a:solidFill>
+              </a:rPr>
+              <a:t> </a:t>
+            </a:r>
+            <a:r>
+              <a:rPr lang="fr-FR" dirty="0" err="1">
+                <a:solidFill>
+                  <a:schemeClr val="tx1"/>
+                </a:solidFill>
+              </a:rPr>
+              <a:t>eScience</a:t>
+            </a:r>
+            <a:r>
+              <a:rPr lang="fr-FR" dirty="0">
+                <a:solidFill>
+                  <a:schemeClr val="tx1"/>
+                </a:solidFill>
+              </a:rPr>
+              <a:t> Infrastructure (</a:t>
+            </a:r>
+            <a:r>
+              <a:rPr lang="fr-FR" dirty="0" err="1">
+                <a:solidFill>
+                  <a:schemeClr val="tx1"/>
+                </a:solidFill>
+              </a:rPr>
+              <a:t>NeSI</a:t>
+            </a:r>
+            <a:r>
+              <a:rPr lang="fr-FR" dirty="0">
+                <a:solidFill>
+                  <a:schemeClr val="tx1"/>
+                </a:solidFill>
+              </a:rPr>
+              <a:t>) </a:t>
+            </a:r>
+            <a:endParaRPr lang="en-US" dirty="0">
+              <a:solidFill>
+                <a:schemeClr val="tx1"/>
+              </a:solidFill>
+            </a:endParaRPr>
+          </a:p>
+        </p:txBody>
+      </p:sp>
+      <p:sp>
+        <p:nvSpPr>
+          <p:cNvPr id="67" name="Freeform 66">
+            <a:extLst>
+              <a:ext uri="{FF2B5EF4-FFF2-40B4-BE49-F238E27FC236}">
+                <a16:creationId xmlns:a16="http://schemas.microsoft.com/office/drawing/2014/main" id="{DDF71223-32FE-1342-80AF-7BEA5460BE67}"/>
+              </a:ext>
+            </a:extLst>
+          </p:cNvPr>
+          <p:cNvSpPr/>
+          <p:nvPr/>
+        </p:nvSpPr>
+        <p:spPr>
+          <a:xfrm>
+            <a:off x="1295400" y="1149350"/>
+            <a:ext cx="9601200" cy="4559300"/>
+          </a:xfrm>
+          <a:custGeom>
+            <a:avLst/>
+            <a:gdLst>
+              <a:gd name="connsiteX0" fmla="*/ 0 w 9601200"/>
+              <a:gd name="connsiteY0" fmla="*/ 0 h 4559300"/>
+              <a:gd name="connsiteX1" fmla="*/ 9601200 w 9601200"/>
+              <a:gd name="connsiteY1" fmla="*/ 0 h 4559300"/>
+              <a:gd name="connsiteX2" fmla="*/ 9601200 w 9601200"/>
+              <a:gd name="connsiteY2" fmla="*/ 4559300 h 4559300"/>
+              <a:gd name="connsiteX3" fmla="*/ 0 w 9601200"/>
+              <a:gd name="connsiteY3" fmla="*/ 4559300 h 4559300"/>
+            </a:gdLst>
+            <a:ahLst/>
+            <a:cxnLst>
+              <a:cxn ang="0">
+                <a:pos x="connsiteX0" y="connsiteY0"/>
+              </a:cxn>
+              <a:cxn ang="0">
+                <a:pos x="connsiteX1" y="connsiteY1"/>
+              </a:cxn>
+              <a:cxn ang="0">
+                <a:pos x="connsiteX2" y="connsiteY2"/>
+              </a:cxn>
+              <a:cxn ang="0">
+                <a:pos x="connsiteX3" y="connsiteY3"/>
+              </a:cxn>
+            </a:cxnLst>
+            <a:rect l="l" t="t" r="r" b="b"/>
+            <a:pathLst>
+              <a:path w="9601200" h="4559300">
+                <a:moveTo>
+                  <a:pt x="0" y="0"/>
+                </a:moveTo>
+                <a:lnTo>
+                  <a:pt x="9601200" y="0"/>
+                </a:lnTo>
+                <a:lnTo>
+                  <a:pt x="9601200" y="4559300"/>
+                </a:lnTo>
+                <a:lnTo>
+                  <a:pt x="0" y="4559300"/>
+                </a:lnTo>
+                <a:close/>
+              </a:path>
+            </a:pathLst>
+          </a:custGeom>
+          <a:noFill/>
+          <a:ln w="9516" cap="flat">
+            <a:noFill/>
+            <a:prstDash val="solid"/>
+            <a:miter/>
+          </a:ln>
+        </p:spPr>
+        <p:txBody>
+          <a:bodyPr rtlCol="0" anchor="ctr"/>
+          <a:lstStyle/>
+          <a:p>
+            <a:endParaRPr lang="en-US"/>
+          </a:p>
+        </p:txBody>
+      </p:sp>
+      <p:sp>
+        <p:nvSpPr>
+          <p:cNvPr id="9" name="TextBox 8">
+            <a:extLst>
+              <a:ext uri="{FF2B5EF4-FFF2-40B4-BE49-F238E27FC236}">
+                <a16:creationId xmlns:a16="http://schemas.microsoft.com/office/drawing/2014/main" id="{0A0AA6F9-D0A7-4A51-82F0-4B68D60DA3E2}"/>
+              </a:ext>
+            </a:extLst>
+          </p:cNvPr>
+          <p:cNvSpPr txBox="1"/>
+          <p:nvPr/>
+        </p:nvSpPr>
+        <p:spPr>
+          <a:xfrm>
+            <a:off x="1195809" y="6174169"/>
+            <a:ext cx="8813953" cy="461665"/>
+          </a:xfrm>
+          <a:prstGeom prst="rect">
+            <a:avLst/>
+          </a:prstGeom>
+          <a:noFill/>
+        </p:spPr>
+        <p:txBody>
+          <a:bodyPr wrap="square" rtlCol="0">
+            <a:spAutoFit/>
+          </a:bodyPr>
+          <a:lstStyle/>
+          <a:p>
+            <a:r>
+              <a:rPr lang="en-US" sz="1200" dirty="0"/>
+              <a:t>New Zealand eScience Infrastructure. (n.d.). </a:t>
+            </a:r>
+            <a:r>
+              <a:rPr lang="en-US" sz="1200" i="1" dirty="0"/>
+              <a:t>High performance computing and analytics. </a:t>
+            </a:r>
+            <a:r>
+              <a:rPr lang="en-US" sz="1200" dirty="0"/>
+              <a:t>https://www.nesi.org.nz/services/high-performance-computing-and-data-analytics</a:t>
+            </a:r>
+            <a:endParaRPr lang="en-NZ" dirty="0"/>
+          </a:p>
+        </p:txBody>
+      </p:sp>
+      <p:pic>
+        <p:nvPicPr>
+          <p:cNvPr id="4" name="Picture 3" descr="Graphical user interface&#10;&#10;Description automatically generated">
+            <a:extLst>
+              <a:ext uri="{FF2B5EF4-FFF2-40B4-BE49-F238E27FC236}">
+                <a16:creationId xmlns:a16="http://schemas.microsoft.com/office/drawing/2014/main" id="{DCBA266A-AEBC-4332-98FD-73DF3E5B0BCA}"/>
+              </a:ext>
+            </a:extLst>
+          </p:cNvPr>
+          <p:cNvPicPr>
+            <a:picLocks noChangeAspect="1"/>
+          </p:cNvPicPr>
+          <p:nvPr/>
+        </p:nvPicPr>
+        <p:blipFill>
+          <a:blip r:embed="rId3">
+            <a:extLst>
+              <a:ext uri="{28A0092B-C50C-407E-A947-70E740481C1C}">
+                <a14:useLocalDpi xmlns:a14="http://schemas.microsoft.com/office/drawing/2010/main" val="0"/>
+              </a:ext>
+            </a:extLst>
+          </a:blip>
+          <a:stretch>
+            <a:fillRect/>
+          </a:stretch>
+        </p:blipFill>
+        <p:spPr>
+          <a:xfrm>
+            <a:off x="1295400" y="2709155"/>
+            <a:ext cx="7146912" cy="3024037"/>
+          </a:xfrm>
+          <a:prstGeom prst="rect">
+            <a:avLst/>
+          </a:prstGeom>
+        </p:spPr>
+      </p:pic>
+    </p:spTree>
+    <p:extLst>
+      <p:ext uri="{BB962C8B-B14F-4D97-AF65-F5344CB8AC3E}">
+        <p14:creationId xmlns:p14="http://schemas.microsoft.com/office/powerpoint/2010/main" val="259222386"/>
       </p:ext>
     </p:extLst>
   </p:cSld>
@@ -16275,6 +15170,20 @@
 </file>
 
 <file path=customXml/item2.xml><?xml version="1.0" encoding="utf-8"?>
+<p:properties xmlns:p="http://schemas.microsoft.com/office/2006/metadata/properties" xmlns:xsi="http://www.w3.org/2001/XMLSchema-instance" xmlns:pc="http://schemas.microsoft.com/office/infopath/2007/PartnerControls">
+  <documentManagement>
+    <SharedWithUsers xmlns="1321ec05-a228-4152-8efc-820037d40b09">
+      <UserInfo>
+        <DisplayName/>
+        <AccountId xsi:nil="true"/>
+        <AccountType/>
+      </UserInfo>
+    </SharedWithUsers>
+  </documentManagement>
+</p:properties>
+</file>
+
+<file path=customXml/item3.xml><?xml version="1.0" encoding="utf-8"?>
 <ct:contentTypeSchema xmlns:ct="http://schemas.microsoft.com/office/2006/metadata/contentType" xmlns:ma="http://schemas.microsoft.com/office/2006/metadata/properties/metaAttributes" ct:_="" ma:_="" ma:contentTypeName="Document" ma:contentTypeID="0x0101005227A02EFEFFDC4B82EE84B2752925E5" ma:contentTypeVersion="11" ma:contentTypeDescription="Create a new document." ma:contentTypeScope="" ma:versionID="0f55181203bcbf93b5f21b27461e8bdb">
   <xsd:schema xmlns:xsd="http://www.w3.org/2001/XMLSchema" xmlns:xs="http://www.w3.org/2001/XMLSchema" xmlns:p="http://schemas.microsoft.com/office/2006/metadata/properties" xmlns:ns2="bcb78bf1-f0ce-4775-94cc-de1f85337fa3" xmlns:ns3="1321ec05-a228-4152-8efc-820037d40b09" targetNamespace="http://schemas.microsoft.com/office/2006/metadata/properties" ma:root="true" ma:fieldsID="d8f44df2744c7964845fcb7f8def3ba8" ns2:_="" ns3:_="">
     <xsd:import namespace="bcb78bf1-f0ce-4775-94cc-de1f85337fa3"/>
@@ -16485,20 +15394,6 @@
 </ct:contentTypeSchema>
 </file>
 
-<file path=customXml/item3.xml><?xml version="1.0" encoding="utf-8"?>
-<p:properties xmlns:p="http://schemas.microsoft.com/office/2006/metadata/properties" xmlns:xsi="http://www.w3.org/2001/XMLSchema-instance" xmlns:pc="http://schemas.microsoft.com/office/infopath/2007/PartnerControls">
-  <documentManagement>
-    <SharedWithUsers xmlns="1321ec05-a228-4152-8efc-820037d40b09">
-      <UserInfo>
-        <DisplayName/>
-        <AccountId xsi:nil="true"/>
-        <AccountType/>
-      </UserInfo>
-    </SharedWithUsers>
-  </documentManagement>
-</p:properties>
-</file>
-
 <file path=customXml/itemProps1.xml><?xml version="1.0" encoding="utf-8"?>
 <ds:datastoreItem xmlns:ds="http://schemas.openxmlformats.org/officeDocument/2006/customXml" ds:itemID="{F6ED402E-DD36-4F3E-A9FD-188E648C086C}">
   <ds:schemaRefs>
@@ -16508,6 +15403,23 @@
 </file>
 
 <file path=customXml/itemProps2.xml><?xml version="1.0" encoding="utf-8"?>
+<ds:datastoreItem xmlns:ds="http://schemas.openxmlformats.org/officeDocument/2006/customXml" ds:itemID="{C9C532D3-F020-43BC-B760-8D11FBF4D646}">
+  <ds:schemaRefs>
+    <ds:schemaRef ds:uri="1321ec05-a228-4152-8efc-820037d40b09"/>
+    <ds:schemaRef ds:uri="bcb78bf1-f0ce-4775-94cc-de1f85337fa3"/>
+    <ds:schemaRef ds:uri="http://purl.org/dc/dcmitype/"/>
+    <ds:schemaRef ds:uri="http://purl.org/dc/elements/1.1/"/>
+    <ds:schemaRef ds:uri="http://purl.org/dc/terms/"/>
+    <ds:schemaRef ds:uri="http://schemas.microsoft.com/office/2006/documentManagement/types"/>
+    <ds:schemaRef ds:uri="http://schemas.microsoft.com/office/2006/metadata/properties"/>
+    <ds:schemaRef ds:uri="http://schemas.microsoft.com/office/infopath/2007/PartnerControls"/>
+    <ds:schemaRef ds:uri="http://schemas.openxmlformats.org/package/2006/metadata/core-properties"/>
+    <ds:schemaRef ds:uri="http://www.w3.org/XML/1998/namespace"/>
+  </ds:schemaRefs>
+</ds:datastoreItem>
+</file>
+
+<file path=customXml/itemProps3.xml><?xml version="1.0" encoding="utf-8"?>
 <ds:datastoreItem xmlns:ds="http://schemas.openxmlformats.org/officeDocument/2006/customXml" ds:itemID="{89A16A8C-FB3B-4287-A949-4579F89007FD}">
   <ds:schemaRefs>
     <ds:schemaRef ds:uri="http://schemas.microsoft.com/office/2006/metadata/contentType"/>
@@ -16524,21 +15436,4 @@
     <ds:schemaRef ds:uri="http://schemas.microsoft.com/internal/obd"/>
   </ds:schemaRefs>
 </ds:datastoreItem>
-</file>
-
-<file path=customXml/itemProps3.xml><?xml version="1.0" encoding="utf-8"?>
-<ds:datastoreItem xmlns:ds="http://schemas.openxmlformats.org/officeDocument/2006/customXml" ds:itemID="{C9C532D3-F020-43BC-B760-8D11FBF4D646}">
-  <ds:schemaRefs>
-    <ds:schemaRef ds:uri="1321ec05-a228-4152-8efc-820037d40b09"/>
-    <ds:schemaRef ds:uri="bcb78bf1-f0ce-4775-94cc-de1f85337fa3"/>
-    <ds:schemaRef ds:uri="http://purl.org/dc/dcmitype/"/>
-    <ds:schemaRef ds:uri="http://purl.org/dc/elements/1.1/"/>
-    <ds:schemaRef ds:uri="http://purl.org/dc/terms/"/>
-    <ds:schemaRef ds:uri="http://schemas.microsoft.com/office/2006/documentManagement/types"/>
-    <ds:schemaRef ds:uri="http://schemas.microsoft.com/office/2006/metadata/properties"/>
-    <ds:schemaRef ds:uri="http://schemas.microsoft.com/office/infopath/2007/PartnerControls"/>
-    <ds:schemaRef ds:uri="http://schemas.openxmlformats.org/package/2006/metadata/core-properties"/>
-    <ds:schemaRef ds:uri="http://www.w3.org/XML/1998/namespace"/>
-  </ds:schemaRefs>
-</ds:datastoreItem>
 </file>
--- a/resources/ml_pipeline.pptx
+++ b/resources/ml_pipeline.pptx
@@ -5,26 +5,39 @@
     <p:sldMasterId id="2147483677" r:id="rId4"/>
   </p:sldMasterIdLst>
   <p:notesMasterIdLst>
-    <p:notesMasterId r:id="rId22"/>
+    <p:notesMasterId r:id="rId35"/>
   </p:notesMasterIdLst>
   <p:sldIdLst>
     <p:sldId id="260" r:id="rId5"/>
     <p:sldId id="331" r:id="rId6"/>
-    <p:sldId id="334" r:id="rId7"/>
-    <p:sldId id="340" r:id="rId8"/>
-    <p:sldId id="333" r:id="rId9"/>
-    <p:sldId id="335" r:id="rId10"/>
-    <p:sldId id="337" r:id="rId11"/>
-    <p:sldId id="336" r:id="rId12"/>
-    <p:sldId id="338" r:id="rId13"/>
-    <p:sldId id="332" r:id="rId14"/>
-    <p:sldId id="339" r:id="rId15"/>
-    <p:sldId id="325" r:id="rId16"/>
-    <p:sldId id="328" r:id="rId17"/>
-    <p:sldId id="326" r:id="rId18"/>
-    <p:sldId id="327" r:id="rId19"/>
-    <p:sldId id="330" r:id="rId20"/>
-    <p:sldId id="324" r:id="rId21"/>
+    <p:sldId id="353" r:id="rId7"/>
+    <p:sldId id="334" r:id="rId8"/>
+    <p:sldId id="340" r:id="rId9"/>
+    <p:sldId id="333" r:id="rId10"/>
+    <p:sldId id="335" r:id="rId11"/>
+    <p:sldId id="337" r:id="rId12"/>
+    <p:sldId id="336" r:id="rId13"/>
+    <p:sldId id="338" r:id="rId14"/>
+    <p:sldId id="332" r:id="rId15"/>
+    <p:sldId id="339" r:id="rId16"/>
+    <p:sldId id="341" r:id="rId17"/>
+    <p:sldId id="325" r:id="rId18"/>
+    <p:sldId id="328" r:id="rId19"/>
+    <p:sldId id="342" r:id="rId20"/>
+    <p:sldId id="344" r:id="rId21"/>
+    <p:sldId id="345" r:id="rId22"/>
+    <p:sldId id="343" r:id="rId23"/>
+    <p:sldId id="347" r:id="rId24"/>
+    <p:sldId id="346" r:id="rId25"/>
+    <p:sldId id="348" r:id="rId26"/>
+    <p:sldId id="349" r:id="rId27"/>
+    <p:sldId id="352" r:id="rId28"/>
+    <p:sldId id="351" r:id="rId29"/>
+    <p:sldId id="354" r:id="rId30"/>
+    <p:sldId id="326" r:id="rId31"/>
+    <p:sldId id="355" r:id="rId32"/>
+    <p:sldId id="330" r:id="rId33"/>
+    <p:sldId id="324" r:id="rId34"/>
   </p:sldIdLst>
   <p:sldSz cx="12192000" cy="6858000"/>
   <p:notesSz cx="6858000" cy="9144000"/>
@@ -508,167 +521,18 @@
     </pc:docChg>
   </pc:docChgLst>
   <pc:docChgLst>
-    <pc:chgData name="Louis Ranjard" userId="S::louis@pri.co.nz::81a860ef-ac01-4e0e-a6df-80d2ba17940a" providerId="AD" clId="Web-{FDE5C131-3C94-458E-8002-9CD33AB4C02D}"/>
-    <pc:docChg chg="addSld modSld">
-      <pc:chgData name="Louis Ranjard" userId="S::louis@pri.co.nz::81a860ef-ac01-4e0e-a6df-80d2ba17940a" providerId="AD" clId="Web-{FDE5C131-3C94-458E-8002-9CD33AB4C02D}" dt="2021-01-26T04:12:07.274" v="207" actId="1076"/>
+    <pc:chgData name="Andrew Gilman" userId="484dce68-b834-4103-a9e6-be5c78b2d897" providerId="ADAL" clId="{B9549701-0873-CE4D-A41B-391BFA1C1C85}"/>
+    <pc:docChg chg="modSld">
+      <pc:chgData name="Andrew Gilman" userId="484dce68-b834-4103-a9e6-be5c78b2d897" providerId="ADAL" clId="{B9549701-0873-CE4D-A41B-391BFA1C1C85}" dt="2020-11-08T20:15:19.194" v="52" actId="20577"/>
       <pc:docMkLst>
         <pc:docMk/>
       </pc:docMkLst>
-      <pc:sldChg chg="modSp">
-        <pc:chgData name="Louis Ranjard" userId="S::louis@pri.co.nz::81a860ef-ac01-4e0e-a6df-80d2ba17940a" providerId="AD" clId="Web-{FDE5C131-3C94-458E-8002-9CD33AB4C02D}" dt="2021-01-26T03:56:45.584" v="158" actId="1076"/>
+      <pc:sldChg chg="modNotesTx">
+        <pc:chgData name="Andrew Gilman" userId="484dce68-b834-4103-a9e6-be5c78b2d897" providerId="ADAL" clId="{B9549701-0873-CE4D-A41B-391BFA1C1C85}" dt="2020-11-08T20:15:19.194" v="52" actId="20577"/>
         <pc:sldMkLst>
           <pc:docMk/>
-          <pc:sldMk cId="3544544244" sldId="302"/>
+          <pc:sldMk cId="2924741900" sldId="293"/>
         </pc:sldMkLst>
-        <pc:picChg chg="mod">
-          <ac:chgData name="Louis Ranjard" userId="S::louis@pri.co.nz::81a860ef-ac01-4e0e-a6df-80d2ba17940a" providerId="AD" clId="Web-{FDE5C131-3C94-458E-8002-9CD33AB4C02D}" dt="2021-01-26T03:56:45.584" v="158" actId="1076"/>
-          <ac:picMkLst>
-            <pc:docMk/>
-            <pc:sldMk cId="3544544244" sldId="302"/>
-            <ac:picMk id="5" creationId="{04273801-6EF1-4243-8695-3252F0590016}"/>
-          </ac:picMkLst>
-        </pc:picChg>
-        <pc:picChg chg="mod">
-          <ac:chgData name="Louis Ranjard" userId="S::louis@pri.co.nz::81a860ef-ac01-4e0e-a6df-80d2ba17940a" providerId="AD" clId="Web-{FDE5C131-3C94-458E-8002-9CD33AB4C02D}" dt="2021-01-26T03:56:42.771" v="157" actId="1076"/>
-          <ac:picMkLst>
-            <pc:docMk/>
-            <pc:sldMk cId="3544544244" sldId="302"/>
-            <ac:picMk id="7" creationId="{DEB13C9E-F8F1-4656-9796-7F860C578F55}"/>
-          </ac:picMkLst>
-        </pc:picChg>
-      </pc:sldChg>
-      <pc:sldChg chg="modSp">
-        <pc:chgData name="Louis Ranjard" userId="S::louis@pri.co.nz::81a860ef-ac01-4e0e-a6df-80d2ba17940a" providerId="AD" clId="Web-{FDE5C131-3C94-458E-8002-9CD33AB4C02D}" dt="2021-01-26T03:57:40.554" v="165" actId="1076"/>
-        <pc:sldMkLst>
-          <pc:docMk/>
-          <pc:sldMk cId="4107157796" sldId="318"/>
-        </pc:sldMkLst>
-        <pc:picChg chg="mod">
-          <ac:chgData name="Louis Ranjard" userId="S::louis@pri.co.nz::81a860ef-ac01-4e0e-a6df-80d2ba17940a" providerId="AD" clId="Web-{FDE5C131-3C94-458E-8002-9CD33AB4C02D}" dt="2021-01-26T03:57:13.631" v="162" actId="14100"/>
-          <ac:picMkLst>
-            <pc:docMk/>
-            <pc:sldMk cId="4107157796" sldId="318"/>
-            <ac:picMk id="4" creationId="{381E93DA-0FD9-5B46-8EF2-B76A288B44B6}"/>
-          </ac:picMkLst>
-        </pc:picChg>
-        <pc:picChg chg="mod">
-          <ac:chgData name="Louis Ranjard" userId="S::louis@pri.co.nz::81a860ef-ac01-4e0e-a6df-80d2ba17940a" providerId="AD" clId="Web-{FDE5C131-3C94-458E-8002-9CD33AB4C02D}" dt="2021-01-26T03:57:40.554" v="165" actId="1076"/>
-          <ac:picMkLst>
-            <pc:docMk/>
-            <pc:sldMk cId="4107157796" sldId="318"/>
-            <ac:picMk id="5" creationId="{1C293AB7-06EE-BD47-BA0E-D3233AACDBB0}"/>
-          </ac:picMkLst>
-        </pc:picChg>
-      </pc:sldChg>
-      <pc:sldChg chg="modSp">
-        <pc:chgData name="Louis Ranjard" userId="S::louis@pri.co.nz::81a860ef-ac01-4e0e-a6df-80d2ba17940a" providerId="AD" clId="Web-{FDE5C131-3C94-458E-8002-9CD33AB4C02D}" dt="2021-01-26T03:58:46.945" v="176" actId="20577"/>
-        <pc:sldMkLst>
-          <pc:docMk/>
-          <pc:sldMk cId="254717493" sldId="320"/>
-        </pc:sldMkLst>
-        <pc:spChg chg="mod">
-          <ac:chgData name="Louis Ranjard" userId="S::louis@pri.co.nz::81a860ef-ac01-4e0e-a6df-80d2ba17940a" providerId="AD" clId="Web-{FDE5C131-3C94-458E-8002-9CD33AB4C02D}" dt="2021-01-26T03:58:46.945" v="176" actId="20577"/>
-          <ac:spMkLst>
-            <pc:docMk/>
-            <pc:sldMk cId="254717493" sldId="320"/>
-            <ac:spMk id="2" creationId="{E5685C86-3370-4141-87BE-0AF78122C44D}"/>
-          </ac:spMkLst>
-        </pc:spChg>
-      </pc:sldChg>
-      <pc:sldChg chg="addSp delSp modSp add replId">
-        <pc:chgData name="Louis Ranjard" userId="S::louis@pri.co.nz::81a860ef-ac01-4e0e-a6df-80d2ba17940a" providerId="AD" clId="Web-{FDE5C131-3C94-458E-8002-9CD33AB4C02D}" dt="2021-01-26T04:12:07.274" v="207" actId="1076"/>
-        <pc:sldMkLst>
-          <pc:docMk/>
-          <pc:sldMk cId="974601487" sldId="321"/>
-        </pc:sldMkLst>
-        <pc:spChg chg="mod">
-          <ac:chgData name="Louis Ranjard" userId="S::louis@pri.co.nz::81a860ef-ac01-4e0e-a6df-80d2ba17940a" providerId="AD" clId="Web-{FDE5C131-3C94-458E-8002-9CD33AB4C02D}" dt="2021-01-26T03:51:30.344" v="10" actId="20577"/>
-          <ac:spMkLst>
-            <pc:docMk/>
-            <pc:sldMk cId="974601487" sldId="321"/>
-            <ac:spMk id="2" creationId="{CD0E6AB5-B784-1048-BAF5-3D0A0E9FAEA5}"/>
-          </ac:spMkLst>
-        </pc:spChg>
-        <pc:spChg chg="mod">
-          <ac:chgData name="Louis Ranjard" userId="S::louis@pri.co.nz::81a860ef-ac01-4e0e-a6df-80d2ba17940a" providerId="AD" clId="Web-{FDE5C131-3C94-458E-8002-9CD33AB4C02D}" dt="2021-01-26T04:01:44.120" v="188" actId="20577"/>
-          <ac:spMkLst>
-            <pc:docMk/>
-            <pc:sldMk cId="974601487" sldId="321"/>
-            <ac:spMk id="3" creationId="{CE18DDA1-635F-0E48-A662-EB17B2B828A7}"/>
-          </ac:spMkLst>
-        </pc:spChg>
-        <pc:graphicFrameChg chg="del">
-          <ac:chgData name="Louis Ranjard" userId="S::louis@pri.co.nz::81a860ef-ac01-4e0e-a6df-80d2ba17940a" providerId="AD" clId="Web-{FDE5C131-3C94-458E-8002-9CD33AB4C02D}" dt="2021-01-26T03:51:10.640" v="3"/>
-          <ac:graphicFrameMkLst>
-            <pc:docMk/>
-            <pc:sldMk cId="974601487" sldId="321"/>
-            <ac:graphicFrameMk id="7" creationId="{1C6AB9D7-10DD-EE4F-A75C-EE5E399507C7}"/>
-          </ac:graphicFrameMkLst>
-        </pc:graphicFrameChg>
-        <pc:picChg chg="del">
-          <ac:chgData name="Louis Ranjard" userId="S::louis@pri.co.nz::81a860ef-ac01-4e0e-a6df-80d2ba17940a" providerId="AD" clId="Web-{FDE5C131-3C94-458E-8002-9CD33AB4C02D}" dt="2021-01-26T03:51:06.125" v="1"/>
-          <ac:picMkLst>
-            <pc:docMk/>
-            <pc:sldMk cId="974601487" sldId="321"/>
-            <ac:picMk id="4" creationId="{381E93DA-0FD9-5B46-8EF2-B76A288B44B6}"/>
-          </ac:picMkLst>
-        </pc:picChg>
-        <pc:picChg chg="del">
-          <ac:chgData name="Louis Ranjard" userId="S::louis@pri.co.nz::81a860ef-ac01-4e0e-a6df-80d2ba17940a" providerId="AD" clId="Web-{FDE5C131-3C94-458E-8002-9CD33AB4C02D}" dt="2021-01-26T03:51:06.750" v="2"/>
-          <ac:picMkLst>
-            <pc:docMk/>
-            <pc:sldMk cId="974601487" sldId="321"/>
-            <ac:picMk id="5" creationId="{1C293AB7-06EE-BD47-BA0E-D3233AACDBB0}"/>
-          </ac:picMkLst>
-        </pc:picChg>
-        <pc:picChg chg="add del mod">
-          <ac:chgData name="Louis Ranjard" userId="S::louis@pri.co.nz::81a860ef-ac01-4e0e-a6df-80d2ba17940a" providerId="AD" clId="Web-{FDE5C131-3C94-458E-8002-9CD33AB4C02D}" dt="2021-01-26T04:10:19.256" v="192"/>
-          <ac:picMkLst>
-            <pc:docMk/>
-            <pc:sldMk cId="974601487" sldId="321"/>
-            <ac:picMk id="6" creationId="{58F2CD46-9878-4990-B228-07AAB00F31AB}"/>
-          </ac:picMkLst>
-        </pc:picChg>
-        <pc:picChg chg="add del mod">
-          <ac:chgData name="Louis Ranjard" userId="S::louis@pri.co.nz::81a860ef-ac01-4e0e-a6df-80d2ba17940a" providerId="AD" clId="Web-{FDE5C131-3C94-458E-8002-9CD33AB4C02D}" dt="2021-01-26T04:10:19.944" v="193"/>
-          <ac:picMkLst>
-            <pc:docMk/>
-            <pc:sldMk cId="974601487" sldId="321"/>
-            <ac:picMk id="8" creationId="{F2A81498-2687-4314-99BA-5971E0E7C554}"/>
-          </ac:picMkLst>
-        </pc:picChg>
-        <pc:picChg chg="add mod">
-          <ac:chgData name="Louis Ranjard" userId="S::louis@pri.co.nz::81a860ef-ac01-4e0e-a6df-80d2ba17940a" providerId="AD" clId="Web-{FDE5C131-3C94-458E-8002-9CD33AB4C02D}" dt="2021-01-26T04:11:59.352" v="202" actId="1076"/>
-          <ac:picMkLst>
-            <pc:docMk/>
-            <pc:sldMk cId="974601487" sldId="321"/>
-            <ac:picMk id="9" creationId="{C1D88913-FC55-4581-B227-4A46C275861E}"/>
-          </ac:picMkLst>
-        </pc:picChg>
-        <pc:picChg chg="add mod">
-          <ac:chgData name="Louis Ranjard" userId="S::louis@pri.co.nz::81a860ef-ac01-4e0e-a6df-80d2ba17940a" providerId="AD" clId="Web-{FDE5C131-3C94-458E-8002-9CD33AB4C02D}" dt="2021-01-26T04:12:03.649" v="206" actId="1076"/>
-          <ac:picMkLst>
-            <pc:docMk/>
-            <pc:sldMk cId="974601487" sldId="321"/>
-            <ac:picMk id="10" creationId="{0B551C2D-D377-48CC-B4C8-7EDF58F4BC73}"/>
-          </ac:picMkLst>
-        </pc:picChg>
-        <pc:picChg chg="add mod">
-          <ac:chgData name="Louis Ranjard" userId="S::louis@pri.co.nz::81a860ef-ac01-4e0e-a6df-80d2ba17940a" providerId="AD" clId="Web-{FDE5C131-3C94-458E-8002-9CD33AB4C02D}" dt="2021-01-26T04:12:07.274" v="207" actId="1076"/>
-          <ac:picMkLst>
-            <pc:docMk/>
-            <pc:sldMk cId="974601487" sldId="321"/>
-            <ac:picMk id="11" creationId="{8509FCB9-548F-49B0-867D-471D4424EA1C}"/>
-          </ac:picMkLst>
-        </pc:picChg>
-        <pc:picChg chg="add mod">
-          <ac:chgData name="Louis Ranjard" userId="S::louis@pri.co.nz::81a860ef-ac01-4e0e-a6df-80d2ba17940a" providerId="AD" clId="Web-{FDE5C131-3C94-458E-8002-9CD33AB4C02D}" dt="2021-01-26T04:11:59.383" v="205" actId="1076"/>
-          <ac:picMkLst>
-            <pc:docMk/>
-            <pc:sldMk cId="974601487" sldId="321"/>
-            <ac:picMk id="12" creationId="{254C26BA-2FB0-458D-946E-E92FF70A4B21}"/>
-          </ac:picMkLst>
-        </pc:picChg>
       </pc:sldChg>
     </pc:docChg>
   </pc:docChgLst>
@@ -1602,18 +1466,167 @@
     </pc:docChg>
   </pc:docChgLst>
   <pc:docChgLst>
-    <pc:chgData name="Andrew Gilman" userId="484dce68-b834-4103-a9e6-be5c78b2d897" providerId="ADAL" clId="{B9549701-0873-CE4D-A41B-391BFA1C1C85}"/>
-    <pc:docChg chg="modSld">
-      <pc:chgData name="Andrew Gilman" userId="484dce68-b834-4103-a9e6-be5c78b2d897" providerId="ADAL" clId="{B9549701-0873-CE4D-A41B-391BFA1C1C85}" dt="2020-11-08T20:15:19.194" v="52" actId="20577"/>
+    <pc:chgData name="Louis Ranjard" userId="S::louis@pri.co.nz::81a860ef-ac01-4e0e-a6df-80d2ba17940a" providerId="AD" clId="Web-{FDE5C131-3C94-458E-8002-9CD33AB4C02D}"/>
+    <pc:docChg chg="addSld modSld">
+      <pc:chgData name="Louis Ranjard" userId="S::louis@pri.co.nz::81a860ef-ac01-4e0e-a6df-80d2ba17940a" providerId="AD" clId="Web-{FDE5C131-3C94-458E-8002-9CD33AB4C02D}" dt="2021-01-26T04:12:07.274" v="207" actId="1076"/>
       <pc:docMkLst>
         <pc:docMk/>
       </pc:docMkLst>
-      <pc:sldChg chg="modNotesTx">
-        <pc:chgData name="Andrew Gilman" userId="484dce68-b834-4103-a9e6-be5c78b2d897" providerId="ADAL" clId="{B9549701-0873-CE4D-A41B-391BFA1C1C85}" dt="2020-11-08T20:15:19.194" v="52" actId="20577"/>
+      <pc:sldChg chg="modSp">
+        <pc:chgData name="Louis Ranjard" userId="S::louis@pri.co.nz::81a860ef-ac01-4e0e-a6df-80d2ba17940a" providerId="AD" clId="Web-{FDE5C131-3C94-458E-8002-9CD33AB4C02D}" dt="2021-01-26T03:56:45.584" v="158" actId="1076"/>
         <pc:sldMkLst>
           <pc:docMk/>
-          <pc:sldMk cId="2924741900" sldId="293"/>
+          <pc:sldMk cId="3544544244" sldId="302"/>
         </pc:sldMkLst>
+        <pc:picChg chg="mod">
+          <ac:chgData name="Louis Ranjard" userId="S::louis@pri.co.nz::81a860ef-ac01-4e0e-a6df-80d2ba17940a" providerId="AD" clId="Web-{FDE5C131-3C94-458E-8002-9CD33AB4C02D}" dt="2021-01-26T03:56:45.584" v="158" actId="1076"/>
+          <ac:picMkLst>
+            <pc:docMk/>
+            <pc:sldMk cId="3544544244" sldId="302"/>
+            <ac:picMk id="5" creationId="{04273801-6EF1-4243-8695-3252F0590016}"/>
+          </ac:picMkLst>
+        </pc:picChg>
+        <pc:picChg chg="mod">
+          <ac:chgData name="Louis Ranjard" userId="S::louis@pri.co.nz::81a860ef-ac01-4e0e-a6df-80d2ba17940a" providerId="AD" clId="Web-{FDE5C131-3C94-458E-8002-9CD33AB4C02D}" dt="2021-01-26T03:56:42.771" v="157" actId="1076"/>
+          <ac:picMkLst>
+            <pc:docMk/>
+            <pc:sldMk cId="3544544244" sldId="302"/>
+            <ac:picMk id="7" creationId="{DEB13C9E-F8F1-4656-9796-7F860C578F55}"/>
+          </ac:picMkLst>
+        </pc:picChg>
+      </pc:sldChg>
+      <pc:sldChg chg="modSp">
+        <pc:chgData name="Louis Ranjard" userId="S::louis@pri.co.nz::81a860ef-ac01-4e0e-a6df-80d2ba17940a" providerId="AD" clId="Web-{FDE5C131-3C94-458E-8002-9CD33AB4C02D}" dt="2021-01-26T03:57:40.554" v="165" actId="1076"/>
+        <pc:sldMkLst>
+          <pc:docMk/>
+          <pc:sldMk cId="4107157796" sldId="318"/>
+        </pc:sldMkLst>
+        <pc:picChg chg="mod">
+          <ac:chgData name="Louis Ranjard" userId="S::louis@pri.co.nz::81a860ef-ac01-4e0e-a6df-80d2ba17940a" providerId="AD" clId="Web-{FDE5C131-3C94-458E-8002-9CD33AB4C02D}" dt="2021-01-26T03:57:13.631" v="162" actId="14100"/>
+          <ac:picMkLst>
+            <pc:docMk/>
+            <pc:sldMk cId="4107157796" sldId="318"/>
+            <ac:picMk id="4" creationId="{381E93DA-0FD9-5B46-8EF2-B76A288B44B6}"/>
+          </ac:picMkLst>
+        </pc:picChg>
+        <pc:picChg chg="mod">
+          <ac:chgData name="Louis Ranjard" userId="S::louis@pri.co.nz::81a860ef-ac01-4e0e-a6df-80d2ba17940a" providerId="AD" clId="Web-{FDE5C131-3C94-458E-8002-9CD33AB4C02D}" dt="2021-01-26T03:57:40.554" v="165" actId="1076"/>
+          <ac:picMkLst>
+            <pc:docMk/>
+            <pc:sldMk cId="4107157796" sldId="318"/>
+            <ac:picMk id="5" creationId="{1C293AB7-06EE-BD47-BA0E-D3233AACDBB0}"/>
+          </ac:picMkLst>
+        </pc:picChg>
+      </pc:sldChg>
+      <pc:sldChg chg="modSp">
+        <pc:chgData name="Louis Ranjard" userId="S::louis@pri.co.nz::81a860ef-ac01-4e0e-a6df-80d2ba17940a" providerId="AD" clId="Web-{FDE5C131-3C94-458E-8002-9CD33AB4C02D}" dt="2021-01-26T03:58:46.945" v="176" actId="20577"/>
+        <pc:sldMkLst>
+          <pc:docMk/>
+          <pc:sldMk cId="254717493" sldId="320"/>
+        </pc:sldMkLst>
+        <pc:spChg chg="mod">
+          <ac:chgData name="Louis Ranjard" userId="S::louis@pri.co.nz::81a860ef-ac01-4e0e-a6df-80d2ba17940a" providerId="AD" clId="Web-{FDE5C131-3C94-458E-8002-9CD33AB4C02D}" dt="2021-01-26T03:58:46.945" v="176" actId="20577"/>
+          <ac:spMkLst>
+            <pc:docMk/>
+            <pc:sldMk cId="254717493" sldId="320"/>
+            <ac:spMk id="2" creationId="{E5685C86-3370-4141-87BE-0AF78122C44D}"/>
+          </ac:spMkLst>
+        </pc:spChg>
+      </pc:sldChg>
+      <pc:sldChg chg="addSp delSp modSp add replId">
+        <pc:chgData name="Louis Ranjard" userId="S::louis@pri.co.nz::81a860ef-ac01-4e0e-a6df-80d2ba17940a" providerId="AD" clId="Web-{FDE5C131-3C94-458E-8002-9CD33AB4C02D}" dt="2021-01-26T04:12:07.274" v="207" actId="1076"/>
+        <pc:sldMkLst>
+          <pc:docMk/>
+          <pc:sldMk cId="974601487" sldId="321"/>
+        </pc:sldMkLst>
+        <pc:spChg chg="mod">
+          <ac:chgData name="Louis Ranjard" userId="S::louis@pri.co.nz::81a860ef-ac01-4e0e-a6df-80d2ba17940a" providerId="AD" clId="Web-{FDE5C131-3C94-458E-8002-9CD33AB4C02D}" dt="2021-01-26T03:51:30.344" v="10" actId="20577"/>
+          <ac:spMkLst>
+            <pc:docMk/>
+            <pc:sldMk cId="974601487" sldId="321"/>
+            <ac:spMk id="2" creationId="{CD0E6AB5-B784-1048-BAF5-3D0A0E9FAEA5}"/>
+          </ac:spMkLst>
+        </pc:spChg>
+        <pc:spChg chg="mod">
+          <ac:chgData name="Louis Ranjard" userId="S::louis@pri.co.nz::81a860ef-ac01-4e0e-a6df-80d2ba17940a" providerId="AD" clId="Web-{FDE5C131-3C94-458E-8002-9CD33AB4C02D}" dt="2021-01-26T04:01:44.120" v="188" actId="20577"/>
+          <ac:spMkLst>
+            <pc:docMk/>
+            <pc:sldMk cId="974601487" sldId="321"/>
+            <ac:spMk id="3" creationId="{CE18DDA1-635F-0E48-A662-EB17B2B828A7}"/>
+          </ac:spMkLst>
+        </pc:spChg>
+        <pc:graphicFrameChg chg="del">
+          <ac:chgData name="Louis Ranjard" userId="S::louis@pri.co.nz::81a860ef-ac01-4e0e-a6df-80d2ba17940a" providerId="AD" clId="Web-{FDE5C131-3C94-458E-8002-9CD33AB4C02D}" dt="2021-01-26T03:51:10.640" v="3"/>
+          <ac:graphicFrameMkLst>
+            <pc:docMk/>
+            <pc:sldMk cId="974601487" sldId="321"/>
+            <ac:graphicFrameMk id="7" creationId="{1C6AB9D7-10DD-EE4F-A75C-EE5E399507C7}"/>
+          </ac:graphicFrameMkLst>
+        </pc:graphicFrameChg>
+        <pc:picChg chg="del">
+          <ac:chgData name="Louis Ranjard" userId="S::louis@pri.co.nz::81a860ef-ac01-4e0e-a6df-80d2ba17940a" providerId="AD" clId="Web-{FDE5C131-3C94-458E-8002-9CD33AB4C02D}" dt="2021-01-26T03:51:06.125" v="1"/>
+          <ac:picMkLst>
+            <pc:docMk/>
+            <pc:sldMk cId="974601487" sldId="321"/>
+            <ac:picMk id="4" creationId="{381E93DA-0FD9-5B46-8EF2-B76A288B44B6}"/>
+          </ac:picMkLst>
+        </pc:picChg>
+        <pc:picChg chg="del">
+          <ac:chgData name="Louis Ranjard" userId="S::louis@pri.co.nz::81a860ef-ac01-4e0e-a6df-80d2ba17940a" providerId="AD" clId="Web-{FDE5C131-3C94-458E-8002-9CD33AB4C02D}" dt="2021-01-26T03:51:06.750" v="2"/>
+          <ac:picMkLst>
+            <pc:docMk/>
+            <pc:sldMk cId="974601487" sldId="321"/>
+            <ac:picMk id="5" creationId="{1C293AB7-06EE-BD47-BA0E-D3233AACDBB0}"/>
+          </ac:picMkLst>
+        </pc:picChg>
+        <pc:picChg chg="add del mod">
+          <ac:chgData name="Louis Ranjard" userId="S::louis@pri.co.nz::81a860ef-ac01-4e0e-a6df-80d2ba17940a" providerId="AD" clId="Web-{FDE5C131-3C94-458E-8002-9CD33AB4C02D}" dt="2021-01-26T04:10:19.256" v="192"/>
+          <ac:picMkLst>
+            <pc:docMk/>
+            <pc:sldMk cId="974601487" sldId="321"/>
+            <ac:picMk id="6" creationId="{58F2CD46-9878-4990-B228-07AAB00F31AB}"/>
+          </ac:picMkLst>
+        </pc:picChg>
+        <pc:picChg chg="add del mod">
+          <ac:chgData name="Louis Ranjard" userId="S::louis@pri.co.nz::81a860ef-ac01-4e0e-a6df-80d2ba17940a" providerId="AD" clId="Web-{FDE5C131-3C94-458E-8002-9CD33AB4C02D}" dt="2021-01-26T04:10:19.944" v="193"/>
+          <ac:picMkLst>
+            <pc:docMk/>
+            <pc:sldMk cId="974601487" sldId="321"/>
+            <ac:picMk id="8" creationId="{F2A81498-2687-4314-99BA-5971E0E7C554}"/>
+          </ac:picMkLst>
+        </pc:picChg>
+        <pc:picChg chg="add mod">
+          <ac:chgData name="Louis Ranjard" userId="S::louis@pri.co.nz::81a860ef-ac01-4e0e-a6df-80d2ba17940a" providerId="AD" clId="Web-{FDE5C131-3C94-458E-8002-9CD33AB4C02D}" dt="2021-01-26T04:11:59.352" v="202" actId="1076"/>
+          <ac:picMkLst>
+            <pc:docMk/>
+            <pc:sldMk cId="974601487" sldId="321"/>
+            <ac:picMk id="9" creationId="{C1D88913-FC55-4581-B227-4A46C275861E}"/>
+          </ac:picMkLst>
+        </pc:picChg>
+        <pc:picChg chg="add mod">
+          <ac:chgData name="Louis Ranjard" userId="S::louis@pri.co.nz::81a860ef-ac01-4e0e-a6df-80d2ba17940a" providerId="AD" clId="Web-{FDE5C131-3C94-458E-8002-9CD33AB4C02D}" dt="2021-01-26T04:12:03.649" v="206" actId="1076"/>
+          <ac:picMkLst>
+            <pc:docMk/>
+            <pc:sldMk cId="974601487" sldId="321"/>
+            <ac:picMk id="10" creationId="{0B551C2D-D377-48CC-B4C8-7EDF58F4BC73}"/>
+          </ac:picMkLst>
+        </pc:picChg>
+        <pc:picChg chg="add mod">
+          <ac:chgData name="Louis Ranjard" userId="S::louis@pri.co.nz::81a860ef-ac01-4e0e-a6df-80d2ba17940a" providerId="AD" clId="Web-{FDE5C131-3C94-458E-8002-9CD33AB4C02D}" dt="2021-01-26T04:12:07.274" v="207" actId="1076"/>
+          <ac:picMkLst>
+            <pc:docMk/>
+            <pc:sldMk cId="974601487" sldId="321"/>
+            <ac:picMk id="11" creationId="{8509FCB9-548F-49B0-867D-471D4424EA1C}"/>
+          </ac:picMkLst>
+        </pc:picChg>
+        <pc:picChg chg="add mod">
+          <ac:chgData name="Louis Ranjard" userId="S::louis@pri.co.nz::81a860ef-ac01-4e0e-a6df-80d2ba17940a" providerId="AD" clId="Web-{FDE5C131-3C94-458E-8002-9CD33AB4C02D}" dt="2021-01-26T04:11:59.383" v="205" actId="1076"/>
+          <ac:picMkLst>
+            <pc:docMk/>
+            <pc:sldMk cId="974601487" sldId="321"/>
+            <ac:picMk id="12" creationId="{254C26BA-2FB0-458D-946E-E92FF70A4B21}"/>
+          </ac:picMkLst>
+        </pc:picChg>
       </pc:sldChg>
     </pc:docChg>
   </pc:docChgLst>
@@ -3195,7 +3208,7 @@
     </p:spTree>
     <p:extLst>
       <p:ext uri="{BB962C8B-B14F-4D97-AF65-F5344CB8AC3E}">
-        <p14:creationId xmlns:p14="http://schemas.microsoft.com/office/powerpoint/2010/main" val="1706746986"/>
+        <p14:creationId xmlns:p14="http://schemas.microsoft.com/office/powerpoint/2010/main" val="2702402970"/>
       </p:ext>
     </p:extLst>
   </p:cSld>
@@ -3296,7 +3309,7 @@
     </p:spTree>
     <p:extLst>
       <p:ext uri="{BB962C8B-B14F-4D97-AF65-F5344CB8AC3E}">
-        <p14:creationId xmlns:p14="http://schemas.microsoft.com/office/powerpoint/2010/main" val="2568822960"/>
+        <p14:creationId xmlns:p14="http://schemas.microsoft.com/office/powerpoint/2010/main" val="1706746986"/>
       </p:ext>
     </p:extLst>
   </p:cSld>
@@ -3397,7 +3410,7 @@
     </p:spTree>
     <p:extLst>
       <p:ext uri="{BB962C8B-B14F-4D97-AF65-F5344CB8AC3E}">
-        <p14:creationId xmlns:p14="http://schemas.microsoft.com/office/powerpoint/2010/main" val="306893194"/>
+        <p14:creationId xmlns:p14="http://schemas.microsoft.com/office/powerpoint/2010/main" val="2568822960"/>
       </p:ext>
     </p:extLst>
   </p:cSld>
@@ -3498,7 +3511,7 @@
     </p:spTree>
     <p:extLst>
       <p:ext uri="{BB962C8B-B14F-4D97-AF65-F5344CB8AC3E}">
-        <p14:creationId xmlns:p14="http://schemas.microsoft.com/office/powerpoint/2010/main" val="2405115691"/>
+        <p14:creationId xmlns:p14="http://schemas.microsoft.com/office/powerpoint/2010/main" val="2091138711"/>
       </p:ext>
     </p:extLst>
   </p:cSld>
@@ -3599,7 +3612,7 @@
     </p:spTree>
     <p:extLst>
       <p:ext uri="{BB962C8B-B14F-4D97-AF65-F5344CB8AC3E}">
-        <p14:creationId xmlns:p14="http://schemas.microsoft.com/office/powerpoint/2010/main" val="983694607"/>
+        <p14:creationId xmlns:p14="http://schemas.microsoft.com/office/powerpoint/2010/main" val="306893194"/>
       </p:ext>
     </p:extLst>
   </p:cSld>
@@ -3700,7 +3713,7 @@
     </p:spTree>
     <p:extLst>
       <p:ext uri="{BB962C8B-B14F-4D97-AF65-F5344CB8AC3E}">
-        <p14:creationId xmlns:p14="http://schemas.microsoft.com/office/powerpoint/2010/main" val="1977499227"/>
+        <p14:creationId xmlns:p14="http://schemas.microsoft.com/office/powerpoint/2010/main" val="2405115691"/>
       </p:ext>
     </p:extLst>
   </p:cSld>
@@ -3801,7 +3814,7 @@
     </p:spTree>
     <p:extLst>
       <p:ext uri="{BB962C8B-B14F-4D97-AF65-F5344CB8AC3E}">
-        <p14:creationId xmlns:p14="http://schemas.microsoft.com/office/powerpoint/2010/main" val="2434609226"/>
+        <p14:creationId xmlns:p14="http://schemas.microsoft.com/office/powerpoint/2010/main" val="434385368"/>
       </p:ext>
     </p:extLst>
   </p:cSld>
@@ -3855,7 +3868,7 @@
           <a:bodyPr/>
           <a:lstStyle/>
           <a:p>
-            <a:pPr marL="0" marR="0" lvl="0" indent="0" algn="l" defTabSz="914400" rtl="0" eaLnBrk="1" fontAlgn="auto" latinLnBrk="0" hangingPunct="1">
+            <a:pPr marL="0" marR="0" indent="0" algn="l" defTabSz="914400" rtl="0" eaLnBrk="1" fontAlgn="auto" latinLnBrk="0" hangingPunct="1">
               <a:lnSpc>
                 <a:spcPct val="100000"/>
               </a:lnSpc>
@@ -3872,7 +3885,7 @@
               <a:tabLst/>
               <a:defRPr/>
             </a:pPr>
-            <a:endParaRPr lang="en-GB" dirty="0"/>
+            <a:endParaRPr lang="en-GB" sz="1400" dirty="0"/>
           </a:p>
         </p:txBody>
       </p:sp>
@@ -3902,7 +3915,209 @@
     </p:spTree>
     <p:extLst>
       <p:ext uri="{BB962C8B-B14F-4D97-AF65-F5344CB8AC3E}">
-        <p14:creationId xmlns:p14="http://schemas.microsoft.com/office/powerpoint/2010/main" val="1592943762"/>
+        <p14:creationId xmlns:p14="http://schemas.microsoft.com/office/powerpoint/2010/main" val="1768119294"/>
+      </p:ext>
+    </p:extLst>
+  </p:cSld>
+  <p:clrMapOvr>
+    <a:masterClrMapping/>
+  </p:clrMapOvr>
+</p:notes>
+</file>
+
+<file path=ppt/notesSlides/notesSlide18.xml><?xml version="1.0" encoding="utf-8"?>
+<p:notes xmlns:a="http://schemas.openxmlformats.org/drawingml/2006/main" xmlns:r="http://schemas.openxmlformats.org/officeDocument/2006/relationships" xmlns:p="http://schemas.openxmlformats.org/presentationml/2006/main">
+  <p:cSld>
+    <p:spTree>
+      <p:nvGrpSpPr>
+        <p:cNvPr id="1" name=""/>
+        <p:cNvGrpSpPr/>
+        <p:nvPr/>
+      </p:nvGrpSpPr>
+      <p:grpSpPr>
+        <a:xfrm>
+          <a:off x="0" y="0"/>
+          <a:ext cx="0" cy="0"/>
+          <a:chOff x="0" y="0"/>
+          <a:chExt cx="0" cy="0"/>
+        </a:xfrm>
+      </p:grpSpPr>
+      <p:sp>
+        <p:nvSpPr>
+          <p:cNvPr id="2" name="Slide Image Placeholder 1"/>
+          <p:cNvSpPr>
+            <a:spLocks noGrp="1" noRot="1" noChangeAspect="1"/>
+          </p:cNvSpPr>
+          <p:nvPr>
+            <p:ph type="sldImg"/>
+          </p:nvPr>
+        </p:nvSpPr>
+        <p:spPr/>
+      </p:sp>
+      <p:sp>
+        <p:nvSpPr>
+          <p:cNvPr id="3" name="Notes Placeholder 2"/>
+          <p:cNvSpPr>
+            <a:spLocks noGrp="1"/>
+          </p:cNvSpPr>
+          <p:nvPr>
+            <p:ph type="body" idx="1"/>
+          </p:nvPr>
+        </p:nvSpPr>
+        <p:spPr/>
+        <p:txBody>
+          <a:bodyPr/>
+          <a:lstStyle/>
+          <a:p>
+            <a:pPr marL="0" marR="0" indent="0" algn="l" defTabSz="914400" rtl="0" eaLnBrk="1" fontAlgn="auto" latinLnBrk="0" hangingPunct="1">
+              <a:lnSpc>
+                <a:spcPct val="100000"/>
+              </a:lnSpc>
+              <a:spcBef>
+                <a:spcPts val="0"/>
+              </a:spcBef>
+              <a:spcAft>
+                <a:spcPts val="0"/>
+              </a:spcAft>
+              <a:buClrTx/>
+              <a:buSzTx/>
+              <a:buFontTx/>
+              <a:buNone/>
+              <a:tabLst/>
+              <a:defRPr/>
+            </a:pPr>
+            <a:endParaRPr lang="en-GB" sz="1400" dirty="0"/>
+          </a:p>
+        </p:txBody>
+      </p:sp>
+      <p:sp>
+        <p:nvSpPr>
+          <p:cNvPr id="4" name="Slide Number Placeholder 3"/>
+          <p:cNvSpPr>
+            <a:spLocks noGrp="1"/>
+          </p:cNvSpPr>
+          <p:nvPr>
+            <p:ph type="sldNum" sz="quarter" idx="5"/>
+          </p:nvPr>
+        </p:nvSpPr>
+        <p:spPr/>
+        <p:txBody>
+          <a:bodyPr/>
+          <a:lstStyle/>
+          <a:p>
+            <a:fld id="{A4A832E9-B7EB-442D-A30B-A0840E0F5E3D}" type="slidenum">
+              <a:rPr lang="en-NZ" smtClean="0"/>
+              <a:t>18</a:t>
+            </a:fld>
+            <a:endParaRPr lang="en-NZ"/>
+          </a:p>
+        </p:txBody>
+      </p:sp>
+    </p:spTree>
+    <p:extLst>
+      <p:ext uri="{BB962C8B-B14F-4D97-AF65-F5344CB8AC3E}">
+        <p14:creationId xmlns:p14="http://schemas.microsoft.com/office/powerpoint/2010/main" val="123085099"/>
+      </p:ext>
+    </p:extLst>
+  </p:cSld>
+  <p:clrMapOvr>
+    <a:masterClrMapping/>
+  </p:clrMapOvr>
+</p:notes>
+</file>
+
+<file path=ppt/notesSlides/notesSlide19.xml><?xml version="1.0" encoding="utf-8"?>
+<p:notes xmlns:a="http://schemas.openxmlformats.org/drawingml/2006/main" xmlns:r="http://schemas.openxmlformats.org/officeDocument/2006/relationships" xmlns:p="http://schemas.openxmlformats.org/presentationml/2006/main">
+  <p:cSld>
+    <p:spTree>
+      <p:nvGrpSpPr>
+        <p:cNvPr id="1" name=""/>
+        <p:cNvGrpSpPr/>
+        <p:nvPr/>
+      </p:nvGrpSpPr>
+      <p:grpSpPr>
+        <a:xfrm>
+          <a:off x="0" y="0"/>
+          <a:ext cx="0" cy="0"/>
+          <a:chOff x="0" y="0"/>
+          <a:chExt cx="0" cy="0"/>
+        </a:xfrm>
+      </p:grpSpPr>
+      <p:sp>
+        <p:nvSpPr>
+          <p:cNvPr id="2" name="Slide Image Placeholder 1"/>
+          <p:cNvSpPr>
+            <a:spLocks noGrp="1" noRot="1" noChangeAspect="1"/>
+          </p:cNvSpPr>
+          <p:nvPr>
+            <p:ph type="sldImg"/>
+          </p:nvPr>
+        </p:nvSpPr>
+        <p:spPr/>
+      </p:sp>
+      <p:sp>
+        <p:nvSpPr>
+          <p:cNvPr id="3" name="Notes Placeholder 2"/>
+          <p:cNvSpPr>
+            <a:spLocks noGrp="1"/>
+          </p:cNvSpPr>
+          <p:nvPr>
+            <p:ph type="body" idx="1"/>
+          </p:nvPr>
+        </p:nvSpPr>
+        <p:spPr/>
+        <p:txBody>
+          <a:bodyPr/>
+          <a:lstStyle/>
+          <a:p>
+            <a:pPr marL="0" marR="0" indent="0" algn="l" defTabSz="914400" rtl="0" eaLnBrk="1" fontAlgn="auto" latinLnBrk="0" hangingPunct="1">
+              <a:lnSpc>
+                <a:spcPct val="100000"/>
+              </a:lnSpc>
+              <a:spcBef>
+                <a:spcPts val="0"/>
+              </a:spcBef>
+              <a:spcAft>
+                <a:spcPts val="0"/>
+              </a:spcAft>
+              <a:buClrTx/>
+              <a:buSzTx/>
+              <a:buFontTx/>
+              <a:buNone/>
+              <a:tabLst/>
+              <a:defRPr/>
+            </a:pPr>
+            <a:endParaRPr lang="en-GB" sz="1400" dirty="0"/>
+          </a:p>
+        </p:txBody>
+      </p:sp>
+      <p:sp>
+        <p:nvSpPr>
+          <p:cNvPr id="4" name="Slide Number Placeholder 3"/>
+          <p:cNvSpPr>
+            <a:spLocks noGrp="1"/>
+          </p:cNvSpPr>
+          <p:nvPr>
+            <p:ph type="sldNum" sz="quarter" idx="5"/>
+          </p:nvPr>
+        </p:nvSpPr>
+        <p:spPr/>
+        <p:txBody>
+          <a:bodyPr/>
+          <a:lstStyle/>
+          <a:p>
+            <a:fld id="{A4A832E9-B7EB-442D-A30B-A0840E0F5E3D}" type="slidenum">
+              <a:rPr lang="en-NZ" smtClean="0"/>
+              <a:t>19</a:t>
+            </a:fld>
+            <a:endParaRPr lang="en-NZ"/>
+          </a:p>
+        </p:txBody>
+      </p:sp>
+    </p:spTree>
+    <p:extLst>
+      <p:ext uri="{BB962C8B-B14F-4D97-AF65-F5344CB8AC3E}">
+        <p14:creationId xmlns:p14="http://schemas.microsoft.com/office/powerpoint/2010/main" val="1594803118"/>
       </p:ext>
     </p:extLst>
   </p:cSld>
@@ -4013,7 +4228,7 @@
 </p:notes>
 </file>
 
-<file path=ppt/notesSlides/notesSlide3.xml><?xml version="1.0" encoding="utf-8"?>
+<file path=ppt/notesSlides/notesSlide20.xml><?xml version="1.0" encoding="utf-8"?>
 <p:notes xmlns:a="http://schemas.openxmlformats.org/drawingml/2006/main" xmlns:r="http://schemas.openxmlformats.org/officeDocument/2006/relationships" xmlns:p="http://schemas.openxmlformats.org/presentationml/2006/main">
   <p:cSld>
     <p:spTree>
@@ -4095,6 +4310,1016 @@
           <a:p>
             <a:fld id="{A4A832E9-B7EB-442D-A30B-A0840E0F5E3D}" type="slidenum">
               <a:rPr lang="en-NZ" smtClean="0"/>
+              <a:t>20</a:t>
+            </a:fld>
+            <a:endParaRPr lang="en-NZ"/>
+          </a:p>
+        </p:txBody>
+      </p:sp>
+    </p:spTree>
+    <p:extLst>
+      <p:ext uri="{BB962C8B-B14F-4D97-AF65-F5344CB8AC3E}">
+        <p14:creationId xmlns:p14="http://schemas.microsoft.com/office/powerpoint/2010/main" val="1240231930"/>
+      </p:ext>
+    </p:extLst>
+  </p:cSld>
+  <p:clrMapOvr>
+    <a:masterClrMapping/>
+  </p:clrMapOvr>
+</p:notes>
+</file>
+
+<file path=ppt/notesSlides/notesSlide21.xml><?xml version="1.0" encoding="utf-8"?>
+<p:notes xmlns:a="http://schemas.openxmlformats.org/drawingml/2006/main" xmlns:r="http://schemas.openxmlformats.org/officeDocument/2006/relationships" xmlns:p="http://schemas.openxmlformats.org/presentationml/2006/main">
+  <p:cSld>
+    <p:spTree>
+      <p:nvGrpSpPr>
+        <p:cNvPr id="1" name=""/>
+        <p:cNvGrpSpPr/>
+        <p:nvPr/>
+      </p:nvGrpSpPr>
+      <p:grpSpPr>
+        <a:xfrm>
+          <a:off x="0" y="0"/>
+          <a:ext cx="0" cy="0"/>
+          <a:chOff x="0" y="0"/>
+          <a:chExt cx="0" cy="0"/>
+        </a:xfrm>
+      </p:grpSpPr>
+      <p:sp>
+        <p:nvSpPr>
+          <p:cNvPr id="2" name="Slide Image Placeholder 1"/>
+          <p:cNvSpPr>
+            <a:spLocks noGrp="1" noRot="1" noChangeAspect="1"/>
+          </p:cNvSpPr>
+          <p:nvPr>
+            <p:ph type="sldImg"/>
+          </p:nvPr>
+        </p:nvSpPr>
+        <p:spPr/>
+      </p:sp>
+      <p:sp>
+        <p:nvSpPr>
+          <p:cNvPr id="3" name="Notes Placeholder 2"/>
+          <p:cNvSpPr>
+            <a:spLocks noGrp="1"/>
+          </p:cNvSpPr>
+          <p:nvPr>
+            <p:ph type="body" idx="1"/>
+          </p:nvPr>
+        </p:nvSpPr>
+        <p:spPr/>
+        <p:txBody>
+          <a:bodyPr/>
+          <a:lstStyle/>
+          <a:p>
+            <a:pPr marL="0" marR="0" indent="0" algn="l" defTabSz="914400" rtl="0" eaLnBrk="1" fontAlgn="auto" latinLnBrk="0" hangingPunct="1">
+              <a:lnSpc>
+                <a:spcPct val="100000"/>
+              </a:lnSpc>
+              <a:spcBef>
+                <a:spcPts val="0"/>
+              </a:spcBef>
+              <a:spcAft>
+                <a:spcPts val="0"/>
+              </a:spcAft>
+              <a:buClrTx/>
+              <a:buSzTx/>
+              <a:buFontTx/>
+              <a:buNone/>
+              <a:tabLst/>
+              <a:defRPr/>
+            </a:pPr>
+            <a:endParaRPr lang="en-GB" sz="1400" dirty="0"/>
+          </a:p>
+        </p:txBody>
+      </p:sp>
+      <p:sp>
+        <p:nvSpPr>
+          <p:cNvPr id="4" name="Slide Number Placeholder 3"/>
+          <p:cNvSpPr>
+            <a:spLocks noGrp="1"/>
+          </p:cNvSpPr>
+          <p:nvPr>
+            <p:ph type="sldNum" sz="quarter" idx="5"/>
+          </p:nvPr>
+        </p:nvSpPr>
+        <p:spPr/>
+        <p:txBody>
+          <a:bodyPr/>
+          <a:lstStyle/>
+          <a:p>
+            <a:fld id="{A4A832E9-B7EB-442D-A30B-A0840E0F5E3D}" type="slidenum">
+              <a:rPr lang="en-NZ" smtClean="0"/>
+              <a:t>21</a:t>
+            </a:fld>
+            <a:endParaRPr lang="en-NZ"/>
+          </a:p>
+        </p:txBody>
+      </p:sp>
+    </p:spTree>
+    <p:extLst>
+      <p:ext uri="{BB962C8B-B14F-4D97-AF65-F5344CB8AC3E}">
+        <p14:creationId xmlns:p14="http://schemas.microsoft.com/office/powerpoint/2010/main" val="1719304464"/>
+      </p:ext>
+    </p:extLst>
+  </p:cSld>
+  <p:clrMapOvr>
+    <a:masterClrMapping/>
+  </p:clrMapOvr>
+</p:notes>
+</file>
+
+<file path=ppt/notesSlides/notesSlide22.xml><?xml version="1.0" encoding="utf-8"?>
+<p:notes xmlns:a="http://schemas.openxmlformats.org/drawingml/2006/main" xmlns:r="http://schemas.openxmlformats.org/officeDocument/2006/relationships" xmlns:p="http://schemas.openxmlformats.org/presentationml/2006/main">
+  <p:cSld>
+    <p:spTree>
+      <p:nvGrpSpPr>
+        <p:cNvPr id="1" name=""/>
+        <p:cNvGrpSpPr/>
+        <p:nvPr/>
+      </p:nvGrpSpPr>
+      <p:grpSpPr>
+        <a:xfrm>
+          <a:off x="0" y="0"/>
+          <a:ext cx="0" cy="0"/>
+          <a:chOff x="0" y="0"/>
+          <a:chExt cx="0" cy="0"/>
+        </a:xfrm>
+      </p:grpSpPr>
+      <p:sp>
+        <p:nvSpPr>
+          <p:cNvPr id="2" name="Slide Image Placeholder 1"/>
+          <p:cNvSpPr>
+            <a:spLocks noGrp="1" noRot="1" noChangeAspect="1"/>
+          </p:cNvSpPr>
+          <p:nvPr>
+            <p:ph type="sldImg"/>
+          </p:nvPr>
+        </p:nvSpPr>
+        <p:spPr/>
+      </p:sp>
+      <p:sp>
+        <p:nvSpPr>
+          <p:cNvPr id="3" name="Notes Placeholder 2"/>
+          <p:cNvSpPr>
+            <a:spLocks noGrp="1"/>
+          </p:cNvSpPr>
+          <p:nvPr>
+            <p:ph type="body" idx="1"/>
+          </p:nvPr>
+        </p:nvSpPr>
+        <p:spPr/>
+        <p:txBody>
+          <a:bodyPr/>
+          <a:lstStyle/>
+          <a:p>
+            <a:pPr marL="0" marR="0" indent="0" algn="l" defTabSz="914400" rtl="0" eaLnBrk="1" fontAlgn="auto" latinLnBrk="0" hangingPunct="1">
+              <a:lnSpc>
+                <a:spcPct val="100000"/>
+              </a:lnSpc>
+              <a:spcBef>
+                <a:spcPts val="0"/>
+              </a:spcBef>
+              <a:spcAft>
+                <a:spcPts val="0"/>
+              </a:spcAft>
+              <a:buClrTx/>
+              <a:buSzTx/>
+              <a:buFontTx/>
+              <a:buNone/>
+              <a:tabLst/>
+              <a:defRPr/>
+            </a:pPr>
+            <a:endParaRPr lang="en-GB" sz="1400" dirty="0"/>
+          </a:p>
+        </p:txBody>
+      </p:sp>
+      <p:sp>
+        <p:nvSpPr>
+          <p:cNvPr id="4" name="Slide Number Placeholder 3"/>
+          <p:cNvSpPr>
+            <a:spLocks noGrp="1"/>
+          </p:cNvSpPr>
+          <p:nvPr>
+            <p:ph type="sldNum" sz="quarter" idx="5"/>
+          </p:nvPr>
+        </p:nvSpPr>
+        <p:spPr/>
+        <p:txBody>
+          <a:bodyPr/>
+          <a:lstStyle/>
+          <a:p>
+            <a:fld id="{A4A832E9-B7EB-442D-A30B-A0840E0F5E3D}" type="slidenum">
+              <a:rPr lang="en-NZ" smtClean="0"/>
+              <a:t>22</a:t>
+            </a:fld>
+            <a:endParaRPr lang="en-NZ"/>
+          </a:p>
+        </p:txBody>
+      </p:sp>
+    </p:spTree>
+    <p:extLst>
+      <p:ext uri="{BB962C8B-B14F-4D97-AF65-F5344CB8AC3E}">
+        <p14:creationId xmlns:p14="http://schemas.microsoft.com/office/powerpoint/2010/main" val="1907617786"/>
+      </p:ext>
+    </p:extLst>
+  </p:cSld>
+  <p:clrMapOvr>
+    <a:masterClrMapping/>
+  </p:clrMapOvr>
+</p:notes>
+</file>
+
+<file path=ppt/notesSlides/notesSlide23.xml><?xml version="1.0" encoding="utf-8"?>
+<p:notes xmlns:a="http://schemas.openxmlformats.org/drawingml/2006/main" xmlns:r="http://schemas.openxmlformats.org/officeDocument/2006/relationships" xmlns:p="http://schemas.openxmlformats.org/presentationml/2006/main">
+  <p:cSld>
+    <p:spTree>
+      <p:nvGrpSpPr>
+        <p:cNvPr id="1" name=""/>
+        <p:cNvGrpSpPr/>
+        <p:nvPr/>
+      </p:nvGrpSpPr>
+      <p:grpSpPr>
+        <a:xfrm>
+          <a:off x="0" y="0"/>
+          <a:ext cx="0" cy="0"/>
+          <a:chOff x="0" y="0"/>
+          <a:chExt cx="0" cy="0"/>
+        </a:xfrm>
+      </p:grpSpPr>
+      <p:sp>
+        <p:nvSpPr>
+          <p:cNvPr id="2" name="Slide Image Placeholder 1"/>
+          <p:cNvSpPr>
+            <a:spLocks noGrp="1" noRot="1" noChangeAspect="1"/>
+          </p:cNvSpPr>
+          <p:nvPr>
+            <p:ph type="sldImg"/>
+          </p:nvPr>
+        </p:nvSpPr>
+        <p:spPr/>
+      </p:sp>
+      <p:sp>
+        <p:nvSpPr>
+          <p:cNvPr id="3" name="Notes Placeholder 2"/>
+          <p:cNvSpPr>
+            <a:spLocks noGrp="1"/>
+          </p:cNvSpPr>
+          <p:nvPr>
+            <p:ph type="body" idx="1"/>
+          </p:nvPr>
+        </p:nvSpPr>
+        <p:spPr/>
+        <p:txBody>
+          <a:bodyPr/>
+          <a:lstStyle/>
+          <a:p>
+            <a:pPr marL="0" marR="0" indent="0" algn="l" defTabSz="914400" rtl="0" eaLnBrk="1" fontAlgn="auto" latinLnBrk="0" hangingPunct="1">
+              <a:lnSpc>
+                <a:spcPct val="100000"/>
+              </a:lnSpc>
+              <a:spcBef>
+                <a:spcPts val="0"/>
+              </a:spcBef>
+              <a:spcAft>
+                <a:spcPts val="0"/>
+              </a:spcAft>
+              <a:buClrTx/>
+              <a:buSzTx/>
+              <a:buFontTx/>
+              <a:buNone/>
+              <a:tabLst/>
+              <a:defRPr/>
+            </a:pPr>
+            <a:endParaRPr lang="en-GB" sz="1400" dirty="0"/>
+          </a:p>
+        </p:txBody>
+      </p:sp>
+      <p:sp>
+        <p:nvSpPr>
+          <p:cNvPr id="4" name="Slide Number Placeholder 3"/>
+          <p:cNvSpPr>
+            <a:spLocks noGrp="1"/>
+          </p:cNvSpPr>
+          <p:nvPr>
+            <p:ph type="sldNum" sz="quarter" idx="5"/>
+          </p:nvPr>
+        </p:nvSpPr>
+        <p:spPr/>
+        <p:txBody>
+          <a:bodyPr/>
+          <a:lstStyle/>
+          <a:p>
+            <a:fld id="{A4A832E9-B7EB-442D-A30B-A0840E0F5E3D}" type="slidenum">
+              <a:rPr lang="en-NZ" smtClean="0"/>
+              <a:t>23</a:t>
+            </a:fld>
+            <a:endParaRPr lang="en-NZ"/>
+          </a:p>
+        </p:txBody>
+      </p:sp>
+    </p:spTree>
+    <p:extLst>
+      <p:ext uri="{BB962C8B-B14F-4D97-AF65-F5344CB8AC3E}">
+        <p14:creationId xmlns:p14="http://schemas.microsoft.com/office/powerpoint/2010/main" val="1410764780"/>
+      </p:ext>
+    </p:extLst>
+  </p:cSld>
+  <p:clrMapOvr>
+    <a:masterClrMapping/>
+  </p:clrMapOvr>
+</p:notes>
+</file>
+
+<file path=ppt/notesSlides/notesSlide24.xml><?xml version="1.0" encoding="utf-8"?>
+<p:notes xmlns:a="http://schemas.openxmlformats.org/drawingml/2006/main" xmlns:r="http://schemas.openxmlformats.org/officeDocument/2006/relationships" xmlns:p="http://schemas.openxmlformats.org/presentationml/2006/main">
+  <p:cSld>
+    <p:spTree>
+      <p:nvGrpSpPr>
+        <p:cNvPr id="1" name=""/>
+        <p:cNvGrpSpPr/>
+        <p:nvPr/>
+      </p:nvGrpSpPr>
+      <p:grpSpPr>
+        <a:xfrm>
+          <a:off x="0" y="0"/>
+          <a:ext cx="0" cy="0"/>
+          <a:chOff x="0" y="0"/>
+          <a:chExt cx="0" cy="0"/>
+        </a:xfrm>
+      </p:grpSpPr>
+      <p:sp>
+        <p:nvSpPr>
+          <p:cNvPr id="2" name="Slide Image Placeholder 1"/>
+          <p:cNvSpPr>
+            <a:spLocks noGrp="1" noRot="1" noChangeAspect="1"/>
+          </p:cNvSpPr>
+          <p:nvPr>
+            <p:ph type="sldImg"/>
+          </p:nvPr>
+        </p:nvSpPr>
+        <p:spPr/>
+      </p:sp>
+      <p:sp>
+        <p:nvSpPr>
+          <p:cNvPr id="3" name="Notes Placeholder 2"/>
+          <p:cNvSpPr>
+            <a:spLocks noGrp="1"/>
+          </p:cNvSpPr>
+          <p:nvPr>
+            <p:ph type="body" idx="1"/>
+          </p:nvPr>
+        </p:nvSpPr>
+        <p:spPr/>
+        <p:txBody>
+          <a:bodyPr/>
+          <a:lstStyle/>
+          <a:p>
+            <a:pPr marL="0" marR="0" indent="0" algn="l" defTabSz="914400" rtl="0" eaLnBrk="1" fontAlgn="auto" latinLnBrk="0" hangingPunct="1">
+              <a:lnSpc>
+                <a:spcPct val="100000"/>
+              </a:lnSpc>
+              <a:spcBef>
+                <a:spcPts val="0"/>
+              </a:spcBef>
+              <a:spcAft>
+                <a:spcPts val="0"/>
+              </a:spcAft>
+              <a:buClrTx/>
+              <a:buSzTx/>
+              <a:buFontTx/>
+              <a:buNone/>
+              <a:tabLst/>
+              <a:defRPr/>
+            </a:pPr>
+            <a:endParaRPr lang="en-GB" sz="1400" dirty="0"/>
+          </a:p>
+        </p:txBody>
+      </p:sp>
+      <p:sp>
+        <p:nvSpPr>
+          <p:cNvPr id="4" name="Slide Number Placeholder 3"/>
+          <p:cNvSpPr>
+            <a:spLocks noGrp="1"/>
+          </p:cNvSpPr>
+          <p:nvPr>
+            <p:ph type="sldNum" sz="quarter" idx="5"/>
+          </p:nvPr>
+        </p:nvSpPr>
+        <p:spPr/>
+        <p:txBody>
+          <a:bodyPr/>
+          <a:lstStyle/>
+          <a:p>
+            <a:fld id="{A4A832E9-B7EB-442D-A30B-A0840E0F5E3D}" type="slidenum">
+              <a:rPr lang="en-NZ" smtClean="0"/>
+              <a:t>24</a:t>
+            </a:fld>
+            <a:endParaRPr lang="en-NZ"/>
+          </a:p>
+        </p:txBody>
+      </p:sp>
+    </p:spTree>
+    <p:extLst>
+      <p:ext uri="{BB962C8B-B14F-4D97-AF65-F5344CB8AC3E}">
+        <p14:creationId xmlns:p14="http://schemas.microsoft.com/office/powerpoint/2010/main" val="3429675793"/>
+      </p:ext>
+    </p:extLst>
+  </p:cSld>
+  <p:clrMapOvr>
+    <a:masterClrMapping/>
+  </p:clrMapOvr>
+</p:notes>
+</file>
+
+<file path=ppt/notesSlides/notesSlide25.xml><?xml version="1.0" encoding="utf-8"?>
+<p:notes xmlns:a="http://schemas.openxmlformats.org/drawingml/2006/main" xmlns:r="http://schemas.openxmlformats.org/officeDocument/2006/relationships" xmlns:p="http://schemas.openxmlformats.org/presentationml/2006/main">
+  <p:cSld>
+    <p:spTree>
+      <p:nvGrpSpPr>
+        <p:cNvPr id="1" name=""/>
+        <p:cNvGrpSpPr/>
+        <p:nvPr/>
+      </p:nvGrpSpPr>
+      <p:grpSpPr>
+        <a:xfrm>
+          <a:off x="0" y="0"/>
+          <a:ext cx="0" cy="0"/>
+          <a:chOff x="0" y="0"/>
+          <a:chExt cx="0" cy="0"/>
+        </a:xfrm>
+      </p:grpSpPr>
+      <p:sp>
+        <p:nvSpPr>
+          <p:cNvPr id="2" name="Slide Image Placeholder 1"/>
+          <p:cNvSpPr>
+            <a:spLocks noGrp="1" noRot="1" noChangeAspect="1"/>
+          </p:cNvSpPr>
+          <p:nvPr>
+            <p:ph type="sldImg"/>
+          </p:nvPr>
+        </p:nvSpPr>
+        <p:spPr/>
+      </p:sp>
+      <p:sp>
+        <p:nvSpPr>
+          <p:cNvPr id="3" name="Notes Placeholder 2"/>
+          <p:cNvSpPr>
+            <a:spLocks noGrp="1"/>
+          </p:cNvSpPr>
+          <p:nvPr>
+            <p:ph type="body" idx="1"/>
+          </p:nvPr>
+        </p:nvSpPr>
+        <p:spPr/>
+        <p:txBody>
+          <a:bodyPr/>
+          <a:lstStyle/>
+          <a:p>
+            <a:pPr marL="0" marR="0" indent="0" algn="l" defTabSz="914400" rtl="0" eaLnBrk="1" fontAlgn="auto" latinLnBrk="0" hangingPunct="1">
+              <a:lnSpc>
+                <a:spcPct val="100000"/>
+              </a:lnSpc>
+              <a:spcBef>
+                <a:spcPts val="0"/>
+              </a:spcBef>
+              <a:spcAft>
+                <a:spcPts val="0"/>
+              </a:spcAft>
+              <a:buClrTx/>
+              <a:buSzTx/>
+              <a:buFontTx/>
+              <a:buNone/>
+              <a:tabLst/>
+              <a:defRPr/>
+            </a:pPr>
+            <a:endParaRPr lang="en-GB" sz="1400" dirty="0"/>
+          </a:p>
+        </p:txBody>
+      </p:sp>
+      <p:sp>
+        <p:nvSpPr>
+          <p:cNvPr id="4" name="Slide Number Placeholder 3"/>
+          <p:cNvSpPr>
+            <a:spLocks noGrp="1"/>
+          </p:cNvSpPr>
+          <p:nvPr>
+            <p:ph type="sldNum" sz="quarter" idx="5"/>
+          </p:nvPr>
+        </p:nvSpPr>
+        <p:spPr/>
+        <p:txBody>
+          <a:bodyPr/>
+          <a:lstStyle/>
+          <a:p>
+            <a:fld id="{A4A832E9-B7EB-442D-A30B-A0840E0F5E3D}" type="slidenum">
+              <a:rPr lang="en-NZ" smtClean="0"/>
+              <a:t>25</a:t>
+            </a:fld>
+            <a:endParaRPr lang="en-NZ"/>
+          </a:p>
+        </p:txBody>
+      </p:sp>
+    </p:spTree>
+    <p:extLst>
+      <p:ext uri="{BB962C8B-B14F-4D97-AF65-F5344CB8AC3E}">
+        <p14:creationId xmlns:p14="http://schemas.microsoft.com/office/powerpoint/2010/main" val="1835274686"/>
+      </p:ext>
+    </p:extLst>
+  </p:cSld>
+  <p:clrMapOvr>
+    <a:masterClrMapping/>
+  </p:clrMapOvr>
+</p:notes>
+</file>
+
+<file path=ppt/notesSlides/notesSlide26.xml><?xml version="1.0" encoding="utf-8"?>
+<p:notes xmlns:a="http://schemas.openxmlformats.org/drawingml/2006/main" xmlns:r="http://schemas.openxmlformats.org/officeDocument/2006/relationships" xmlns:p="http://schemas.openxmlformats.org/presentationml/2006/main">
+  <p:cSld>
+    <p:spTree>
+      <p:nvGrpSpPr>
+        <p:cNvPr id="1" name=""/>
+        <p:cNvGrpSpPr/>
+        <p:nvPr/>
+      </p:nvGrpSpPr>
+      <p:grpSpPr>
+        <a:xfrm>
+          <a:off x="0" y="0"/>
+          <a:ext cx="0" cy="0"/>
+          <a:chOff x="0" y="0"/>
+          <a:chExt cx="0" cy="0"/>
+        </a:xfrm>
+      </p:grpSpPr>
+      <p:sp>
+        <p:nvSpPr>
+          <p:cNvPr id="2" name="Slide Image Placeholder 1"/>
+          <p:cNvSpPr>
+            <a:spLocks noGrp="1" noRot="1" noChangeAspect="1"/>
+          </p:cNvSpPr>
+          <p:nvPr>
+            <p:ph type="sldImg"/>
+          </p:nvPr>
+        </p:nvSpPr>
+        <p:spPr/>
+      </p:sp>
+      <p:sp>
+        <p:nvSpPr>
+          <p:cNvPr id="3" name="Notes Placeholder 2"/>
+          <p:cNvSpPr>
+            <a:spLocks noGrp="1"/>
+          </p:cNvSpPr>
+          <p:nvPr>
+            <p:ph type="body" idx="1"/>
+          </p:nvPr>
+        </p:nvSpPr>
+        <p:spPr/>
+        <p:txBody>
+          <a:bodyPr/>
+          <a:lstStyle/>
+          <a:p>
+            <a:pPr marL="0" marR="0" indent="0" algn="l" defTabSz="914400" rtl="0" eaLnBrk="1" fontAlgn="auto" latinLnBrk="0" hangingPunct="1">
+              <a:lnSpc>
+                <a:spcPct val="100000"/>
+              </a:lnSpc>
+              <a:spcBef>
+                <a:spcPts val="0"/>
+              </a:spcBef>
+              <a:spcAft>
+                <a:spcPts val="0"/>
+              </a:spcAft>
+              <a:buClrTx/>
+              <a:buSzTx/>
+              <a:buFontTx/>
+              <a:buNone/>
+              <a:tabLst/>
+              <a:defRPr/>
+            </a:pPr>
+            <a:endParaRPr lang="en-GB" sz="1400" dirty="0"/>
+          </a:p>
+        </p:txBody>
+      </p:sp>
+      <p:sp>
+        <p:nvSpPr>
+          <p:cNvPr id="4" name="Slide Number Placeholder 3"/>
+          <p:cNvSpPr>
+            <a:spLocks noGrp="1"/>
+          </p:cNvSpPr>
+          <p:nvPr>
+            <p:ph type="sldNum" sz="quarter" idx="5"/>
+          </p:nvPr>
+        </p:nvSpPr>
+        <p:spPr/>
+        <p:txBody>
+          <a:bodyPr/>
+          <a:lstStyle/>
+          <a:p>
+            <a:fld id="{A4A832E9-B7EB-442D-A30B-A0840E0F5E3D}" type="slidenum">
+              <a:rPr lang="en-NZ" smtClean="0"/>
+              <a:t>26</a:t>
+            </a:fld>
+            <a:endParaRPr lang="en-NZ"/>
+          </a:p>
+        </p:txBody>
+      </p:sp>
+    </p:spTree>
+    <p:extLst>
+      <p:ext uri="{BB962C8B-B14F-4D97-AF65-F5344CB8AC3E}">
+        <p14:creationId xmlns:p14="http://schemas.microsoft.com/office/powerpoint/2010/main" val="1040276816"/>
+      </p:ext>
+    </p:extLst>
+  </p:cSld>
+  <p:clrMapOvr>
+    <a:masterClrMapping/>
+  </p:clrMapOvr>
+</p:notes>
+</file>
+
+<file path=ppt/notesSlides/notesSlide27.xml><?xml version="1.0" encoding="utf-8"?>
+<p:notes xmlns:a="http://schemas.openxmlformats.org/drawingml/2006/main" xmlns:r="http://schemas.openxmlformats.org/officeDocument/2006/relationships" xmlns:p="http://schemas.openxmlformats.org/presentationml/2006/main">
+  <p:cSld>
+    <p:spTree>
+      <p:nvGrpSpPr>
+        <p:cNvPr id="1" name=""/>
+        <p:cNvGrpSpPr/>
+        <p:nvPr/>
+      </p:nvGrpSpPr>
+      <p:grpSpPr>
+        <a:xfrm>
+          <a:off x="0" y="0"/>
+          <a:ext cx="0" cy="0"/>
+          <a:chOff x="0" y="0"/>
+          <a:chExt cx="0" cy="0"/>
+        </a:xfrm>
+      </p:grpSpPr>
+      <p:sp>
+        <p:nvSpPr>
+          <p:cNvPr id="2" name="Slide Image Placeholder 1"/>
+          <p:cNvSpPr>
+            <a:spLocks noGrp="1" noRot="1" noChangeAspect="1"/>
+          </p:cNvSpPr>
+          <p:nvPr>
+            <p:ph type="sldImg"/>
+          </p:nvPr>
+        </p:nvSpPr>
+        <p:spPr/>
+      </p:sp>
+      <p:sp>
+        <p:nvSpPr>
+          <p:cNvPr id="3" name="Notes Placeholder 2"/>
+          <p:cNvSpPr>
+            <a:spLocks noGrp="1"/>
+          </p:cNvSpPr>
+          <p:nvPr>
+            <p:ph type="body" idx="1"/>
+          </p:nvPr>
+        </p:nvSpPr>
+        <p:spPr/>
+        <p:txBody>
+          <a:bodyPr/>
+          <a:lstStyle/>
+          <a:p>
+            <a:pPr marL="0" marR="0" indent="0" algn="l" defTabSz="914400" rtl="0" eaLnBrk="1" fontAlgn="auto" latinLnBrk="0" hangingPunct="1">
+              <a:lnSpc>
+                <a:spcPct val="100000"/>
+              </a:lnSpc>
+              <a:spcBef>
+                <a:spcPts val="0"/>
+              </a:spcBef>
+              <a:spcAft>
+                <a:spcPts val="0"/>
+              </a:spcAft>
+              <a:buClrTx/>
+              <a:buSzTx/>
+              <a:buFontTx/>
+              <a:buNone/>
+              <a:tabLst/>
+              <a:defRPr/>
+            </a:pPr>
+            <a:endParaRPr lang="en-GB" sz="1400" dirty="0"/>
+          </a:p>
+        </p:txBody>
+      </p:sp>
+      <p:sp>
+        <p:nvSpPr>
+          <p:cNvPr id="4" name="Slide Number Placeholder 3"/>
+          <p:cNvSpPr>
+            <a:spLocks noGrp="1"/>
+          </p:cNvSpPr>
+          <p:nvPr>
+            <p:ph type="sldNum" sz="quarter" idx="5"/>
+          </p:nvPr>
+        </p:nvSpPr>
+        <p:spPr/>
+        <p:txBody>
+          <a:bodyPr/>
+          <a:lstStyle/>
+          <a:p>
+            <a:fld id="{A4A832E9-B7EB-442D-A30B-A0840E0F5E3D}" type="slidenum">
+              <a:rPr lang="en-NZ" smtClean="0"/>
+              <a:t>27</a:t>
+            </a:fld>
+            <a:endParaRPr lang="en-NZ"/>
+          </a:p>
+        </p:txBody>
+      </p:sp>
+    </p:spTree>
+    <p:extLst>
+      <p:ext uri="{BB962C8B-B14F-4D97-AF65-F5344CB8AC3E}">
+        <p14:creationId xmlns:p14="http://schemas.microsoft.com/office/powerpoint/2010/main" val="983694607"/>
+      </p:ext>
+    </p:extLst>
+  </p:cSld>
+  <p:clrMapOvr>
+    <a:masterClrMapping/>
+  </p:clrMapOvr>
+</p:notes>
+</file>
+
+<file path=ppt/notesSlides/notesSlide28.xml><?xml version="1.0" encoding="utf-8"?>
+<p:notes xmlns:a="http://schemas.openxmlformats.org/drawingml/2006/main" xmlns:r="http://schemas.openxmlformats.org/officeDocument/2006/relationships" xmlns:p="http://schemas.openxmlformats.org/presentationml/2006/main">
+  <p:cSld>
+    <p:spTree>
+      <p:nvGrpSpPr>
+        <p:cNvPr id="1" name=""/>
+        <p:cNvGrpSpPr/>
+        <p:nvPr/>
+      </p:nvGrpSpPr>
+      <p:grpSpPr>
+        <a:xfrm>
+          <a:off x="0" y="0"/>
+          <a:ext cx="0" cy="0"/>
+          <a:chOff x="0" y="0"/>
+          <a:chExt cx="0" cy="0"/>
+        </a:xfrm>
+      </p:grpSpPr>
+      <p:sp>
+        <p:nvSpPr>
+          <p:cNvPr id="2" name="Slide Image Placeholder 1"/>
+          <p:cNvSpPr>
+            <a:spLocks noGrp="1" noRot="1" noChangeAspect="1"/>
+          </p:cNvSpPr>
+          <p:nvPr>
+            <p:ph type="sldImg"/>
+          </p:nvPr>
+        </p:nvSpPr>
+        <p:spPr/>
+      </p:sp>
+      <p:sp>
+        <p:nvSpPr>
+          <p:cNvPr id="3" name="Notes Placeholder 2"/>
+          <p:cNvSpPr>
+            <a:spLocks noGrp="1"/>
+          </p:cNvSpPr>
+          <p:nvPr>
+            <p:ph type="body" idx="1"/>
+          </p:nvPr>
+        </p:nvSpPr>
+        <p:spPr/>
+        <p:txBody>
+          <a:bodyPr/>
+          <a:lstStyle/>
+          <a:p>
+            <a:pPr marL="0" marR="0" indent="0" algn="l" defTabSz="914400" rtl="0" eaLnBrk="1" fontAlgn="auto" latinLnBrk="0" hangingPunct="1">
+              <a:lnSpc>
+                <a:spcPct val="100000"/>
+              </a:lnSpc>
+              <a:spcBef>
+                <a:spcPts val="0"/>
+              </a:spcBef>
+              <a:spcAft>
+                <a:spcPts val="0"/>
+              </a:spcAft>
+              <a:buClrTx/>
+              <a:buSzTx/>
+              <a:buFontTx/>
+              <a:buNone/>
+              <a:tabLst/>
+              <a:defRPr/>
+            </a:pPr>
+            <a:endParaRPr lang="en-GB" sz="1400" dirty="0"/>
+          </a:p>
+        </p:txBody>
+      </p:sp>
+      <p:sp>
+        <p:nvSpPr>
+          <p:cNvPr id="4" name="Slide Number Placeholder 3"/>
+          <p:cNvSpPr>
+            <a:spLocks noGrp="1"/>
+          </p:cNvSpPr>
+          <p:nvPr>
+            <p:ph type="sldNum" sz="quarter" idx="5"/>
+          </p:nvPr>
+        </p:nvSpPr>
+        <p:spPr/>
+        <p:txBody>
+          <a:bodyPr/>
+          <a:lstStyle/>
+          <a:p>
+            <a:fld id="{A4A832E9-B7EB-442D-A30B-A0840E0F5E3D}" type="slidenum">
+              <a:rPr lang="en-NZ" smtClean="0"/>
+              <a:t>28</a:t>
+            </a:fld>
+            <a:endParaRPr lang="en-NZ"/>
+          </a:p>
+        </p:txBody>
+      </p:sp>
+    </p:spTree>
+    <p:extLst>
+      <p:ext uri="{BB962C8B-B14F-4D97-AF65-F5344CB8AC3E}">
+        <p14:creationId xmlns:p14="http://schemas.microsoft.com/office/powerpoint/2010/main" val="482757168"/>
+      </p:ext>
+    </p:extLst>
+  </p:cSld>
+  <p:clrMapOvr>
+    <a:masterClrMapping/>
+  </p:clrMapOvr>
+</p:notes>
+</file>
+
+<file path=ppt/notesSlides/notesSlide29.xml><?xml version="1.0" encoding="utf-8"?>
+<p:notes xmlns:a="http://schemas.openxmlformats.org/drawingml/2006/main" xmlns:r="http://schemas.openxmlformats.org/officeDocument/2006/relationships" xmlns:p="http://schemas.openxmlformats.org/presentationml/2006/main">
+  <p:cSld>
+    <p:spTree>
+      <p:nvGrpSpPr>
+        <p:cNvPr id="1" name=""/>
+        <p:cNvGrpSpPr/>
+        <p:nvPr/>
+      </p:nvGrpSpPr>
+      <p:grpSpPr>
+        <a:xfrm>
+          <a:off x="0" y="0"/>
+          <a:ext cx="0" cy="0"/>
+          <a:chOff x="0" y="0"/>
+          <a:chExt cx="0" cy="0"/>
+        </a:xfrm>
+      </p:grpSpPr>
+      <p:sp>
+        <p:nvSpPr>
+          <p:cNvPr id="2" name="Slide Image Placeholder 1"/>
+          <p:cNvSpPr>
+            <a:spLocks noGrp="1" noRot="1" noChangeAspect="1"/>
+          </p:cNvSpPr>
+          <p:nvPr>
+            <p:ph type="sldImg"/>
+          </p:nvPr>
+        </p:nvSpPr>
+        <p:spPr/>
+      </p:sp>
+      <p:sp>
+        <p:nvSpPr>
+          <p:cNvPr id="3" name="Notes Placeholder 2"/>
+          <p:cNvSpPr>
+            <a:spLocks noGrp="1"/>
+          </p:cNvSpPr>
+          <p:nvPr>
+            <p:ph type="body" idx="1"/>
+          </p:nvPr>
+        </p:nvSpPr>
+        <p:spPr/>
+        <p:txBody>
+          <a:bodyPr/>
+          <a:lstStyle/>
+          <a:p>
+            <a:pPr marL="0" marR="0" indent="0" algn="l" defTabSz="914400" rtl="0" eaLnBrk="1" fontAlgn="auto" latinLnBrk="0" hangingPunct="1">
+              <a:lnSpc>
+                <a:spcPct val="100000"/>
+              </a:lnSpc>
+              <a:spcBef>
+                <a:spcPts val="0"/>
+              </a:spcBef>
+              <a:spcAft>
+                <a:spcPts val="0"/>
+              </a:spcAft>
+              <a:buClrTx/>
+              <a:buSzTx/>
+              <a:buFontTx/>
+              <a:buNone/>
+              <a:tabLst/>
+              <a:defRPr/>
+            </a:pPr>
+            <a:endParaRPr lang="en-GB" sz="1400" dirty="0"/>
+          </a:p>
+        </p:txBody>
+      </p:sp>
+      <p:sp>
+        <p:nvSpPr>
+          <p:cNvPr id="4" name="Slide Number Placeholder 3"/>
+          <p:cNvSpPr>
+            <a:spLocks noGrp="1"/>
+          </p:cNvSpPr>
+          <p:nvPr>
+            <p:ph type="sldNum" sz="quarter" idx="5"/>
+          </p:nvPr>
+        </p:nvSpPr>
+        <p:spPr/>
+        <p:txBody>
+          <a:bodyPr/>
+          <a:lstStyle/>
+          <a:p>
+            <a:fld id="{A4A832E9-B7EB-442D-A30B-A0840E0F5E3D}" type="slidenum">
+              <a:rPr lang="en-NZ" smtClean="0"/>
+              <a:t>29</a:t>
+            </a:fld>
+            <a:endParaRPr lang="en-NZ"/>
+          </a:p>
+        </p:txBody>
+      </p:sp>
+    </p:spTree>
+    <p:extLst>
+      <p:ext uri="{BB962C8B-B14F-4D97-AF65-F5344CB8AC3E}">
+        <p14:creationId xmlns:p14="http://schemas.microsoft.com/office/powerpoint/2010/main" val="2434609226"/>
+      </p:ext>
+    </p:extLst>
+  </p:cSld>
+  <p:clrMapOvr>
+    <a:masterClrMapping/>
+  </p:clrMapOvr>
+</p:notes>
+</file>
+
+<file path=ppt/notesSlides/notesSlide3.xml><?xml version="1.0" encoding="utf-8"?>
+<p:notes xmlns:a="http://schemas.openxmlformats.org/drawingml/2006/main" xmlns:r="http://schemas.openxmlformats.org/officeDocument/2006/relationships" xmlns:p="http://schemas.openxmlformats.org/presentationml/2006/main">
+  <p:cSld>
+    <p:spTree>
+      <p:nvGrpSpPr>
+        <p:cNvPr id="1" name=""/>
+        <p:cNvGrpSpPr/>
+        <p:nvPr/>
+      </p:nvGrpSpPr>
+      <p:grpSpPr>
+        <a:xfrm>
+          <a:off x="0" y="0"/>
+          <a:ext cx="0" cy="0"/>
+          <a:chOff x="0" y="0"/>
+          <a:chExt cx="0" cy="0"/>
+        </a:xfrm>
+      </p:grpSpPr>
+      <p:sp>
+        <p:nvSpPr>
+          <p:cNvPr id="2" name="Slide Image Placeholder 1"/>
+          <p:cNvSpPr>
+            <a:spLocks noGrp="1" noRot="1" noChangeAspect="1"/>
+          </p:cNvSpPr>
+          <p:nvPr>
+            <p:ph type="sldImg"/>
+          </p:nvPr>
+        </p:nvSpPr>
+        <p:spPr/>
+      </p:sp>
+      <p:sp>
+        <p:nvSpPr>
+          <p:cNvPr id="3" name="Notes Placeholder 2"/>
+          <p:cNvSpPr>
+            <a:spLocks noGrp="1"/>
+          </p:cNvSpPr>
+          <p:nvPr>
+            <p:ph type="body" idx="1"/>
+          </p:nvPr>
+        </p:nvSpPr>
+        <p:spPr/>
+        <p:txBody>
+          <a:bodyPr/>
+          <a:lstStyle/>
+          <a:p>
+            <a:pPr marL="0" marR="0" indent="0" algn="l" defTabSz="914400" rtl="0" eaLnBrk="1" fontAlgn="auto" latinLnBrk="0" hangingPunct="1">
+              <a:lnSpc>
+                <a:spcPct val="100000"/>
+              </a:lnSpc>
+              <a:spcBef>
+                <a:spcPts val="0"/>
+              </a:spcBef>
+              <a:spcAft>
+                <a:spcPts val="0"/>
+              </a:spcAft>
+              <a:buClrTx/>
+              <a:buSzTx/>
+              <a:buFontTx/>
+              <a:buNone/>
+              <a:tabLst/>
+              <a:defRPr/>
+            </a:pPr>
+            <a:endParaRPr lang="en-GB" sz="1400" dirty="0"/>
+          </a:p>
+        </p:txBody>
+      </p:sp>
+      <p:sp>
+        <p:nvSpPr>
+          <p:cNvPr id="4" name="Slide Number Placeholder 3"/>
+          <p:cNvSpPr>
+            <a:spLocks noGrp="1"/>
+          </p:cNvSpPr>
+          <p:nvPr>
+            <p:ph type="sldNum" sz="quarter" idx="5"/>
+          </p:nvPr>
+        </p:nvSpPr>
+        <p:spPr/>
+        <p:txBody>
+          <a:bodyPr/>
+          <a:lstStyle/>
+          <a:p>
+            <a:fld id="{A4A832E9-B7EB-442D-A30B-A0840E0F5E3D}" type="slidenum">
+              <a:rPr lang="en-NZ" smtClean="0"/>
               <a:t>3</a:t>
             </a:fld>
             <a:endParaRPr lang="en-NZ"/>
@@ -4104,7 +5329,108 @@
     </p:spTree>
     <p:extLst>
       <p:ext uri="{BB962C8B-B14F-4D97-AF65-F5344CB8AC3E}">
-        <p14:creationId xmlns:p14="http://schemas.microsoft.com/office/powerpoint/2010/main" val="507154277"/>
+        <p14:creationId xmlns:p14="http://schemas.microsoft.com/office/powerpoint/2010/main" val="132058769"/>
+      </p:ext>
+    </p:extLst>
+  </p:cSld>
+  <p:clrMapOvr>
+    <a:masterClrMapping/>
+  </p:clrMapOvr>
+</p:notes>
+</file>
+
+<file path=ppt/notesSlides/notesSlide30.xml><?xml version="1.0" encoding="utf-8"?>
+<p:notes xmlns:a="http://schemas.openxmlformats.org/drawingml/2006/main" xmlns:r="http://schemas.openxmlformats.org/officeDocument/2006/relationships" xmlns:p="http://schemas.openxmlformats.org/presentationml/2006/main">
+  <p:cSld>
+    <p:spTree>
+      <p:nvGrpSpPr>
+        <p:cNvPr id="1" name=""/>
+        <p:cNvGrpSpPr/>
+        <p:nvPr/>
+      </p:nvGrpSpPr>
+      <p:grpSpPr>
+        <a:xfrm>
+          <a:off x="0" y="0"/>
+          <a:ext cx="0" cy="0"/>
+          <a:chOff x="0" y="0"/>
+          <a:chExt cx="0" cy="0"/>
+        </a:xfrm>
+      </p:grpSpPr>
+      <p:sp>
+        <p:nvSpPr>
+          <p:cNvPr id="2" name="Slide Image Placeholder 1"/>
+          <p:cNvSpPr>
+            <a:spLocks noGrp="1" noRot="1" noChangeAspect="1"/>
+          </p:cNvSpPr>
+          <p:nvPr>
+            <p:ph type="sldImg"/>
+          </p:nvPr>
+        </p:nvSpPr>
+        <p:spPr/>
+      </p:sp>
+      <p:sp>
+        <p:nvSpPr>
+          <p:cNvPr id="3" name="Notes Placeholder 2"/>
+          <p:cNvSpPr>
+            <a:spLocks noGrp="1"/>
+          </p:cNvSpPr>
+          <p:nvPr>
+            <p:ph type="body" idx="1"/>
+          </p:nvPr>
+        </p:nvSpPr>
+        <p:spPr/>
+        <p:txBody>
+          <a:bodyPr/>
+          <a:lstStyle/>
+          <a:p>
+            <a:pPr marL="0" marR="0" lvl="0" indent="0" algn="l" defTabSz="914400" rtl="0" eaLnBrk="1" fontAlgn="auto" latinLnBrk="0" hangingPunct="1">
+              <a:lnSpc>
+                <a:spcPct val="100000"/>
+              </a:lnSpc>
+              <a:spcBef>
+                <a:spcPts val="0"/>
+              </a:spcBef>
+              <a:spcAft>
+                <a:spcPts val="0"/>
+              </a:spcAft>
+              <a:buClrTx/>
+              <a:buSzTx/>
+              <a:buFontTx/>
+              <a:buNone/>
+              <a:tabLst/>
+              <a:defRPr/>
+            </a:pPr>
+            <a:endParaRPr lang="en-GB" dirty="0"/>
+          </a:p>
+        </p:txBody>
+      </p:sp>
+      <p:sp>
+        <p:nvSpPr>
+          <p:cNvPr id="4" name="Slide Number Placeholder 3"/>
+          <p:cNvSpPr>
+            <a:spLocks noGrp="1"/>
+          </p:cNvSpPr>
+          <p:nvPr>
+            <p:ph type="sldNum" sz="quarter" idx="5"/>
+          </p:nvPr>
+        </p:nvSpPr>
+        <p:spPr/>
+        <p:txBody>
+          <a:bodyPr/>
+          <a:lstStyle/>
+          <a:p>
+            <a:fld id="{A4A832E9-B7EB-442D-A30B-A0840E0F5E3D}" type="slidenum">
+              <a:rPr lang="en-NZ" smtClean="0"/>
+              <a:t>30</a:t>
+            </a:fld>
+            <a:endParaRPr lang="en-NZ"/>
+          </a:p>
+        </p:txBody>
+      </p:sp>
+    </p:spTree>
+    <p:extLst>
+      <p:ext uri="{BB962C8B-B14F-4D97-AF65-F5344CB8AC3E}">
+        <p14:creationId xmlns:p14="http://schemas.microsoft.com/office/powerpoint/2010/main" val="1592943762"/>
       </p:ext>
     </p:extLst>
   </p:cSld>
@@ -4205,7 +5531,7 @@
     </p:spTree>
     <p:extLst>
       <p:ext uri="{BB962C8B-B14F-4D97-AF65-F5344CB8AC3E}">
-        <p14:creationId xmlns:p14="http://schemas.microsoft.com/office/powerpoint/2010/main" val="2430444098"/>
+        <p14:creationId xmlns:p14="http://schemas.microsoft.com/office/powerpoint/2010/main" val="507154277"/>
       </p:ext>
     </p:extLst>
   </p:cSld>
@@ -4306,7 +5632,7 @@
     </p:spTree>
     <p:extLst>
       <p:ext uri="{BB962C8B-B14F-4D97-AF65-F5344CB8AC3E}">
-        <p14:creationId xmlns:p14="http://schemas.microsoft.com/office/powerpoint/2010/main" val="3383227520"/>
+        <p14:creationId xmlns:p14="http://schemas.microsoft.com/office/powerpoint/2010/main" val="2430444098"/>
       </p:ext>
     </p:extLst>
   </p:cSld>
@@ -4407,7 +5733,7 @@
     </p:spTree>
     <p:extLst>
       <p:ext uri="{BB962C8B-B14F-4D97-AF65-F5344CB8AC3E}">
-        <p14:creationId xmlns:p14="http://schemas.microsoft.com/office/powerpoint/2010/main" val="288256604"/>
+        <p14:creationId xmlns:p14="http://schemas.microsoft.com/office/powerpoint/2010/main" val="3383227520"/>
       </p:ext>
     </p:extLst>
   </p:cSld>
@@ -4508,7 +5834,7 @@
     </p:spTree>
     <p:extLst>
       <p:ext uri="{BB962C8B-B14F-4D97-AF65-F5344CB8AC3E}">
-        <p14:creationId xmlns:p14="http://schemas.microsoft.com/office/powerpoint/2010/main" val="1489879371"/>
+        <p14:creationId xmlns:p14="http://schemas.microsoft.com/office/powerpoint/2010/main" val="288256604"/>
       </p:ext>
     </p:extLst>
   </p:cSld>
@@ -4609,7 +5935,7 @@
     </p:spTree>
     <p:extLst>
       <p:ext uri="{BB962C8B-B14F-4D97-AF65-F5344CB8AC3E}">
-        <p14:creationId xmlns:p14="http://schemas.microsoft.com/office/powerpoint/2010/main" val="3474682934"/>
+        <p14:creationId xmlns:p14="http://schemas.microsoft.com/office/powerpoint/2010/main" val="1489879371"/>
       </p:ext>
     </p:extLst>
   </p:cSld>
@@ -4710,7 +6036,7 @@
     </p:spTree>
     <p:extLst>
       <p:ext uri="{BB962C8B-B14F-4D97-AF65-F5344CB8AC3E}">
-        <p14:creationId xmlns:p14="http://schemas.microsoft.com/office/powerpoint/2010/main" val="2702402970"/>
+        <p14:creationId xmlns:p14="http://schemas.microsoft.com/office/powerpoint/2010/main" val="3474682934"/>
       </p:ext>
     </p:extLst>
   </p:cSld>
@@ -10926,6 +12252,332 @@
             <p:ph type="title"/>
           </p:nvPr>
         </p:nvSpPr>
+        <p:spPr>
+          <a:xfrm>
+            <a:off x="677334" y="271848"/>
+            <a:ext cx="7062072" cy="667265"/>
+          </a:xfrm>
+        </p:spPr>
+        <p:txBody>
+          <a:bodyPr>
+            <a:normAutofit/>
+          </a:bodyPr>
+          <a:lstStyle/>
+          <a:p>
+            <a:r>
+              <a:rPr lang="en-US" dirty="0"/>
+              <a:t>Considerations</a:t>
+            </a:r>
+          </a:p>
+        </p:txBody>
+      </p:sp>
+      <p:sp>
+        <p:nvSpPr>
+          <p:cNvPr id="47" name="Content Placeholder 2">
+            <a:extLst>
+              <a:ext uri="{FF2B5EF4-FFF2-40B4-BE49-F238E27FC236}">
+                <a16:creationId xmlns:a16="http://schemas.microsoft.com/office/drawing/2014/main" id="{3DA02F28-2941-334D-9C83-8E64C99A7AB4}"/>
+              </a:ext>
+            </a:extLst>
+          </p:cNvPr>
+          <p:cNvSpPr>
+            <a:spLocks noGrp="1"/>
+          </p:cNvSpPr>
+          <p:nvPr>
+            <p:ph idx="1"/>
+          </p:nvPr>
+        </p:nvSpPr>
+        <p:spPr>
+          <a:xfrm>
+            <a:off x="677334" y="1173892"/>
+            <a:ext cx="8690504" cy="5078627"/>
+          </a:xfrm>
+        </p:spPr>
+        <p:txBody>
+          <a:bodyPr vert="horz" lIns="91440" tIns="45720" rIns="91440" bIns="45720" rtlCol="0" anchor="t">
+            <a:normAutofit/>
+          </a:bodyPr>
+          <a:lstStyle/>
+          <a:p>
+            <a:r>
+              <a:rPr lang="en-US" dirty="0">
+                <a:solidFill>
+                  <a:schemeClr val="tx1"/>
+                </a:solidFill>
+              </a:rPr>
+              <a:t>Integration with High Performance Computing environments</a:t>
+            </a:r>
+          </a:p>
+          <a:p>
+            <a:pPr lvl="1"/>
+            <a:r>
+              <a:rPr lang="fr-FR" dirty="0">
+                <a:solidFill>
+                  <a:schemeClr val="tx1"/>
+                </a:solidFill>
+              </a:rPr>
+              <a:t>New </a:t>
+            </a:r>
+            <a:r>
+              <a:rPr lang="fr-FR" dirty="0" err="1">
+                <a:solidFill>
+                  <a:schemeClr val="tx1"/>
+                </a:solidFill>
+              </a:rPr>
+              <a:t>Zealand</a:t>
+            </a:r>
+            <a:r>
+              <a:rPr lang="fr-FR" dirty="0">
+                <a:solidFill>
+                  <a:schemeClr val="tx1"/>
+                </a:solidFill>
+              </a:rPr>
+              <a:t> </a:t>
+            </a:r>
+            <a:r>
+              <a:rPr lang="fr-FR" dirty="0" err="1">
+                <a:solidFill>
+                  <a:schemeClr val="tx1"/>
+                </a:solidFill>
+              </a:rPr>
+              <a:t>eScience</a:t>
+            </a:r>
+            <a:r>
+              <a:rPr lang="fr-FR" dirty="0">
+                <a:solidFill>
+                  <a:schemeClr val="tx1"/>
+                </a:solidFill>
+              </a:rPr>
+              <a:t> Infrastructure (</a:t>
+            </a:r>
+            <a:r>
+              <a:rPr lang="fr-FR" dirty="0" err="1">
+                <a:solidFill>
+                  <a:schemeClr val="tx1"/>
+                </a:solidFill>
+              </a:rPr>
+              <a:t>NeSI</a:t>
+            </a:r>
+            <a:r>
+              <a:rPr lang="fr-FR" dirty="0">
+                <a:solidFill>
+                  <a:schemeClr val="tx1"/>
+                </a:solidFill>
+              </a:rPr>
+              <a:t>) </a:t>
+            </a:r>
+            <a:endParaRPr lang="en-US" dirty="0">
+              <a:solidFill>
+                <a:schemeClr val="tx1"/>
+              </a:solidFill>
+            </a:endParaRPr>
+          </a:p>
+        </p:txBody>
+      </p:sp>
+      <p:sp>
+        <p:nvSpPr>
+          <p:cNvPr id="67" name="Freeform 66">
+            <a:extLst>
+              <a:ext uri="{FF2B5EF4-FFF2-40B4-BE49-F238E27FC236}">
+                <a16:creationId xmlns:a16="http://schemas.microsoft.com/office/drawing/2014/main" id="{DDF71223-32FE-1342-80AF-7BEA5460BE67}"/>
+              </a:ext>
+            </a:extLst>
+          </p:cNvPr>
+          <p:cNvSpPr/>
+          <p:nvPr/>
+        </p:nvSpPr>
+        <p:spPr>
+          <a:xfrm>
+            <a:off x="1295400" y="1149350"/>
+            <a:ext cx="9601200" cy="4559300"/>
+          </a:xfrm>
+          <a:custGeom>
+            <a:avLst/>
+            <a:gdLst>
+              <a:gd name="connsiteX0" fmla="*/ 0 w 9601200"/>
+              <a:gd name="connsiteY0" fmla="*/ 0 h 4559300"/>
+              <a:gd name="connsiteX1" fmla="*/ 9601200 w 9601200"/>
+              <a:gd name="connsiteY1" fmla="*/ 0 h 4559300"/>
+              <a:gd name="connsiteX2" fmla="*/ 9601200 w 9601200"/>
+              <a:gd name="connsiteY2" fmla="*/ 4559300 h 4559300"/>
+              <a:gd name="connsiteX3" fmla="*/ 0 w 9601200"/>
+              <a:gd name="connsiteY3" fmla="*/ 4559300 h 4559300"/>
+            </a:gdLst>
+            <a:ahLst/>
+            <a:cxnLst>
+              <a:cxn ang="0">
+                <a:pos x="connsiteX0" y="connsiteY0"/>
+              </a:cxn>
+              <a:cxn ang="0">
+                <a:pos x="connsiteX1" y="connsiteY1"/>
+              </a:cxn>
+              <a:cxn ang="0">
+                <a:pos x="connsiteX2" y="connsiteY2"/>
+              </a:cxn>
+              <a:cxn ang="0">
+                <a:pos x="connsiteX3" y="connsiteY3"/>
+              </a:cxn>
+            </a:cxnLst>
+            <a:rect l="l" t="t" r="r" b="b"/>
+            <a:pathLst>
+              <a:path w="9601200" h="4559300">
+                <a:moveTo>
+                  <a:pt x="0" y="0"/>
+                </a:moveTo>
+                <a:lnTo>
+                  <a:pt x="9601200" y="0"/>
+                </a:lnTo>
+                <a:lnTo>
+                  <a:pt x="9601200" y="4559300"/>
+                </a:lnTo>
+                <a:lnTo>
+                  <a:pt x="0" y="4559300"/>
+                </a:lnTo>
+                <a:close/>
+              </a:path>
+            </a:pathLst>
+          </a:custGeom>
+          <a:noFill/>
+          <a:ln w="9516" cap="flat">
+            <a:noFill/>
+            <a:prstDash val="solid"/>
+            <a:miter/>
+          </a:ln>
+        </p:spPr>
+        <p:txBody>
+          <a:bodyPr rtlCol="0" anchor="ctr"/>
+          <a:lstStyle/>
+          <a:p>
+            <a:endParaRPr lang="en-US"/>
+          </a:p>
+        </p:txBody>
+      </p:sp>
+      <p:sp>
+        <p:nvSpPr>
+          <p:cNvPr id="9" name="TextBox 8">
+            <a:extLst>
+              <a:ext uri="{FF2B5EF4-FFF2-40B4-BE49-F238E27FC236}">
+                <a16:creationId xmlns:a16="http://schemas.microsoft.com/office/drawing/2014/main" id="{0A0AA6F9-D0A7-4A51-82F0-4B68D60DA3E2}"/>
+              </a:ext>
+            </a:extLst>
+          </p:cNvPr>
+          <p:cNvSpPr txBox="1"/>
+          <p:nvPr/>
+        </p:nvSpPr>
+        <p:spPr>
+          <a:xfrm>
+            <a:off x="1195809" y="6174169"/>
+            <a:ext cx="8813953" cy="461665"/>
+          </a:xfrm>
+          <a:prstGeom prst="rect">
+            <a:avLst/>
+          </a:prstGeom>
+          <a:noFill/>
+        </p:spPr>
+        <p:txBody>
+          <a:bodyPr wrap="square" rtlCol="0">
+            <a:spAutoFit/>
+          </a:bodyPr>
+          <a:lstStyle/>
+          <a:p>
+            <a:r>
+              <a:rPr lang="en-US" sz="1200" dirty="0"/>
+              <a:t>New Zealand eScience Infrastructure. (n.d.). </a:t>
+            </a:r>
+            <a:r>
+              <a:rPr lang="en-US" sz="1200" i="1" dirty="0"/>
+              <a:t>High performance computing and analytics. </a:t>
+            </a:r>
+            <a:r>
+              <a:rPr lang="en-US" sz="1200" dirty="0"/>
+              <a:t>https://www.nesi.org.nz/services/high-performance-computing-and-data-analytics</a:t>
+            </a:r>
+            <a:endParaRPr lang="en-NZ" dirty="0"/>
+          </a:p>
+        </p:txBody>
+      </p:sp>
+      <p:pic>
+        <p:nvPicPr>
+          <p:cNvPr id="4" name="Picture 3" descr="Graphical user interface&#10;&#10;Description automatically generated">
+            <a:extLst>
+              <a:ext uri="{FF2B5EF4-FFF2-40B4-BE49-F238E27FC236}">
+                <a16:creationId xmlns:a16="http://schemas.microsoft.com/office/drawing/2014/main" id="{DCBA266A-AEBC-4332-98FD-73DF3E5B0BCA}"/>
+              </a:ext>
+            </a:extLst>
+          </p:cNvPr>
+          <p:cNvPicPr>
+            <a:picLocks noChangeAspect="1"/>
+          </p:cNvPicPr>
+          <p:nvPr/>
+        </p:nvPicPr>
+        <p:blipFill>
+          <a:blip r:embed="rId3">
+            <a:extLst>
+              <a:ext uri="{28A0092B-C50C-407E-A947-70E740481C1C}">
+                <a14:useLocalDpi xmlns:a14="http://schemas.microsoft.com/office/drawing/2010/main" val="0"/>
+              </a:ext>
+            </a:extLst>
+          </a:blip>
+          <a:stretch>
+            <a:fillRect/>
+          </a:stretch>
+        </p:blipFill>
+        <p:spPr>
+          <a:xfrm>
+            <a:off x="1295400" y="2709155"/>
+            <a:ext cx="7146912" cy="3024037"/>
+          </a:xfrm>
+          <a:prstGeom prst="rect">
+            <a:avLst/>
+          </a:prstGeom>
+        </p:spPr>
+      </p:pic>
+    </p:spTree>
+    <p:extLst>
+      <p:ext uri="{BB962C8B-B14F-4D97-AF65-F5344CB8AC3E}">
+        <p14:creationId xmlns:p14="http://schemas.microsoft.com/office/powerpoint/2010/main" val="259222386"/>
+      </p:ext>
+    </p:extLst>
+  </p:cSld>
+  <p:clrMapOvr>
+    <a:masterClrMapping/>
+  </p:clrMapOvr>
+</p:sld>
+</file>
+
+<file path=ppt/slides/slide11.xml><?xml version="1.0" encoding="utf-8"?>
+<p:sld xmlns:a="http://schemas.openxmlformats.org/drawingml/2006/main" xmlns:r="http://schemas.openxmlformats.org/officeDocument/2006/relationships" xmlns:p="http://schemas.openxmlformats.org/presentationml/2006/main">
+  <p:cSld>
+    <p:spTree>
+      <p:nvGrpSpPr>
+        <p:cNvPr id="1" name=""/>
+        <p:cNvGrpSpPr/>
+        <p:nvPr/>
+      </p:nvGrpSpPr>
+      <p:grpSpPr>
+        <a:xfrm>
+          <a:off x="0" y="0"/>
+          <a:ext cx="0" cy="0"/>
+          <a:chOff x="0" y="0"/>
+          <a:chExt cx="0" cy="0"/>
+        </a:xfrm>
+      </p:grpSpPr>
+      <p:sp>
+        <p:nvSpPr>
+          <p:cNvPr id="2" name="Title 1">
+            <a:extLst>
+              <a:ext uri="{FF2B5EF4-FFF2-40B4-BE49-F238E27FC236}">
+                <a16:creationId xmlns:a16="http://schemas.microsoft.com/office/drawing/2014/main" id="{E5685C86-3370-4141-87BE-0AF78122C44D}"/>
+              </a:ext>
+            </a:extLst>
+          </p:cNvPr>
+          <p:cNvSpPr>
+            <a:spLocks noGrp="1"/>
+          </p:cNvSpPr>
+          <p:nvPr>
+            <p:ph type="title"/>
+          </p:nvPr>
+        </p:nvSpPr>
         <p:spPr/>
         <p:txBody>
           <a:bodyPr>
@@ -11204,7 +12856,7 @@
 </p:sld>
 </file>
 
-<file path=ppt/slides/slide11.xml><?xml version="1.0" encoding="utf-8"?>
+<file path=ppt/slides/slide12.xml><?xml version="1.0" encoding="utf-8"?>
 <p:sld xmlns:a="http://schemas.openxmlformats.org/drawingml/2006/main" xmlns:r="http://schemas.openxmlformats.org/officeDocument/2006/relationships" xmlns:p="http://schemas.openxmlformats.org/presentationml/2006/main">
   <p:cSld>
     <p:spTree>
@@ -11431,7 +13083,7 @@
         </p:blipFill>
         <p:spPr>
           <a:xfrm>
-            <a:off x="814023" y="3991688"/>
+            <a:off x="677333" y="4001115"/>
             <a:ext cx="9361612" cy="2731988"/>
           </a:xfrm>
           <a:prstGeom prst="rect">
@@ -11443,96 +13095,6 @@
     <p:extLst>
       <p:ext uri="{BB962C8B-B14F-4D97-AF65-F5344CB8AC3E}">
         <p14:creationId xmlns:p14="http://schemas.microsoft.com/office/powerpoint/2010/main" val="3628276512"/>
-      </p:ext>
-    </p:extLst>
-  </p:cSld>
-  <p:clrMapOvr>
-    <a:masterClrMapping/>
-  </p:clrMapOvr>
-</p:sld>
-</file>
-
-<file path=ppt/slides/slide12.xml><?xml version="1.0" encoding="utf-8"?>
-<p:sld xmlns:a="http://schemas.openxmlformats.org/drawingml/2006/main" xmlns:r="http://schemas.openxmlformats.org/officeDocument/2006/relationships" xmlns:p="http://schemas.openxmlformats.org/presentationml/2006/main">
-  <p:cSld>
-    <p:spTree>
-      <p:nvGrpSpPr>
-        <p:cNvPr id="1" name=""/>
-        <p:cNvGrpSpPr/>
-        <p:nvPr/>
-      </p:nvGrpSpPr>
-      <p:grpSpPr>
-        <a:xfrm>
-          <a:off x="0" y="0"/>
-          <a:ext cx="0" cy="0"/>
-          <a:chOff x="0" y="0"/>
-          <a:chExt cx="0" cy="0"/>
-        </a:xfrm>
-      </p:grpSpPr>
-      <p:sp>
-        <p:nvSpPr>
-          <p:cNvPr id="2" name="Title 1">
-            <a:extLst>
-              <a:ext uri="{FF2B5EF4-FFF2-40B4-BE49-F238E27FC236}">
-                <a16:creationId xmlns:a16="http://schemas.microsoft.com/office/drawing/2014/main" id="{E5685C86-3370-4141-87BE-0AF78122C44D}"/>
-              </a:ext>
-            </a:extLst>
-          </p:cNvPr>
-          <p:cNvSpPr>
-            <a:spLocks noGrp="1"/>
-          </p:cNvSpPr>
-          <p:nvPr>
-            <p:ph type="title"/>
-          </p:nvPr>
-        </p:nvSpPr>
-        <p:spPr/>
-        <p:txBody>
-          <a:bodyPr>
-            <a:normAutofit/>
-          </a:bodyPr>
-          <a:lstStyle/>
-          <a:p>
-            <a:r>
-              <a:rPr lang="en-US" dirty="0"/>
-              <a:t>DVC – Data processing</a:t>
-            </a:r>
-          </a:p>
-        </p:txBody>
-      </p:sp>
-      <p:pic>
-        <p:nvPicPr>
-          <p:cNvPr id="4" name="Picture 3">
-            <a:extLst>
-              <a:ext uri="{FF2B5EF4-FFF2-40B4-BE49-F238E27FC236}">
-                <a16:creationId xmlns:a16="http://schemas.microsoft.com/office/drawing/2014/main" id="{E40B6822-0F2C-4BED-AD95-EE2D228C6E06}"/>
-              </a:ext>
-            </a:extLst>
-          </p:cNvPr>
-          <p:cNvPicPr>
-            <a:picLocks noChangeAspect="1"/>
-          </p:cNvPicPr>
-          <p:nvPr/>
-        </p:nvPicPr>
-        <p:blipFill>
-          <a:blip r:embed="rId3"/>
-          <a:stretch>
-            <a:fillRect/>
-          </a:stretch>
-        </p:blipFill>
-        <p:spPr>
-          <a:xfrm>
-            <a:off x="5147480" y="2161147"/>
-            <a:ext cx="6739720" cy="2889958"/>
-          </a:xfrm>
-          <a:prstGeom prst="rect">
-            <a:avLst/>
-          </a:prstGeom>
-        </p:spPr>
-      </p:pic>
-    </p:spTree>
-    <p:extLst>
-      <p:ext uri="{BB962C8B-B14F-4D97-AF65-F5344CB8AC3E}">
-        <p14:creationId xmlns:p14="http://schemas.microsoft.com/office/powerpoint/2010/main" val="1468789176"/>
       </p:ext>
     </p:extLst>
   </p:cSld>
@@ -11575,7 +13137,12 @@
             <p:ph type="title"/>
           </p:nvPr>
         </p:nvSpPr>
-        <p:spPr/>
+        <p:spPr>
+          <a:xfrm>
+            <a:off x="677333" y="271848"/>
+            <a:ext cx="7024365" cy="667265"/>
+          </a:xfrm>
+        </p:spPr>
         <p:txBody>
           <a:bodyPr>
             <a:normAutofit/>
@@ -11583,10 +13150,9 @@
           <a:lstStyle/>
           <a:p>
             <a:r>
-              <a:rPr lang="en-US" dirty="0" err="1"/>
-              <a:t>PyCaret</a:t>
-            </a:r>
-            <a:endParaRPr lang="en-US" dirty="0"/>
+              <a:rPr lang="en-US" dirty="0"/>
+              <a:t>Kiwifruit Dataset</a:t>
+            </a:r>
           </a:p>
         </p:txBody>
       </p:sp>
@@ -11608,8 +13174,8 @@
         </p:nvSpPr>
         <p:spPr>
           <a:xfrm>
-            <a:off x="677334" y="1173892"/>
-            <a:ext cx="8690504" cy="5078627"/>
+            <a:off x="814023" y="1149350"/>
+            <a:ext cx="6887675" cy="5078627"/>
           </a:xfrm>
         </p:spPr>
         <p:txBody>
@@ -11618,7 +13184,28 @@
           </a:bodyPr>
           <a:lstStyle/>
           <a:p>
-            <a:endParaRPr lang="en-US" dirty="0"/>
+            <a:r>
+              <a:rPr lang="en-US" dirty="0"/>
+              <a:t>Data preprocessing</a:t>
+            </a:r>
+          </a:p>
+          <a:p>
+            <a:r>
+              <a:rPr lang="en-US" dirty="0"/>
+              <a:t>Weight estimation using regression models</a:t>
+            </a:r>
+          </a:p>
+          <a:p>
+            <a:r>
+              <a:rPr lang="en-US" dirty="0"/>
+              <a:t>Clustering</a:t>
+            </a:r>
+          </a:p>
+          <a:p>
+            <a:r>
+              <a:rPr lang="en-US" dirty="0"/>
+              <a:t>Anomaly detection</a:t>
+            </a:r>
           </a:p>
         </p:txBody>
       </p:sp>
@@ -11700,10 +13287,46 @@
           </a:p>
         </p:txBody>
       </p:sp>
+      <p:pic>
+        <p:nvPicPr>
+          <p:cNvPr id="4" name="Picture 3" descr="A picture containing tree, outdoor object, plant&#10;&#10;Description automatically generated">
+            <a:extLst>
+              <a:ext uri="{FF2B5EF4-FFF2-40B4-BE49-F238E27FC236}">
+                <a16:creationId xmlns:a16="http://schemas.microsoft.com/office/drawing/2014/main" id="{7C83B5C6-B4A6-4BB9-8805-17DC54DA4055}"/>
+              </a:ext>
+            </a:extLst>
+          </p:cNvPr>
+          <p:cNvPicPr>
+            <a:picLocks noChangeAspect="1"/>
+          </p:cNvPicPr>
+          <p:nvPr/>
+        </p:nvPicPr>
+        <p:blipFill>
+          <a:blip r:embed="rId3">
+            <a:extLst>
+              <a:ext uri="{28A0092B-C50C-407E-A947-70E740481C1C}">
+                <a14:useLocalDpi xmlns:a14="http://schemas.microsoft.com/office/drawing/2010/main" val="0"/>
+              </a:ext>
+            </a:extLst>
+          </a:blip>
+          <a:stretch>
+            <a:fillRect/>
+          </a:stretch>
+        </p:blipFill>
+        <p:spPr>
+          <a:xfrm>
+            <a:off x="677333" y="4010542"/>
+            <a:ext cx="9361612" cy="2731988"/>
+          </a:xfrm>
+          <a:prstGeom prst="rect">
+            <a:avLst/>
+          </a:prstGeom>
+        </p:spPr>
+      </p:pic>
     </p:spTree>
     <p:extLst>
       <p:ext uri="{BB962C8B-B14F-4D97-AF65-F5344CB8AC3E}">
-        <p14:creationId xmlns:p14="http://schemas.microsoft.com/office/powerpoint/2010/main" val="3934261435"/>
+        <p14:creationId xmlns:p14="http://schemas.microsoft.com/office/powerpoint/2010/main" val="3725920718"/>
       </p:ext>
     </p:extLst>
   </p:cSld>
@@ -11755,40 +13378,98 @@
           <a:p>
             <a:r>
               <a:rPr lang="en-US" dirty="0"/>
-              <a:t>Ray</a:t>
-            </a:r>
-          </a:p>
-        </p:txBody>
-      </p:sp>
-      <p:sp>
-        <p:nvSpPr>
-          <p:cNvPr id="47" name="Content Placeholder 2">
+              <a:t>Data Processing</a:t>
+            </a:r>
+          </a:p>
+        </p:txBody>
+      </p:sp>
+      <p:pic>
+        <p:nvPicPr>
+          <p:cNvPr id="5" name="Picture 4">
             <a:extLst>
               <a:ext uri="{FF2B5EF4-FFF2-40B4-BE49-F238E27FC236}">
-                <a16:creationId xmlns:a16="http://schemas.microsoft.com/office/drawing/2014/main" id="{3DA02F28-2941-334D-9C83-8E64C99A7AB4}"/>
+                <a16:creationId xmlns:a16="http://schemas.microsoft.com/office/drawing/2014/main" id="{49ADD535-6184-4657-9E1E-7543831F63E6}"/>
               </a:ext>
             </a:extLst>
           </p:cNvPr>
-          <p:cNvSpPr>
-            <a:spLocks noGrp="1"/>
-          </p:cNvSpPr>
-          <p:nvPr>
-            <p:ph idx="1"/>
-          </p:nvPr>
-        </p:nvSpPr>
+          <p:cNvPicPr>
+            <a:picLocks noChangeAspect="1"/>
+          </p:cNvPicPr>
+          <p:nvPr/>
+        </p:nvPicPr>
+        <p:blipFill>
+          <a:blip r:embed="rId3"/>
+          <a:stretch>
+            <a:fillRect/>
+          </a:stretch>
+        </p:blipFill>
         <p:spPr>
           <a:xfrm>
-            <a:off x="677334" y="1173892"/>
-            <a:ext cx="8690504" cy="5078627"/>
+            <a:off x="243810" y="2717382"/>
+            <a:ext cx="11704379" cy="2073892"/>
           </a:xfrm>
+          <a:prstGeom prst="rect">
+            <a:avLst/>
+          </a:prstGeom>
         </p:spPr>
-        <p:txBody>
-          <a:bodyPr vert="horz" lIns="91440" tIns="45720" rIns="91440" bIns="45720" rtlCol="0" anchor="t">
+      </p:pic>
+    </p:spTree>
+    <p:extLst>
+      <p:ext uri="{BB962C8B-B14F-4D97-AF65-F5344CB8AC3E}">
+        <p14:creationId xmlns:p14="http://schemas.microsoft.com/office/powerpoint/2010/main" val="1468789176"/>
+      </p:ext>
+    </p:extLst>
+  </p:cSld>
+  <p:clrMapOvr>
+    <a:masterClrMapping/>
+  </p:clrMapOvr>
+</p:sld>
+</file>
+
+<file path=ppt/slides/slide15.xml><?xml version="1.0" encoding="utf-8"?>
+<p:sld xmlns:a="http://schemas.openxmlformats.org/drawingml/2006/main" xmlns:r="http://schemas.openxmlformats.org/officeDocument/2006/relationships" xmlns:p="http://schemas.openxmlformats.org/presentationml/2006/main">
+  <p:cSld>
+    <p:spTree>
+      <p:nvGrpSpPr>
+        <p:cNvPr id="1" name=""/>
+        <p:cNvGrpSpPr/>
+        <p:nvPr/>
+      </p:nvGrpSpPr>
+      <p:grpSpPr>
+        <a:xfrm>
+          <a:off x="0" y="0"/>
+          <a:ext cx="0" cy="0"/>
+          <a:chOff x="0" y="0"/>
+          <a:chExt cx="0" cy="0"/>
+        </a:xfrm>
+      </p:grpSpPr>
+      <p:sp>
+        <p:nvSpPr>
+          <p:cNvPr id="2" name="Title 1">
+            <a:extLst>
+              <a:ext uri="{FF2B5EF4-FFF2-40B4-BE49-F238E27FC236}">
+                <a16:creationId xmlns:a16="http://schemas.microsoft.com/office/drawing/2014/main" id="{E5685C86-3370-4141-87BE-0AF78122C44D}"/>
+              </a:ext>
+            </a:extLst>
+          </p:cNvPr>
+          <p:cNvSpPr>
+            <a:spLocks noGrp="1"/>
+          </p:cNvSpPr>
+          <p:nvPr>
+            <p:ph type="title"/>
+          </p:nvPr>
+        </p:nvSpPr>
+        <p:spPr/>
+        <p:txBody>
+          <a:bodyPr>
             <a:normAutofit/>
           </a:bodyPr>
           <a:lstStyle/>
           <a:p>
-            <a:endParaRPr lang="en-US" dirty="0"/>
+            <a:r>
+              <a:rPr lang="en-US" dirty="0"/>
+              <a:t>Regression Models </a:t>
+            </a:r>
           </a:p>
         </p:txBody>
       </p:sp>
@@ -11870,10 +13551,40 @@
           </a:p>
         </p:txBody>
       </p:sp>
+      <p:pic>
+        <p:nvPicPr>
+          <p:cNvPr id="6" name="Picture 5">
+            <a:extLst>
+              <a:ext uri="{FF2B5EF4-FFF2-40B4-BE49-F238E27FC236}">
+                <a16:creationId xmlns:a16="http://schemas.microsoft.com/office/drawing/2014/main" id="{5B970DC9-4905-487D-99A1-49F89D8E8E19}"/>
+              </a:ext>
+            </a:extLst>
+          </p:cNvPr>
+          <p:cNvPicPr>
+            <a:picLocks noChangeAspect="1"/>
+          </p:cNvPicPr>
+          <p:nvPr/>
+        </p:nvPicPr>
+        <p:blipFill>
+          <a:blip r:embed="rId3"/>
+          <a:stretch>
+            <a:fillRect/>
+          </a:stretch>
+        </p:blipFill>
+        <p:spPr>
+          <a:xfrm>
+            <a:off x="488004" y="1438444"/>
+            <a:ext cx="11215992" cy="5147708"/>
+          </a:xfrm>
+          <a:prstGeom prst="rect">
+            <a:avLst/>
+          </a:prstGeom>
+        </p:spPr>
+      </p:pic>
     </p:spTree>
     <p:extLst>
       <p:ext uri="{BB962C8B-B14F-4D97-AF65-F5344CB8AC3E}">
-        <p14:creationId xmlns:p14="http://schemas.microsoft.com/office/powerpoint/2010/main" val="3217933832"/>
+        <p14:creationId xmlns:p14="http://schemas.microsoft.com/office/powerpoint/2010/main" val="3934261435"/>
       </p:ext>
     </p:extLst>
   </p:cSld>
@@ -11883,7 +13594,7 @@
 </p:sld>
 </file>
 
-<file path=ppt/slides/slide15.xml><?xml version="1.0" encoding="utf-8"?>
+<file path=ppt/slides/slide16.xml><?xml version="1.0" encoding="utf-8"?>
 <p:sld xmlns:a="http://schemas.openxmlformats.org/drawingml/2006/main" xmlns:r="http://schemas.openxmlformats.org/officeDocument/2006/relationships" xmlns:p="http://schemas.openxmlformats.org/presentationml/2006/main">
   <p:cSld>
     <p:spTree>
@@ -11924,42 +13635,9 @@
           <a:lstStyle/>
           <a:p>
             <a:r>
-              <a:rPr lang="en-US" dirty="0" err="1"/>
-              <a:t>Optuna</a:t>
-            </a:r>
-            <a:endParaRPr lang="en-US" dirty="0"/>
-          </a:p>
-        </p:txBody>
-      </p:sp>
-      <p:sp>
-        <p:nvSpPr>
-          <p:cNvPr id="47" name="Content Placeholder 2">
-            <a:extLst>
-              <a:ext uri="{FF2B5EF4-FFF2-40B4-BE49-F238E27FC236}">
-                <a16:creationId xmlns:a16="http://schemas.microsoft.com/office/drawing/2014/main" id="{3DA02F28-2941-334D-9C83-8E64C99A7AB4}"/>
-              </a:ext>
-            </a:extLst>
-          </p:cNvPr>
-          <p:cNvSpPr>
-            <a:spLocks noGrp="1"/>
-          </p:cNvSpPr>
-          <p:nvPr>
-            <p:ph idx="1"/>
-          </p:nvPr>
-        </p:nvSpPr>
-        <p:spPr>
-          <a:xfrm>
-            <a:off x="677334" y="1173892"/>
-            <a:ext cx="8690504" cy="5078627"/>
-          </a:xfrm>
-        </p:spPr>
-        <p:txBody>
-          <a:bodyPr vert="horz" lIns="91440" tIns="45720" rIns="91440" bIns="45720" rtlCol="0" anchor="t">
-            <a:normAutofit/>
-          </a:bodyPr>
-          <a:lstStyle/>
-          <a:p>
-            <a:endParaRPr lang="en-US" dirty="0"/>
+              <a:rPr lang="en-US" dirty="0"/>
+              <a:t>Regression Models </a:t>
+            </a:r>
           </a:p>
         </p:txBody>
       </p:sp>
@@ -12041,10 +13719,40 @@
           </a:p>
         </p:txBody>
       </p:sp>
+      <p:pic>
+        <p:nvPicPr>
+          <p:cNvPr id="4" name="Picture 3">
+            <a:extLst>
+              <a:ext uri="{FF2B5EF4-FFF2-40B4-BE49-F238E27FC236}">
+                <a16:creationId xmlns:a16="http://schemas.microsoft.com/office/drawing/2014/main" id="{F2773468-48DD-4DDE-8067-2757B5389644}"/>
+              </a:ext>
+            </a:extLst>
+          </p:cNvPr>
+          <p:cNvPicPr>
+            <a:picLocks noChangeAspect="1"/>
+          </p:cNvPicPr>
+          <p:nvPr/>
+        </p:nvPicPr>
+        <p:blipFill>
+          <a:blip r:embed="rId3"/>
+          <a:stretch>
+            <a:fillRect/>
+          </a:stretch>
+        </p:blipFill>
+        <p:spPr>
+          <a:xfrm>
+            <a:off x="350091" y="1426307"/>
+            <a:ext cx="11491818" cy="5159845"/>
+          </a:xfrm>
+          <a:prstGeom prst="rect">
+            <a:avLst/>
+          </a:prstGeom>
+        </p:spPr>
+      </p:pic>
     </p:spTree>
     <p:extLst>
       <p:ext uri="{BB962C8B-B14F-4D97-AF65-F5344CB8AC3E}">
-        <p14:creationId xmlns:p14="http://schemas.microsoft.com/office/powerpoint/2010/main" val="2523106098"/>
+        <p14:creationId xmlns:p14="http://schemas.microsoft.com/office/powerpoint/2010/main" val="4075578031"/>
       </p:ext>
     </p:extLst>
   </p:cSld>
@@ -12054,7 +13762,7 @@
 </p:sld>
 </file>
 
-<file path=ppt/slides/slide16.xml><?xml version="1.0" encoding="utf-8"?>
+<file path=ppt/slides/slide17.xml><?xml version="1.0" encoding="utf-8"?>
 <p:sld xmlns:a="http://schemas.openxmlformats.org/drawingml/2006/main" xmlns:r="http://schemas.openxmlformats.org/officeDocument/2006/relationships" xmlns:p="http://schemas.openxmlformats.org/presentationml/2006/main">
   <p:cSld>
     <p:spTree>
@@ -12096,40 +13804,8 @@
           <a:p>
             <a:r>
               <a:rPr lang="en-US" dirty="0"/>
-              <a:t>Future exploration</a:t>
-            </a:r>
-          </a:p>
-        </p:txBody>
-      </p:sp>
-      <p:sp>
-        <p:nvSpPr>
-          <p:cNvPr id="47" name="Content Placeholder 2">
-            <a:extLst>
-              <a:ext uri="{FF2B5EF4-FFF2-40B4-BE49-F238E27FC236}">
-                <a16:creationId xmlns:a16="http://schemas.microsoft.com/office/drawing/2014/main" id="{3DA02F28-2941-334D-9C83-8E64C99A7AB4}"/>
-              </a:ext>
-            </a:extLst>
-          </p:cNvPr>
-          <p:cNvSpPr>
-            <a:spLocks noGrp="1"/>
-          </p:cNvSpPr>
-          <p:nvPr>
-            <p:ph idx="1"/>
-          </p:nvPr>
-        </p:nvSpPr>
-        <p:spPr>
-          <a:xfrm>
-            <a:off x="677334" y="1173892"/>
-            <a:ext cx="8690504" cy="5078627"/>
-          </a:xfrm>
-        </p:spPr>
-        <p:txBody>
-          <a:bodyPr vert="horz" lIns="91440" tIns="45720" rIns="91440" bIns="45720" rtlCol="0" anchor="t">
-            <a:normAutofit/>
-          </a:bodyPr>
-          <a:lstStyle/>
-          <a:p>
-            <a:endParaRPr lang="en-US" dirty="0"/>
+              <a:t>Regression Models </a:t>
+            </a:r>
           </a:p>
         </p:txBody>
       </p:sp>
@@ -12211,6 +13887,2386 @@
           </a:p>
         </p:txBody>
       </p:sp>
+      <p:pic>
+        <p:nvPicPr>
+          <p:cNvPr id="7" name="Picture 6">
+            <a:extLst>
+              <a:ext uri="{FF2B5EF4-FFF2-40B4-BE49-F238E27FC236}">
+                <a16:creationId xmlns:a16="http://schemas.microsoft.com/office/drawing/2014/main" id="{F2516C72-40CF-4B93-A02E-6FE370F3740B}"/>
+              </a:ext>
+            </a:extLst>
+          </p:cNvPr>
+          <p:cNvPicPr>
+            <a:picLocks noChangeAspect="1"/>
+          </p:cNvPicPr>
+          <p:nvPr/>
+        </p:nvPicPr>
+        <p:blipFill>
+          <a:blip r:embed="rId3"/>
+          <a:stretch>
+            <a:fillRect/>
+          </a:stretch>
+        </p:blipFill>
+        <p:spPr>
+          <a:xfrm>
+            <a:off x="195754" y="1539943"/>
+            <a:ext cx="11800491" cy="4910925"/>
+          </a:xfrm>
+          <a:prstGeom prst="rect">
+            <a:avLst/>
+          </a:prstGeom>
+        </p:spPr>
+      </p:pic>
+    </p:spTree>
+    <p:extLst>
+      <p:ext uri="{BB962C8B-B14F-4D97-AF65-F5344CB8AC3E}">
+        <p14:creationId xmlns:p14="http://schemas.microsoft.com/office/powerpoint/2010/main" val="4052746135"/>
+      </p:ext>
+    </p:extLst>
+  </p:cSld>
+  <p:clrMapOvr>
+    <a:masterClrMapping/>
+  </p:clrMapOvr>
+</p:sld>
+</file>
+
+<file path=ppt/slides/slide18.xml><?xml version="1.0" encoding="utf-8"?>
+<p:sld xmlns:a="http://schemas.openxmlformats.org/drawingml/2006/main" xmlns:r="http://schemas.openxmlformats.org/officeDocument/2006/relationships" xmlns:p="http://schemas.openxmlformats.org/presentationml/2006/main">
+  <p:cSld>
+    <p:spTree>
+      <p:nvGrpSpPr>
+        <p:cNvPr id="1" name=""/>
+        <p:cNvGrpSpPr/>
+        <p:nvPr/>
+      </p:nvGrpSpPr>
+      <p:grpSpPr>
+        <a:xfrm>
+          <a:off x="0" y="0"/>
+          <a:ext cx="0" cy="0"/>
+          <a:chOff x="0" y="0"/>
+          <a:chExt cx="0" cy="0"/>
+        </a:xfrm>
+      </p:grpSpPr>
+      <p:sp>
+        <p:nvSpPr>
+          <p:cNvPr id="2" name="Title 1">
+            <a:extLst>
+              <a:ext uri="{FF2B5EF4-FFF2-40B4-BE49-F238E27FC236}">
+                <a16:creationId xmlns:a16="http://schemas.microsoft.com/office/drawing/2014/main" id="{E5685C86-3370-4141-87BE-0AF78122C44D}"/>
+              </a:ext>
+            </a:extLst>
+          </p:cNvPr>
+          <p:cNvSpPr>
+            <a:spLocks noGrp="1"/>
+          </p:cNvSpPr>
+          <p:nvPr>
+            <p:ph type="title"/>
+          </p:nvPr>
+        </p:nvSpPr>
+        <p:spPr/>
+        <p:txBody>
+          <a:bodyPr>
+            <a:normAutofit/>
+          </a:bodyPr>
+          <a:lstStyle/>
+          <a:p>
+            <a:r>
+              <a:rPr lang="en-US" dirty="0"/>
+              <a:t>Regression Models </a:t>
+            </a:r>
+          </a:p>
+        </p:txBody>
+      </p:sp>
+      <p:sp>
+        <p:nvSpPr>
+          <p:cNvPr id="67" name="Freeform 66">
+            <a:extLst>
+              <a:ext uri="{FF2B5EF4-FFF2-40B4-BE49-F238E27FC236}">
+                <a16:creationId xmlns:a16="http://schemas.microsoft.com/office/drawing/2014/main" id="{DDF71223-32FE-1342-80AF-7BEA5460BE67}"/>
+              </a:ext>
+            </a:extLst>
+          </p:cNvPr>
+          <p:cNvSpPr/>
+          <p:nvPr/>
+        </p:nvSpPr>
+        <p:spPr>
+          <a:xfrm>
+            <a:off x="1295400" y="1149350"/>
+            <a:ext cx="9601200" cy="4559300"/>
+          </a:xfrm>
+          <a:custGeom>
+            <a:avLst/>
+            <a:gdLst>
+              <a:gd name="connsiteX0" fmla="*/ 0 w 9601200"/>
+              <a:gd name="connsiteY0" fmla="*/ 0 h 4559300"/>
+              <a:gd name="connsiteX1" fmla="*/ 9601200 w 9601200"/>
+              <a:gd name="connsiteY1" fmla="*/ 0 h 4559300"/>
+              <a:gd name="connsiteX2" fmla="*/ 9601200 w 9601200"/>
+              <a:gd name="connsiteY2" fmla="*/ 4559300 h 4559300"/>
+              <a:gd name="connsiteX3" fmla="*/ 0 w 9601200"/>
+              <a:gd name="connsiteY3" fmla="*/ 4559300 h 4559300"/>
+            </a:gdLst>
+            <a:ahLst/>
+            <a:cxnLst>
+              <a:cxn ang="0">
+                <a:pos x="connsiteX0" y="connsiteY0"/>
+              </a:cxn>
+              <a:cxn ang="0">
+                <a:pos x="connsiteX1" y="connsiteY1"/>
+              </a:cxn>
+              <a:cxn ang="0">
+                <a:pos x="connsiteX2" y="connsiteY2"/>
+              </a:cxn>
+              <a:cxn ang="0">
+                <a:pos x="connsiteX3" y="connsiteY3"/>
+              </a:cxn>
+            </a:cxnLst>
+            <a:rect l="l" t="t" r="r" b="b"/>
+            <a:pathLst>
+              <a:path w="9601200" h="4559300">
+                <a:moveTo>
+                  <a:pt x="0" y="0"/>
+                </a:moveTo>
+                <a:lnTo>
+                  <a:pt x="9601200" y="0"/>
+                </a:lnTo>
+                <a:lnTo>
+                  <a:pt x="9601200" y="4559300"/>
+                </a:lnTo>
+                <a:lnTo>
+                  <a:pt x="0" y="4559300"/>
+                </a:lnTo>
+                <a:close/>
+              </a:path>
+            </a:pathLst>
+          </a:custGeom>
+          <a:noFill/>
+          <a:ln w="9516" cap="flat">
+            <a:noFill/>
+            <a:prstDash val="solid"/>
+            <a:miter/>
+          </a:ln>
+        </p:spPr>
+        <p:txBody>
+          <a:bodyPr rtlCol="0" anchor="ctr"/>
+          <a:lstStyle/>
+          <a:p>
+            <a:endParaRPr lang="en-US"/>
+          </a:p>
+        </p:txBody>
+      </p:sp>
+      <p:pic>
+        <p:nvPicPr>
+          <p:cNvPr id="4" name="Picture 3">
+            <a:extLst>
+              <a:ext uri="{FF2B5EF4-FFF2-40B4-BE49-F238E27FC236}">
+                <a16:creationId xmlns:a16="http://schemas.microsoft.com/office/drawing/2014/main" id="{1A17FF78-DB66-4422-98BE-54685F460037}"/>
+              </a:ext>
+            </a:extLst>
+          </p:cNvPr>
+          <p:cNvPicPr>
+            <a:picLocks noChangeAspect="1"/>
+          </p:cNvPicPr>
+          <p:nvPr/>
+        </p:nvPicPr>
+        <p:blipFill>
+          <a:blip r:embed="rId3"/>
+          <a:stretch>
+            <a:fillRect/>
+          </a:stretch>
+        </p:blipFill>
+        <p:spPr>
+          <a:xfrm>
+            <a:off x="153784" y="1832200"/>
+            <a:ext cx="11884431" cy="3957250"/>
+          </a:xfrm>
+          <a:prstGeom prst="rect">
+            <a:avLst/>
+          </a:prstGeom>
+        </p:spPr>
+      </p:pic>
+    </p:spTree>
+    <p:extLst>
+      <p:ext uri="{BB962C8B-B14F-4D97-AF65-F5344CB8AC3E}">
+        <p14:creationId xmlns:p14="http://schemas.microsoft.com/office/powerpoint/2010/main" val="2643293480"/>
+      </p:ext>
+    </p:extLst>
+  </p:cSld>
+  <p:clrMapOvr>
+    <a:masterClrMapping/>
+  </p:clrMapOvr>
+</p:sld>
+</file>
+
+<file path=ppt/slides/slide19.xml><?xml version="1.0" encoding="utf-8"?>
+<p:sld xmlns:a="http://schemas.openxmlformats.org/drawingml/2006/main" xmlns:r="http://schemas.openxmlformats.org/officeDocument/2006/relationships" xmlns:p="http://schemas.openxmlformats.org/presentationml/2006/main">
+  <p:cSld>
+    <p:spTree>
+      <p:nvGrpSpPr>
+        <p:cNvPr id="1" name=""/>
+        <p:cNvGrpSpPr/>
+        <p:nvPr/>
+      </p:nvGrpSpPr>
+      <p:grpSpPr>
+        <a:xfrm>
+          <a:off x="0" y="0"/>
+          <a:ext cx="0" cy="0"/>
+          <a:chOff x="0" y="0"/>
+          <a:chExt cx="0" cy="0"/>
+        </a:xfrm>
+      </p:grpSpPr>
+      <p:sp>
+        <p:nvSpPr>
+          <p:cNvPr id="2" name="Title 1">
+            <a:extLst>
+              <a:ext uri="{FF2B5EF4-FFF2-40B4-BE49-F238E27FC236}">
+                <a16:creationId xmlns:a16="http://schemas.microsoft.com/office/drawing/2014/main" id="{E5685C86-3370-4141-87BE-0AF78122C44D}"/>
+              </a:ext>
+            </a:extLst>
+          </p:cNvPr>
+          <p:cNvSpPr>
+            <a:spLocks noGrp="1"/>
+          </p:cNvSpPr>
+          <p:nvPr>
+            <p:ph type="title"/>
+          </p:nvPr>
+        </p:nvSpPr>
+        <p:spPr/>
+        <p:txBody>
+          <a:bodyPr>
+            <a:normAutofit/>
+          </a:bodyPr>
+          <a:lstStyle/>
+          <a:p>
+            <a:r>
+              <a:rPr lang="en-US" dirty="0"/>
+              <a:t>Regression Models </a:t>
+            </a:r>
+          </a:p>
+        </p:txBody>
+      </p:sp>
+      <p:sp>
+        <p:nvSpPr>
+          <p:cNvPr id="67" name="Freeform 66">
+            <a:extLst>
+              <a:ext uri="{FF2B5EF4-FFF2-40B4-BE49-F238E27FC236}">
+                <a16:creationId xmlns:a16="http://schemas.microsoft.com/office/drawing/2014/main" id="{DDF71223-32FE-1342-80AF-7BEA5460BE67}"/>
+              </a:ext>
+            </a:extLst>
+          </p:cNvPr>
+          <p:cNvSpPr/>
+          <p:nvPr/>
+        </p:nvSpPr>
+        <p:spPr>
+          <a:xfrm>
+            <a:off x="1295400" y="1149350"/>
+            <a:ext cx="9601200" cy="4559300"/>
+          </a:xfrm>
+          <a:custGeom>
+            <a:avLst/>
+            <a:gdLst>
+              <a:gd name="connsiteX0" fmla="*/ 0 w 9601200"/>
+              <a:gd name="connsiteY0" fmla="*/ 0 h 4559300"/>
+              <a:gd name="connsiteX1" fmla="*/ 9601200 w 9601200"/>
+              <a:gd name="connsiteY1" fmla="*/ 0 h 4559300"/>
+              <a:gd name="connsiteX2" fmla="*/ 9601200 w 9601200"/>
+              <a:gd name="connsiteY2" fmla="*/ 4559300 h 4559300"/>
+              <a:gd name="connsiteX3" fmla="*/ 0 w 9601200"/>
+              <a:gd name="connsiteY3" fmla="*/ 4559300 h 4559300"/>
+            </a:gdLst>
+            <a:ahLst/>
+            <a:cxnLst>
+              <a:cxn ang="0">
+                <a:pos x="connsiteX0" y="connsiteY0"/>
+              </a:cxn>
+              <a:cxn ang="0">
+                <a:pos x="connsiteX1" y="connsiteY1"/>
+              </a:cxn>
+              <a:cxn ang="0">
+                <a:pos x="connsiteX2" y="connsiteY2"/>
+              </a:cxn>
+              <a:cxn ang="0">
+                <a:pos x="connsiteX3" y="connsiteY3"/>
+              </a:cxn>
+            </a:cxnLst>
+            <a:rect l="l" t="t" r="r" b="b"/>
+            <a:pathLst>
+              <a:path w="9601200" h="4559300">
+                <a:moveTo>
+                  <a:pt x="0" y="0"/>
+                </a:moveTo>
+                <a:lnTo>
+                  <a:pt x="9601200" y="0"/>
+                </a:lnTo>
+                <a:lnTo>
+                  <a:pt x="9601200" y="4559300"/>
+                </a:lnTo>
+                <a:lnTo>
+                  <a:pt x="0" y="4559300"/>
+                </a:lnTo>
+                <a:close/>
+              </a:path>
+            </a:pathLst>
+          </a:custGeom>
+          <a:noFill/>
+          <a:ln w="9516" cap="flat">
+            <a:noFill/>
+            <a:prstDash val="solid"/>
+            <a:miter/>
+          </a:ln>
+        </p:spPr>
+        <p:txBody>
+          <a:bodyPr rtlCol="0" anchor="ctr"/>
+          <a:lstStyle/>
+          <a:p>
+            <a:endParaRPr lang="en-US"/>
+          </a:p>
+        </p:txBody>
+      </p:sp>
+      <p:pic>
+        <p:nvPicPr>
+          <p:cNvPr id="5" name="Picture 4">
+            <a:extLst>
+              <a:ext uri="{FF2B5EF4-FFF2-40B4-BE49-F238E27FC236}">
+                <a16:creationId xmlns:a16="http://schemas.microsoft.com/office/drawing/2014/main" id="{F0C77A66-6169-471A-9D96-CFA37C3A633E}"/>
+              </a:ext>
+            </a:extLst>
+          </p:cNvPr>
+          <p:cNvPicPr>
+            <a:picLocks noChangeAspect="1"/>
+          </p:cNvPicPr>
+          <p:nvPr/>
+        </p:nvPicPr>
+        <p:blipFill>
+          <a:blip r:embed="rId3"/>
+          <a:stretch>
+            <a:fillRect/>
+          </a:stretch>
+        </p:blipFill>
+        <p:spPr>
+          <a:xfrm>
+            <a:off x="201371" y="1669212"/>
+            <a:ext cx="11789257" cy="4722163"/>
+          </a:xfrm>
+          <a:prstGeom prst="rect">
+            <a:avLst/>
+          </a:prstGeom>
+        </p:spPr>
+      </p:pic>
+    </p:spTree>
+    <p:extLst>
+      <p:ext uri="{BB962C8B-B14F-4D97-AF65-F5344CB8AC3E}">
+        <p14:creationId xmlns:p14="http://schemas.microsoft.com/office/powerpoint/2010/main" val="1958818580"/>
+      </p:ext>
+    </p:extLst>
+  </p:cSld>
+  <p:clrMapOvr>
+    <a:masterClrMapping/>
+  </p:clrMapOvr>
+</p:sld>
+</file>
+
+<file path=ppt/slides/slide2.xml><?xml version="1.0" encoding="utf-8"?>
+<p:sld xmlns:a="http://schemas.openxmlformats.org/drawingml/2006/main" xmlns:r="http://schemas.openxmlformats.org/officeDocument/2006/relationships" xmlns:p="http://schemas.openxmlformats.org/presentationml/2006/main">
+  <p:cSld>
+    <p:spTree>
+      <p:nvGrpSpPr>
+        <p:cNvPr id="1" name=""/>
+        <p:cNvGrpSpPr/>
+        <p:nvPr/>
+      </p:nvGrpSpPr>
+      <p:grpSpPr>
+        <a:xfrm>
+          <a:off x="0" y="0"/>
+          <a:ext cx="0" cy="0"/>
+          <a:chOff x="0" y="0"/>
+          <a:chExt cx="0" cy="0"/>
+        </a:xfrm>
+      </p:grpSpPr>
+      <p:sp>
+        <p:nvSpPr>
+          <p:cNvPr id="2" name="Title 1">
+            <a:extLst>
+              <a:ext uri="{FF2B5EF4-FFF2-40B4-BE49-F238E27FC236}">
+                <a16:creationId xmlns:a16="http://schemas.microsoft.com/office/drawing/2014/main" id="{E5685C86-3370-4141-87BE-0AF78122C44D}"/>
+              </a:ext>
+            </a:extLst>
+          </p:cNvPr>
+          <p:cNvSpPr>
+            <a:spLocks noGrp="1"/>
+          </p:cNvSpPr>
+          <p:nvPr>
+            <p:ph type="title"/>
+          </p:nvPr>
+        </p:nvSpPr>
+        <p:spPr/>
+        <p:txBody>
+          <a:bodyPr>
+            <a:normAutofit/>
+          </a:bodyPr>
+          <a:lstStyle/>
+          <a:p>
+            <a:r>
+              <a:rPr lang="en-US" dirty="0"/>
+              <a:t>Introduction</a:t>
+            </a:r>
+          </a:p>
+        </p:txBody>
+      </p:sp>
+      <p:sp>
+        <p:nvSpPr>
+          <p:cNvPr id="47" name="Content Placeholder 2">
+            <a:extLst>
+              <a:ext uri="{FF2B5EF4-FFF2-40B4-BE49-F238E27FC236}">
+                <a16:creationId xmlns:a16="http://schemas.microsoft.com/office/drawing/2014/main" id="{3DA02F28-2941-334D-9C83-8E64C99A7AB4}"/>
+              </a:ext>
+            </a:extLst>
+          </p:cNvPr>
+          <p:cNvSpPr>
+            <a:spLocks noGrp="1"/>
+          </p:cNvSpPr>
+          <p:nvPr>
+            <p:ph idx="1"/>
+          </p:nvPr>
+        </p:nvSpPr>
+        <p:spPr>
+          <a:xfrm>
+            <a:off x="677334" y="1173892"/>
+            <a:ext cx="8690504" cy="5078627"/>
+          </a:xfrm>
+        </p:spPr>
+        <p:txBody>
+          <a:bodyPr vert="horz" lIns="91440" tIns="45720" rIns="91440" bIns="45720" rtlCol="0" anchor="t">
+            <a:normAutofit/>
+          </a:bodyPr>
+          <a:lstStyle/>
+          <a:p>
+            <a:r>
+              <a:rPr lang="en-US" dirty="0"/>
+              <a:t>Fruit sizing using Approximate Bayesian Computation</a:t>
+            </a:r>
+          </a:p>
+          <a:p>
+            <a:pPr lvl="1"/>
+            <a:r>
+              <a:rPr lang="en-US" dirty="0"/>
+              <a:t>Challenges and considerations</a:t>
+            </a:r>
+          </a:p>
+          <a:p>
+            <a:r>
+              <a:rPr lang="en-US" dirty="0"/>
+              <a:t>Machine learning tools </a:t>
+            </a:r>
+          </a:p>
+          <a:p>
+            <a:pPr lvl="1"/>
+            <a:r>
+              <a:rPr lang="en-US" dirty="0"/>
+              <a:t>DVC</a:t>
+            </a:r>
+          </a:p>
+          <a:p>
+            <a:pPr lvl="1"/>
+            <a:r>
+              <a:rPr lang="en-US" dirty="0" err="1"/>
+              <a:t>MLFlow</a:t>
+            </a:r>
+            <a:endParaRPr lang="en-US" dirty="0"/>
+          </a:p>
+          <a:p>
+            <a:pPr lvl="1"/>
+            <a:r>
+              <a:rPr lang="en-US" dirty="0" err="1"/>
+              <a:t>PyCaret</a:t>
+            </a:r>
+            <a:endParaRPr lang="en-US" dirty="0"/>
+          </a:p>
+          <a:p>
+            <a:pPr lvl="1"/>
+            <a:r>
+              <a:rPr lang="en-US" dirty="0"/>
+              <a:t>Ray</a:t>
+            </a:r>
+          </a:p>
+          <a:p>
+            <a:pPr lvl="1"/>
+            <a:r>
+              <a:rPr lang="en-US" dirty="0" err="1"/>
+              <a:t>Optuna</a:t>
+            </a:r>
+            <a:endParaRPr lang="en-US" dirty="0"/>
+          </a:p>
+          <a:p>
+            <a:r>
+              <a:rPr lang="en-US" dirty="0"/>
+              <a:t>A flexible and generalizable machine learning framework</a:t>
+            </a:r>
+          </a:p>
+          <a:p>
+            <a:pPr lvl="1"/>
+            <a:r>
+              <a:rPr lang="en-US" dirty="0"/>
+              <a:t>Gold and Hayward kiwifruit datasets</a:t>
+            </a:r>
+          </a:p>
+          <a:p>
+            <a:endParaRPr lang="en-US" dirty="0"/>
+          </a:p>
+          <a:p>
+            <a:endParaRPr lang="en-US" dirty="0"/>
+          </a:p>
+        </p:txBody>
+      </p:sp>
+      <p:sp>
+        <p:nvSpPr>
+          <p:cNvPr id="67" name="Freeform 66">
+            <a:extLst>
+              <a:ext uri="{FF2B5EF4-FFF2-40B4-BE49-F238E27FC236}">
+                <a16:creationId xmlns:a16="http://schemas.microsoft.com/office/drawing/2014/main" id="{DDF71223-32FE-1342-80AF-7BEA5460BE67}"/>
+              </a:ext>
+            </a:extLst>
+          </p:cNvPr>
+          <p:cNvSpPr/>
+          <p:nvPr/>
+        </p:nvSpPr>
+        <p:spPr>
+          <a:xfrm>
+            <a:off x="1295400" y="1149350"/>
+            <a:ext cx="9601200" cy="4559300"/>
+          </a:xfrm>
+          <a:custGeom>
+            <a:avLst/>
+            <a:gdLst>
+              <a:gd name="connsiteX0" fmla="*/ 0 w 9601200"/>
+              <a:gd name="connsiteY0" fmla="*/ 0 h 4559300"/>
+              <a:gd name="connsiteX1" fmla="*/ 9601200 w 9601200"/>
+              <a:gd name="connsiteY1" fmla="*/ 0 h 4559300"/>
+              <a:gd name="connsiteX2" fmla="*/ 9601200 w 9601200"/>
+              <a:gd name="connsiteY2" fmla="*/ 4559300 h 4559300"/>
+              <a:gd name="connsiteX3" fmla="*/ 0 w 9601200"/>
+              <a:gd name="connsiteY3" fmla="*/ 4559300 h 4559300"/>
+            </a:gdLst>
+            <a:ahLst/>
+            <a:cxnLst>
+              <a:cxn ang="0">
+                <a:pos x="connsiteX0" y="connsiteY0"/>
+              </a:cxn>
+              <a:cxn ang="0">
+                <a:pos x="connsiteX1" y="connsiteY1"/>
+              </a:cxn>
+              <a:cxn ang="0">
+                <a:pos x="connsiteX2" y="connsiteY2"/>
+              </a:cxn>
+              <a:cxn ang="0">
+                <a:pos x="connsiteX3" y="connsiteY3"/>
+              </a:cxn>
+            </a:cxnLst>
+            <a:rect l="l" t="t" r="r" b="b"/>
+            <a:pathLst>
+              <a:path w="9601200" h="4559300">
+                <a:moveTo>
+                  <a:pt x="0" y="0"/>
+                </a:moveTo>
+                <a:lnTo>
+                  <a:pt x="9601200" y="0"/>
+                </a:lnTo>
+                <a:lnTo>
+                  <a:pt x="9601200" y="4559300"/>
+                </a:lnTo>
+                <a:lnTo>
+                  <a:pt x="0" y="4559300"/>
+                </a:lnTo>
+                <a:close/>
+              </a:path>
+            </a:pathLst>
+          </a:custGeom>
+          <a:noFill/>
+          <a:ln w="9516" cap="flat">
+            <a:noFill/>
+            <a:prstDash val="solid"/>
+            <a:miter/>
+          </a:ln>
+        </p:spPr>
+        <p:txBody>
+          <a:bodyPr rtlCol="0" anchor="ctr"/>
+          <a:lstStyle/>
+          <a:p>
+            <a:endParaRPr lang="en-US"/>
+          </a:p>
+        </p:txBody>
+      </p:sp>
+    </p:spTree>
+    <p:extLst>
+      <p:ext uri="{BB962C8B-B14F-4D97-AF65-F5344CB8AC3E}">
+        <p14:creationId xmlns:p14="http://schemas.microsoft.com/office/powerpoint/2010/main" val="637773430"/>
+      </p:ext>
+    </p:extLst>
+  </p:cSld>
+  <p:clrMapOvr>
+    <a:masterClrMapping/>
+  </p:clrMapOvr>
+</p:sld>
+</file>
+
+<file path=ppt/slides/slide20.xml><?xml version="1.0" encoding="utf-8"?>
+<p:sld xmlns:a="http://schemas.openxmlformats.org/drawingml/2006/main" xmlns:r="http://schemas.openxmlformats.org/officeDocument/2006/relationships" xmlns:p="http://schemas.openxmlformats.org/presentationml/2006/main">
+  <p:cSld>
+    <p:spTree>
+      <p:nvGrpSpPr>
+        <p:cNvPr id="1" name=""/>
+        <p:cNvGrpSpPr/>
+        <p:nvPr/>
+      </p:nvGrpSpPr>
+      <p:grpSpPr>
+        <a:xfrm>
+          <a:off x="0" y="0"/>
+          <a:ext cx="0" cy="0"/>
+          <a:chOff x="0" y="0"/>
+          <a:chExt cx="0" cy="0"/>
+        </a:xfrm>
+      </p:grpSpPr>
+      <p:sp>
+        <p:nvSpPr>
+          <p:cNvPr id="2" name="Title 1">
+            <a:extLst>
+              <a:ext uri="{FF2B5EF4-FFF2-40B4-BE49-F238E27FC236}">
+                <a16:creationId xmlns:a16="http://schemas.microsoft.com/office/drawing/2014/main" id="{E5685C86-3370-4141-87BE-0AF78122C44D}"/>
+              </a:ext>
+            </a:extLst>
+          </p:cNvPr>
+          <p:cNvSpPr>
+            <a:spLocks noGrp="1"/>
+          </p:cNvSpPr>
+          <p:nvPr>
+            <p:ph type="title"/>
+          </p:nvPr>
+        </p:nvSpPr>
+        <p:spPr/>
+        <p:txBody>
+          <a:bodyPr>
+            <a:normAutofit/>
+          </a:bodyPr>
+          <a:lstStyle/>
+          <a:p>
+            <a:r>
+              <a:rPr lang="en-US" dirty="0"/>
+              <a:t>Regression Models </a:t>
+            </a:r>
+          </a:p>
+        </p:txBody>
+      </p:sp>
+      <p:sp>
+        <p:nvSpPr>
+          <p:cNvPr id="67" name="Freeform 66">
+            <a:extLst>
+              <a:ext uri="{FF2B5EF4-FFF2-40B4-BE49-F238E27FC236}">
+                <a16:creationId xmlns:a16="http://schemas.microsoft.com/office/drawing/2014/main" id="{DDF71223-32FE-1342-80AF-7BEA5460BE67}"/>
+              </a:ext>
+            </a:extLst>
+          </p:cNvPr>
+          <p:cNvSpPr/>
+          <p:nvPr/>
+        </p:nvSpPr>
+        <p:spPr>
+          <a:xfrm>
+            <a:off x="1295400" y="1149350"/>
+            <a:ext cx="9601200" cy="4559300"/>
+          </a:xfrm>
+          <a:custGeom>
+            <a:avLst/>
+            <a:gdLst>
+              <a:gd name="connsiteX0" fmla="*/ 0 w 9601200"/>
+              <a:gd name="connsiteY0" fmla="*/ 0 h 4559300"/>
+              <a:gd name="connsiteX1" fmla="*/ 9601200 w 9601200"/>
+              <a:gd name="connsiteY1" fmla="*/ 0 h 4559300"/>
+              <a:gd name="connsiteX2" fmla="*/ 9601200 w 9601200"/>
+              <a:gd name="connsiteY2" fmla="*/ 4559300 h 4559300"/>
+              <a:gd name="connsiteX3" fmla="*/ 0 w 9601200"/>
+              <a:gd name="connsiteY3" fmla="*/ 4559300 h 4559300"/>
+            </a:gdLst>
+            <a:ahLst/>
+            <a:cxnLst>
+              <a:cxn ang="0">
+                <a:pos x="connsiteX0" y="connsiteY0"/>
+              </a:cxn>
+              <a:cxn ang="0">
+                <a:pos x="connsiteX1" y="connsiteY1"/>
+              </a:cxn>
+              <a:cxn ang="0">
+                <a:pos x="connsiteX2" y="connsiteY2"/>
+              </a:cxn>
+              <a:cxn ang="0">
+                <a:pos x="connsiteX3" y="connsiteY3"/>
+              </a:cxn>
+            </a:cxnLst>
+            <a:rect l="l" t="t" r="r" b="b"/>
+            <a:pathLst>
+              <a:path w="9601200" h="4559300">
+                <a:moveTo>
+                  <a:pt x="0" y="0"/>
+                </a:moveTo>
+                <a:lnTo>
+                  <a:pt x="9601200" y="0"/>
+                </a:lnTo>
+                <a:lnTo>
+                  <a:pt x="9601200" y="4559300"/>
+                </a:lnTo>
+                <a:lnTo>
+                  <a:pt x="0" y="4559300"/>
+                </a:lnTo>
+                <a:close/>
+              </a:path>
+            </a:pathLst>
+          </a:custGeom>
+          <a:noFill/>
+          <a:ln w="9516" cap="flat">
+            <a:noFill/>
+            <a:prstDash val="solid"/>
+            <a:miter/>
+          </a:ln>
+        </p:spPr>
+        <p:txBody>
+          <a:bodyPr rtlCol="0" anchor="ctr"/>
+          <a:lstStyle/>
+          <a:p>
+            <a:endParaRPr lang="en-US"/>
+          </a:p>
+        </p:txBody>
+      </p:sp>
+      <p:pic>
+        <p:nvPicPr>
+          <p:cNvPr id="4" name="Picture 3">
+            <a:extLst>
+              <a:ext uri="{FF2B5EF4-FFF2-40B4-BE49-F238E27FC236}">
+                <a16:creationId xmlns:a16="http://schemas.microsoft.com/office/drawing/2014/main" id="{AC84CE84-4213-46AE-8114-7CAC03644CF2}"/>
+              </a:ext>
+            </a:extLst>
+          </p:cNvPr>
+          <p:cNvPicPr>
+            <a:picLocks noChangeAspect="1"/>
+          </p:cNvPicPr>
+          <p:nvPr/>
+        </p:nvPicPr>
+        <p:blipFill>
+          <a:blip r:embed="rId3"/>
+          <a:stretch>
+            <a:fillRect/>
+          </a:stretch>
+        </p:blipFill>
+        <p:spPr>
+          <a:xfrm>
+            <a:off x="230221" y="1760040"/>
+            <a:ext cx="11595370" cy="4562320"/>
+          </a:xfrm>
+          <a:prstGeom prst="rect">
+            <a:avLst/>
+          </a:prstGeom>
+        </p:spPr>
+      </p:pic>
+    </p:spTree>
+    <p:extLst>
+      <p:ext uri="{BB962C8B-B14F-4D97-AF65-F5344CB8AC3E}">
+        <p14:creationId xmlns:p14="http://schemas.microsoft.com/office/powerpoint/2010/main" val="3795807127"/>
+      </p:ext>
+    </p:extLst>
+  </p:cSld>
+  <p:clrMapOvr>
+    <a:masterClrMapping/>
+  </p:clrMapOvr>
+</p:sld>
+</file>
+
+<file path=ppt/slides/slide21.xml><?xml version="1.0" encoding="utf-8"?>
+<p:sld xmlns:a="http://schemas.openxmlformats.org/drawingml/2006/main" xmlns:r="http://schemas.openxmlformats.org/officeDocument/2006/relationships" xmlns:p="http://schemas.openxmlformats.org/presentationml/2006/main">
+  <p:cSld>
+    <p:spTree>
+      <p:nvGrpSpPr>
+        <p:cNvPr id="1" name=""/>
+        <p:cNvGrpSpPr/>
+        <p:nvPr/>
+      </p:nvGrpSpPr>
+      <p:grpSpPr>
+        <a:xfrm>
+          <a:off x="0" y="0"/>
+          <a:ext cx="0" cy="0"/>
+          <a:chOff x="0" y="0"/>
+          <a:chExt cx="0" cy="0"/>
+        </a:xfrm>
+      </p:grpSpPr>
+      <p:sp>
+        <p:nvSpPr>
+          <p:cNvPr id="2" name="Title 1">
+            <a:extLst>
+              <a:ext uri="{FF2B5EF4-FFF2-40B4-BE49-F238E27FC236}">
+                <a16:creationId xmlns:a16="http://schemas.microsoft.com/office/drawing/2014/main" id="{E5685C86-3370-4141-87BE-0AF78122C44D}"/>
+              </a:ext>
+            </a:extLst>
+          </p:cNvPr>
+          <p:cNvSpPr>
+            <a:spLocks noGrp="1"/>
+          </p:cNvSpPr>
+          <p:nvPr>
+            <p:ph type="title"/>
+          </p:nvPr>
+        </p:nvSpPr>
+        <p:spPr/>
+        <p:txBody>
+          <a:bodyPr>
+            <a:normAutofit/>
+          </a:bodyPr>
+          <a:lstStyle/>
+          <a:p>
+            <a:r>
+              <a:rPr lang="en-US" dirty="0"/>
+              <a:t>Regression Models </a:t>
+            </a:r>
+          </a:p>
+        </p:txBody>
+      </p:sp>
+      <p:sp>
+        <p:nvSpPr>
+          <p:cNvPr id="67" name="Freeform 66">
+            <a:extLst>
+              <a:ext uri="{FF2B5EF4-FFF2-40B4-BE49-F238E27FC236}">
+                <a16:creationId xmlns:a16="http://schemas.microsoft.com/office/drawing/2014/main" id="{DDF71223-32FE-1342-80AF-7BEA5460BE67}"/>
+              </a:ext>
+            </a:extLst>
+          </p:cNvPr>
+          <p:cNvSpPr/>
+          <p:nvPr/>
+        </p:nvSpPr>
+        <p:spPr>
+          <a:xfrm>
+            <a:off x="1295400" y="1149350"/>
+            <a:ext cx="9601200" cy="4559300"/>
+          </a:xfrm>
+          <a:custGeom>
+            <a:avLst/>
+            <a:gdLst>
+              <a:gd name="connsiteX0" fmla="*/ 0 w 9601200"/>
+              <a:gd name="connsiteY0" fmla="*/ 0 h 4559300"/>
+              <a:gd name="connsiteX1" fmla="*/ 9601200 w 9601200"/>
+              <a:gd name="connsiteY1" fmla="*/ 0 h 4559300"/>
+              <a:gd name="connsiteX2" fmla="*/ 9601200 w 9601200"/>
+              <a:gd name="connsiteY2" fmla="*/ 4559300 h 4559300"/>
+              <a:gd name="connsiteX3" fmla="*/ 0 w 9601200"/>
+              <a:gd name="connsiteY3" fmla="*/ 4559300 h 4559300"/>
+            </a:gdLst>
+            <a:ahLst/>
+            <a:cxnLst>
+              <a:cxn ang="0">
+                <a:pos x="connsiteX0" y="connsiteY0"/>
+              </a:cxn>
+              <a:cxn ang="0">
+                <a:pos x="connsiteX1" y="connsiteY1"/>
+              </a:cxn>
+              <a:cxn ang="0">
+                <a:pos x="connsiteX2" y="connsiteY2"/>
+              </a:cxn>
+              <a:cxn ang="0">
+                <a:pos x="connsiteX3" y="connsiteY3"/>
+              </a:cxn>
+            </a:cxnLst>
+            <a:rect l="l" t="t" r="r" b="b"/>
+            <a:pathLst>
+              <a:path w="9601200" h="4559300">
+                <a:moveTo>
+                  <a:pt x="0" y="0"/>
+                </a:moveTo>
+                <a:lnTo>
+                  <a:pt x="9601200" y="0"/>
+                </a:lnTo>
+                <a:lnTo>
+                  <a:pt x="9601200" y="4559300"/>
+                </a:lnTo>
+                <a:lnTo>
+                  <a:pt x="0" y="4559300"/>
+                </a:lnTo>
+                <a:close/>
+              </a:path>
+            </a:pathLst>
+          </a:custGeom>
+          <a:noFill/>
+          <a:ln w="9516" cap="flat">
+            <a:noFill/>
+            <a:prstDash val="solid"/>
+            <a:miter/>
+          </a:ln>
+        </p:spPr>
+        <p:txBody>
+          <a:bodyPr rtlCol="0" anchor="ctr"/>
+          <a:lstStyle/>
+          <a:p>
+            <a:endParaRPr lang="en-US"/>
+          </a:p>
+        </p:txBody>
+      </p:sp>
+      <p:pic>
+        <p:nvPicPr>
+          <p:cNvPr id="7" name="Picture 6">
+            <a:extLst>
+              <a:ext uri="{FF2B5EF4-FFF2-40B4-BE49-F238E27FC236}">
+                <a16:creationId xmlns:a16="http://schemas.microsoft.com/office/drawing/2014/main" id="{F647F349-3EF0-404F-83F7-7962B677177C}"/>
+              </a:ext>
+            </a:extLst>
+          </p:cNvPr>
+          <p:cNvPicPr>
+            <a:picLocks noChangeAspect="1"/>
+          </p:cNvPicPr>
+          <p:nvPr/>
+        </p:nvPicPr>
+        <p:blipFill>
+          <a:blip r:embed="rId3"/>
+          <a:stretch>
+            <a:fillRect/>
+          </a:stretch>
+        </p:blipFill>
+        <p:spPr>
+          <a:xfrm>
+            <a:off x="389106" y="1809314"/>
+            <a:ext cx="11217788" cy="4463525"/>
+          </a:xfrm>
+          <a:prstGeom prst="rect">
+            <a:avLst/>
+          </a:prstGeom>
+        </p:spPr>
+      </p:pic>
+    </p:spTree>
+    <p:extLst>
+      <p:ext uri="{BB962C8B-B14F-4D97-AF65-F5344CB8AC3E}">
+        <p14:creationId xmlns:p14="http://schemas.microsoft.com/office/powerpoint/2010/main" val="3981443726"/>
+      </p:ext>
+    </p:extLst>
+  </p:cSld>
+  <p:clrMapOvr>
+    <a:masterClrMapping/>
+  </p:clrMapOvr>
+</p:sld>
+</file>
+
+<file path=ppt/slides/slide22.xml><?xml version="1.0" encoding="utf-8"?>
+<p:sld xmlns:a="http://schemas.openxmlformats.org/drawingml/2006/main" xmlns:r="http://schemas.openxmlformats.org/officeDocument/2006/relationships" xmlns:p="http://schemas.openxmlformats.org/presentationml/2006/main">
+  <p:cSld>
+    <p:spTree>
+      <p:nvGrpSpPr>
+        <p:cNvPr id="1" name=""/>
+        <p:cNvGrpSpPr/>
+        <p:nvPr/>
+      </p:nvGrpSpPr>
+      <p:grpSpPr>
+        <a:xfrm>
+          <a:off x="0" y="0"/>
+          <a:ext cx="0" cy="0"/>
+          <a:chOff x="0" y="0"/>
+          <a:chExt cx="0" cy="0"/>
+        </a:xfrm>
+      </p:grpSpPr>
+      <p:sp>
+        <p:nvSpPr>
+          <p:cNvPr id="2" name="Title 1">
+            <a:extLst>
+              <a:ext uri="{FF2B5EF4-FFF2-40B4-BE49-F238E27FC236}">
+                <a16:creationId xmlns:a16="http://schemas.microsoft.com/office/drawing/2014/main" id="{E5685C86-3370-4141-87BE-0AF78122C44D}"/>
+              </a:ext>
+            </a:extLst>
+          </p:cNvPr>
+          <p:cNvSpPr>
+            <a:spLocks noGrp="1"/>
+          </p:cNvSpPr>
+          <p:nvPr>
+            <p:ph type="title"/>
+          </p:nvPr>
+        </p:nvSpPr>
+        <p:spPr/>
+        <p:txBody>
+          <a:bodyPr>
+            <a:normAutofit/>
+          </a:bodyPr>
+          <a:lstStyle/>
+          <a:p>
+            <a:r>
+              <a:rPr lang="en-US" dirty="0"/>
+              <a:t>Regression Models </a:t>
+            </a:r>
+          </a:p>
+        </p:txBody>
+      </p:sp>
+      <p:sp>
+        <p:nvSpPr>
+          <p:cNvPr id="67" name="Freeform 66">
+            <a:extLst>
+              <a:ext uri="{FF2B5EF4-FFF2-40B4-BE49-F238E27FC236}">
+                <a16:creationId xmlns:a16="http://schemas.microsoft.com/office/drawing/2014/main" id="{DDF71223-32FE-1342-80AF-7BEA5460BE67}"/>
+              </a:ext>
+            </a:extLst>
+          </p:cNvPr>
+          <p:cNvSpPr/>
+          <p:nvPr/>
+        </p:nvSpPr>
+        <p:spPr>
+          <a:xfrm>
+            <a:off x="1295400" y="1149350"/>
+            <a:ext cx="9601200" cy="4559300"/>
+          </a:xfrm>
+          <a:custGeom>
+            <a:avLst/>
+            <a:gdLst>
+              <a:gd name="connsiteX0" fmla="*/ 0 w 9601200"/>
+              <a:gd name="connsiteY0" fmla="*/ 0 h 4559300"/>
+              <a:gd name="connsiteX1" fmla="*/ 9601200 w 9601200"/>
+              <a:gd name="connsiteY1" fmla="*/ 0 h 4559300"/>
+              <a:gd name="connsiteX2" fmla="*/ 9601200 w 9601200"/>
+              <a:gd name="connsiteY2" fmla="*/ 4559300 h 4559300"/>
+              <a:gd name="connsiteX3" fmla="*/ 0 w 9601200"/>
+              <a:gd name="connsiteY3" fmla="*/ 4559300 h 4559300"/>
+            </a:gdLst>
+            <a:ahLst/>
+            <a:cxnLst>
+              <a:cxn ang="0">
+                <a:pos x="connsiteX0" y="connsiteY0"/>
+              </a:cxn>
+              <a:cxn ang="0">
+                <a:pos x="connsiteX1" y="connsiteY1"/>
+              </a:cxn>
+              <a:cxn ang="0">
+                <a:pos x="connsiteX2" y="connsiteY2"/>
+              </a:cxn>
+              <a:cxn ang="0">
+                <a:pos x="connsiteX3" y="connsiteY3"/>
+              </a:cxn>
+            </a:cxnLst>
+            <a:rect l="l" t="t" r="r" b="b"/>
+            <a:pathLst>
+              <a:path w="9601200" h="4559300">
+                <a:moveTo>
+                  <a:pt x="0" y="0"/>
+                </a:moveTo>
+                <a:lnTo>
+                  <a:pt x="9601200" y="0"/>
+                </a:lnTo>
+                <a:lnTo>
+                  <a:pt x="9601200" y="4559300"/>
+                </a:lnTo>
+                <a:lnTo>
+                  <a:pt x="0" y="4559300"/>
+                </a:lnTo>
+                <a:close/>
+              </a:path>
+            </a:pathLst>
+          </a:custGeom>
+          <a:noFill/>
+          <a:ln w="9516" cap="flat">
+            <a:noFill/>
+            <a:prstDash val="solid"/>
+            <a:miter/>
+          </a:ln>
+        </p:spPr>
+        <p:txBody>
+          <a:bodyPr rtlCol="0" anchor="ctr"/>
+          <a:lstStyle/>
+          <a:p>
+            <a:endParaRPr lang="en-US"/>
+          </a:p>
+        </p:txBody>
+      </p:sp>
+      <p:pic>
+        <p:nvPicPr>
+          <p:cNvPr id="5" name="Picture 4">
+            <a:extLst>
+              <a:ext uri="{FF2B5EF4-FFF2-40B4-BE49-F238E27FC236}">
+                <a16:creationId xmlns:a16="http://schemas.microsoft.com/office/drawing/2014/main" id="{65AC6DA5-0957-456B-A8F2-FB54C37DB514}"/>
+              </a:ext>
+            </a:extLst>
+          </p:cNvPr>
+          <p:cNvPicPr>
+            <a:picLocks noChangeAspect="1"/>
+          </p:cNvPicPr>
+          <p:nvPr/>
+        </p:nvPicPr>
+        <p:blipFill>
+          <a:blip r:embed="rId3"/>
+          <a:stretch>
+            <a:fillRect/>
+          </a:stretch>
+        </p:blipFill>
+        <p:spPr>
+          <a:xfrm>
+            <a:off x="327138" y="1798225"/>
+            <a:ext cx="11582040" cy="4559300"/>
+          </a:xfrm>
+          <a:prstGeom prst="rect">
+            <a:avLst/>
+          </a:prstGeom>
+        </p:spPr>
+      </p:pic>
+    </p:spTree>
+    <p:extLst>
+      <p:ext uri="{BB962C8B-B14F-4D97-AF65-F5344CB8AC3E}">
+        <p14:creationId xmlns:p14="http://schemas.microsoft.com/office/powerpoint/2010/main" val="952631004"/>
+      </p:ext>
+    </p:extLst>
+  </p:cSld>
+  <p:clrMapOvr>
+    <a:masterClrMapping/>
+  </p:clrMapOvr>
+</p:sld>
+</file>
+
+<file path=ppt/slides/slide23.xml><?xml version="1.0" encoding="utf-8"?>
+<p:sld xmlns:a="http://schemas.openxmlformats.org/drawingml/2006/main" xmlns:r="http://schemas.openxmlformats.org/officeDocument/2006/relationships" xmlns:p="http://schemas.openxmlformats.org/presentationml/2006/main">
+  <p:cSld>
+    <p:spTree>
+      <p:nvGrpSpPr>
+        <p:cNvPr id="1" name=""/>
+        <p:cNvGrpSpPr/>
+        <p:nvPr/>
+      </p:nvGrpSpPr>
+      <p:grpSpPr>
+        <a:xfrm>
+          <a:off x="0" y="0"/>
+          <a:ext cx="0" cy="0"/>
+          <a:chOff x="0" y="0"/>
+          <a:chExt cx="0" cy="0"/>
+        </a:xfrm>
+      </p:grpSpPr>
+      <p:sp>
+        <p:nvSpPr>
+          <p:cNvPr id="2" name="Title 1">
+            <a:extLst>
+              <a:ext uri="{FF2B5EF4-FFF2-40B4-BE49-F238E27FC236}">
+                <a16:creationId xmlns:a16="http://schemas.microsoft.com/office/drawing/2014/main" id="{E5685C86-3370-4141-87BE-0AF78122C44D}"/>
+              </a:ext>
+            </a:extLst>
+          </p:cNvPr>
+          <p:cNvSpPr>
+            <a:spLocks noGrp="1"/>
+          </p:cNvSpPr>
+          <p:nvPr>
+            <p:ph type="title"/>
+          </p:nvPr>
+        </p:nvSpPr>
+        <p:spPr/>
+        <p:txBody>
+          <a:bodyPr>
+            <a:normAutofit/>
+          </a:bodyPr>
+          <a:lstStyle/>
+          <a:p>
+            <a:r>
+              <a:rPr lang="en-US" dirty="0"/>
+              <a:t>Clustering</a:t>
+            </a:r>
+          </a:p>
+        </p:txBody>
+      </p:sp>
+      <p:sp>
+        <p:nvSpPr>
+          <p:cNvPr id="67" name="Freeform 66">
+            <a:extLst>
+              <a:ext uri="{FF2B5EF4-FFF2-40B4-BE49-F238E27FC236}">
+                <a16:creationId xmlns:a16="http://schemas.microsoft.com/office/drawing/2014/main" id="{DDF71223-32FE-1342-80AF-7BEA5460BE67}"/>
+              </a:ext>
+            </a:extLst>
+          </p:cNvPr>
+          <p:cNvSpPr/>
+          <p:nvPr/>
+        </p:nvSpPr>
+        <p:spPr>
+          <a:xfrm>
+            <a:off x="1295400" y="1149350"/>
+            <a:ext cx="9601200" cy="4559300"/>
+          </a:xfrm>
+          <a:custGeom>
+            <a:avLst/>
+            <a:gdLst>
+              <a:gd name="connsiteX0" fmla="*/ 0 w 9601200"/>
+              <a:gd name="connsiteY0" fmla="*/ 0 h 4559300"/>
+              <a:gd name="connsiteX1" fmla="*/ 9601200 w 9601200"/>
+              <a:gd name="connsiteY1" fmla="*/ 0 h 4559300"/>
+              <a:gd name="connsiteX2" fmla="*/ 9601200 w 9601200"/>
+              <a:gd name="connsiteY2" fmla="*/ 4559300 h 4559300"/>
+              <a:gd name="connsiteX3" fmla="*/ 0 w 9601200"/>
+              <a:gd name="connsiteY3" fmla="*/ 4559300 h 4559300"/>
+            </a:gdLst>
+            <a:ahLst/>
+            <a:cxnLst>
+              <a:cxn ang="0">
+                <a:pos x="connsiteX0" y="connsiteY0"/>
+              </a:cxn>
+              <a:cxn ang="0">
+                <a:pos x="connsiteX1" y="connsiteY1"/>
+              </a:cxn>
+              <a:cxn ang="0">
+                <a:pos x="connsiteX2" y="connsiteY2"/>
+              </a:cxn>
+              <a:cxn ang="0">
+                <a:pos x="connsiteX3" y="connsiteY3"/>
+              </a:cxn>
+            </a:cxnLst>
+            <a:rect l="l" t="t" r="r" b="b"/>
+            <a:pathLst>
+              <a:path w="9601200" h="4559300">
+                <a:moveTo>
+                  <a:pt x="0" y="0"/>
+                </a:moveTo>
+                <a:lnTo>
+                  <a:pt x="9601200" y="0"/>
+                </a:lnTo>
+                <a:lnTo>
+                  <a:pt x="9601200" y="4559300"/>
+                </a:lnTo>
+                <a:lnTo>
+                  <a:pt x="0" y="4559300"/>
+                </a:lnTo>
+                <a:close/>
+              </a:path>
+            </a:pathLst>
+          </a:custGeom>
+          <a:noFill/>
+          <a:ln w="9516" cap="flat">
+            <a:noFill/>
+            <a:prstDash val="solid"/>
+            <a:miter/>
+          </a:ln>
+        </p:spPr>
+        <p:txBody>
+          <a:bodyPr rtlCol="0" anchor="ctr"/>
+          <a:lstStyle/>
+          <a:p>
+            <a:endParaRPr lang="en-US"/>
+          </a:p>
+        </p:txBody>
+      </p:sp>
+      <p:pic>
+        <p:nvPicPr>
+          <p:cNvPr id="4" name="Picture 3">
+            <a:extLst>
+              <a:ext uri="{FF2B5EF4-FFF2-40B4-BE49-F238E27FC236}">
+                <a16:creationId xmlns:a16="http://schemas.microsoft.com/office/drawing/2014/main" id="{26C8FDCC-77C8-47E4-81FD-D918FE675C7A}"/>
+              </a:ext>
+            </a:extLst>
+          </p:cNvPr>
+          <p:cNvPicPr>
+            <a:picLocks noChangeAspect="1"/>
+          </p:cNvPicPr>
+          <p:nvPr/>
+        </p:nvPicPr>
+        <p:blipFill>
+          <a:blip r:embed="rId3"/>
+          <a:stretch>
+            <a:fillRect/>
+          </a:stretch>
+        </p:blipFill>
+        <p:spPr>
+          <a:xfrm>
+            <a:off x="306949" y="1780155"/>
+            <a:ext cx="11578101" cy="4304103"/>
+          </a:xfrm>
+          <a:prstGeom prst="rect">
+            <a:avLst/>
+          </a:prstGeom>
+        </p:spPr>
+      </p:pic>
+    </p:spTree>
+    <p:extLst>
+      <p:ext uri="{BB962C8B-B14F-4D97-AF65-F5344CB8AC3E}">
+        <p14:creationId xmlns:p14="http://schemas.microsoft.com/office/powerpoint/2010/main" val="2056541938"/>
+      </p:ext>
+    </p:extLst>
+  </p:cSld>
+  <p:clrMapOvr>
+    <a:masterClrMapping/>
+  </p:clrMapOvr>
+</p:sld>
+</file>
+
+<file path=ppt/slides/slide24.xml><?xml version="1.0" encoding="utf-8"?>
+<p:sld xmlns:a="http://schemas.openxmlformats.org/drawingml/2006/main" xmlns:r="http://schemas.openxmlformats.org/officeDocument/2006/relationships" xmlns:p="http://schemas.openxmlformats.org/presentationml/2006/main">
+  <p:cSld>
+    <p:spTree>
+      <p:nvGrpSpPr>
+        <p:cNvPr id="1" name=""/>
+        <p:cNvGrpSpPr/>
+        <p:nvPr/>
+      </p:nvGrpSpPr>
+      <p:grpSpPr>
+        <a:xfrm>
+          <a:off x="0" y="0"/>
+          <a:ext cx="0" cy="0"/>
+          <a:chOff x="0" y="0"/>
+          <a:chExt cx="0" cy="0"/>
+        </a:xfrm>
+      </p:grpSpPr>
+      <p:sp>
+        <p:nvSpPr>
+          <p:cNvPr id="2" name="Title 1">
+            <a:extLst>
+              <a:ext uri="{FF2B5EF4-FFF2-40B4-BE49-F238E27FC236}">
+                <a16:creationId xmlns:a16="http://schemas.microsoft.com/office/drawing/2014/main" id="{E5685C86-3370-4141-87BE-0AF78122C44D}"/>
+              </a:ext>
+            </a:extLst>
+          </p:cNvPr>
+          <p:cNvSpPr>
+            <a:spLocks noGrp="1"/>
+          </p:cNvSpPr>
+          <p:nvPr>
+            <p:ph type="title"/>
+          </p:nvPr>
+        </p:nvSpPr>
+        <p:spPr/>
+        <p:txBody>
+          <a:bodyPr>
+            <a:normAutofit/>
+          </a:bodyPr>
+          <a:lstStyle/>
+          <a:p>
+            <a:r>
+              <a:rPr lang="en-US" dirty="0"/>
+              <a:t>Clustering</a:t>
+            </a:r>
+          </a:p>
+        </p:txBody>
+      </p:sp>
+      <p:sp>
+        <p:nvSpPr>
+          <p:cNvPr id="67" name="Freeform 66">
+            <a:extLst>
+              <a:ext uri="{FF2B5EF4-FFF2-40B4-BE49-F238E27FC236}">
+                <a16:creationId xmlns:a16="http://schemas.microsoft.com/office/drawing/2014/main" id="{DDF71223-32FE-1342-80AF-7BEA5460BE67}"/>
+              </a:ext>
+            </a:extLst>
+          </p:cNvPr>
+          <p:cNvSpPr/>
+          <p:nvPr/>
+        </p:nvSpPr>
+        <p:spPr>
+          <a:xfrm>
+            <a:off x="1295400" y="1149350"/>
+            <a:ext cx="9601200" cy="4559300"/>
+          </a:xfrm>
+          <a:custGeom>
+            <a:avLst/>
+            <a:gdLst>
+              <a:gd name="connsiteX0" fmla="*/ 0 w 9601200"/>
+              <a:gd name="connsiteY0" fmla="*/ 0 h 4559300"/>
+              <a:gd name="connsiteX1" fmla="*/ 9601200 w 9601200"/>
+              <a:gd name="connsiteY1" fmla="*/ 0 h 4559300"/>
+              <a:gd name="connsiteX2" fmla="*/ 9601200 w 9601200"/>
+              <a:gd name="connsiteY2" fmla="*/ 4559300 h 4559300"/>
+              <a:gd name="connsiteX3" fmla="*/ 0 w 9601200"/>
+              <a:gd name="connsiteY3" fmla="*/ 4559300 h 4559300"/>
+            </a:gdLst>
+            <a:ahLst/>
+            <a:cxnLst>
+              <a:cxn ang="0">
+                <a:pos x="connsiteX0" y="connsiteY0"/>
+              </a:cxn>
+              <a:cxn ang="0">
+                <a:pos x="connsiteX1" y="connsiteY1"/>
+              </a:cxn>
+              <a:cxn ang="0">
+                <a:pos x="connsiteX2" y="connsiteY2"/>
+              </a:cxn>
+              <a:cxn ang="0">
+                <a:pos x="connsiteX3" y="connsiteY3"/>
+              </a:cxn>
+            </a:cxnLst>
+            <a:rect l="l" t="t" r="r" b="b"/>
+            <a:pathLst>
+              <a:path w="9601200" h="4559300">
+                <a:moveTo>
+                  <a:pt x="0" y="0"/>
+                </a:moveTo>
+                <a:lnTo>
+                  <a:pt x="9601200" y="0"/>
+                </a:lnTo>
+                <a:lnTo>
+                  <a:pt x="9601200" y="4559300"/>
+                </a:lnTo>
+                <a:lnTo>
+                  <a:pt x="0" y="4559300"/>
+                </a:lnTo>
+                <a:close/>
+              </a:path>
+            </a:pathLst>
+          </a:custGeom>
+          <a:noFill/>
+          <a:ln w="9516" cap="flat">
+            <a:noFill/>
+            <a:prstDash val="solid"/>
+            <a:miter/>
+          </a:ln>
+        </p:spPr>
+        <p:txBody>
+          <a:bodyPr rtlCol="0" anchor="ctr"/>
+          <a:lstStyle/>
+          <a:p>
+            <a:endParaRPr lang="en-US"/>
+          </a:p>
+        </p:txBody>
+      </p:sp>
+      <p:pic>
+        <p:nvPicPr>
+          <p:cNvPr id="7" name="Picture 6">
+            <a:extLst>
+              <a:ext uri="{FF2B5EF4-FFF2-40B4-BE49-F238E27FC236}">
+                <a16:creationId xmlns:a16="http://schemas.microsoft.com/office/drawing/2014/main" id="{1E6BF3F1-4D6A-4446-9445-2E8B324DB9A5}"/>
+              </a:ext>
+            </a:extLst>
+          </p:cNvPr>
+          <p:cNvPicPr>
+            <a:picLocks noChangeAspect="1"/>
+          </p:cNvPicPr>
+          <p:nvPr/>
+        </p:nvPicPr>
+        <p:blipFill>
+          <a:blip r:embed="rId3"/>
+          <a:stretch>
+            <a:fillRect/>
+          </a:stretch>
+        </p:blipFill>
+        <p:spPr>
+          <a:xfrm>
+            <a:off x="2585233" y="1066099"/>
+            <a:ext cx="5039468" cy="5520053"/>
+          </a:xfrm>
+          <a:prstGeom prst="rect">
+            <a:avLst/>
+          </a:prstGeom>
+        </p:spPr>
+      </p:pic>
+    </p:spTree>
+    <p:extLst>
+      <p:ext uri="{BB962C8B-B14F-4D97-AF65-F5344CB8AC3E}">
+        <p14:creationId xmlns:p14="http://schemas.microsoft.com/office/powerpoint/2010/main" val="2823777498"/>
+      </p:ext>
+    </p:extLst>
+  </p:cSld>
+  <p:clrMapOvr>
+    <a:masterClrMapping/>
+  </p:clrMapOvr>
+</p:sld>
+</file>
+
+<file path=ppt/slides/slide25.xml><?xml version="1.0" encoding="utf-8"?>
+<p:sld xmlns:a="http://schemas.openxmlformats.org/drawingml/2006/main" xmlns:r="http://schemas.openxmlformats.org/officeDocument/2006/relationships" xmlns:p="http://schemas.openxmlformats.org/presentationml/2006/main">
+  <p:cSld>
+    <p:spTree>
+      <p:nvGrpSpPr>
+        <p:cNvPr id="1" name=""/>
+        <p:cNvGrpSpPr/>
+        <p:nvPr/>
+      </p:nvGrpSpPr>
+      <p:grpSpPr>
+        <a:xfrm>
+          <a:off x="0" y="0"/>
+          <a:ext cx="0" cy="0"/>
+          <a:chOff x="0" y="0"/>
+          <a:chExt cx="0" cy="0"/>
+        </a:xfrm>
+      </p:grpSpPr>
+      <p:sp>
+        <p:nvSpPr>
+          <p:cNvPr id="2" name="Title 1">
+            <a:extLst>
+              <a:ext uri="{FF2B5EF4-FFF2-40B4-BE49-F238E27FC236}">
+                <a16:creationId xmlns:a16="http://schemas.microsoft.com/office/drawing/2014/main" id="{E5685C86-3370-4141-87BE-0AF78122C44D}"/>
+              </a:ext>
+            </a:extLst>
+          </p:cNvPr>
+          <p:cNvSpPr>
+            <a:spLocks noGrp="1"/>
+          </p:cNvSpPr>
+          <p:nvPr>
+            <p:ph type="title"/>
+          </p:nvPr>
+        </p:nvSpPr>
+        <p:spPr/>
+        <p:txBody>
+          <a:bodyPr>
+            <a:normAutofit/>
+          </a:bodyPr>
+          <a:lstStyle/>
+          <a:p>
+            <a:r>
+              <a:rPr lang="en-US" dirty="0"/>
+              <a:t>Clustering</a:t>
+            </a:r>
+          </a:p>
+        </p:txBody>
+      </p:sp>
+      <p:sp>
+        <p:nvSpPr>
+          <p:cNvPr id="67" name="Freeform 66">
+            <a:extLst>
+              <a:ext uri="{FF2B5EF4-FFF2-40B4-BE49-F238E27FC236}">
+                <a16:creationId xmlns:a16="http://schemas.microsoft.com/office/drawing/2014/main" id="{DDF71223-32FE-1342-80AF-7BEA5460BE67}"/>
+              </a:ext>
+            </a:extLst>
+          </p:cNvPr>
+          <p:cNvSpPr/>
+          <p:nvPr/>
+        </p:nvSpPr>
+        <p:spPr>
+          <a:xfrm>
+            <a:off x="1295400" y="1149350"/>
+            <a:ext cx="9601200" cy="4559300"/>
+          </a:xfrm>
+          <a:custGeom>
+            <a:avLst/>
+            <a:gdLst>
+              <a:gd name="connsiteX0" fmla="*/ 0 w 9601200"/>
+              <a:gd name="connsiteY0" fmla="*/ 0 h 4559300"/>
+              <a:gd name="connsiteX1" fmla="*/ 9601200 w 9601200"/>
+              <a:gd name="connsiteY1" fmla="*/ 0 h 4559300"/>
+              <a:gd name="connsiteX2" fmla="*/ 9601200 w 9601200"/>
+              <a:gd name="connsiteY2" fmla="*/ 4559300 h 4559300"/>
+              <a:gd name="connsiteX3" fmla="*/ 0 w 9601200"/>
+              <a:gd name="connsiteY3" fmla="*/ 4559300 h 4559300"/>
+            </a:gdLst>
+            <a:ahLst/>
+            <a:cxnLst>
+              <a:cxn ang="0">
+                <a:pos x="connsiteX0" y="connsiteY0"/>
+              </a:cxn>
+              <a:cxn ang="0">
+                <a:pos x="connsiteX1" y="connsiteY1"/>
+              </a:cxn>
+              <a:cxn ang="0">
+                <a:pos x="connsiteX2" y="connsiteY2"/>
+              </a:cxn>
+              <a:cxn ang="0">
+                <a:pos x="connsiteX3" y="connsiteY3"/>
+              </a:cxn>
+            </a:cxnLst>
+            <a:rect l="l" t="t" r="r" b="b"/>
+            <a:pathLst>
+              <a:path w="9601200" h="4559300">
+                <a:moveTo>
+                  <a:pt x="0" y="0"/>
+                </a:moveTo>
+                <a:lnTo>
+                  <a:pt x="9601200" y="0"/>
+                </a:lnTo>
+                <a:lnTo>
+                  <a:pt x="9601200" y="4559300"/>
+                </a:lnTo>
+                <a:lnTo>
+                  <a:pt x="0" y="4559300"/>
+                </a:lnTo>
+                <a:close/>
+              </a:path>
+            </a:pathLst>
+          </a:custGeom>
+          <a:noFill/>
+          <a:ln w="9516" cap="flat">
+            <a:noFill/>
+            <a:prstDash val="solid"/>
+            <a:miter/>
+          </a:ln>
+        </p:spPr>
+        <p:txBody>
+          <a:bodyPr rtlCol="0" anchor="ctr"/>
+          <a:lstStyle/>
+          <a:p>
+            <a:endParaRPr lang="en-US"/>
+          </a:p>
+        </p:txBody>
+      </p:sp>
+      <p:pic>
+        <p:nvPicPr>
+          <p:cNvPr id="4" name="Picture 3">
+            <a:extLst>
+              <a:ext uri="{FF2B5EF4-FFF2-40B4-BE49-F238E27FC236}">
+                <a16:creationId xmlns:a16="http://schemas.microsoft.com/office/drawing/2014/main" id="{EF9081AF-B8BD-4D78-BFCA-F2E74176B46F}"/>
+              </a:ext>
+            </a:extLst>
+          </p:cNvPr>
+          <p:cNvPicPr>
+            <a:picLocks noChangeAspect="1"/>
+          </p:cNvPicPr>
+          <p:nvPr/>
+        </p:nvPicPr>
+        <p:blipFill>
+          <a:blip r:embed="rId3"/>
+          <a:stretch>
+            <a:fillRect/>
+          </a:stretch>
+        </p:blipFill>
+        <p:spPr>
+          <a:xfrm>
+            <a:off x="327496" y="1763487"/>
+            <a:ext cx="11537007" cy="3740883"/>
+          </a:xfrm>
+          <a:prstGeom prst="rect">
+            <a:avLst/>
+          </a:prstGeom>
+        </p:spPr>
+      </p:pic>
+    </p:spTree>
+    <p:extLst>
+      <p:ext uri="{BB962C8B-B14F-4D97-AF65-F5344CB8AC3E}">
+        <p14:creationId xmlns:p14="http://schemas.microsoft.com/office/powerpoint/2010/main" val="3114823378"/>
+      </p:ext>
+    </p:extLst>
+  </p:cSld>
+  <p:clrMapOvr>
+    <a:masterClrMapping/>
+  </p:clrMapOvr>
+</p:sld>
+</file>
+
+<file path=ppt/slides/slide26.xml><?xml version="1.0" encoding="utf-8"?>
+<p:sld xmlns:a="http://schemas.openxmlformats.org/drawingml/2006/main" xmlns:r="http://schemas.openxmlformats.org/officeDocument/2006/relationships" xmlns:p="http://schemas.openxmlformats.org/presentationml/2006/main">
+  <p:cSld>
+    <p:spTree>
+      <p:nvGrpSpPr>
+        <p:cNvPr id="1" name=""/>
+        <p:cNvGrpSpPr/>
+        <p:nvPr/>
+      </p:nvGrpSpPr>
+      <p:grpSpPr>
+        <a:xfrm>
+          <a:off x="0" y="0"/>
+          <a:ext cx="0" cy="0"/>
+          <a:chOff x="0" y="0"/>
+          <a:chExt cx="0" cy="0"/>
+        </a:xfrm>
+      </p:grpSpPr>
+      <p:sp>
+        <p:nvSpPr>
+          <p:cNvPr id="2" name="Title 1">
+            <a:extLst>
+              <a:ext uri="{FF2B5EF4-FFF2-40B4-BE49-F238E27FC236}">
+                <a16:creationId xmlns:a16="http://schemas.microsoft.com/office/drawing/2014/main" id="{E5685C86-3370-4141-87BE-0AF78122C44D}"/>
+              </a:ext>
+            </a:extLst>
+          </p:cNvPr>
+          <p:cNvSpPr>
+            <a:spLocks noGrp="1"/>
+          </p:cNvSpPr>
+          <p:nvPr>
+            <p:ph type="title"/>
+          </p:nvPr>
+        </p:nvSpPr>
+        <p:spPr/>
+        <p:txBody>
+          <a:bodyPr>
+            <a:normAutofit/>
+          </a:bodyPr>
+          <a:lstStyle/>
+          <a:p>
+            <a:r>
+              <a:rPr lang="en-US"/>
+              <a:t>Anomaly Detection</a:t>
+            </a:r>
+            <a:endParaRPr lang="en-US" dirty="0"/>
+          </a:p>
+        </p:txBody>
+      </p:sp>
+      <p:sp>
+        <p:nvSpPr>
+          <p:cNvPr id="67" name="Freeform 66">
+            <a:extLst>
+              <a:ext uri="{FF2B5EF4-FFF2-40B4-BE49-F238E27FC236}">
+                <a16:creationId xmlns:a16="http://schemas.microsoft.com/office/drawing/2014/main" id="{DDF71223-32FE-1342-80AF-7BEA5460BE67}"/>
+              </a:ext>
+            </a:extLst>
+          </p:cNvPr>
+          <p:cNvSpPr/>
+          <p:nvPr/>
+        </p:nvSpPr>
+        <p:spPr>
+          <a:xfrm>
+            <a:off x="1295400" y="1149350"/>
+            <a:ext cx="9601200" cy="4559300"/>
+          </a:xfrm>
+          <a:custGeom>
+            <a:avLst/>
+            <a:gdLst>
+              <a:gd name="connsiteX0" fmla="*/ 0 w 9601200"/>
+              <a:gd name="connsiteY0" fmla="*/ 0 h 4559300"/>
+              <a:gd name="connsiteX1" fmla="*/ 9601200 w 9601200"/>
+              <a:gd name="connsiteY1" fmla="*/ 0 h 4559300"/>
+              <a:gd name="connsiteX2" fmla="*/ 9601200 w 9601200"/>
+              <a:gd name="connsiteY2" fmla="*/ 4559300 h 4559300"/>
+              <a:gd name="connsiteX3" fmla="*/ 0 w 9601200"/>
+              <a:gd name="connsiteY3" fmla="*/ 4559300 h 4559300"/>
+            </a:gdLst>
+            <a:ahLst/>
+            <a:cxnLst>
+              <a:cxn ang="0">
+                <a:pos x="connsiteX0" y="connsiteY0"/>
+              </a:cxn>
+              <a:cxn ang="0">
+                <a:pos x="connsiteX1" y="connsiteY1"/>
+              </a:cxn>
+              <a:cxn ang="0">
+                <a:pos x="connsiteX2" y="connsiteY2"/>
+              </a:cxn>
+              <a:cxn ang="0">
+                <a:pos x="connsiteX3" y="connsiteY3"/>
+              </a:cxn>
+            </a:cxnLst>
+            <a:rect l="l" t="t" r="r" b="b"/>
+            <a:pathLst>
+              <a:path w="9601200" h="4559300">
+                <a:moveTo>
+                  <a:pt x="0" y="0"/>
+                </a:moveTo>
+                <a:lnTo>
+                  <a:pt x="9601200" y="0"/>
+                </a:lnTo>
+                <a:lnTo>
+                  <a:pt x="9601200" y="4559300"/>
+                </a:lnTo>
+                <a:lnTo>
+                  <a:pt x="0" y="4559300"/>
+                </a:lnTo>
+                <a:close/>
+              </a:path>
+            </a:pathLst>
+          </a:custGeom>
+          <a:noFill/>
+          <a:ln w="9516" cap="flat">
+            <a:noFill/>
+            <a:prstDash val="solid"/>
+            <a:miter/>
+          </a:ln>
+        </p:spPr>
+        <p:txBody>
+          <a:bodyPr rtlCol="0" anchor="ctr"/>
+          <a:lstStyle/>
+          <a:p>
+            <a:endParaRPr lang="en-US"/>
+          </a:p>
+        </p:txBody>
+      </p:sp>
+      <p:pic>
+        <p:nvPicPr>
+          <p:cNvPr id="4" name="Picture 3">
+            <a:extLst>
+              <a:ext uri="{FF2B5EF4-FFF2-40B4-BE49-F238E27FC236}">
+                <a16:creationId xmlns:a16="http://schemas.microsoft.com/office/drawing/2014/main" id="{AA5903E9-5F75-41E6-B515-CF0404D2B94D}"/>
+              </a:ext>
+            </a:extLst>
+          </p:cNvPr>
+          <p:cNvPicPr>
+            <a:picLocks noChangeAspect="1"/>
+          </p:cNvPicPr>
+          <p:nvPr/>
+        </p:nvPicPr>
+        <p:blipFill>
+          <a:blip r:embed="rId3"/>
+          <a:stretch>
+            <a:fillRect/>
+          </a:stretch>
+        </p:blipFill>
+        <p:spPr>
+          <a:xfrm>
+            <a:off x="597817" y="1065230"/>
+            <a:ext cx="7518662" cy="5665849"/>
+          </a:xfrm>
+          <a:prstGeom prst="rect">
+            <a:avLst/>
+          </a:prstGeom>
+        </p:spPr>
+      </p:pic>
+    </p:spTree>
+    <p:extLst>
+      <p:ext uri="{BB962C8B-B14F-4D97-AF65-F5344CB8AC3E}">
+        <p14:creationId xmlns:p14="http://schemas.microsoft.com/office/powerpoint/2010/main" val="2943017548"/>
+      </p:ext>
+    </p:extLst>
+  </p:cSld>
+  <p:clrMapOvr>
+    <a:masterClrMapping/>
+  </p:clrMapOvr>
+</p:sld>
+</file>
+
+<file path=ppt/slides/slide27.xml><?xml version="1.0" encoding="utf-8"?>
+<p:sld xmlns:a="http://schemas.openxmlformats.org/drawingml/2006/main" xmlns:r="http://schemas.openxmlformats.org/officeDocument/2006/relationships" xmlns:p="http://schemas.openxmlformats.org/presentationml/2006/main">
+  <p:cSld>
+    <p:spTree>
+      <p:nvGrpSpPr>
+        <p:cNvPr id="1" name=""/>
+        <p:cNvGrpSpPr/>
+        <p:nvPr/>
+      </p:nvGrpSpPr>
+      <p:grpSpPr>
+        <a:xfrm>
+          <a:off x="0" y="0"/>
+          <a:ext cx="0" cy="0"/>
+          <a:chOff x="0" y="0"/>
+          <a:chExt cx="0" cy="0"/>
+        </a:xfrm>
+      </p:grpSpPr>
+      <p:sp>
+        <p:nvSpPr>
+          <p:cNvPr id="2" name="Title 1">
+            <a:extLst>
+              <a:ext uri="{FF2B5EF4-FFF2-40B4-BE49-F238E27FC236}">
+                <a16:creationId xmlns:a16="http://schemas.microsoft.com/office/drawing/2014/main" id="{E5685C86-3370-4141-87BE-0AF78122C44D}"/>
+              </a:ext>
+            </a:extLst>
+          </p:cNvPr>
+          <p:cNvSpPr>
+            <a:spLocks noGrp="1"/>
+          </p:cNvSpPr>
+          <p:nvPr>
+            <p:ph type="title"/>
+          </p:nvPr>
+        </p:nvSpPr>
+        <p:spPr/>
+        <p:txBody>
+          <a:bodyPr>
+            <a:normAutofit/>
+          </a:bodyPr>
+          <a:lstStyle/>
+          <a:p>
+            <a:r>
+              <a:rPr lang="en-US" dirty="0"/>
+              <a:t>Model Versioning</a:t>
+            </a:r>
+          </a:p>
+        </p:txBody>
+      </p:sp>
+      <p:sp>
+        <p:nvSpPr>
+          <p:cNvPr id="67" name="Freeform 66">
+            <a:extLst>
+              <a:ext uri="{FF2B5EF4-FFF2-40B4-BE49-F238E27FC236}">
+                <a16:creationId xmlns:a16="http://schemas.microsoft.com/office/drawing/2014/main" id="{DDF71223-32FE-1342-80AF-7BEA5460BE67}"/>
+              </a:ext>
+            </a:extLst>
+          </p:cNvPr>
+          <p:cNvSpPr/>
+          <p:nvPr/>
+        </p:nvSpPr>
+        <p:spPr>
+          <a:xfrm>
+            <a:off x="1295400" y="1149350"/>
+            <a:ext cx="9601200" cy="4559300"/>
+          </a:xfrm>
+          <a:custGeom>
+            <a:avLst/>
+            <a:gdLst>
+              <a:gd name="connsiteX0" fmla="*/ 0 w 9601200"/>
+              <a:gd name="connsiteY0" fmla="*/ 0 h 4559300"/>
+              <a:gd name="connsiteX1" fmla="*/ 9601200 w 9601200"/>
+              <a:gd name="connsiteY1" fmla="*/ 0 h 4559300"/>
+              <a:gd name="connsiteX2" fmla="*/ 9601200 w 9601200"/>
+              <a:gd name="connsiteY2" fmla="*/ 4559300 h 4559300"/>
+              <a:gd name="connsiteX3" fmla="*/ 0 w 9601200"/>
+              <a:gd name="connsiteY3" fmla="*/ 4559300 h 4559300"/>
+            </a:gdLst>
+            <a:ahLst/>
+            <a:cxnLst>
+              <a:cxn ang="0">
+                <a:pos x="connsiteX0" y="connsiteY0"/>
+              </a:cxn>
+              <a:cxn ang="0">
+                <a:pos x="connsiteX1" y="connsiteY1"/>
+              </a:cxn>
+              <a:cxn ang="0">
+                <a:pos x="connsiteX2" y="connsiteY2"/>
+              </a:cxn>
+              <a:cxn ang="0">
+                <a:pos x="connsiteX3" y="connsiteY3"/>
+              </a:cxn>
+            </a:cxnLst>
+            <a:rect l="l" t="t" r="r" b="b"/>
+            <a:pathLst>
+              <a:path w="9601200" h="4559300">
+                <a:moveTo>
+                  <a:pt x="0" y="0"/>
+                </a:moveTo>
+                <a:lnTo>
+                  <a:pt x="9601200" y="0"/>
+                </a:lnTo>
+                <a:lnTo>
+                  <a:pt x="9601200" y="4559300"/>
+                </a:lnTo>
+                <a:lnTo>
+                  <a:pt x="0" y="4559300"/>
+                </a:lnTo>
+                <a:close/>
+              </a:path>
+            </a:pathLst>
+          </a:custGeom>
+          <a:noFill/>
+          <a:ln w="9516" cap="flat">
+            <a:noFill/>
+            <a:prstDash val="solid"/>
+            <a:miter/>
+          </a:ln>
+        </p:spPr>
+        <p:txBody>
+          <a:bodyPr rtlCol="0" anchor="ctr"/>
+          <a:lstStyle/>
+          <a:p>
+            <a:endParaRPr lang="en-US"/>
+          </a:p>
+        </p:txBody>
+      </p:sp>
+      <p:pic>
+        <p:nvPicPr>
+          <p:cNvPr id="4" name="Picture 3">
+            <a:extLst>
+              <a:ext uri="{FF2B5EF4-FFF2-40B4-BE49-F238E27FC236}">
+                <a16:creationId xmlns:a16="http://schemas.microsoft.com/office/drawing/2014/main" id="{E75B9784-38B6-437C-890A-6D21B92FEDD8}"/>
+              </a:ext>
+            </a:extLst>
+          </p:cNvPr>
+          <p:cNvPicPr>
+            <a:picLocks noChangeAspect="1"/>
+          </p:cNvPicPr>
+          <p:nvPr/>
+        </p:nvPicPr>
+        <p:blipFill>
+          <a:blip r:embed="rId3"/>
+          <a:stretch>
+            <a:fillRect/>
+          </a:stretch>
+        </p:blipFill>
+        <p:spPr>
+          <a:xfrm>
+            <a:off x="308041" y="1753895"/>
+            <a:ext cx="11743473" cy="3489314"/>
+          </a:xfrm>
+          <a:prstGeom prst="rect">
+            <a:avLst/>
+          </a:prstGeom>
+        </p:spPr>
+      </p:pic>
+    </p:spTree>
+    <p:extLst>
+      <p:ext uri="{BB962C8B-B14F-4D97-AF65-F5344CB8AC3E}">
+        <p14:creationId xmlns:p14="http://schemas.microsoft.com/office/powerpoint/2010/main" val="3217933832"/>
+      </p:ext>
+    </p:extLst>
+  </p:cSld>
+  <p:clrMapOvr>
+    <a:masterClrMapping/>
+  </p:clrMapOvr>
+</p:sld>
+</file>
+
+<file path=ppt/slides/slide28.xml><?xml version="1.0" encoding="utf-8"?>
+<p:sld xmlns:a="http://schemas.openxmlformats.org/drawingml/2006/main" xmlns:r="http://schemas.openxmlformats.org/officeDocument/2006/relationships" xmlns:p="http://schemas.openxmlformats.org/presentationml/2006/main">
+  <p:cSld>
+    <p:spTree>
+      <p:nvGrpSpPr>
+        <p:cNvPr id="1" name=""/>
+        <p:cNvGrpSpPr/>
+        <p:nvPr/>
+      </p:nvGrpSpPr>
+      <p:grpSpPr>
+        <a:xfrm>
+          <a:off x="0" y="0"/>
+          <a:ext cx="0" cy="0"/>
+          <a:chOff x="0" y="0"/>
+          <a:chExt cx="0" cy="0"/>
+        </a:xfrm>
+      </p:grpSpPr>
+      <p:sp>
+        <p:nvSpPr>
+          <p:cNvPr id="2" name="Title 1">
+            <a:extLst>
+              <a:ext uri="{FF2B5EF4-FFF2-40B4-BE49-F238E27FC236}">
+                <a16:creationId xmlns:a16="http://schemas.microsoft.com/office/drawing/2014/main" id="{E5685C86-3370-4141-87BE-0AF78122C44D}"/>
+              </a:ext>
+            </a:extLst>
+          </p:cNvPr>
+          <p:cNvSpPr>
+            <a:spLocks noGrp="1"/>
+          </p:cNvSpPr>
+          <p:nvPr>
+            <p:ph type="title"/>
+          </p:nvPr>
+        </p:nvSpPr>
+        <p:spPr/>
+        <p:txBody>
+          <a:bodyPr>
+            <a:normAutofit/>
+          </a:bodyPr>
+          <a:lstStyle/>
+          <a:p>
+            <a:r>
+              <a:rPr lang="en-US" dirty="0"/>
+              <a:t>Model Versioning</a:t>
+            </a:r>
+          </a:p>
+        </p:txBody>
+      </p:sp>
+      <p:sp>
+        <p:nvSpPr>
+          <p:cNvPr id="67" name="Freeform 66">
+            <a:extLst>
+              <a:ext uri="{FF2B5EF4-FFF2-40B4-BE49-F238E27FC236}">
+                <a16:creationId xmlns:a16="http://schemas.microsoft.com/office/drawing/2014/main" id="{DDF71223-32FE-1342-80AF-7BEA5460BE67}"/>
+              </a:ext>
+            </a:extLst>
+          </p:cNvPr>
+          <p:cNvSpPr/>
+          <p:nvPr/>
+        </p:nvSpPr>
+        <p:spPr>
+          <a:xfrm>
+            <a:off x="1295400" y="1149350"/>
+            <a:ext cx="9601200" cy="4559300"/>
+          </a:xfrm>
+          <a:custGeom>
+            <a:avLst/>
+            <a:gdLst>
+              <a:gd name="connsiteX0" fmla="*/ 0 w 9601200"/>
+              <a:gd name="connsiteY0" fmla="*/ 0 h 4559300"/>
+              <a:gd name="connsiteX1" fmla="*/ 9601200 w 9601200"/>
+              <a:gd name="connsiteY1" fmla="*/ 0 h 4559300"/>
+              <a:gd name="connsiteX2" fmla="*/ 9601200 w 9601200"/>
+              <a:gd name="connsiteY2" fmla="*/ 4559300 h 4559300"/>
+              <a:gd name="connsiteX3" fmla="*/ 0 w 9601200"/>
+              <a:gd name="connsiteY3" fmla="*/ 4559300 h 4559300"/>
+            </a:gdLst>
+            <a:ahLst/>
+            <a:cxnLst>
+              <a:cxn ang="0">
+                <a:pos x="connsiteX0" y="connsiteY0"/>
+              </a:cxn>
+              <a:cxn ang="0">
+                <a:pos x="connsiteX1" y="connsiteY1"/>
+              </a:cxn>
+              <a:cxn ang="0">
+                <a:pos x="connsiteX2" y="connsiteY2"/>
+              </a:cxn>
+              <a:cxn ang="0">
+                <a:pos x="connsiteX3" y="connsiteY3"/>
+              </a:cxn>
+            </a:cxnLst>
+            <a:rect l="l" t="t" r="r" b="b"/>
+            <a:pathLst>
+              <a:path w="9601200" h="4559300">
+                <a:moveTo>
+                  <a:pt x="0" y="0"/>
+                </a:moveTo>
+                <a:lnTo>
+                  <a:pt x="9601200" y="0"/>
+                </a:lnTo>
+                <a:lnTo>
+                  <a:pt x="9601200" y="4559300"/>
+                </a:lnTo>
+                <a:lnTo>
+                  <a:pt x="0" y="4559300"/>
+                </a:lnTo>
+                <a:close/>
+              </a:path>
+            </a:pathLst>
+          </a:custGeom>
+          <a:noFill/>
+          <a:ln w="9516" cap="flat">
+            <a:noFill/>
+            <a:prstDash val="solid"/>
+            <a:miter/>
+          </a:ln>
+        </p:spPr>
+        <p:txBody>
+          <a:bodyPr rtlCol="0" anchor="ctr"/>
+          <a:lstStyle/>
+          <a:p>
+            <a:endParaRPr lang="en-US"/>
+          </a:p>
+        </p:txBody>
+      </p:sp>
+      <p:pic>
+        <p:nvPicPr>
+          <p:cNvPr id="5" name="Picture 4">
+            <a:extLst>
+              <a:ext uri="{FF2B5EF4-FFF2-40B4-BE49-F238E27FC236}">
+                <a16:creationId xmlns:a16="http://schemas.microsoft.com/office/drawing/2014/main" id="{53746052-B01C-40B7-B2DB-ACA2E570F99F}"/>
+              </a:ext>
+            </a:extLst>
+          </p:cNvPr>
+          <p:cNvPicPr>
+            <a:picLocks noChangeAspect="1"/>
+          </p:cNvPicPr>
+          <p:nvPr/>
+        </p:nvPicPr>
+        <p:blipFill>
+          <a:blip r:embed="rId3"/>
+          <a:stretch>
+            <a:fillRect/>
+          </a:stretch>
+        </p:blipFill>
+        <p:spPr>
+          <a:xfrm>
+            <a:off x="311285" y="1596574"/>
+            <a:ext cx="11416772" cy="4473486"/>
+          </a:xfrm>
+          <a:prstGeom prst="rect">
+            <a:avLst/>
+          </a:prstGeom>
+        </p:spPr>
+      </p:pic>
+    </p:spTree>
+    <p:extLst>
+      <p:ext uri="{BB962C8B-B14F-4D97-AF65-F5344CB8AC3E}">
+        <p14:creationId xmlns:p14="http://schemas.microsoft.com/office/powerpoint/2010/main" val="1910874661"/>
+      </p:ext>
+    </p:extLst>
+  </p:cSld>
+  <p:clrMapOvr>
+    <a:masterClrMapping/>
+  </p:clrMapOvr>
+</p:sld>
+</file>
+
+<file path=ppt/slides/slide29.xml><?xml version="1.0" encoding="utf-8"?>
+<p:sld xmlns:a="http://schemas.openxmlformats.org/drawingml/2006/main" xmlns:r="http://schemas.openxmlformats.org/officeDocument/2006/relationships" xmlns:p="http://schemas.openxmlformats.org/presentationml/2006/main">
+  <p:cSld>
+    <p:spTree>
+      <p:nvGrpSpPr>
+        <p:cNvPr id="1" name=""/>
+        <p:cNvGrpSpPr/>
+        <p:nvPr/>
+      </p:nvGrpSpPr>
+      <p:grpSpPr>
+        <a:xfrm>
+          <a:off x="0" y="0"/>
+          <a:ext cx="0" cy="0"/>
+          <a:chOff x="0" y="0"/>
+          <a:chExt cx="0" cy="0"/>
+        </a:xfrm>
+      </p:grpSpPr>
+      <p:sp>
+        <p:nvSpPr>
+          <p:cNvPr id="2" name="Title 1">
+            <a:extLst>
+              <a:ext uri="{FF2B5EF4-FFF2-40B4-BE49-F238E27FC236}">
+                <a16:creationId xmlns:a16="http://schemas.microsoft.com/office/drawing/2014/main" id="{E5685C86-3370-4141-87BE-0AF78122C44D}"/>
+              </a:ext>
+            </a:extLst>
+          </p:cNvPr>
+          <p:cNvSpPr>
+            <a:spLocks noGrp="1"/>
+          </p:cNvSpPr>
+          <p:nvPr>
+            <p:ph type="title"/>
+          </p:nvPr>
+        </p:nvSpPr>
+        <p:spPr/>
+        <p:txBody>
+          <a:bodyPr>
+            <a:normAutofit/>
+          </a:bodyPr>
+          <a:lstStyle/>
+          <a:p>
+            <a:r>
+              <a:rPr lang="en-US" dirty="0"/>
+              <a:t>Future Exploration</a:t>
+            </a:r>
+          </a:p>
+        </p:txBody>
+      </p:sp>
+      <p:sp>
+        <p:nvSpPr>
+          <p:cNvPr id="47" name="Content Placeholder 2">
+            <a:extLst>
+              <a:ext uri="{FF2B5EF4-FFF2-40B4-BE49-F238E27FC236}">
+                <a16:creationId xmlns:a16="http://schemas.microsoft.com/office/drawing/2014/main" id="{3DA02F28-2941-334D-9C83-8E64C99A7AB4}"/>
+              </a:ext>
+            </a:extLst>
+          </p:cNvPr>
+          <p:cNvSpPr>
+            <a:spLocks noGrp="1"/>
+          </p:cNvSpPr>
+          <p:nvPr>
+            <p:ph idx="1"/>
+          </p:nvPr>
+        </p:nvSpPr>
+        <p:spPr>
+          <a:xfrm>
+            <a:off x="677334" y="1173892"/>
+            <a:ext cx="8690504" cy="5078627"/>
+          </a:xfrm>
+        </p:spPr>
+        <p:txBody>
+          <a:bodyPr vert="horz" lIns="91440" tIns="45720" rIns="91440" bIns="45720" rtlCol="0" anchor="t">
+            <a:normAutofit lnSpcReduction="10000"/>
+          </a:bodyPr>
+          <a:lstStyle/>
+          <a:p>
+            <a:r>
+              <a:rPr lang="en-US" dirty="0"/>
+              <a:t>High-performance computing</a:t>
+            </a:r>
+          </a:p>
+          <a:p>
+            <a:pPr lvl="1"/>
+            <a:r>
+              <a:rPr lang="en-US" dirty="0"/>
+              <a:t>Ray</a:t>
+            </a:r>
+          </a:p>
+          <a:p>
+            <a:pPr lvl="1"/>
+            <a:r>
+              <a:rPr lang="en-US" dirty="0" err="1"/>
+              <a:t>Optuna</a:t>
+            </a:r>
+            <a:endParaRPr lang="en-US" dirty="0"/>
+          </a:p>
+          <a:p>
+            <a:r>
+              <a:rPr lang="en-US" dirty="0"/>
+              <a:t>Metrics storage and </a:t>
+            </a:r>
+            <a:r>
+              <a:rPr lang="en-US" dirty="0" err="1"/>
+              <a:t>visualisation</a:t>
+            </a:r>
+            <a:endParaRPr lang="en-US" dirty="0"/>
+          </a:p>
+          <a:p>
+            <a:pPr lvl="1"/>
+            <a:r>
+              <a:rPr lang="en-US" dirty="0"/>
+              <a:t>Prometheus and Grafana</a:t>
+            </a:r>
+          </a:p>
+          <a:p>
+            <a:r>
+              <a:rPr lang="en-US" dirty="0"/>
+              <a:t>Real-time streaming and stress testing</a:t>
+            </a:r>
+          </a:p>
+          <a:p>
+            <a:pPr lvl="1"/>
+            <a:r>
+              <a:rPr lang="en-US" dirty="0"/>
+              <a:t>Kafka</a:t>
+            </a:r>
+          </a:p>
+          <a:p>
+            <a:r>
+              <a:rPr lang="en-US" dirty="0"/>
+              <a:t>Continuous Integration and delivery</a:t>
+            </a:r>
+          </a:p>
+          <a:p>
+            <a:pPr lvl="1"/>
+            <a:r>
+              <a:rPr lang="en-US" dirty="0"/>
+              <a:t>Jenkins</a:t>
+            </a:r>
+          </a:p>
+          <a:p>
+            <a:pPr lvl="1"/>
+            <a:r>
+              <a:rPr lang="en-US" dirty="0"/>
+              <a:t>BATS</a:t>
+            </a:r>
+          </a:p>
+          <a:p>
+            <a:r>
+              <a:rPr lang="en-US" dirty="0"/>
+              <a:t>Workflow automation</a:t>
+            </a:r>
+          </a:p>
+          <a:p>
+            <a:pPr lvl="1"/>
+            <a:r>
+              <a:rPr lang="en-US" dirty="0"/>
+              <a:t>Airflow</a:t>
+            </a:r>
+          </a:p>
+          <a:p>
+            <a:endParaRPr lang="en-US" dirty="0"/>
+          </a:p>
+          <a:p>
+            <a:endParaRPr lang="en-US" dirty="0"/>
+          </a:p>
+        </p:txBody>
+      </p:sp>
+      <p:sp>
+        <p:nvSpPr>
+          <p:cNvPr id="67" name="Freeform 66">
+            <a:extLst>
+              <a:ext uri="{FF2B5EF4-FFF2-40B4-BE49-F238E27FC236}">
+                <a16:creationId xmlns:a16="http://schemas.microsoft.com/office/drawing/2014/main" id="{DDF71223-32FE-1342-80AF-7BEA5460BE67}"/>
+              </a:ext>
+            </a:extLst>
+          </p:cNvPr>
+          <p:cNvSpPr/>
+          <p:nvPr/>
+        </p:nvSpPr>
+        <p:spPr>
+          <a:xfrm>
+            <a:off x="1295400" y="1149350"/>
+            <a:ext cx="9601200" cy="4559300"/>
+          </a:xfrm>
+          <a:custGeom>
+            <a:avLst/>
+            <a:gdLst>
+              <a:gd name="connsiteX0" fmla="*/ 0 w 9601200"/>
+              <a:gd name="connsiteY0" fmla="*/ 0 h 4559300"/>
+              <a:gd name="connsiteX1" fmla="*/ 9601200 w 9601200"/>
+              <a:gd name="connsiteY1" fmla="*/ 0 h 4559300"/>
+              <a:gd name="connsiteX2" fmla="*/ 9601200 w 9601200"/>
+              <a:gd name="connsiteY2" fmla="*/ 4559300 h 4559300"/>
+              <a:gd name="connsiteX3" fmla="*/ 0 w 9601200"/>
+              <a:gd name="connsiteY3" fmla="*/ 4559300 h 4559300"/>
+            </a:gdLst>
+            <a:ahLst/>
+            <a:cxnLst>
+              <a:cxn ang="0">
+                <a:pos x="connsiteX0" y="connsiteY0"/>
+              </a:cxn>
+              <a:cxn ang="0">
+                <a:pos x="connsiteX1" y="connsiteY1"/>
+              </a:cxn>
+              <a:cxn ang="0">
+                <a:pos x="connsiteX2" y="connsiteY2"/>
+              </a:cxn>
+              <a:cxn ang="0">
+                <a:pos x="connsiteX3" y="connsiteY3"/>
+              </a:cxn>
+            </a:cxnLst>
+            <a:rect l="l" t="t" r="r" b="b"/>
+            <a:pathLst>
+              <a:path w="9601200" h="4559300">
+                <a:moveTo>
+                  <a:pt x="0" y="0"/>
+                </a:moveTo>
+                <a:lnTo>
+                  <a:pt x="9601200" y="0"/>
+                </a:lnTo>
+                <a:lnTo>
+                  <a:pt x="9601200" y="4559300"/>
+                </a:lnTo>
+                <a:lnTo>
+                  <a:pt x="0" y="4559300"/>
+                </a:lnTo>
+                <a:close/>
+              </a:path>
+            </a:pathLst>
+          </a:custGeom>
+          <a:noFill/>
+          <a:ln w="9516" cap="flat">
+            <a:noFill/>
+            <a:prstDash val="solid"/>
+            <a:miter/>
+          </a:ln>
+        </p:spPr>
+        <p:txBody>
+          <a:bodyPr rtlCol="0" anchor="ctr"/>
+          <a:lstStyle/>
+          <a:p>
+            <a:endParaRPr lang="en-US"/>
+          </a:p>
+        </p:txBody>
+      </p:sp>
     </p:spTree>
     <p:extLst>
       <p:ext uri="{BB962C8B-B14F-4D97-AF65-F5344CB8AC3E}">
@@ -12224,7 +16280,175 @@
 </p:sld>
 </file>
 
-<file path=ppt/slides/slide17.xml><?xml version="1.0" encoding="utf-8"?>
+<file path=ppt/slides/slide3.xml><?xml version="1.0" encoding="utf-8"?>
+<p:sld xmlns:a="http://schemas.openxmlformats.org/drawingml/2006/main" xmlns:r="http://schemas.openxmlformats.org/officeDocument/2006/relationships" xmlns:p="http://schemas.openxmlformats.org/presentationml/2006/main">
+  <p:cSld>
+    <p:spTree>
+      <p:nvGrpSpPr>
+        <p:cNvPr id="1" name=""/>
+        <p:cNvGrpSpPr/>
+        <p:nvPr/>
+      </p:nvGrpSpPr>
+      <p:grpSpPr>
+        <a:xfrm>
+          <a:off x="0" y="0"/>
+          <a:ext cx="0" cy="0"/>
+          <a:chOff x="0" y="0"/>
+          <a:chExt cx="0" cy="0"/>
+        </a:xfrm>
+      </p:grpSpPr>
+      <p:sp>
+        <p:nvSpPr>
+          <p:cNvPr id="2" name="Title 1">
+            <a:extLst>
+              <a:ext uri="{FF2B5EF4-FFF2-40B4-BE49-F238E27FC236}">
+                <a16:creationId xmlns:a16="http://schemas.microsoft.com/office/drawing/2014/main" id="{E5685C86-3370-4141-87BE-0AF78122C44D}"/>
+              </a:ext>
+            </a:extLst>
+          </p:cNvPr>
+          <p:cNvSpPr>
+            <a:spLocks noGrp="1"/>
+          </p:cNvSpPr>
+          <p:nvPr>
+            <p:ph type="title"/>
+          </p:nvPr>
+        </p:nvSpPr>
+        <p:spPr/>
+        <p:txBody>
+          <a:bodyPr>
+            <a:normAutofit/>
+          </a:bodyPr>
+          <a:lstStyle/>
+          <a:p>
+            <a:r>
+              <a:rPr lang="en-US" dirty="0"/>
+              <a:t>Anomaly Detection</a:t>
+            </a:r>
+          </a:p>
+        </p:txBody>
+      </p:sp>
+      <p:sp>
+        <p:nvSpPr>
+          <p:cNvPr id="67" name="Freeform 66">
+            <a:extLst>
+              <a:ext uri="{FF2B5EF4-FFF2-40B4-BE49-F238E27FC236}">
+                <a16:creationId xmlns:a16="http://schemas.microsoft.com/office/drawing/2014/main" id="{DDF71223-32FE-1342-80AF-7BEA5460BE67}"/>
+              </a:ext>
+            </a:extLst>
+          </p:cNvPr>
+          <p:cNvSpPr/>
+          <p:nvPr/>
+        </p:nvSpPr>
+        <p:spPr>
+          <a:xfrm>
+            <a:off x="1295400" y="1149350"/>
+            <a:ext cx="9601200" cy="4559300"/>
+          </a:xfrm>
+          <a:custGeom>
+            <a:avLst/>
+            <a:gdLst>
+              <a:gd name="connsiteX0" fmla="*/ 0 w 9601200"/>
+              <a:gd name="connsiteY0" fmla="*/ 0 h 4559300"/>
+              <a:gd name="connsiteX1" fmla="*/ 9601200 w 9601200"/>
+              <a:gd name="connsiteY1" fmla="*/ 0 h 4559300"/>
+              <a:gd name="connsiteX2" fmla="*/ 9601200 w 9601200"/>
+              <a:gd name="connsiteY2" fmla="*/ 4559300 h 4559300"/>
+              <a:gd name="connsiteX3" fmla="*/ 0 w 9601200"/>
+              <a:gd name="connsiteY3" fmla="*/ 4559300 h 4559300"/>
+            </a:gdLst>
+            <a:ahLst/>
+            <a:cxnLst>
+              <a:cxn ang="0">
+                <a:pos x="connsiteX0" y="connsiteY0"/>
+              </a:cxn>
+              <a:cxn ang="0">
+                <a:pos x="connsiteX1" y="connsiteY1"/>
+              </a:cxn>
+              <a:cxn ang="0">
+                <a:pos x="connsiteX2" y="connsiteY2"/>
+              </a:cxn>
+              <a:cxn ang="0">
+                <a:pos x="connsiteX3" y="connsiteY3"/>
+              </a:cxn>
+            </a:cxnLst>
+            <a:rect l="l" t="t" r="r" b="b"/>
+            <a:pathLst>
+              <a:path w="9601200" h="4559300">
+                <a:moveTo>
+                  <a:pt x="0" y="0"/>
+                </a:moveTo>
+                <a:lnTo>
+                  <a:pt x="9601200" y="0"/>
+                </a:lnTo>
+                <a:lnTo>
+                  <a:pt x="9601200" y="4559300"/>
+                </a:lnTo>
+                <a:lnTo>
+                  <a:pt x="0" y="4559300"/>
+                </a:lnTo>
+                <a:close/>
+              </a:path>
+            </a:pathLst>
+          </a:custGeom>
+          <a:noFill/>
+          <a:ln w="9516" cap="flat">
+            <a:noFill/>
+            <a:prstDash val="solid"/>
+            <a:miter/>
+          </a:ln>
+        </p:spPr>
+        <p:txBody>
+          <a:bodyPr rtlCol="0" anchor="ctr"/>
+          <a:lstStyle/>
+          <a:p>
+            <a:endParaRPr lang="en-US"/>
+          </a:p>
+        </p:txBody>
+      </p:sp>
+      <p:pic>
+        <p:nvPicPr>
+          <p:cNvPr id="5" name="Picture 4">
+            <a:extLst>
+              <a:ext uri="{FF2B5EF4-FFF2-40B4-BE49-F238E27FC236}">
+                <a16:creationId xmlns:a16="http://schemas.microsoft.com/office/drawing/2014/main" id="{D851150B-F4D6-45C2-B7B1-078235D74DE0}"/>
+              </a:ext>
+            </a:extLst>
+          </p:cNvPr>
+          <p:cNvPicPr>
+            <a:picLocks noChangeAspect="1"/>
+          </p:cNvPicPr>
+          <p:nvPr/>
+        </p:nvPicPr>
+        <p:blipFill>
+          <a:blip r:embed="rId3"/>
+          <a:stretch>
+            <a:fillRect/>
+          </a:stretch>
+        </p:blipFill>
+        <p:spPr>
+          <a:xfrm>
+            <a:off x="303229" y="1728416"/>
+            <a:ext cx="11585542" cy="3576265"/>
+          </a:xfrm>
+          <a:prstGeom prst="rect">
+            <a:avLst/>
+          </a:prstGeom>
+        </p:spPr>
+      </p:pic>
+    </p:spTree>
+    <p:extLst>
+      <p:ext uri="{BB962C8B-B14F-4D97-AF65-F5344CB8AC3E}">
+        <p14:creationId xmlns:p14="http://schemas.microsoft.com/office/powerpoint/2010/main" val="632672878"/>
+      </p:ext>
+    </p:extLst>
+  </p:cSld>
+  <p:clrMapOvr>
+    <a:masterClrMapping/>
+  </p:clrMapOvr>
+</p:sld>
+</file>
+
+<file path=ppt/slides/slide30.xml><?xml version="1.0" encoding="utf-8"?>
 <p:sld xmlns:a="http://schemas.openxmlformats.org/drawingml/2006/main" xmlns:r="http://schemas.openxmlformats.org/officeDocument/2006/relationships" xmlns:p="http://schemas.openxmlformats.org/presentationml/2006/main">
   <p:cSld>
     <p:spTree>
@@ -12347,7 +16571,7 @@
 </p:sld>
 </file>
 
-<file path=ppt/slides/slide2.xml><?xml version="1.0" encoding="utf-8"?>
+<file path=ppt/slides/slide4.xml><?xml version="1.0" encoding="utf-8"?>
 <p:sld xmlns:a="http://schemas.openxmlformats.org/drawingml/2006/main" xmlns:r="http://schemas.openxmlformats.org/officeDocument/2006/relationships" xmlns:p="http://schemas.openxmlformats.org/presentationml/2006/main">
   <p:cSld>
     <p:spTree>
@@ -12389,7 +16613,7 @@
           <a:p>
             <a:r>
               <a:rPr lang="en-US" dirty="0"/>
-              <a:t>Introduction</a:t>
+              <a:t>Bayesian Kiwifruit Sizing</a:t>
             </a:r>
           </a:p>
         </p:txBody>
@@ -12424,78 +16648,14 @@
           <a:p>
             <a:r>
               <a:rPr lang="en-US" dirty="0"/>
-              <a:t>Fruit sizing using Approximate Bayesian Computation</a:t>
-            </a:r>
-          </a:p>
-          <a:p>
-            <a:pPr lvl="1"/>
+              <a:t>Infer the size and weight distribution within an orchard</a:t>
+            </a:r>
+          </a:p>
+          <a:p>
             <a:r>
               <a:rPr lang="en-US" dirty="0"/>
-              <a:t>Challenges and considerations</a:t>
-            </a:r>
-          </a:p>
-          <a:p>
-            <a:r>
-              <a:rPr lang="en-US" dirty="0"/>
-              <a:t>Machine learning tools </a:t>
-            </a:r>
-          </a:p>
-          <a:p>
-            <a:pPr lvl="1"/>
-            <a:r>
-              <a:rPr lang="en-US" dirty="0"/>
-              <a:t>DVC</a:t>
-            </a:r>
-          </a:p>
-          <a:p>
-            <a:pPr lvl="1"/>
-            <a:r>
-              <a:rPr lang="en-US" dirty="0" err="1"/>
-              <a:t>MLFlow</a:t>
-            </a:r>
-            <a:endParaRPr lang="en-US" dirty="0"/>
-          </a:p>
-          <a:p>
-            <a:pPr lvl="1"/>
-            <a:r>
-              <a:rPr lang="en-US" dirty="0" err="1"/>
-              <a:t>PyCaret</a:t>
-            </a:r>
-            <a:endParaRPr lang="en-US" dirty="0"/>
-          </a:p>
-          <a:p>
-            <a:pPr lvl="1"/>
-            <a:r>
-              <a:rPr lang="en-US" dirty="0"/>
-              <a:t>Ray</a:t>
-            </a:r>
-          </a:p>
-          <a:p>
-            <a:pPr lvl="1"/>
-            <a:r>
-              <a:rPr lang="en-US" dirty="0" err="1"/>
-              <a:t>Optuna</a:t>
-            </a:r>
-            <a:endParaRPr lang="en-US" dirty="0"/>
-          </a:p>
-          <a:p>
-            <a:r>
-              <a:rPr lang="en-US" dirty="0"/>
-              <a:t>A flexible and generalizable machine learning framework</a:t>
-            </a:r>
-          </a:p>
-          <a:p>
-            <a:pPr lvl="1"/>
-            <a:r>
-              <a:rPr lang="en-US" dirty="0"/>
-              <a:t>Gold and Hayward kiwifruit datasets</a:t>
-            </a:r>
-          </a:p>
-          <a:p>
-            <a:endParaRPr lang="en-US" dirty="0"/>
-          </a:p>
-          <a:p>
-            <a:endParaRPr lang="en-US" dirty="0"/>
+              <a:t>Varying consumer demand within domestic and overseas markets</a:t>
+            </a:r>
           </a:p>
         </p:txBody>
       </p:sp>
@@ -12577,185 +16737,6 @@
           </a:p>
         </p:txBody>
       </p:sp>
-    </p:spTree>
-    <p:extLst>
-      <p:ext uri="{BB962C8B-B14F-4D97-AF65-F5344CB8AC3E}">
-        <p14:creationId xmlns:p14="http://schemas.microsoft.com/office/powerpoint/2010/main" val="637773430"/>
-      </p:ext>
-    </p:extLst>
-  </p:cSld>
-  <p:clrMapOvr>
-    <a:masterClrMapping/>
-  </p:clrMapOvr>
-</p:sld>
-</file>
-
-<file path=ppt/slides/slide3.xml><?xml version="1.0" encoding="utf-8"?>
-<p:sld xmlns:a="http://schemas.openxmlformats.org/drawingml/2006/main" xmlns:r="http://schemas.openxmlformats.org/officeDocument/2006/relationships" xmlns:p="http://schemas.openxmlformats.org/presentationml/2006/main">
-  <p:cSld>
-    <p:spTree>
-      <p:nvGrpSpPr>
-        <p:cNvPr id="1" name=""/>
-        <p:cNvGrpSpPr/>
-        <p:nvPr/>
-      </p:nvGrpSpPr>
-      <p:grpSpPr>
-        <a:xfrm>
-          <a:off x="0" y="0"/>
-          <a:ext cx="0" cy="0"/>
-          <a:chOff x="0" y="0"/>
-          <a:chExt cx="0" cy="0"/>
-        </a:xfrm>
-      </p:grpSpPr>
-      <p:sp>
-        <p:nvSpPr>
-          <p:cNvPr id="2" name="Title 1">
-            <a:extLst>
-              <a:ext uri="{FF2B5EF4-FFF2-40B4-BE49-F238E27FC236}">
-                <a16:creationId xmlns:a16="http://schemas.microsoft.com/office/drawing/2014/main" id="{E5685C86-3370-4141-87BE-0AF78122C44D}"/>
-              </a:ext>
-            </a:extLst>
-          </p:cNvPr>
-          <p:cNvSpPr>
-            <a:spLocks noGrp="1"/>
-          </p:cNvSpPr>
-          <p:nvPr>
-            <p:ph type="title"/>
-          </p:nvPr>
-        </p:nvSpPr>
-        <p:spPr/>
-        <p:txBody>
-          <a:bodyPr>
-            <a:normAutofit/>
-          </a:bodyPr>
-          <a:lstStyle/>
-          <a:p>
-            <a:r>
-              <a:rPr lang="en-US" dirty="0"/>
-              <a:t>Bayesian Kiwifruit Sizing</a:t>
-            </a:r>
-          </a:p>
-        </p:txBody>
-      </p:sp>
-      <p:sp>
-        <p:nvSpPr>
-          <p:cNvPr id="47" name="Content Placeholder 2">
-            <a:extLst>
-              <a:ext uri="{FF2B5EF4-FFF2-40B4-BE49-F238E27FC236}">
-                <a16:creationId xmlns:a16="http://schemas.microsoft.com/office/drawing/2014/main" id="{3DA02F28-2941-334D-9C83-8E64C99A7AB4}"/>
-              </a:ext>
-            </a:extLst>
-          </p:cNvPr>
-          <p:cNvSpPr>
-            <a:spLocks noGrp="1"/>
-          </p:cNvSpPr>
-          <p:nvPr>
-            <p:ph idx="1"/>
-          </p:nvPr>
-        </p:nvSpPr>
-        <p:spPr>
-          <a:xfrm>
-            <a:off x="677334" y="1173892"/>
-            <a:ext cx="8690504" cy="5078627"/>
-          </a:xfrm>
-        </p:spPr>
-        <p:txBody>
-          <a:bodyPr vert="horz" lIns="91440" tIns="45720" rIns="91440" bIns="45720" rtlCol="0" anchor="t">
-            <a:normAutofit/>
-          </a:bodyPr>
-          <a:lstStyle/>
-          <a:p>
-            <a:r>
-              <a:rPr lang="en-US" dirty="0"/>
-              <a:t>Infer the size and weight distribution within an orchard</a:t>
-            </a:r>
-          </a:p>
-          <a:p>
-            <a:r>
-              <a:rPr lang="en-US" dirty="0"/>
-              <a:t>Varying consumer demand within domestic and overseas markets</a:t>
-            </a:r>
-          </a:p>
-        </p:txBody>
-      </p:sp>
-      <p:sp>
-        <p:nvSpPr>
-          <p:cNvPr id="67" name="Freeform 66">
-            <a:extLst>
-              <a:ext uri="{FF2B5EF4-FFF2-40B4-BE49-F238E27FC236}">
-                <a16:creationId xmlns:a16="http://schemas.microsoft.com/office/drawing/2014/main" id="{DDF71223-32FE-1342-80AF-7BEA5460BE67}"/>
-              </a:ext>
-            </a:extLst>
-          </p:cNvPr>
-          <p:cNvSpPr/>
-          <p:nvPr/>
-        </p:nvSpPr>
-        <p:spPr>
-          <a:xfrm>
-            <a:off x="1295400" y="1149350"/>
-            <a:ext cx="9601200" cy="4559300"/>
-          </a:xfrm>
-          <a:custGeom>
-            <a:avLst/>
-            <a:gdLst>
-              <a:gd name="connsiteX0" fmla="*/ 0 w 9601200"/>
-              <a:gd name="connsiteY0" fmla="*/ 0 h 4559300"/>
-              <a:gd name="connsiteX1" fmla="*/ 9601200 w 9601200"/>
-              <a:gd name="connsiteY1" fmla="*/ 0 h 4559300"/>
-              <a:gd name="connsiteX2" fmla="*/ 9601200 w 9601200"/>
-              <a:gd name="connsiteY2" fmla="*/ 4559300 h 4559300"/>
-              <a:gd name="connsiteX3" fmla="*/ 0 w 9601200"/>
-              <a:gd name="connsiteY3" fmla="*/ 4559300 h 4559300"/>
-            </a:gdLst>
-            <a:ahLst/>
-            <a:cxnLst>
-              <a:cxn ang="0">
-                <a:pos x="connsiteX0" y="connsiteY0"/>
-              </a:cxn>
-              <a:cxn ang="0">
-                <a:pos x="connsiteX1" y="connsiteY1"/>
-              </a:cxn>
-              <a:cxn ang="0">
-                <a:pos x="connsiteX2" y="connsiteY2"/>
-              </a:cxn>
-              <a:cxn ang="0">
-                <a:pos x="connsiteX3" y="connsiteY3"/>
-              </a:cxn>
-            </a:cxnLst>
-            <a:rect l="l" t="t" r="r" b="b"/>
-            <a:pathLst>
-              <a:path w="9601200" h="4559300">
-                <a:moveTo>
-                  <a:pt x="0" y="0"/>
-                </a:moveTo>
-                <a:lnTo>
-                  <a:pt x="9601200" y="0"/>
-                </a:lnTo>
-                <a:lnTo>
-                  <a:pt x="9601200" y="4559300"/>
-                </a:lnTo>
-                <a:lnTo>
-                  <a:pt x="0" y="4559300"/>
-                </a:lnTo>
-                <a:close/>
-              </a:path>
-            </a:pathLst>
-          </a:custGeom>
-          <a:noFill/>
-          <a:ln w="9516" cap="flat">
-            <a:noFill/>
-            <a:prstDash val="solid"/>
-            <a:miter/>
-          </a:ln>
-        </p:spPr>
-        <p:txBody>
-          <a:bodyPr rtlCol="0" anchor="ctr"/>
-          <a:lstStyle/>
-          <a:p>
-            <a:endParaRPr lang="en-US"/>
-          </a:p>
-        </p:txBody>
-      </p:sp>
       <p:pic>
         <p:nvPicPr>
           <p:cNvPr id="5" name="Picture 11" descr="A picture containing diagram&#10;&#10;Description automatically generated">
@@ -12799,7 +16780,7 @@
 </p:sld>
 </file>
 
-<file path=ppt/slides/slide4.xml><?xml version="1.0" encoding="utf-8"?>
+<file path=ppt/slides/slide5.xml><?xml version="1.0" encoding="utf-8"?>
 <p:sld xmlns:a="http://schemas.openxmlformats.org/drawingml/2006/main" xmlns:r="http://schemas.openxmlformats.org/officeDocument/2006/relationships" xmlns:p="http://schemas.openxmlformats.org/presentationml/2006/main">
   <p:cSld>
     <p:spTree>
@@ -13059,7 +17040,7 @@
 </p:sld>
 </file>
 
-<file path=ppt/slides/slide5.xml><?xml version="1.0" encoding="utf-8"?>
+<file path=ppt/slides/slide6.xml><?xml version="1.0" encoding="utf-8"?>
 <p:sld xmlns:a="http://schemas.openxmlformats.org/drawingml/2006/main" xmlns:r="http://schemas.openxmlformats.org/officeDocument/2006/relationships" xmlns:p="http://schemas.openxmlformats.org/presentationml/2006/main">
   <p:cSld>
     <p:spTree>
@@ -13339,7 +17320,7 @@
 </p:sld>
 </file>
 
-<file path=ppt/slides/slide6.xml><?xml version="1.0" encoding="utf-8"?>
+<file path=ppt/slides/slide7.xml><?xml version="1.0" encoding="utf-8"?>
 <p:sld xmlns:a="http://schemas.openxmlformats.org/drawingml/2006/main" xmlns:r="http://schemas.openxmlformats.org/officeDocument/2006/relationships" xmlns:p="http://schemas.openxmlformats.org/presentationml/2006/main">
   <p:cSld>
     <p:spTree>
@@ -13648,7 +17629,7 @@
 </p:sld>
 </file>
 
-<file path=ppt/slides/slide7.xml><?xml version="1.0" encoding="utf-8"?>
+<file path=ppt/slides/slide8.xml><?xml version="1.0" encoding="utf-8"?>
 <p:sld xmlns:a="http://schemas.openxmlformats.org/drawingml/2006/main" xmlns:r="http://schemas.openxmlformats.org/officeDocument/2006/relationships" xmlns:p="http://schemas.openxmlformats.org/presentationml/2006/main">
   <p:cSld>
     <p:spTree>
@@ -13970,7 +17951,7 @@
 </p:sld>
 </file>
 
-<file path=ppt/slides/slide8.xml><?xml version="1.0" encoding="utf-8"?>
+<file path=ppt/slides/slide9.xml><?xml version="1.0" encoding="utf-8"?>
 <p:sld xmlns:a="http://schemas.openxmlformats.org/drawingml/2006/main" xmlns:r="http://schemas.openxmlformats.org/officeDocument/2006/relationships" xmlns:p="http://schemas.openxmlformats.org/presentationml/2006/main">
   <p:cSld>
     <p:spTree>
@@ -14273,332 +18254,6 @@
     <p:extLst>
       <p:ext uri="{BB962C8B-B14F-4D97-AF65-F5344CB8AC3E}">
         <p14:creationId xmlns:p14="http://schemas.microsoft.com/office/powerpoint/2010/main" val="3814748454"/>
-      </p:ext>
-    </p:extLst>
-  </p:cSld>
-  <p:clrMapOvr>
-    <a:masterClrMapping/>
-  </p:clrMapOvr>
-</p:sld>
-</file>
-
-<file path=ppt/slides/slide9.xml><?xml version="1.0" encoding="utf-8"?>
-<p:sld xmlns:a="http://schemas.openxmlformats.org/drawingml/2006/main" xmlns:r="http://schemas.openxmlformats.org/officeDocument/2006/relationships" xmlns:p="http://schemas.openxmlformats.org/presentationml/2006/main">
-  <p:cSld>
-    <p:spTree>
-      <p:nvGrpSpPr>
-        <p:cNvPr id="1" name=""/>
-        <p:cNvGrpSpPr/>
-        <p:nvPr/>
-      </p:nvGrpSpPr>
-      <p:grpSpPr>
-        <a:xfrm>
-          <a:off x="0" y="0"/>
-          <a:ext cx="0" cy="0"/>
-          <a:chOff x="0" y="0"/>
-          <a:chExt cx="0" cy="0"/>
-        </a:xfrm>
-      </p:grpSpPr>
-      <p:sp>
-        <p:nvSpPr>
-          <p:cNvPr id="2" name="Title 1">
-            <a:extLst>
-              <a:ext uri="{FF2B5EF4-FFF2-40B4-BE49-F238E27FC236}">
-                <a16:creationId xmlns:a16="http://schemas.microsoft.com/office/drawing/2014/main" id="{E5685C86-3370-4141-87BE-0AF78122C44D}"/>
-              </a:ext>
-            </a:extLst>
-          </p:cNvPr>
-          <p:cNvSpPr>
-            <a:spLocks noGrp="1"/>
-          </p:cNvSpPr>
-          <p:nvPr>
-            <p:ph type="title"/>
-          </p:nvPr>
-        </p:nvSpPr>
-        <p:spPr>
-          <a:xfrm>
-            <a:off x="677334" y="271848"/>
-            <a:ext cx="7062072" cy="667265"/>
-          </a:xfrm>
-        </p:spPr>
-        <p:txBody>
-          <a:bodyPr>
-            <a:normAutofit/>
-          </a:bodyPr>
-          <a:lstStyle/>
-          <a:p>
-            <a:r>
-              <a:rPr lang="en-US" dirty="0"/>
-              <a:t>Considerations</a:t>
-            </a:r>
-          </a:p>
-        </p:txBody>
-      </p:sp>
-      <p:sp>
-        <p:nvSpPr>
-          <p:cNvPr id="47" name="Content Placeholder 2">
-            <a:extLst>
-              <a:ext uri="{FF2B5EF4-FFF2-40B4-BE49-F238E27FC236}">
-                <a16:creationId xmlns:a16="http://schemas.microsoft.com/office/drawing/2014/main" id="{3DA02F28-2941-334D-9C83-8E64C99A7AB4}"/>
-              </a:ext>
-            </a:extLst>
-          </p:cNvPr>
-          <p:cNvSpPr>
-            <a:spLocks noGrp="1"/>
-          </p:cNvSpPr>
-          <p:nvPr>
-            <p:ph idx="1"/>
-          </p:nvPr>
-        </p:nvSpPr>
-        <p:spPr>
-          <a:xfrm>
-            <a:off x="677334" y="1173892"/>
-            <a:ext cx="8690504" cy="5078627"/>
-          </a:xfrm>
-        </p:spPr>
-        <p:txBody>
-          <a:bodyPr vert="horz" lIns="91440" tIns="45720" rIns="91440" bIns="45720" rtlCol="0" anchor="t">
-            <a:normAutofit/>
-          </a:bodyPr>
-          <a:lstStyle/>
-          <a:p>
-            <a:r>
-              <a:rPr lang="en-US" dirty="0">
-                <a:solidFill>
-                  <a:schemeClr val="tx1"/>
-                </a:solidFill>
-              </a:rPr>
-              <a:t>Integration with High Performance Computing environments</a:t>
-            </a:r>
-          </a:p>
-          <a:p>
-            <a:pPr lvl="1"/>
-            <a:r>
-              <a:rPr lang="fr-FR" dirty="0">
-                <a:solidFill>
-                  <a:schemeClr val="tx1"/>
-                </a:solidFill>
-              </a:rPr>
-              <a:t>New </a:t>
-            </a:r>
-            <a:r>
-              <a:rPr lang="fr-FR" dirty="0" err="1">
-                <a:solidFill>
-                  <a:schemeClr val="tx1"/>
-                </a:solidFill>
-              </a:rPr>
-              <a:t>Zealand</a:t>
-            </a:r>
-            <a:r>
-              <a:rPr lang="fr-FR" dirty="0">
-                <a:solidFill>
-                  <a:schemeClr val="tx1"/>
-                </a:solidFill>
-              </a:rPr>
-              <a:t> </a:t>
-            </a:r>
-            <a:r>
-              <a:rPr lang="fr-FR" dirty="0" err="1">
-                <a:solidFill>
-                  <a:schemeClr val="tx1"/>
-                </a:solidFill>
-              </a:rPr>
-              <a:t>eScience</a:t>
-            </a:r>
-            <a:r>
-              <a:rPr lang="fr-FR" dirty="0">
-                <a:solidFill>
-                  <a:schemeClr val="tx1"/>
-                </a:solidFill>
-              </a:rPr>
-              <a:t> Infrastructure (</a:t>
-            </a:r>
-            <a:r>
-              <a:rPr lang="fr-FR" dirty="0" err="1">
-                <a:solidFill>
-                  <a:schemeClr val="tx1"/>
-                </a:solidFill>
-              </a:rPr>
-              <a:t>NeSI</a:t>
-            </a:r>
-            <a:r>
-              <a:rPr lang="fr-FR" dirty="0">
-                <a:solidFill>
-                  <a:schemeClr val="tx1"/>
-                </a:solidFill>
-              </a:rPr>
-              <a:t>) </a:t>
-            </a:r>
-            <a:endParaRPr lang="en-US" dirty="0">
-              <a:solidFill>
-                <a:schemeClr val="tx1"/>
-              </a:solidFill>
-            </a:endParaRPr>
-          </a:p>
-        </p:txBody>
-      </p:sp>
-      <p:sp>
-        <p:nvSpPr>
-          <p:cNvPr id="67" name="Freeform 66">
-            <a:extLst>
-              <a:ext uri="{FF2B5EF4-FFF2-40B4-BE49-F238E27FC236}">
-                <a16:creationId xmlns:a16="http://schemas.microsoft.com/office/drawing/2014/main" id="{DDF71223-32FE-1342-80AF-7BEA5460BE67}"/>
-              </a:ext>
-            </a:extLst>
-          </p:cNvPr>
-          <p:cNvSpPr/>
-          <p:nvPr/>
-        </p:nvSpPr>
-        <p:spPr>
-          <a:xfrm>
-            <a:off x="1295400" y="1149350"/>
-            <a:ext cx="9601200" cy="4559300"/>
-          </a:xfrm>
-          <a:custGeom>
-            <a:avLst/>
-            <a:gdLst>
-              <a:gd name="connsiteX0" fmla="*/ 0 w 9601200"/>
-              <a:gd name="connsiteY0" fmla="*/ 0 h 4559300"/>
-              <a:gd name="connsiteX1" fmla="*/ 9601200 w 9601200"/>
-              <a:gd name="connsiteY1" fmla="*/ 0 h 4559300"/>
-              <a:gd name="connsiteX2" fmla="*/ 9601200 w 9601200"/>
-              <a:gd name="connsiteY2" fmla="*/ 4559300 h 4559300"/>
-              <a:gd name="connsiteX3" fmla="*/ 0 w 9601200"/>
-              <a:gd name="connsiteY3" fmla="*/ 4559300 h 4559300"/>
-            </a:gdLst>
-            <a:ahLst/>
-            <a:cxnLst>
-              <a:cxn ang="0">
-                <a:pos x="connsiteX0" y="connsiteY0"/>
-              </a:cxn>
-              <a:cxn ang="0">
-                <a:pos x="connsiteX1" y="connsiteY1"/>
-              </a:cxn>
-              <a:cxn ang="0">
-                <a:pos x="connsiteX2" y="connsiteY2"/>
-              </a:cxn>
-              <a:cxn ang="0">
-                <a:pos x="connsiteX3" y="connsiteY3"/>
-              </a:cxn>
-            </a:cxnLst>
-            <a:rect l="l" t="t" r="r" b="b"/>
-            <a:pathLst>
-              <a:path w="9601200" h="4559300">
-                <a:moveTo>
-                  <a:pt x="0" y="0"/>
-                </a:moveTo>
-                <a:lnTo>
-                  <a:pt x="9601200" y="0"/>
-                </a:lnTo>
-                <a:lnTo>
-                  <a:pt x="9601200" y="4559300"/>
-                </a:lnTo>
-                <a:lnTo>
-                  <a:pt x="0" y="4559300"/>
-                </a:lnTo>
-                <a:close/>
-              </a:path>
-            </a:pathLst>
-          </a:custGeom>
-          <a:noFill/>
-          <a:ln w="9516" cap="flat">
-            <a:noFill/>
-            <a:prstDash val="solid"/>
-            <a:miter/>
-          </a:ln>
-        </p:spPr>
-        <p:txBody>
-          <a:bodyPr rtlCol="0" anchor="ctr"/>
-          <a:lstStyle/>
-          <a:p>
-            <a:endParaRPr lang="en-US"/>
-          </a:p>
-        </p:txBody>
-      </p:sp>
-      <p:sp>
-        <p:nvSpPr>
-          <p:cNvPr id="9" name="TextBox 8">
-            <a:extLst>
-              <a:ext uri="{FF2B5EF4-FFF2-40B4-BE49-F238E27FC236}">
-                <a16:creationId xmlns:a16="http://schemas.microsoft.com/office/drawing/2014/main" id="{0A0AA6F9-D0A7-4A51-82F0-4B68D60DA3E2}"/>
-              </a:ext>
-            </a:extLst>
-          </p:cNvPr>
-          <p:cNvSpPr txBox="1"/>
-          <p:nvPr/>
-        </p:nvSpPr>
-        <p:spPr>
-          <a:xfrm>
-            <a:off x="1195809" y="6174169"/>
-            <a:ext cx="8813953" cy="461665"/>
-          </a:xfrm>
-          <a:prstGeom prst="rect">
-            <a:avLst/>
-          </a:prstGeom>
-          <a:noFill/>
-        </p:spPr>
-        <p:txBody>
-          <a:bodyPr wrap="square" rtlCol="0">
-            <a:spAutoFit/>
-          </a:bodyPr>
-          <a:lstStyle/>
-          <a:p>
-            <a:r>
-              <a:rPr lang="en-US" sz="1200" dirty="0"/>
-              <a:t>New Zealand eScience Infrastructure. (n.d.). </a:t>
-            </a:r>
-            <a:r>
-              <a:rPr lang="en-US" sz="1200" i="1" dirty="0"/>
-              <a:t>High performance computing and analytics. </a:t>
-            </a:r>
-            <a:r>
-              <a:rPr lang="en-US" sz="1200" dirty="0"/>
-              <a:t>https://www.nesi.org.nz/services/high-performance-computing-and-data-analytics</a:t>
-            </a:r>
-            <a:endParaRPr lang="en-NZ" dirty="0"/>
-          </a:p>
-        </p:txBody>
-      </p:sp>
-      <p:pic>
-        <p:nvPicPr>
-          <p:cNvPr id="4" name="Picture 3" descr="Graphical user interface&#10;&#10;Description automatically generated">
-            <a:extLst>
-              <a:ext uri="{FF2B5EF4-FFF2-40B4-BE49-F238E27FC236}">
-                <a16:creationId xmlns:a16="http://schemas.microsoft.com/office/drawing/2014/main" id="{DCBA266A-AEBC-4332-98FD-73DF3E5B0BCA}"/>
-              </a:ext>
-            </a:extLst>
-          </p:cNvPr>
-          <p:cNvPicPr>
-            <a:picLocks noChangeAspect="1"/>
-          </p:cNvPicPr>
-          <p:nvPr/>
-        </p:nvPicPr>
-        <p:blipFill>
-          <a:blip r:embed="rId3">
-            <a:extLst>
-              <a:ext uri="{28A0092B-C50C-407E-A947-70E740481C1C}">
-                <a14:useLocalDpi xmlns:a14="http://schemas.microsoft.com/office/drawing/2010/main" val="0"/>
-              </a:ext>
-            </a:extLst>
-          </a:blip>
-          <a:stretch>
-            <a:fillRect/>
-          </a:stretch>
-        </p:blipFill>
-        <p:spPr>
-          <a:xfrm>
-            <a:off x="1295400" y="2709155"/>
-            <a:ext cx="7146912" cy="3024037"/>
-          </a:xfrm>
-          <a:prstGeom prst="rect">
-            <a:avLst/>
-          </a:prstGeom>
-        </p:spPr>
-      </p:pic>
-    </p:spTree>
-    <p:extLst>
-      <p:ext uri="{BB962C8B-B14F-4D97-AF65-F5344CB8AC3E}">
-        <p14:creationId xmlns:p14="http://schemas.microsoft.com/office/powerpoint/2010/main" val="259222386"/>
       </p:ext>
     </p:extLst>
   </p:cSld>
@@ -15161,15 +18816,6 @@
 </file>
 
 <file path=customXml/item1.xml><?xml version="1.0" encoding="utf-8"?>
-<?mso-contentType ?>
-<FormTemplates xmlns="http://schemas.microsoft.com/sharepoint/v3/contenttype/forms">
-  <Display>DocumentLibraryForm</Display>
-  <Edit>DocumentLibraryForm</Edit>
-  <New>DocumentLibraryForm</New>
-</FormTemplates>
-</file>
-
-<file path=customXml/item2.xml><?xml version="1.0" encoding="utf-8"?>
 <p:properties xmlns:p="http://schemas.microsoft.com/office/2006/metadata/properties" xmlns:xsi="http://www.w3.org/2001/XMLSchema-instance" xmlns:pc="http://schemas.microsoft.com/office/infopath/2007/PartnerControls">
   <documentManagement>
     <SharedWithUsers xmlns="1321ec05-a228-4152-8efc-820037d40b09">
@@ -15181,6 +18827,15 @@
     </SharedWithUsers>
   </documentManagement>
 </p:properties>
+</file>
+
+<file path=customXml/item2.xml><?xml version="1.0" encoding="utf-8"?>
+<?mso-contentType ?>
+<FormTemplates xmlns="http://schemas.microsoft.com/sharepoint/v3/contenttype/forms">
+  <Display>DocumentLibraryForm</Display>
+  <Edit>DocumentLibraryForm</Edit>
+  <New>DocumentLibraryForm</New>
+</FormTemplates>
 </file>
 
 <file path=customXml/item3.xml><?xml version="1.0" encoding="utf-8"?>
@@ -15395,14 +19050,6 @@
 </file>
 
 <file path=customXml/itemProps1.xml><?xml version="1.0" encoding="utf-8"?>
-<ds:datastoreItem xmlns:ds="http://schemas.openxmlformats.org/officeDocument/2006/customXml" ds:itemID="{F6ED402E-DD36-4F3E-A9FD-188E648C086C}">
-  <ds:schemaRefs>
-    <ds:schemaRef ds:uri="http://schemas.microsoft.com/sharepoint/v3/contenttype/forms"/>
-  </ds:schemaRefs>
-</ds:datastoreItem>
-</file>
-
-<file path=customXml/itemProps2.xml><?xml version="1.0" encoding="utf-8"?>
 <ds:datastoreItem xmlns:ds="http://schemas.openxmlformats.org/officeDocument/2006/customXml" ds:itemID="{C9C532D3-F020-43BC-B760-8D11FBF4D646}">
   <ds:schemaRefs>
     <ds:schemaRef ds:uri="1321ec05-a228-4152-8efc-820037d40b09"/>
@@ -15415,6 +19062,14 @@
     <ds:schemaRef ds:uri="http://schemas.microsoft.com/office/infopath/2007/PartnerControls"/>
     <ds:schemaRef ds:uri="http://schemas.openxmlformats.org/package/2006/metadata/core-properties"/>
     <ds:schemaRef ds:uri="http://www.w3.org/XML/1998/namespace"/>
+  </ds:schemaRefs>
+</ds:datastoreItem>
+</file>
+
+<file path=customXml/itemProps2.xml><?xml version="1.0" encoding="utf-8"?>
+<ds:datastoreItem xmlns:ds="http://schemas.openxmlformats.org/officeDocument/2006/customXml" ds:itemID="{F6ED402E-DD36-4F3E-A9FD-188E648C086C}">
+  <ds:schemaRefs>
+    <ds:schemaRef ds:uri="http://schemas.microsoft.com/sharepoint/v3/contenttype/forms"/>
   </ds:schemaRefs>
 </ds:datastoreItem>
 </file>
